--- a/Prezentacia_NS2021.pptx
+++ b/Prezentacia_NS2021.pptx
@@ -21,9 +21,27 @@
     <p:sldId id="267" r:id="rId16"/>
     <p:sldId id="268" r:id="rId17"/>
     <p:sldId id="269" r:id="rId18"/>
+    <p:sldId id="270" r:id="rId19"/>
+    <p:sldId id="271" r:id="rId20"/>
+    <p:sldId id="272" r:id="rId21"/>
+    <p:sldId id="273" r:id="rId22"/>
+    <p:sldId id="274" r:id="rId23"/>
+    <p:sldId id="275" r:id="rId24"/>
+    <p:sldId id="276" r:id="rId25"/>
+    <p:sldId id="277" r:id="rId26"/>
+    <p:sldId id="278" r:id="rId27"/>
+    <p:sldId id="279" r:id="rId28"/>
+    <p:sldId id="280" r:id="rId29"/>
+    <p:sldId id="281" r:id="rId30"/>
+    <p:sldId id="282" r:id="rId31"/>
+    <p:sldId id="283" r:id="rId32"/>
+    <p:sldId id="284" r:id="rId33"/>
+    <p:sldId id="285" r:id="rId34"/>
+    <p:sldId id="286" r:id="rId35"/>
+    <p:sldId id="287" r:id="rId36"/>
   </p:sldIdLst>
-  <p:sldSz cx="10080625" cy="5670550"/>
-  <p:notesSz cx="7559675" cy="10691812"/>
+  <p:sldSz cx="10077450" cy="5668962"/>
+  <p:notesSz cx="7772400" cy="10058400"/>
 </p:presentation>
 </file>
 
@@ -78,8 +96,8 @@
         </p:nvSpPr>
         <p:spPr>
           <a:xfrm>
-            <a:off x="144000" y="72000"/>
-            <a:ext cx="9540000" cy="648000"/>
+            <a:off x="503640" y="225720"/>
+            <a:ext cx="9068400" cy="946080"/>
           </a:xfrm>
           <a:prstGeom prst="rect">
             <a:avLst/>
@@ -90,6 +108,7 @@
             <a:spAutoFit/>
           </a:bodyPr>
           <a:p>
+            <a:pPr algn="ctr"/>
             <a:endParaRPr b="0" lang="en-US" sz="4400" spc="-1" strike="noStrike">
               <a:latin typeface="Arial"/>
             </a:endParaRPr>
@@ -108,8 +127,8 @@
         </p:nvSpPr>
         <p:spPr>
           <a:xfrm>
-            <a:off x="504000" y="1326600"/>
-            <a:ext cx="9072000" cy="1568160"/>
+            <a:off x="503640" y="1326240"/>
+            <a:ext cx="9068400" cy="1568160"/>
           </a:xfrm>
           <a:prstGeom prst="rect">
             <a:avLst/>
@@ -138,8 +157,8 @@
         </p:nvSpPr>
         <p:spPr>
           <a:xfrm>
-            <a:off x="504000" y="3044160"/>
-            <a:ext cx="9072000" cy="1568160"/>
+            <a:off x="503640" y="3043800"/>
+            <a:ext cx="9068400" cy="1568160"/>
           </a:xfrm>
           <a:prstGeom prst="rect">
             <a:avLst/>
@@ -190,8 +209,8 @@
         </p:nvSpPr>
         <p:spPr>
           <a:xfrm>
-            <a:off x="144000" y="72000"/>
-            <a:ext cx="9540000" cy="648000"/>
+            <a:off x="503640" y="225720"/>
+            <a:ext cx="9068400" cy="946080"/>
           </a:xfrm>
           <a:prstGeom prst="rect">
             <a:avLst/>
@@ -202,6 +221,7 @@
             <a:spAutoFit/>
           </a:bodyPr>
           <a:p>
+            <a:pPr algn="ctr"/>
             <a:endParaRPr b="0" lang="en-US" sz="4400" spc="-1" strike="noStrike">
               <a:latin typeface="Arial"/>
             </a:endParaRPr>
@@ -220,8 +240,8 @@
         </p:nvSpPr>
         <p:spPr>
           <a:xfrm>
-            <a:off x="504000" y="1326600"/>
-            <a:ext cx="4426920" cy="1568160"/>
+            <a:off x="503640" y="1326240"/>
+            <a:ext cx="4425120" cy="1568160"/>
           </a:xfrm>
           <a:prstGeom prst="rect">
             <a:avLst/>
@@ -250,8 +270,8 @@
         </p:nvSpPr>
         <p:spPr>
           <a:xfrm>
-            <a:off x="5152680" y="1326600"/>
-            <a:ext cx="4426920" cy="1568160"/>
+            <a:off x="5150520" y="1326240"/>
+            <a:ext cx="4425120" cy="1568160"/>
           </a:xfrm>
           <a:prstGeom prst="rect">
             <a:avLst/>
@@ -280,8 +300,8 @@
         </p:nvSpPr>
         <p:spPr>
           <a:xfrm>
-            <a:off x="504000" y="3044160"/>
-            <a:ext cx="4426920" cy="1568160"/>
+            <a:off x="503640" y="3043800"/>
+            <a:ext cx="4425120" cy="1568160"/>
           </a:xfrm>
           <a:prstGeom prst="rect">
             <a:avLst/>
@@ -310,8 +330,8 @@
         </p:nvSpPr>
         <p:spPr>
           <a:xfrm>
-            <a:off x="5152680" y="3044160"/>
-            <a:ext cx="4426920" cy="1568160"/>
+            <a:off x="5150520" y="3043800"/>
+            <a:ext cx="4425120" cy="1568160"/>
           </a:xfrm>
           <a:prstGeom prst="rect">
             <a:avLst/>
@@ -362,8 +382,8 @@
         </p:nvSpPr>
         <p:spPr>
           <a:xfrm>
-            <a:off x="144000" y="72000"/>
-            <a:ext cx="9540000" cy="648000"/>
+            <a:off x="503640" y="225720"/>
+            <a:ext cx="9068400" cy="946080"/>
           </a:xfrm>
           <a:prstGeom prst="rect">
             <a:avLst/>
@@ -374,6 +394,7 @@
             <a:spAutoFit/>
           </a:bodyPr>
           <a:p>
+            <a:pPr algn="ctr"/>
             <a:endParaRPr b="0" lang="en-US" sz="4400" spc="-1" strike="noStrike">
               <a:latin typeface="Arial"/>
             </a:endParaRPr>
@@ -392,8 +413,8 @@
         </p:nvSpPr>
         <p:spPr>
           <a:xfrm>
-            <a:off x="504000" y="1326600"/>
-            <a:ext cx="2921040" cy="1568160"/>
+            <a:off x="503640" y="1326240"/>
+            <a:ext cx="2919960" cy="1568160"/>
           </a:xfrm>
           <a:prstGeom prst="rect">
             <a:avLst/>
@@ -422,8 +443,8 @@
         </p:nvSpPr>
         <p:spPr>
           <a:xfrm>
-            <a:off x="3571560" y="1326600"/>
-            <a:ext cx="2921040" cy="1568160"/>
+            <a:off x="3570120" y="1326240"/>
+            <a:ext cx="2919960" cy="1568160"/>
           </a:xfrm>
           <a:prstGeom prst="rect">
             <a:avLst/>
@@ -452,8 +473,8 @@
         </p:nvSpPr>
         <p:spPr>
           <a:xfrm>
-            <a:off x="6639120" y="1326600"/>
-            <a:ext cx="2921040" cy="1568160"/>
+            <a:off x="6636240" y="1326240"/>
+            <a:ext cx="2919960" cy="1568160"/>
           </a:xfrm>
           <a:prstGeom prst="rect">
             <a:avLst/>
@@ -482,8 +503,8 @@
         </p:nvSpPr>
         <p:spPr>
           <a:xfrm>
-            <a:off x="504000" y="3044160"/>
-            <a:ext cx="2921040" cy="1568160"/>
+            <a:off x="503640" y="3043800"/>
+            <a:ext cx="2919960" cy="1568160"/>
           </a:xfrm>
           <a:prstGeom prst="rect">
             <a:avLst/>
@@ -512,8 +533,8 @@
         </p:nvSpPr>
         <p:spPr>
           <a:xfrm>
-            <a:off x="3571560" y="3044160"/>
-            <a:ext cx="2921040" cy="1568160"/>
+            <a:off x="3570120" y="3043800"/>
+            <a:ext cx="2919960" cy="1568160"/>
           </a:xfrm>
           <a:prstGeom prst="rect">
             <a:avLst/>
@@ -542,8 +563,8 @@
         </p:nvSpPr>
         <p:spPr>
           <a:xfrm>
-            <a:off x="6639120" y="3044160"/>
-            <a:ext cx="2921040" cy="1568160"/>
+            <a:off x="6636240" y="3043800"/>
+            <a:ext cx="2919960" cy="1568160"/>
           </a:xfrm>
           <a:prstGeom prst="rect">
             <a:avLst/>
@@ -606,7 +627,7 @@
       </p:grpSpPr>
       <p:sp>
         <p:nvSpPr>
-          <p:cNvPr id="44" name="PlaceHolder 1"/>
+          <p:cNvPr id="42" name="PlaceHolder 1"/>
           <p:cNvSpPr>
             <a:spLocks noGrp="1"/>
           </p:cNvSpPr>
@@ -616,8 +637,8 @@
         </p:nvSpPr>
         <p:spPr>
           <a:xfrm>
-            <a:off x="144000" y="72000"/>
-            <a:ext cx="9540000" cy="648000"/>
+            <a:off x="503640" y="225720"/>
+            <a:ext cx="9068400" cy="946080"/>
           </a:xfrm>
           <a:prstGeom prst="rect">
             <a:avLst/>
@@ -628,6 +649,7 @@
             <a:spAutoFit/>
           </a:bodyPr>
           <a:p>
+            <a:pPr algn="ctr"/>
             <a:endParaRPr b="0" lang="en-US" sz="4400" spc="-1" strike="noStrike">
               <a:latin typeface="Arial"/>
             </a:endParaRPr>
@@ -636,7 +658,7 @@
       </p:sp>
       <p:sp>
         <p:nvSpPr>
-          <p:cNvPr id="45" name="PlaceHolder 2"/>
+          <p:cNvPr id="43" name="PlaceHolder 2"/>
           <p:cNvSpPr>
             <a:spLocks noGrp="1"/>
           </p:cNvSpPr>
@@ -646,8 +668,8 @@
         </p:nvSpPr>
         <p:spPr>
           <a:xfrm>
-            <a:off x="504000" y="1326600"/>
-            <a:ext cx="9072000" cy="3288240"/>
+            <a:off x="503640" y="1326240"/>
+            <a:ext cx="9068400" cy="3287880"/>
           </a:xfrm>
           <a:prstGeom prst="rect">
             <a:avLst/>
@@ -689,7 +711,7 @@
       </p:grpSpPr>
       <p:sp>
         <p:nvSpPr>
-          <p:cNvPr id="46" name="PlaceHolder 1"/>
+          <p:cNvPr id="44" name="PlaceHolder 1"/>
           <p:cNvSpPr>
             <a:spLocks noGrp="1"/>
           </p:cNvSpPr>
@@ -699,8 +721,8 @@
         </p:nvSpPr>
         <p:spPr>
           <a:xfrm>
-            <a:off x="144000" y="72000"/>
-            <a:ext cx="9540000" cy="648000"/>
+            <a:off x="503640" y="225720"/>
+            <a:ext cx="9068400" cy="946080"/>
           </a:xfrm>
           <a:prstGeom prst="rect">
             <a:avLst/>
@@ -711,6 +733,7 @@
             <a:spAutoFit/>
           </a:bodyPr>
           <a:p>
+            <a:pPr algn="ctr"/>
             <a:endParaRPr b="0" lang="en-US" sz="4400" spc="-1" strike="noStrike">
               <a:latin typeface="Arial"/>
             </a:endParaRPr>
@@ -719,7 +742,7 @@
       </p:sp>
       <p:sp>
         <p:nvSpPr>
-          <p:cNvPr id="47" name="PlaceHolder 2"/>
+          <p:cNvPr id="45" name="PlaceHolder 2"/>
           <p:cNvSpPr>
             <a:spLocks noGrp="1"/>
           </p:cNvSpPr>
@@ -729,8 +752,8 @@
         </p:nvSpPr>
         <p:spPr>
           <a:xfrm>
-            <a:off x="504000" y="1326600"/>
-            <a:ext cx="9072000" cy="3288240"/>
+            <a:off x="503640" y="1326240"/>
+            <a:ext cx="9068400" cy="3287880"/>
           </a:xfrm>
           <a:prstGeom prst="rect">
             <a:avLst/>
@@ -771,7 +794,7 @@
       </p:grpSpPr>
       <p:sp>
         <p:nvSpPr>
-          <p:cNvPr id="48" name="PlaceHolder 1"/>
+          <p:cNvPr id="46" name="PlaceHolder 1"/>
           <p:cNvSpPr>
             <a:spLocks noGrp="1"/>
           </p:cNvSpPr>
@@ -781,8 +804,8 @@
         </p:nvSpPr>
         <p:spPr>
           <a:xfrm>
-            <a:off x="144000" y="72000"/>
-            <a:ext cx="9540000" cy="648000"/>
+            <a:off x="503640" y="225720"/>
+            <a:ext cx="9068400" cy="946080"/>
           </a:xfrm>
           <a:prstGeom prst="rect">
             <a:avLst/>
@@ -793,6 +816,7 @@
             <a:spAutoFit/>
           </a:bodyPr>
           <a:p>
+            <a:pPr algn="ctr"/>
             <a:endParaRPr b="0" lang="en-US" sz="4400" spc="-1" strike="noStrike">
               <a:latin typeface="Arial"/>
             </a:endParaRPr>
@@ -801,7 +825,7 @@
       </p:sp>
       <p:sp>
         <p:nvSpPr>
-          <p:cNvPr id="49" name="PlaceHolder 2"/>
+          <p:cNvPr id="47" name="PlaceHolder 2"/>
           <p:cNvSpPr>
             <a:spLocks noGrp="1"/>
           </p:cNvSpPr>
@@ -811,8 +835,8 @@
         </p:nvSpPr>
         <p:spPr>
           <a:xfrm>
-            <a:off x="504000" y="1326600"/>
-            <a:ext cx="4426920" cy="3288240"/>
+            <a:off x="503640" y="1326240"/>
+            <a:ext cx="4425120" cy="3287880"/>
           </a:xfrm>
           <a:prstGeom prst="rect">
             <a:avLst/>
@@ -831,7 +855,7 @@
       </p:sp>
       <p:sp>
         <p:nvSpPr>
-          <p:cNvPr id="50" name="PlaceHolder 3"/>
+          <p:cNvPr id="48" name="PlaceHolder 3"/>
           <p:cNvSpPr>
             <a:spLocks noGrp="1"/>
           </p:cNvSpPr>
@@ -841,8 +865,8 @@
         </p:nvSpPr>
         <p:spPr>
           <a:xfrm>
-            <a:off x="5152680" y="1326600"/>
-            <a:ext cx="4426920" cy="3288240"/>
+            <a:off x="5150520" y="1326240"/>
+            <a:ext cx="4425120" cy="3287880"/>
           </a:xfrm>
           <a:prstGeom prst="rect">
             <a:avLst/>
@@ -883,7 +907,7 @@
       </p:grpSpPr>
       <p:sp>
         <p:nvSpPr>
-          <p:cNvPr id="51" name="PlaceHolder 1"/>
+          <p:cNvPr id="49" name="PlaceHolder 1"/>
           <p:cNvSpPr>
             <a:spLocks noGrp="1"/>
           </p:cNvSpPr>
@@ -893,8 +917,8 @@
         </p:nvSpPr>
         <p:spPr>
           <a:xfrm>
-            <a:off x="144000" y="72000"/>
-            <a:ext cx="9540000" cy="648000"/>
+            <a:off x="503640" y="225720"/>
+            <a:ext cx="9068400" cy="946080"/>
           </a:xfrm>
           <a:prstGeom prst="rect">
             <a:avLst/>
@@ -905,6 +929,7 @@
             <a:spAutoFit/>
           </a:bodyPr>
           <a:p>
+            <a:pPr algn="ctr"/>
             <a:endParaRPr b="0" lang="en-US" sz="4400" spc="-1" strike="noStrike">
               <a:latin typeface="Arial"/>
             </a:endParaRPr>
@@ -935,7 +960,7 @@
       </p:grpSpPr>
       <p:sp>
         <p:nvSpPr>
-          <p:cNvPr id="52" name="PlaceHolder 1"/>
+          <p:cNvPr id="50" name="PlaceHolder 1"/>
           <p:cNvSpPr>
             <a:spLocks noGrp="1"/>
           </p:cNvSpPr>
@@ -945,8 +970,8 @@
         </p:nvSpPr>
         <p:spPr>
           <a:xfrm>
-            <a:off x="144000" y="72000"/>
-            <a:ext cx="9540000" cy="3004920"/>
+            <a:off x="503640" y="225720"/>
+            <a:ext cx="9068400" cy="4386600"/>
           </a:xfrm>
           <a:prstGeom prst="rect">
             <a:avLst/>
@@ -988,7 +1013,7 @@
       </p:grpSpPr>
       <p:sp>
         <p:nvSpPr>
-          <p:cNvPr id="53" name="PlaceHolder 1"/>
+          <p:cNvPr id="51" name="PlaceHolder 1"/>
           <p:cNvSpPr>
             <a:spLocks noGrp="1"/>
           </p:cNvSpPr>
@@ -998,8 +1023,8 @@
         </p:nvSpPr>
         <p:spPr>
           <a:xfrm>
-            <a:off x="144000" y="72000"/>
-            <a:ext cx="9540000" cy="648000"/>
+            <a:off x="503640" y="225720"/>
+            <a:ext cx="9068400" cy="946080"/>
           </a:xfrm>
           <a:prstGeom prst="rect">
             <a:avLst/>
@@ -1010,6 +1035,7 @@
             <a:spAutoFit/>
           </a:bodyPr>
           <a:p>
+            <a:pPr algn="ctr"/>
             <a:endParaRPr b="0" lang="en-US" sz="4400" spc="-1" strike="noStrike">
               <a:latin typeface="Arial"/>
             </a:endParaRPr>
@@ -1018,7 +1044,7 @@
       </p:sp>
       <p:sp>
         <p:nvSpPr>
-          <p:cNvPr id="54" name="PlaceHolder 2"/>
+          <p:cNvPr id="52" name="PlaceHolder 2"/>
           <p:cNvSpPr>
             <a:spLocks noGrp="1"/>
           </p:cNvSpPr>
@@ -1028,8 +1054,8 @@
         </p:nvSpPr>
         <p:spPr>
           <a:xfrm>
-            <a:off x="504000" y="1326600"/>
-            <a:ext cx="4426920" cy="1568160"/>
+            <a:off x="503640" y="1326240"/>
+            <a:ext cx="4425120" cy="1568160"/>
           </a:xfrm>
           <a:prstGeom prst="rect">
             <a:avLst/>
@@ -1048,7 +1074,7 @@
       </p:sp>
       <p:sp>
         <p:nvSpPr>
-          <p:cNvPr id="55" name="PlaceHolder 3"/>
+          <p:cNvPr id="53" name="PlaceHolder 3"/>
           <p:cNvSpPr>
             <a:spLocks noGrp="1"/>
           </p:cNvSpPr>
@@ -1058,8 +1084,8 @@
         </p:nvSpPr>
         <p:spPr>
           <a:xfrm>
-            <a:off x="5152680" y="1326600"/>
-            <a:ext cx="4426920" cy="3288240"/>
+            <a:off x="5150520" y="1326240"/>
+            <a:ext cx="4425120" cy="3287880"/>
           </a:xfrm>
           <a:prstGeom prst="rect">
             <a:avLst/>
@@ -1078,7 +1104,7 @@
       </p:sp>
       <p:sp>
         <p:nvSpPr>
-          <p:cNvPr id="56" name="PlaceHolder 4"/>
+          <p:cNvPr id="54" name="PlaceHolder 4"/>
           <p:cNvSpPr>
             <a:spLocks noGrp="1"/>
           </p:cNvSpPr>
@@ -1088,8 +1114,8 @@
         </p:nvSpPr>
         <p:spPr>
           <a:xfrm>
-            <a:off x="504000" y="3044160"/>
-            <a:ext cx="4426920" cy="1568160"/>
+            <a:off x="503640" y="3043800"/>
+            <a:ext cx="4425120" cy="1568160"/>
           </a:xfrm>
           <a:prstGeom prst="rect">
             <a:avLst/>
@@ -1140,8 +1166,8 @@
         </p:nvSpPr>
         <p:spPr>
           <a:xfrm>
-            <a:off x="144000" y="72000"/>
-            <a:ext cx="9540000" cy="648000"/>
+            <a:off x="503640" y="225720"/>
+            <a:ext cx="9068400" cy="946080"/>
           </a:xfrm>
           <a:prstGeom prst="rect">
             <a:avLst/>
@@ -1152,6 +1178,7 @@
             <a:spAutoFit/>
           </a:bodyPr>
           <a:p>
+            <a:pPr algn="ctr"/>
             <a:endParaRPr b="0" lang="en-US" sz="4400" spc="-1" strike="noStrike">
               <a:latin typeface="Arial"/>
             </a:endParaRPr>
@@ -1170,8 +1197,8 @@
         </p:nvSpPr>
         <p:spPr>
           <a:xfrm>
-            <a:off x="504000" y="1326600"/>
-            <a:ext cx="9072000" cy="3288240"/>
+            <a:off x="503640" y="1326240"/>
+            <a:ext cx="9068400" cy="3287880"/>
           </a:xfrm>
           <a:prstGeom prst="rect">
             <a:avLst/>
@@ -1213,7 +1240,7 @@
       </p:grpSpPr>
       <p:sp>
         <p:nvSpPr>
-          <p:cNvPr id="57" name="PlaceHolder 1"/>
+          <p:cNvPr id="55" name="PlaceHolder 1"/>
           <p:cNvSpPr>
             <a:spLocks noGrp="1"/>
           </p:cNvSpPr>
@@ -1223,8 +1250,8 @@
         </p:nvSpPr>
         <p:spPr>
           <a:xfrm>
-            <a:off x="144000" y="72000"/>
-            <a:ext cx="9540000" cy="648000"/>
+            <a:off x="503640" y="225720"/>
+            <a:ext cx="9068400" cy="946080"/>
           </a:xfrm>
           <a:prstGeom prst="rect">
             <a:avLst/>
@@ -1235,6 +1262,7 @@
             <a:spAutoFit/>
           </a:bodyPr>
           <a:p>
+            <a:pPr algn="ctr"/>
             <a:endParaRPr b="0" lang="en-US" sz="4400" spc="-1" strike="noStrike">
               <a:latin typeface="Arial"/>
             </a:endParaRPr>
@@ -1243,7 +1271,7 @@
       </p:sp>
       <p:sp>
         <p:nvSpPr>
-          <p:cNvPr id="58" name="PlaceHolder 2"/>
+          <p:cNvPr id="56" name="PlaceHolder 2"/>
           <p:cNvSpPr>
             <a:spLocks noGrp="1"/>
           </p:cNvSpPr>
@@ -1253,8 +1281,8 @@
         </p:nvSpPr>
         <p:spPr>
           <a:xfrm>
-            <a:off x="504000" y="1326600"/>
-            <a:ext cx="4426920" cy="3288240"/>
+            <a:off x="503640" y="1326240"/>
+            <a:ext cx="4425120" cy="3287880"/>
           </a:xfrm>
           <a:prstGeom prst="rect">
             <a:avLst/>
@@ -1273,7 +1301,7 @@
       </p:sp>
       <p:sp>
         <p:nvSpPr>
-          <p:cNvPr id="59" name="PlaceHolder 3"/>
+          <p:cNvPr id="57" name="PlaceHolder 3"/>
           <p:cNvSpPr>
             <a:spLocks noGrp="1"/>
           </p:cNvSpPr>
@@ -1283,8 +1311,8 @@
         </p:nvSpPr>
         <p:spPr>
           <a:xfrm>
-            <a:off x="5152680" y="1326600"/>
-            <a:ext cx="4426920" cy="1568160"/>
+            <a:off x="5150520" y="1326240"/>
+            <a:ext cx="4425120" cy="1568160"/>
           </a:xfrm>
           <a:prstGeom prst="rect">
             <a:avLst/>
@@ -1303,7 +1331,7 @@
       </p:sp>
       <p:sp>
         <p:nvSpPr>
-          <p:cNvPr id="60" name="PlaceHolder 4"/>
+          <p:cNvPr id="58" name="PlaceHolder 4"/>
           <p:cNvSpPr>
             <a:spLocks noGrp="1"/>
           </p:cNvSpPr>
@@ -1313,8 +1341,8 @@
         </p:nvSpPr>
         <p:spPr>
           <a:xfrm>
-            <a:off x="5152680" y="3044160"/>
-            <a:ext cx="4426920" cy="1568160"/>
+            <a:off x="5150520" y="3043800"/>
+            <a:ext cx="4425120" cy="1568160"/>
           </a:xfrm>
           <a:prstGeom prst="rect">
             <a:avLst/>
@@ -1355,7 +1383,7 @@
       </p:grpSpPr>
       <p:sp>
         <p:nvSpPr>
-          <p:cNvPr id="61" name="PlaceHolder 1"/>
+          <p:cNvPr id="59" name="PlaceHolder 1"/>
           <p:cNvSpPr>
             <a:spLocks noGrp="1"/>
           </p:cNvSpPr>
@@ -1365,8 +1393,8 @@
         </p:nvSpPr>
         <p:spPr>
           <a:xfrm>
-            <a:off x="144000" y="72000"/>
-            <a:ext cx="9540000" cy="648000"/>
+            <a:off x="503640" y="225720"/>
+            <a:ext cx="9068400" cy="946080"/>
           </a:xfrm>
           <a:prstGeom prst="rect">
             <a:avLst/>
@@ -1377,6 +1405,7 @@
             <a:spAutoFit/>
           </a:bodyPr>
           <a:p>
+            <a:pPr algn="ctr"/>
             <a:endParaRPr b="0" lang="en-US" sz="4400" spc="-1" strike="noStrike">
               <a:latin typeface="Arial"/>
             </a:endParaRPr>
@@ -1385,7 +1414,7 @@
       </p:sp>
       <p:sp>
         <p:nvSpPr>
-          <p:cNvPr id="62" name="PlaceHolder 2"/>
+          <p:cNvPr id="60" name="PlaceHolder 2"/>
           <p:cNvSpPr>
             <a:spLocks noGrp="1"/>
           </p:cNvSpPr>
@@ -1395,8 +1424,8 @@
         </p:nvSpPr>
         <p:spPr>
           <a:xfrm>
-            <a:off x="504000" y="1326600"/>
-            <a:ext cx="4426920" cy="1568160"/>
+            <a:off x="503640" y="1326240"/>
+            <a:ext cx="4425120" cy="1568160"/>
           </a:xfrm>
           <a:prstGeom prst="rect">
             <a:avLst/>
@@ -1415,7 +1444,7 @@
       </p:sp>
       <p:sp>
         <p:nvSpPr>
-          <p:cNvPr id="63" name="PlaceHolder 3"/>
+          <p:cNvPr id="61" name="PlaceHolder 3"/>
           <p:cNvSpPr>
             <a:spLocks noGrp="1"/>
           </p:cNvSpPr>
@@ -1425,8 +1454,8 @@
         </p:nvSpPr>
         <p:spPr>
           <a:xfrm>
-            <a:off x="5152680" y="1326600"/>
-            <a:ext cx="4426920" cy="1568160"/>
+            <a:off x="5150520" y="1326240"/>
+            <a:ext cx="4425120" cy="1568160"/>
           </a:xfrm>
           <a:prstGeom prst="rect">
             <a:avLst/>
@@ -1445,7 +1474,7 @@
       </p:sp>
       <p:sp>
         <p:nvSpPr>
-          <p:cNvPr id="64" name="PlaceHolder 4"/>
+          <p:cNvPr id="62" name="PlaceHolder 4"/>
           <p:cNvSpPr>
             <a:spLocks noGrp="1"/>
           </p:cNvSpPr>
@@ -1455,8 +1484,8 @@
         </p:nvSpPr>
         <p:spPr>
           <a:xfrm>
-            <a:off x="504000" y="3044160"/>
-            <a:ext cx="9072000" cy="1568160"/>
+            <a:off x="503640" y="3043800"/>
+            <a:ext cx="9068400" cy="1568160"/>
           </a:xfrm>
           <a:prstGeom prst="rect">
             <a:avLst/>
@@ -1497,7 +1526,7 @@
       </p:grpSpPr>
       <p:sp>
         <p:nvSpPr>
-          <p:cNvPr id="65" name="PlaceHolder 1"/>
+          <p:cNvPr id="63" name="PlaceHolder 1"/>
           <p:cNvSpPr>
             <a:spLocks noGrp="1"/>
           </p:cNvSpPr>
@@ -1507,8 +1536,8 @@
         </p:nvSpPr>
         <p:spPr>
           <a:xfrm>
-            <a:off x="144000" y="72000"/>
-            <a:ext cx="9540000" cy="648000"/>
+            <a:off x="503640" y="225720"/>
+            <a:ext cx="9068400" cy="946080"/>
           </a:xfrm>
           <a:prstGeom prst="rect">
             <a:avLst/>
@@ -1519,6 +1548,7 @@
             <a:spAutoFit/>
           </a:bodyPr>
           <a:p>
+            <a:pPr algn="ctr"/>
             <a:endParaRPr b="0" lang="en-US" sz="4400" spc="-1" strike="noStrike">
               <a:latin typeface="Arial"/>
             </a:endParaRPr>
@@ -1527,7 +1557,7 @@
       </p:sp>
       <p:sp>
         <p:nvSpPr>
-          <p:cNvPr id="66" name="PlaceHolder 2"/>
+          <p:cNvPr id="64" name="PlaceHolder 2"/>
           <p:cNvSpPr>
             <a:spLocks noGrp="1"/>
           </p:cNvSpPr>
@@ -1537,8 +1567,8 @@
         </p:nvSpPr>
         <p:spPr>
           <a:xfrm>
-            <a:off x="504000" y="1326600"/>
-            <a:ext cx="9072000" cy="1568160"/>
+            <a:off x="503640" y="1326240"/>
+            <a:ext cx="9068400" cy="1568160"/>
           </a:xfrm>
           <a:prstGeom prst="rect">
             <a:avLst/>
@@ -1557,7 +1587,7 @@
       </p:sp>
       <p:sp>
         <p:nvSpPr>
-          <p:cNvPr id="67" name="PlaceHolder 3"/>
+          <p:cNvPr id="65" name="PlaceHolder 3"/>
           <p:cNvSpPr>
             <a:spLocks noGrp="1"/>
           </p:cNvSpPr>
@@ -1567,8 +1597,8 @@
         </p:nvSpPr>
         <p:spPr>
           <a:xfrm>
-            <a:off x="504000" y="3044160"/>
-            <a:ext cx="9072000" cy="1568160"/>
+            <a:off x="503640" y="3043800"/>
+            <a:ext cx="9068400" cy="1568160"/>
           </a:xfrm>
           <a:prstGeom prst="rect">
             <a:avLst/>
@@ -1609,7 +1639,7 @@
       </p:grpSpPr>
       <p:sp>
         <p:nvSpPr>
-          <p:cNvPr id="68" name="PlaceHolder 1"/>
+          <p:cNvPr id="66" name="PlaceHolder 1"/>
           <p:cNvSpPr>
             <a:spLocks noGrp="1"/>
           </p:cNvSpPr>
@@ -1619,8 +1649,8 @@
         </p:nvSpPr>
         <p:spPr>
           <a:xfrm>
-            <a:off x="144000" y="72000"/>
-            <a:ext cx="9540000" cy="648000"/>
+            <a:off x="503640" y="225720"/>
+            <a:ext cx="9068400" cy="946080"/>
           </a:xfrm>
           <a:prstGeom prst="rect">
             <a:avLst/>
@@ -1631,6 +1661,7 @@
             <a:spAutoFit/>
           </a:bodyPr>
           <a:p>
+            <a:pPr algn="ctr"/>
             <a:endParaRPr b="0" lang="en-US" sz="4400" spc="-1" strike="noStrike">
               <a:latin typeface="Arial"/>
             </a:endParaRPr>
@@ -1639,7 +1670,7 @@
       </p:sp>
       <p:sp>
         <p:nvSpPr>
-          <p:cNvPr id="69" name="PlaceHolder 2"/>
+          <p:cNvPr id="67" name="PlaceHolder 2"/>
           <p:cNvSpPr>
             <a:spLocks noGrp="1"/>
           </p:cNvSpPr>
@@ -1649,8 +1680,8 @@
         </p:nvSpPr>
         <p:spPr>
           <a:xfrm>
-            <a:off x="504000" y="1326600"/>
-            <a:ext cx="4426920" cy="1568160"/>
+            <a:off x="503640" y="1326240"/>
+            <a:ext cx="4425120" cy="1568160"/>
           </a:xfrm>
           <a:prstGeom prst="rect">
             <a:avLst/>
@@ -1669,7 +1700,7 @@
       </p:sp>
       <p:sp>
         <p:nvSpPr>
-          <p:cNvPr id="70" name="PlaceHolder 3"/>
+          <p:cNvPr id="68" name="PlaceHolder 3"/>
           <p:cNvSpPr>
             <a:spLocks noGrp="1"/>
           </p:cNvSpPr>
@@ -1679,8 +1710,8 @@
         </p:nvSpPr>
         <p:spPr>
           <a:xfrm>
-            <a:off x="5152680" y="1326600"/>
-            <a:ext cx="4426920" cy="1568160"/>
+            <a:off x="5150520" y="1326240"/>
+            <a:ext cx="4425120" cy="1568160"/>
           </a:xfrm>
           <a:prstGeom prst="rect">
             <a:avLst/>
@@ -1699,7 +1730,7 @@
       </p:sp>
       <p:sp>
         <p:nvSpPr>
-          <p:cNvPr id="71" name="PlaceHolder 4"/>
+          <p:cNvPr id="69" name="PlaceHolder 4"/>
           <p:cNvSpPr>
             <a:spLocks noGrp="1"/>
           </p:cNvSpPr>
@@ -1709,8 +1740,8 @@
         </p:nvSpPr>
         <p:spPr>
           <a:xfrm>
-            <a:off x="504000" y="3044160"/>
-            <a:ext cx="4426920" cy="1568160"/>
+            <a:off x="503640" y="3043800"/>
+            <a:ext cx="4425120" cy="1568160"/>
           </a:xfrm>
           <a:prstGeom prst="rect">
             <a:avLst/>
@@ -1729,7 +1760,7 @@
       </p:sp>
       <p:sp>
         <p:nvSpPr>
-          <p:cNvPr id="72" name="PlaceHolder 5"/>
+          <p:cNvPr id="70" name="PlaceHolder 5"/>
           <p:cNvSpPr>
             <a:spLocks noGrp="1"/>
           </p:cNvSpPr>
@@ -1739,8 +1770,8 @@
         </p:nvSpPr>
         <p:spPr>
           <a:xfrm>
-            <a:off x="5152680" y="3044160"/>
-            <a:ext cx="4426920" cy="1568160"/>
+            <a:off x="5150520" y="3043800"/>
+            <a:ext cx="4425120" cy="1568160"/>
           </a:xfrm>
           <a:prstGeom prst="rect">
             <a:avLst/>
@@ -1781,7 +1812,7 @@
       </p:grpSpPr>
       <p:sp>
         <p:nvSpPr>
-          <p:cNvPr id="73" name="PlaceHolder 1"/>
+          <p:cNvPr id="71" name="PlaceHolder 1"/>
           <p:cNvSpPr>
             <a:spLocks noGrp="1"/>
           </p:cNvSpPr>
@@ -1791,8 +1822,8 @@
         </p:nvSpPr>
         <p:spPr>
           <a:xfrm>
-            <a:off x="144000" y="72000"/>
-            <a:ext cx="9540000" cy="648000"/>
+            <a:off x="503640" y="225720"/>
+            <a:ext cx="9068400" cy="946080"/>
           </a:xfrm>
           <a:prstGeom prst="rect">
             <a:avLst/>
@@ -1803,6 +1834,7 @@
             <a:spAutoFit/>
           </a:bodyPr>
           <a:p>
+            <a:pPr algn="ctr"/>
             <a:endParaRPr b="0" lang="en-US" sz="4400" spc="-1" strike="noStrike">
               <a:latin typeface="Arial"/>
             </a:endParaRPr>
@@ -1811,7 +1843,7 @@
       </p:sp>
       <p:sp>
         <p:nvSpPr>
-          <p:cNvPr id="74" name="PlaceHolder 2"/>
+          <p:cNvPr id="72" name="PlaceHolder 2"/>
           <p:cNvSpPr>
             <a:spLocks noGrp="1"/>
           </p:cNvSpPr>
@@ -1821,8 +1853,8 @@
         </p:nvSpPr>
         <p:spPr>
           <a:xfrm>
-            <a:off x="504000" y="1326600"/>
-            <a:ext cx="2921040" cy="1568160"/>
+            <a:off x="503640" y="1326240"/>
+            <a:ext cx="2919960" cy="1568160"/>
           </a:xfrm>
           <a:prstGeom prst="rect">
             <a:avLst/>
@@ -1841,7 +1873,7 @@
       </p:sp>
       <p:sp>
         <p:nvSpPr>
-          <p:cNvPr id="75" name="PlaceHolder 3"/>
+          <p:cNvPr id="73" name="PlaceHolder 3"/>
           <p:cNvSpPr>
             <a:spLocks noGrp="1"/>
           </p:cNvSpPr>
@@ -1851,8 +1883,8 @@
         </p:nvSpPr>
         <p:spPr>
           <a:xfrm>
-            <a:off x="3571560" y="1326600"/>
-            <a:ext cx="2921040" cy="1568160"/>
+            <a:off x="3570120" y="1326240"/>
+            <a:ext cx="2919960" cy="1568160"/>
           </a:xfrm>
           <a:prstGeom prst="rect">
             <a:avLst/>
@@ -1871,7 +1903,7 @@
       </p:sp>
       <p:sp>
         <p:nvSpPr>
-          <p:cNvPr id="76" name="PlaceHolder 4"/>
+          <p:cNvPr id="74" name="PlaceHolder 4"/>
           <p:cNvSpPr>
             <a:spLocks noGrp="1"/>
           </p:cNvSpPr>
@@ -1881,8 +1913,8 @@
         </p:nvSpPr>
         <p:spPr>
           <a:xfrm>
-            <a:off x="6639120" y="1326600"/>
-            <a:ext cx="2921040" cy="1568160"/>
+            <a:off x="6636240" y="1326240"/>
+            <a:ext cx="2919960" cy="1568160"/>
           </a:xfrm>
           <a:prstGeom prst="rect">
             <a:avLst/>
@@ -1901,7 +1933,7 @@
       </p:sp>
       <p:sp>
         <p:nvSpPr>
-          <p:cNvPr id="77" name="PlaceHolder 5"/>
+          <p:cNvPr id="75" name="PlaceHolder 5"/>
           <p:cNvSpPr>
             <a:spLocks noGrp="1"/>
           </p:cNvSpPr>
@@ -1911,8 +1943,8 @@
         </p:nvSpPr>
         <p:spPr>
           <a:xfrm>
-            <a:off x="504000" y="3044160"/>
-            <a:ext cx="2921040" cy="1568160"/>
+            <a:off x="503640" y="3043800"/>
+            <a:ext cx="2919960" cy="1568160"/>
           </a:xfrm>
           <a:prstGeom prst="rect">
             <a:avLst/>
@@ -1931,7 +1963,7 @@
       </p:sp>
       <p:sp>
         <p:nvSpPr>
-          <p:cNvPr id="78" name="PlaceHolder 6"/>
+          <p:cNvPr id="76" name="PlaceHolder 6"/>
           <p:cNvSpPr>
             <a:spLocks noGrp="1"/>
           </p:cNvSpPr>
@@ -1941,8 +1973,8 @@
         </p:nvSpPr>
         <p:spPr>
           <a:xfrm>
-            <a:off x="3571560" y="3044160"/>
-            <a:ext cx="2921040" cy="1568160"/>
+            <a:off x="3570120" y="3043800"/>
+            <a:ext cx="2919960" cy="1568160"/>
           </a:xfrm>
           <a:prstGeom prst="rect">
             <a:avLst/>
@@ -1961,7 +1993,7 @@
       </p:sp>
       <p:sp>
         <p:nvSpPr>
-          <p:cNvPr id="79" name="PlaceHolder 7"/>
+          <p:cNvPr id="77" name="PlaceHolder 7"/>
           <p:cNvSpPr>
             <a:spLocks noGrp="1"/>
           </p:cNvSpPr>
@@ -1971,8 +2003,8 @@
         </p:nvSpPr>
         <p:spPr>
           <a:xfrm>
-            <a:off x="6639120" y="3044160"/>
-            <a:ext cx="2921040" cy="1568160"/>
+            <a:off x="6636240" y="3043800"/>
+            <a:ext cx="2919960" cy="1568160"/>
           </a:xfrm>
           <a:prstGeom prst="rect">
             <a:avLst/>
@@ -2035,7 +2067,7 @@
       </p:grpSpPr>
       <p:sp>
         <p:nvSpPr>
-          <p:cNvPr id="85" name="PlaceHolder 1"/>
+          <p:cNvPr id="80" name="PlaceHolder 1"/>
           <p:cNvSpPr>
             <a:spLocks noGrp="1"/>
           </p:cNvSpPr>
@@ -2045,8 +2077,8 @@
         </p:nvSpPr>
         <p:spPr>
           <a:xfrm>
-            <a:off x="144000" y="72000"/>
-            <a:ext cx="9540000" cy="648000"/>
+            <a:off x="503640" y="225720"/>
+            <a:ext cx="9068400" cy="946080"/>
           </a:xfrm>
           <a:prstGeom prst="rect">
             <a:avLst/>
@@ -2057,6 +2089,7 @@
             <a:spAutoFit/>
           </a:bodyPr>
           <a:p>
+            <a:pPr algn="ctr"/>
             <a:endParaRPr b="0" lang="en-US" sz="4400" spc="-1" strike="noStrike">
               <a:latin typeface="Arial"/>
             </a:endParaRPr>
@@ -2065,7 +2098,7 @@
       </p:sp>
       <p:sp>
         <p:nvSpPr>
-          <p:cNvPr id="86" name="PlaceHolder 2"/>
+          <p:cNvPr id="81" name="PlaceHolder 2"/>
           <p:cNvSpPr>
             <a:spLocks noGrp="1"/>
           </p:cNvSpPr>
@@ -2075,8 +2108,8 @@
         </p:nvSpPr>
         <p:spPr>
           <a:xfrm>
-            <a:off x="504000" y="1326600"/>
-            <a:ext cx="9072000" cy="3288240"/>
+            <a:off x="503640" y="1326240"/>
+            <a:ext cx="9068400" cy="3287880"/>
           </a:xfrm>
           <a:prstGeom prst="rect">
             <a:avLst/>
@@ -2118,7 +2151,7 @@
       </p:grpSpPr>
       <p:sp>
         <p:nvSpPr>
-          <p:cNvPr id="87" name="PlaceHolder 1"/>
+          <p:cNvPr id="82" name="PlaceHolder 1"/>
           <p:cNvSpPr>
             <a:spLocks noGrp="1"/>
           </p:cNvSpPr>
@@ -2128,8 +2161,8 @@
         </p:nvSpPr>
         <p:spPr>
           <a:xfrm>
-            <a:off x="144000" y="72000"/>
-            <a:ext cx="9540000" cy="648000"/>
+            <a:off x="503640" y="225720"/>
+            <a:ext cx="9068400" cy="946080"/>
           </a:xfrm>
           <a:prstGeom prst="rect">
             <a:avLst/>
@@ -2140,6 +2173,7 @@
             <a:spAutoFit/>
           </a:bodyPr>
           <a:p>
+            <a:pPr algn="ctr"/>
             <a:endParaRPr b="0" lang="en-US" sz="4400" spc="-1" strike="noStrike">
               <a:latin typeface="Arial"/>
             </a:endParaRPr>
@@ -2148,7 +2182,7 @@
       </p:sp>
       <p:sp>
         <p:nvSpPr>
-          <p:cNvPr id="88" name="PlaceHolder 2"/>
+          <p:cNvPr id="83" name="PlaceHolder 2"/>
           <p:cNvSpPr>
             <a:spLocks noGrp="1"/>
           </p:cNvSpPr>
@@ -2158,8 +2192,8 @@
         </p:nvSpPr>
         <p:spPr>
           <a:xfrm>
-            <a:off x="504000" y="1326600"/>
-            <a:ext cx="9072000" cy="3288240"/>
+            <a:off x="503640" y="1326240"/>
+            <a:ext cx="9068400" cy="3287880"/>
           </a:xfrm>
           <a:prstGeom prst="rect">
             <a:avLst/>
@@ -2200,7 +2234,7 @@
       </p:grpSpPr>
       <p:sp>
         <p:nvSpPr>
-          <p:cNvPr id="89" name="PlaceHolder 1"/>
+          <p:cNvPr id="84" name="PlaceHolder 1"/>
           <p:cNvSpPr>
             <a:spLocks noGrp="1"/>
           </p:cNvSpPr>
@@ -2210,8 +2244,8 @@
         </p:nvSpPr>
         <p:spPr>
           <a:xfrm>
-            <a:off x="144000" y="72000"/>
-            <a:ext cx="9540000" cy="648000"/>
+            <a:off x="503640" y="225720"/>
+            <a:ext cx="9068400" cy="946080"/>
           </a:xfrm>
           <a:prstGeom prst="rect">
             <a:avLst/>
@@ -2222,6 +2256,7 @@
             <a:spAutoFit/>
           </a:bodyPr>
           <a:p>
+            <a:pPr algn="ctr"/>
             <a:endParaRPr b="0" lang="en-US" sz="4400" spc="-1" strike="noStrike">
               <a:latin typeface="Arial"/>
             </a:endParaRPr>
@@ -2230,7 +2265,7 @@
       </p:sp>
       <p:sp>
         <p:nvSpPr>
-          <p:cNvPr id="90" name="PlaceHolder 2"/>
+          <p:cNvPr id="85" name="PlaceHolder 2"/>
           <p:cNvSpPr>
             <a:spLocks noGrp="1"/>
           </p:cNvSpPr>
@@ -2240,8 +2275,8 @@
         </p:nvSpPr>
         <p:spPr>
           <a:xfrm>
-            <a:off x="504000" y="1326600"/>
-            <a:ext cx="4426920" cy="3288240"/>
+            <a:off x="503640" y="1326240"/>
+            <a:ext cx="4425120" cy="3287880"/>
           </a:xfrm>
           <a:prstGeom prst="rect">
             <a:avLst/>
@@ -2260,7 +2295,7 @@
       </p:sp>
       <p:sp>
         <p:nvSpPr>
-          <p:cNvPr id="91" name="PlaceHolder 3"/>
+          <p:cNvPr id="86" name="PlaceHolder 3"/>
           <p:cNvSpPr>
             <a:spLocks noGrp="1"/>
           </p:cNvSpPr>
@@ -2270,8 +2305,8 @@
         </p:nvSpPr>
         <p:spPr>
           <a:xfrm>
-            <a:off x="5152680" y="1326600"/>
-            <a:ext cx="4426920" cy="3288240"/>
+            <a:off x="5150520" y="1326240"/>
+            <a:ext cx="4425120" cy="3287880"/>
           </a:xfrm>
           <a:prstGeom prst="rect">
             <a:avLst/>
@@ -2312,7 +2347,7 @@
       </p:grpSpPr>
       <p:sp>
         <p:nvSpPr>
-          <p:cNvPr id="92" name="PlaceHolder 1"/>
+          <p:cNvPr id="87" name="PlaceHolder 1"/>
           <p:cNvSpPr>
             <a:spLocks noGrp="1"/>
           </p:cNvSpPr>
@@ -2322,8 +2357,8 @@
         </p:nvSpPr>
         <p:spPr>
           <a:xfrm>
-            <a:off x="144000" y="72000"/>
-            <a:ext cx="9540000" cy="648000"/>
+            <a:off x="503640" y="225720"/>
+            <a:ext cx="9068400" cy="946080"/>
           </a:xfrm>
           <a:prstGeom prst="rect">
             <a:avLst/>
@@ -2334,6 +2369,7 @@
             <a:spAutoFit/>
           </a:bodyPr>
           <a:p>
+            <a:pPr algn="ctr"/>
             <a:endParaRPr b="0" lang="en-US" sz="4400" spc="-1" strike="noStrike">
               <a:latin typeface="Arial"/>
             </a:endParaRPr>
@@ -2374,8 +2410,8 @@
         </p:nvSpPr>
         <p:spPr>
           <a:xfrm>
-            <a:off x="144000" y="72000"/>
-            <a:ext cx="9540000" cy="648000"/>
+            <a:off x="503640" y="225720"/>
+            <a:ext cx="9068400" cy="946080"/>
           </a:xfrm>
           <a:prstGeom prst="rect">
             <a:avLst/>
@@ -2386,6 +2422,7 @@
             <a:spAutoFit/>
           </a:bodyPr>
           <a:p>
+            <a:pPr algn="ctr"/>
             <a:endParaRPr b="0" lang="en-US" sz="4400" spc="-1" strike="noStrike">
               <a:latin typeface="Arial"/>
             </a:endParaRPr>
@@ -2404,8 +2441,8 @@
         </p:nvSpPr>
         <p:spPr>
           <a:xfrm>
-            <a:off x="504000" y="1326600"/>
-            <a:ext cx="9072000" cy="3288240"/>
+            <a:off x="503640" y="1326240"/>
+            <a:ext cx="9068400" cy="3287880"/>
           </a:xfrm>
           <a:prstGeom prst="rect">
             <a:avLst/>
@@ -2446,7 +2483,7 @@
       </p:grpSpPr>
       <p:sp>
         <p:nvSpPr>
-          <p:cNvPr id="93" name="PlaceHolder 1"/>
+          <p:cNvPr id="88" name="PlaceHolder 1"/>
           <p:cNvSpPr>
             <a:spLocks noGrp="1"/>
           </p:cNvSpPr>
@@ -2456,8 +2493,8 @@
         </p:nvSpPr>
         <p:spPr>
           <a:xfrm>
-            <a:off x="144000" y="72000"/>
-            <a:ext cx="9540000" cy="3004920"/>
+            <a:off x="503640" y="225720"/>
+            <a:ext cx="9068400" cy="4386600"/>
           </a:xfrm>
           <a:prstGeom prst="rect">
             <a:avLst/>
@@ -2499,7 +2536,7 @@
       </p:grpSpPr>
       <p:sp>
         <p:nvSpPr>
-          <p:cNvPr id="94" name="PlaceHolder 1"/>
+          <p:cNvPr id="89" name="PlaceHolder 1"/>
           <p:cNvSpPr>
             <a:spLocks noGrp="1"/>
           </p:cNvSpPr>
@@ -2509,8 +2546,8 @@
         </p:nvSpPr>
         <p:spPr>
           <a:xfrm>
-            <a:off x="144000" y="72000"/>
-            <a:ext cx="9540000" cy="648000"/>
+            <a:off x="503640" y="225720"/>
+            <a:ext cx="9068400" cy="946080"/>
           </a:xfrm>
           <a:prstGeom prst="rect">
             <a:avLst/>
@@ -2521,6 +2558,7 @@
             <a:spAutoFit/>
           </a:bodyPr>
           <a:p>
+            <a:pPr algn="ctr"/>
             <a:endParaRPr b="0" lang="en-US" sz="4400" spc="-1" strike="noStrike">
               <a:latin typeface="Arial"/>
             </a:endParaRPr>
@@ -2529,7 +2567,7 @@
       </p:sp>
       <p:sp>
         <p:nvSpPr>
-          <p:cNvPr id="95" name="PlaceHolder 2"/>
+          <p:cNvPr id="90" name="PlaceHolder 2"/>
           <p:cNvSpPr>
             <a:spLocks noGrp="1"/>
           </p:cNvSpPr>
@@ -2539,8 +2577,8 @@
         </p:nvSpPr>
         <p:spPr>
           <a:xfrm>
-            <a:off x="504000" y="1326600"/>
-            <a:ext cx="4426920" cy="1568160"/>
+            <a:off x="503640" y="1326240"/>
+            <a:ext cx="4425120" cy="1568160"/>
           </a:xfrm>
           <a:prstGeom prst="rect">
             <a:avLst/>
@@ -2559,7 +2597,7 @@
       </p:sp>
       <p:sp>
         <p:nvSpPr>
-          <p:cNvPr id="96" name="PlaceHolder 3"/>
+          <p:cNvPr id="91" name="PlaceHolder 3"/>
           <p:cNvSpPr>
             <a:spLocks noGrp="1"/>
           </p:cNvSpPr>
@@ -2569,8 +2607,8 @@
         </p:nvSpPr>
         <p:spPr>
           <a:xfrm>
-            <a:off x="5152680" y="1326600"/>
-            <a:ext cx="4426920" cy="3288240"/>
+            <a:off x="5150520" y="1326240"/>
+            <a:ext cx="4425120" cy="3287880"/>
           </a:xfrm>
           <a:prstGeom prst="rect">
             <a:avLst/>
@@ -2589,7 +2627,7 @@
       </p:sp>
       <p:sp>
         <p:nvSpPr>
-          <p:cNvPr id="97" name="PlaceHolder 4"/>
+          <p:cNvPr id="92" name="PlaceHolder 4"/>
           <p:cNvSpPr>
             <a:spLocks noGrp="1"/>
           </p:cNvSpPr>
@@ -2599,8 +2637,8 @@
         </p:nvSpPr>
         <p:spPr>
           <a:xfrm>
-            <a:off x="504000" y="3044160"/>
-            <a:ext cx="4426920" cy="1568160"/>
+            <a:off x="503640" y="3043800"/>
+            <a:ext cx="4425120" cy="1568160"/>
           </a:xfrm>
           <a:prstGeom prst="rect">
             <a:avLst/>
@@ -2641,7 +2679,7 @@
       </p:grpSpPr>
       <p:sp>
         <p:nvSpPr>
-          <p:cNvPr id="98" name="PlaceHolder 1"/>
+          <p:cNvPr id="93" name="PlaceHolder 1"/>
           <p:cNvSpPr>
             <a:spLocks noGrp="1"/>
           </p:cNvSpPr>
@@ -2651,8 +2689,8 @@
         </p:nvSpPr>
         <p:spPr>
           <a:xfrm>
-            <a:off x="144000" y="72000"/>
-            <a:ext cx="9540000" cy="648000"/>
+            <a:off x="503640" y="225720"/>
+            <a:ext cx="9068400" cy="946080"/>
           </a:xfrm>
           <a:prstGeom prst="rect">
             <a:avLst/>
@@ -2663,6 +2701,7 @@
             <a:spAutoFit/>
           </a:bodyPr>
           <a:p>
+            <a:pPr algn="ctr"/>
             <a:endParaRPr b="0" lang="en-US" sz="4400" spc="-1" strike="noStrike">
               <a:latin typeface="Arial"/>
             </a:endParaRPr>
@@ -2671,7 +2710,7 @@
       </p:sp>
       <p:sp>
         <p:nvSpPr>
-          <p:cNvPr id="99" name="PlaceHolder 2"/>
+          <p:cNvPr id="94" name="PlaceHolder 2"/>
           <p:cNvSpPr>
             <a:spLocks noGrp="1"/>
           </p:cNvSpPr>
@@ -2681,8 +2720,8 @@
         </p:nvSpPr>
         <p:spPr>
           <a:xfrm>
-            <a:off x="504000" y="1326600"/>
-            <a:ext cx="4426920" cy="3288240"/>
+            <a:off x="503640" y="1326240"/>
+            <a:ext cx="4425120" cy="3287880"/>
           </a:xfrm>
           <a:prstGeom prst="rect">
             <a:avLst/>
@@ -2701,7 +2740,7 @@
       </p:sp>
       <p:sp>
         <p:nvSpPr>
-          <p:cNvPr id="100" name="PlaceHolder 3"/>
+          <p:cNvPr id="95" name="PlaceHolder 3"/>
           <p:cNvSpPr>
             <a:spLocks noGrp="1"/>
           </p:cNvSpPr>
@@ -2711,8 +2750,8 @@
         </p:nvSpPr>
         <p:spPr>
           <a:xfrm>
-            <a:off x="5152680" y="1326600"/>
-            <a:ext cx="4426920" cy="1568160"/>
+            <a:off x="5150520" y="1326240"/>
+            <a:ext cx="4425120" cy="1568160"/>
           </a:xfrm>
           <a:prstGeom prst="rect">
             <a:avLst/>
@@ -2731,7 +2770,7 @@
       </p:sp>
       <p:sp>
         <p:nvSpPr>
-          <p:cNvPr id="101" name="PlaceHolder 4"/>
+          <p:cNvPr id="96" name="PlaceHolder 4"/>
           <p:cNvSpPr>
             <a:spLocks noGrp="1"/>
           </p:cNvSpPr>
@@ -2741,8 +2780,8 @@
         </p:nvSpPr>
         <p:spPr>
           <a:xfrm>
-            <a:off x="5152680" y="3044160"/>
-            <a:ext cx="4426920" cy="1568160"/>
+            <a:off x="5150520" y="3043800"/>
+            <a:ext cx="4425120" cy="1568160"/>
           </a:xfrm>
           <a:prstGeom prst="rect">
             <a:avLst/>
@@ -2783,7 +2822,7 @@
       </p:grpSpPr>
       <p:sp>
         <p:nvSpPr>
-          <p:cNvPr id="102" name="PlaceHolder 1"/>
+          <p:cNvPr id="97" name="PlaceHolder 1"/>
           <p:cNvSpPr>
             <a:spLocks noGrp="1"/>
           </p:cNvSpPr>
@@ -2793,8 +2832,8 @@
         </p:nvSpPr>
         <p:spPr>
           <a:xfrm>
-            <a:off x="144000" y="72000"/>
-            <a:ext cx="9540000" cy="648000"/>
+            <a:off x="503640" y="225720"/>
+            <a:ext cx="9068400" cy="946080"/>
           </a:xfrm>
           <a:prstGeom prst="rect">
             <a:avLst/>
@@ -2805,6 +2844,7 @@
             <a:spAutoFit/>
           </a:bodyPr>
           <a:p>
+            <a:pPr algn="ctr"/>
             <a:endParaRPr b="0" lang="en-US" sz="4400" spc="-1" strike="noStrike">
               <a:latin typeface="Arial"/>
             </a:endParaRPr>
@@ -2813,7 +2853,7 @@
       </p:sp>
       <p:sp>
         <p:nvSpPr>
-          <p:cNvPr id="103" name="PlaceHolder 2"/>
+          <p:cNvPr id="98" name="PlaceHolder 2"/>
           <p:cNvSpPr>
             <a:spLocks noGrp="1"/>
           </p:cNvSpPr>
@@ -2823,8 +2863,8 @@
         </p:nvSpPr>
         <p:spPr>
           <a:xfrm>
-            <a:off x="504000" y="1326600"/>
-            <a:ext cx="4426920" cy="1568160"/>
+            <a:off x="503640" y="1326240"/>
+            <a:ext cx="4425120" cy="1568160"/>
           </a:xfrm>
           <a:prstGeom prst="rect">
             <a:avLst/>
@@ -2843,7 +2883,7 @@
       </p:sp>
       <p:sp>
         <p:nvSpPr>
-          <p:cNvPr id="104" name="PlaceHolder 3"/>
+          <p:cNvPr id="99" name="PlaceHolder 3"/>
           <p:cNvSpPr>
             <a:spLocks noGrp="1"/>
           </p:cNvSpPr>
@@ -2853,8 +2893,8 @@
         </p:nvSpPr>
         <p:spPr>
           <a:xfrm>
-            <a:off x="5152680" y="1326600"/>
-            <a:ext cx="4426920" cy="1568160"/>
+            <a:off x="5150520" y="1326240"/>
+            <a:ext cx="4425120" cy="1568160"/>
           </a:xfrm>
           <a:prstGeom prst="rect">
             <a:avLst/>
@@ -2873,7 +2913,7 @@
       </p:sp>
       <p:sp>
         <p:nvSpPr>
-          <p:cNvPr id="105" name="PlaceHolder 4"/>
+          <p:cNvPr id="100" name="PlaceHolder 4"/>
           <p:cNvSpPr>
             <a:spLocks noGrp="1"/>
           </p:cNvSpPr>
@@ -2883,8 +2923,8 @@
         </p:nvSpPr>
         <p:spPr>
           <a:xfrm>
-            <a:off x="504000" y="3044160"/>
-            <a:ext cx="9072000" cy="1568160"/>
+            <a:off x="503640" y="3043800"/>
+            <a:ext cx="9068400" cy="1568160"/>
           </a:xfrm>
           <a:prstGeom prst="rect">
             <a:avLst/>
@@ -2925,7 +2965,7 @@
       </p:grpSpPr>
       <p:sp>
         <p:nvSpPr>
-          <p:cNvPr id="106" name="PlaceHolder 1"/>
+          <p:cNvPr id="101" name="PlaceHolder 1"/>
           <p:cNvSpPr>
             <a:spLocks noGrp="1"/>
           </p:cNvSpPr>
@@ -2935,8 +2975,8 @@
         </p:nvSpPr>
         <p:spPr>
           <a:xfrm>
-            <a:off x="144000" y="72000"/>
-            <a:ext cx="9540000" cy="648000"/>
+            <a:off x="503640" y="225720"/>
+            <a:ext cx="9068400" cy="946080"/>
           </a:xfrm>
           <a:prstGeom prst="rect">
             <a:avLst/>
@@ -2947,6 +2987,7 @@
             <a:spAutoFit/>
           </a:bodyPr>
           <a:p>
+            <a:pPr algn="ctr"/>
             <a:endParaRPr b="0" lang="en-US" sz="4400" spc="-1" strike="noStrike">
               <a:latin typeface="Arial"/>
             </a:endParaRPr>
@@ -2955,7 +2996,7 @@
       </p:sp>
       <p:sp>
         <p:nvSpPr>
-          <p:cNvPr id="107" name="PlaceHolder 2"/>
+          <p:cNvPr id="102" name="PlaceHolder 2"/>
           <p:cNvSpPr>
             <a:spLocks noGrp="1"/>
           </p:cNvSpPr>
@@ -2965,8 +3006,8 @@
         </p:nvSpPr>
         <p:spPr>
           <a:xfrm>
-            <a:off x="504000" y="1326600"/>
-            <a:ext cx="9072000" cy="1568160"/>
+            <a:off x="503640" y="1326240"/>
+            <a:ext cx="9068400" cy="1568160"/>
           </a:xfrm>
           <a:prstGeom prst="rect">
             <a:avLst/>
@@ -2985,7 +3026,7 @@
       </p:sp>
       <p:sp>
         <p:nvSpPr>
-          <p:cNvPr id="108" name="PlaceHolder 3"/>
+          <p:cNvPr id="103" name="PlaceHolder 3"/>
           <p:cNvSpPr>
             <a:spLocks noGrp="1"/>
           </p:cNvSpPr>
@@ -2995,8 +3036,8 @@
         </p:nvSpPr>
         <p:spPr>
           <a:xfrm>
-            <a:off x="504000" y="3044160"/>
-            <a:ext cx="9072000" cy="1568160"/>
+            <a:off x="503640" y="3043800"/>
+            <a:ext cx="9068400" cy="1568160"/>
           </a:xfrm>
           <a:prstGeom prst="rect">
             <a:avLst/>
@@ -3037,7 +3078,7 @@
       </p:grpSpPr>
       <p:sp>
         <p:nvSpPr>
-          <p:cNvPr id="109" name="PlaceHolder 1"/>
+          <p:cNvPr id="104" name="PlaceHolder 1"/>
           <p:cNvSpPr>
             <a:spLocks noGrp="1"/>
           </p:cNvSpPr>
@@ -3047,8 +3088,8 @@
         </p:nvSpPr>
         <p:spPr>
           <a:xfrm>
-            <a:off x="144000" y="72000"/>
-            <a:ext cx="9540000" cy="648000"/>
+            <a:off x="503640" y="225720"/>
+            <a:ext cx="9068400" cy="946080"/>
           </a:xfrm>
           <a:prstGeom prst="rect">
             <a:avLst/>
@@ -3059,6 +3100,7 @@
             <a:spAutoFit/>
           </a:bodyPr>
           <a:p>
+            <a:pPr algn="ctr"/>
             <a:endParaRPr b="0" lang="en-US" sz="4400" spc="-1" strike="noStrike">
               <a:latin typeface="Arial"/>
             </a:endParaRPr>
@@ -3067,7 +3109,7 @@
       </p:sp>
       <p:sp>
         <p:nvSpPr>
-          <p:cNvPr id="110" name="PlaceHolder 2"/>
+          <p:cNvPr id="105" name="PlaceHolder 2"/>
           <p:cNvSpPr>
             <a:spLocks noGrp="1"/>
           </p:cNvSpPr>
@@ -3077,8 +3119,8 @@
         </p:nvSpPr>
         <p:spPr>
           <a:xfrm>
-            <a:off x="504000" y="1326600"/>
-            <a:ext cx="4426920" cy="1568160"/>
+            <a:off x="503640" y="1326240"/>
+            <a:ext cx="4425120" cy="1568160"/>
           </a:xfrm>
           <a:prstGeom prst="rect">
             <a:avLst/>
@@ -3097,7 +3139,7 @@
       </p:sp>
       <p:sp>
         <p:nvSpPr>
-          <p:cNvPr id="111" name="PlaceHolder 3"/>
+          <p:cNvPr id="106" name="PlaceHolder 3"/>
           <p:cNvSpPr>
             <a:spLocks noGrp="1"/>
           </p:cNvSpPr>
@@ -3107,8 +3149,8 @@
         </p:nvSpPr>
         <p:spPr>
           <a:xfrm>
-            <a:off x="5152680" y="1326600"/>
-            <a:ext cx="4426920" cy="1568160"/>
+            <a:off x="5150520" y="1326240"/>
+            <a:ext cx="4425120" cy="1568160"/>
           </a:xfrm>
           <a:prstGeom prst="rect">
             <a:avLst/>
@@ -3127,7 +3169,7 @@
       </p:sp>
       <p:sp>
         <p:nvSpPr>
-          <p:cNvPr id="112" name="PlaceHolder 4"/>
+          <p:cNvPr id="107" name="PlaceHolder 4"/>
           <p:cNvSpPr>
             <a:spLocks noGrp="1"/>
           </p:cNvSpPr>
@@ -3137,8 +3179,8 @@
         </p:nvSpPr>
         <p:spPr>
           <a:xfrm>
-            <a:off x="504000" y="3044160"/>
-            <a:ext cx="4426920" cy="1568160"/>
+            <a:off x="503640" y="3043800"/>
+            <a:ext cx="4425120" cy="1568160"/>
           </a:xfrm>
           <a:prstGeom prst="rect">
             <a:avLst/>
@@ -3157,7 +3199,7 @@
       </p:sp>
       <p:sp>
         <p:nvSpPr>
-          <p:cNvPr id="113" name="PlaceHolder 5"/>
+          <p:cNvPr id="108" name="PlaceHolder 5"/>
           <p:cNvSpPr>
             <a:spLocks noGrp="1"/>
           </p:cNvSpPr>
@@ -3167,8 +3209,8 @@
         </p:nvSpPr>
         <p:spPr>
           <a:xfrm>
-            <a:off x="5152680" y="3044160"/>
-            <a:ext cx="4426920" cy="1568160"/>
+            <a:off x="5150520" y="3043800"/>
+            <a:ext cx="4425120" cy="1568160"/>
           </a:xfrm>
           <a:prstGeom prst="rect">
             <a:avLst/>
@@ -3209,7 +3251,7 @@
       </p:grpSpPr>
       <p:sp>
         <p:nvSpPr>
-          <p:cNvPr id="114" name="PlaceHolder 1"/>
+          <p:cNvPr id="109" name="PlaceHolder 1"/>
           <p:cNvSpPr>
             <a:spLocks noGrp="1"/>
           </p:cNvSpPr>
@@ -3219,8 +3261,8 @@
         </p:nvSpPr>
         <p:spPr>
           <a:xfrm>
-            <a:off x="144000" y="72000"/>
-            <a:ext cx="9540000" cy="648000"/>
+            <a:off x="503640" y="225720"/>
+            <a:ext cx="9068400" cy="946080"/>
           </a:xfrm>
           <a:prstGeom prst="rect">
             <a:avLst/>
@@ -3231,6 +3273,7 @@
             <a:spAutoFit/>
           </a:bodyPr>
           <a:p>
+            <a:pPr algn="ctr"/>
             <a:endParaRPr b="0" lang="en-US" sz="4400" spc="-1" strike="noStrike">
               <a:latin typeface="Arial"/>
             </a:endParaRPr>
@@ -3239,7 +3282,7 @@
       </p:sp>
       <p:sp>
         <p:nvSpPr>
-          <p:cNvPr id="115" name="PlaceHolder 2"/>
+          <p:cNvPr id="110" name="PlaceHolder 2"/>
           <p:cNvSpPr>
             <a:spLocks noGrp="1"/>
           </p:cNvSpPr>
@@ -3249,8 +3292,8 @@
         </p:nvSpPr>
         <p:spPr>
           <a:xfrm>
-            <a:off x="504000" y="1326600"/>
-            <a:ext cx="2921040" cy="1568160"/>
+            <a:off x="503640" y="1326240"/>
+            <a:ext cx="2919960" cy="1568160"/>
           </a:xfrm>
           <a:prstGeom prst="rect">
             <a:avLst/>
@@ -3269,7 +3312,7 @@
       </p:sp>
       <p:sp>
         <p:nvSpPr>
-          <p:cNvPr id="116" name="PlaceHolder 3"/>
+          <p:cNvPr id="111" name="PlaceHolder 3"/>
           <p:cNvSpPr>
             <a:spLocks noGrp="1"/>
           </p:cNvSpPr>
@@ -3279,8 +3322,8 @@
         </p:nvSpPr>
         <p:spPr>
           <a:xfrm>
-            <a:off x="3571560" y="1326600"/>
-            <a:ext cx="2921040" cy="1568160"/>
+            <a:off x="3570120" y="1326240"/>
+            <a:ext cx="2919960" cy="1568160"/>
           </a:xfrm>
           <a:prstGeom prst="rect">
             <a:avLst/>
@@ -3299,7 +3342,7 @@
       </p:sp>
       <p:sp>
         <p:nvSpPr>
-          <p:cNvPr id="117" name="PlaceHolder 4"/>
+          <p:cNvPr id="112" name="PlaceHolder 4"/>
           <p:cNvSpPr>
             <a:spLocks noGrp="1"/>
           </p:cNvSpPr>
@@ -3309,8 +3352,8 @@
         </p:nvSpPr>
         <p:spPr>
           <a:xfrm>
-            <a:off x="6639120" y="1326600"/>
-            <a:ext cx="2921040" cy="1568160"/>
+            <a:off x="6636240" y="1326240"/>
+            <a:ext cx="2919960" cy="1568160"/>
           </a:xfrm>
           <a:prstGeom prst="rect">
             <a:avLst/>
@@ -3329,7 +3372,7 @@
       </p:sp>
       <p:sp>
         <p:nvSpPr>
-          <p:cNvPr id="118" name="PlaceHolder 5"/>
+          <p:cNvPr id="113" name="PlaceHolder 5"/>
           <p:cNvSpPr>
             <a:spLocks noGrp="1"/>
           </p:cNvSpPr>
@@ -3339,8 +3382,8 @@
         </p:nvSpPr>
         <p:spPr>
           <a:xfrm>
-            <a:off x="504000" y="3044160"/>
-            <a:ext cx="2921040" cy="1568160"/>
+            <a:off x="503640" y="3043800"/>
+            <a:ext cx="2919960" cy="1568160"/>
           </a:xfrm>
           <a:prstGeom prst="rect">
             <a:avLst/>
@@ -3359,7 +3402,7 @@
       </p:sp>
       <p:sp>
         <p:nvSpPr>
-          <p:cNvPr id="119" name="PlaceHolder 6"/>
+          <p:cNvPr id="114" name="PlaceHolder 6"/>
           <p:cNvSpPr>
             <a:spLocks noGrp="1"/>
           </p:cNvSpPr>
@@ -3369,8 +3412,8 @@
         </p:nvSpPr>
         <p:spPr>
           <a:xfrm>
-            <a:off x="3571560" y="3044160"/>
-            <a:ext cx="2921040" cy="1568160"/>
+            <a:off x="3570120" y="3043800"/>
+            <a:ext cx="2919960" cy="1568160"/>
           </a:xfrm>
           <a:prstGeom prst="rect">
             <a:avLst/>
@@ -3389,7 +3432,7 @@
       </p:sp>
       <p:sp>
         <p:nvSpPr>
-          <p:cNvPr id="120" name="PlaceHolder 7"/>
+          <p:cNvPr id="115" name="PlaceHolder 7"/>
           <p:cNvSpPr>
             <a:spLocks noGrp="1"/>
           </p:cNvSpPr>
@@ -3399,8 +3442,8 @@
         </p:nvSpPr>
         <p:spPr>
           <a:xfrm>
-            <a:off x="6639120" y="3044160"/>
-            <a:ext cx="2921040" cy="1568160"/>
+            <a:off x="6636240" y="3043800"/>
+            <a:ext cx="2919960" cy="1568160"/>
           </a:xfrm>
           <a:prstGeom prst="rect">
             <a:avLst/>
@@ -3451,8 +3494,8 @@
         </p:nvSpPr>
         <p:spPr>
           <a:xfrm>
-            <a:off x="144000" y="72000"/>
-            <a:ext cx="9540000" cy="648000"/>
+            <a:off x="503640" y="225720"/>
+            <a:ext cx="9068400" cy="946080"/>
           </a:xfrm>
           <a:prstGeom prst="rect">
             <a:avLst/>
@@ -3463,6 +3506,7 @@
             <a:spAutoFit/>
           </a:bodyPr>
           <a:p>
+            <a:pPr algn="ctr"/>
             <a:endParaRPr b="0" lang="en-US" sz="4400" spc="-1" strike="noStrike">
               <a:latin typeface="Arial"/>
             </a:endParaRPr>
@@ -3481,8 +3525,8 @@
         </p:nvSpPr>
         <p:spPr>
           <a:xfrm>
-            <a:off x="504000" y="1326600"/>
-            <a:ext cx="4426920" cy="3288240"/>
+            <a:off x="503640" y="1326240"/>
+            <a:ext cx="4425120" cy="3287880"/>
           </a:xfrm>
           <a:prstGeom prst="rect">
             <a:avLst/>
@@ -3511,8 +3555,8 @@
         </p:nvSpPr>
         <p:spPr>
           <a:xfrm>
-            <a:off x="5152680" y="1326600"/>
-            <a:ext cx="4426920" cy="3288240"/>
+            <a:off x="5150520" y="1326240"/>
+            <a:ext cx="4425120" cy="3287880"/>
           </a:xfrm>
           <a:prstGeom prst="rect">
             <a:avLst/>
@@ -3563,8 +3607,8 @@
         </p:nvSpPr>
         <p:spPr>
           <a:xfrm>
-            <a:off x="144000" y="72000"/>
-            <a:ext cx="9540000" cy="648000"/>
+            <a:off x="503640" y="225720"/>
+            <a:ext cx="9068400" cy="946080"/>
           </a:xfrm>
           <a:prstGeom prst="rect">
             <a:avLst/>
@@ -3575,6 +3619,7 @@
             <a:spAutoFit/>
           </a:bodyPr>
           <a:p>
+            <a:pPr algn="ctr"/>
             <a:endParaRPr b="0" lang="en-US" sz="4400" spc="-1" strike="noStrike">
               <a:latin typeface="Arial"/>
             </a:endParaRPr>
@@ -3615,8 +3660,8 @@
         </p:nvSpPr>
         <p:spPr>
           <a:xfrm>
-            <a:off x="144000" y="72000"/>
-            <a:ext cx="9540000" cy="3004920"/>
+            <a:off x="503640" y="225720"/>
+            <a:ext cx="9068400" cy="4386600"/>
           </a:xfrm>
           <a:prstGeom prst="rect">
             <a:avLst/>
@@ -3668,8 +3713,8 @@
         </p:nvSpPr>
         <p:spPr>
           <a:xfrm>
-            <a:off x="144000" y="72000"/>
-            <a:ext cx="9540000" cy="648000"/>
+            <a:off x="503640" y="225720"/>
+            <a:ext cx="9068400" cy="946080"/>
           </a:xfrm>
           <a:prstGeom prst="rect">
             <a:avLst/>
@@ -3680,6 +3725,7 @@
             <a:spAutoFit/>
           </a:bodyPr>
           <a:p>
+            <a:pPr algn="ctr"/>
             <a:endParaRPr b="0" lang="en-US" sz="4400" spc="-1" strike="noStrike">
               <a:latin typeface="Arial"/>
             </a:endParaRPr>
@@ -3698,8 +3744,8 @@
         </p:nvSpPr>
         <p:spPr>
           <a:xfrm>
-            <a:off x="504000" y="1326600"/>
-            <a:ext cx="4426920" cy="1568160"/>
+            <a:off x="503640" y="1326240"/>
+            <a:ext cx="4425120" cy="1568160"/>
           </a:xfrm>
           <a:prstGeom prst="rect">
             <a:avLst/>
@@ -3728,8 +3774,8 @@
         </p:nvSpPr>
         <p:spPr>
           <a:xfrm>
-            <a:off x="5152680" y="1326600"/>
-            <a:ext cx="4426920" cy="3288240"/>
+            <a:off x="5150520" y="1326240"/>
+            <a:ext cx="4425120" cy="3287880"/>
           </a:xfrm>
           <a:prstGeom prst="rect">
             <a:avLst/>
@@ -3758,8 +3804,8 @@
         </p:nvSpPr>
         <p:spPr>
           <a:xfrm>
-            <a:off x="504000" y="3044160"/>
-            <a:ext cx="4426920" cy="1568160"/>
+            <a:off x="503640" y="3043800"/>
+            <a:ext cx="4425120" cy="1568160"/>
           </a:xfrm>
           <a:prstGeom prst="rect">
             <a:avLst/>
@@ -3810,8 +3856,8 @@
         </p:nvSpPr>
         <p:spPr>
           <a:xfrm>
-            <a:off x="144000" y="72000"/>
-            <a:ext cx="9540000" cy="648000"/>
+            <a:off x="503640" y="225720"/>
+            <a:ext cx="9068400" cy="946080"/>
           </a:xfrm>
           <a:prstGeom prst="rect">
             <a:avLst/>
@@ -3822,6 +3868,7 @@
             <a:spAutoFit/>
           </a:bodyPr>
           <a:p>
+            <a:pPr algn="ctr"/>
             <a:endParaRPr b="0" lang="en-US" sz="4400" spc="-1" strike="noStrike">
               <a:latin typeface="Arial"/>
             </a:endParaRPr>
@@ -3840,8 +3887,8 @@
         </p:nvSpPr>
         <p:spPr>
           <a:xfrm>
-            <a:off x="504000" y="1326600"/>
-            <a:ext cx="4426920" cy="3288240"/>
+            <a:off x="503640" y="1326240"/>
+            <a:ext cx="4425120" cy="3287880"/>
           </a:xfrm>
           <a:prstGeom prst="rect">
             <a:avLst/>
@@ -3870,8 +3917,8 @@
         </p:nvSpPr>
         <p:spPr>
           <a:xfrm>
-            <a:off x="5152680" y="1326600"/>
-            <a:ext cx="4426920" cy="1568160"/>
+            <a:off x="5150520" y="1326240"/>
+            <a:ext cx="4425120" cy="1568160"/>
           </a:xfrm>
           <a:prstGeom prst="rect">
             <a:avLst/>
@@ -3900,8 +3947,8 @@
         </p:nvSpPr>
         <p:spPr>
           <a:xfrm>
-            <a:off x="5152680" y="3044160"/>
-            <a:ext cx="4426920" cy="1568160"/>
+            <a:off x="5150520" y="3043800"/>
+            <a:ext cx="4425120" cy="1568160"/>
           </a:xfrm>
           <a:prstGeom prst="rect">
             <a:avLst/>
@@ -3952,8 +3999,8 @@
         </p:nvSpPr>
         <p:spPr>
           <a:xfrm>
-            <a:off x="144000" y="72000"/>
-            <a:ext cx="9540000" cy="648000"/>
+            <a:off x="503640" y="225720"/>
+            <a:ext cx="9068400" cy="946080"/>
           </a:xfrm>
           <a:prstGeom prst="rect">
             <a:avLst/>
@@ -3964,6 +4011,7 @@
             <a:spAutoFit/>
           </a:bodyPr>
           <a:p>
+            <a:pPr algn="ctr"/>
             <a:endParaRPr b="0" lang="en-US" sz="4400" spc="-1" strike="noStrike">
               <a:latin typeface="Arial"/>
             </a:endParaRPr>
@@ -3982,8 +4030,8 @@
         </p:nvSpPr>
         <p:spPr>
           <a:xfrm>
-            <a:off x="504000" y="1326600"/>
-            <a:ext cx="4426920" cy="1568160"/>
+            <a:off x="503640" y="1326240"/>
+            <a:ext cx="4425120" cy="1568160"/>
           </a:xfrm>
           <a:prstGeom prst="rect">
             <a:avLst/>
@@ -4012,8 +4060,8 @@
         </p:nvSpPr>
         <p:spPr>
           <a:xfrm>
-            <a:off x="5152680" y="1326600"/>
-            <a:ext cx="4426920" cy="1568160"/>
+            <a:off x="5150520" y="1326240"/>
+            <a:ext cx="4425120" cy="1568160"/>
           </a:xfrm>
           <a:prstGeom prst="rect">
             <a:avLst/>
@@ -4042,8 +4090,8 @@
         </p:nvSpPr>
         <p:spPr>
           <a:xfrm>
-            <a:off x="504000" y="3044160"/>
-            <a:ext cx="9072000" cy="1568160"/>
+            <a:off x="503640" y="3043800"/>
+            <a:ext cx="9068400" cy="1568160"/>
           </a:xfrm>
           <a:prstGeom prst="rect">
             <a:avLst/>
@@ -4094,7 +4142,54 @@
       </p:grpSpPr>
       <p:sp>
         <p:nvSpPr>
-          <p:cNvPr id="0" name="PlaceHolder 1"/>
+          <p:cNvPr id="0" name="CustomShape 1"/>
+          <p:cNvSpPr/>
+          <p:nvPr/>
+        </p:nvSpPr>
+        <p:spPr>
+          <a:xfrm>
+            <a:off x="4102200" y="4894560"/>
+            <a:ext cx="4389840" cy="363960"/>
+          </a:xfrm>
+          <a:prstGeom prst="rect">
+            <a:avLst/>
+          </a:prstGeom>
+          <a:noFill/>
+          <a:ln>
+            <a:noFill/>
+          </a:ln>
+        </p:spPr>
+        <p:style>
+          <a:lnRef idx="0"/>
+          <a:fillRef idx="0"/>
+          <a:effectRef idx="0"/>
+          <a:fontRef idx="minor"/>
+        </p:style>
+        <p:txBody>
+          <a:bodyPr lIns="90000" rIns="90000" tIns="45000" bIns="45000">
+            <a:spAutoFit/>
+          </a:bodyPr>
+          <a:p>
+            <a:pPr>
+              <a:lnSpc>
+                <a:spcPct val="100000"/>
+              </a:lnSpc>
+            </a:pPr>
+            <a:fld id="{F9AA2104-969D-4387-AFDF-216D672889DA}" type="author">
+              <a:rPr b="0" lang="en-US" sz="1800" spc="-1" strike="noStrike">
+                <a:latin typeface="Arial"/>
+              </a:rPr>
+              <a:t> </a:t>
+            </a:fld>
+            <a:endParaRPr b="0" lang="en-US" sz="1800" spc="-1" strike="noStrike">
+              <a:latin typeface="Arial"/>
+            </a:endParaRPr>
+          </a:p>
+        </p:txBody>
+      </p:sp>
+      <p:sp>
+        <p:nvSpPr>
+          <p:cNvPr id="1" name="PlaceHolder 2"/>
           <p:cNvSpPr>
             <a:spLocks noGrp="1"/>
           </p:cNvSpPr>
@@ -4104,8 +4199,8 @@
         </p:nvSpPr>
         <p:spPr>
           <a:xfrm>
-            <a:off x="144000" y="3888000"/>
-            <a:ext cx="9000000" cy="658440"/>
+            <a:off x="143640" y="-77040"/>
+            <a:ext cx="9536040" cy="946440"/>
           </a:xfrm>
           <a:prstGeom prst="rect">
             <a:avLst/>
@@ -4113,24 +4208,24 @@
         </p:spPr>
         <p:txBody>
           <a:bodyPr lIns="0" rIns="0" tIns="0" bIns="0" anchor="ctr">
-            <a:noAutofit/>
+            <a:spAutoFit/>
           </a:bodyPr>
           <a:p>
             <a:r>
-              <a:rPr b="0" lang="en-US" sz="4400" spc="-1" strike="noStrike">
+              <a:rPr b="0" lang="en-US" sz="1800" spc="-1" strike="noStrike">
                 <a:latin typeface="Arial"/>
               </a:rPr>
               <a:t>Click to edit the title text format</a:t>
             </a:r>
-            <a:endParaRPr b="0" lang="en-US" sz="4400" spc="-1" strike="noStrike">
-              <a:latin typeface="Arial"/>
-            </a:endParaRPr>
-          </a:p>
-        </p:txBody>
-      </p:sp>
-      <p:sp>
-        <p:nvSpPr>
-          <p:cNvPr id="1" name="PlaceHolder 2"/>
+            <a:endParaRPr b="0" lang="en-US" sz="1800" spc="-1" strike="noStrike">
+              <a:latin typeface="Arial"/>
+            </a:endParaRPr>
+          </a:p>
+        </p:txBody>
+      </p:sp>
+      <p:sp>
+        <p:nvSpPr>
+          <p:cNvPr id="2" name="PlaceHolder 3"/>
           <p:cNvSpPr>
             <a:spLocks noGrp="1"/>
           </p:cNvSpPr>
@@ -4140,8 +4235,8 @@
         </p:nvSpPr>
         <p:spPr>
           <a:xfrm>
-            <a:off x="1584000" y="648000"/>
-            <a:ext cx="6479640" cy="2598840"/>
+            <a:off x="503640" y="1326240"/>
+            <a:ext cx="9068400" cy="3287880"/>
           </a:xfrm>
           <a:prstGeom prst="rect">
             <a:avLst/>
@@ -4149,13 +4244,19 @@
         </p:spPr>
         <p:txBody>
           <a:bodyPr lIns="0" rIns="0" tIns="0" bIns="0">
-            <a:normAutofit fontScale="91000"/>
-          </a:bodyPr>
-          <a:p>
-            <a:pPr>
+            <a:normAutofit/>
+          </a:bodyPr>
+          <a:p>
+            <a:pPr marL="432000" indent="-324000">
               <a:spcBef>
-                <a:spcPts val="1417"/>
+                <a:spcPts val="1412"/>
               </a:spcBef>
+              <a:buClr>
+                <a:srgbClr val="ffffff"/>
+              </a:buClr>
+              <a:buSzPct val="45000"/>
+              <a:buFont typeface="Wingdings" charset="2"/>
+              <a:buChar char=""/>
             </a:pPr>
             <a:r>
               <a:rPr b="0" lang="en-US" sz="3200" spc="-1" strike="noStrike">
@@ -4168,10 +4269,16 @@
             </a:endParaRPr>
           </a:p>
           <a:p>
-            <a:pPr lvl="1">
+            <a:pPr lvl="1" marL="864000" indent="-324000">
               <a:spcBef>
-                <a:spcPts val="1134"/>
+                <a:spcPts val="1131"/>
               </a:spcBef>
+              <a:buClr>
+                <a:srgbClr val="ffffff"/>
+              </a:buClr>
+              <a:buSzPct val="75000"/>
+              <a:buFont typeface="Symbol" charset="2"/>
+              <a:buChar char=""/>
             </a:pPr>
             <a:r>
               <a:rPr b="0" lang="en-US" sz="2800" spc="-1" strike="noStrike">
@@ -4184,10 +4291,16 @@
             </a:endParaRPr>
           </a:p>
           <a:p>
-            <a:pPr lvl="2">
+            <a:pPr lvl="2" marL="1296000" indent="-288000">
               <a:spcBef>
-                <a:spcPts val="850"/>
+                <a:spcPts val="848"/>
               </a:spcBef>
+              <a:buClr>
+                <a:srgbClr val="ffffff"/>
+              </a:buClr>
+              <a:buSzPct val="45000"/>
+              <a:buFont typeface="Wingdings" charset="2"/>
+              <a:buChar char=""/>
             </a:pPr>
             <a:r>
               <a:rPr b="0" lang="en-US" sz="2400" spc="-1" strike="noStrike">
@@ -4200,10 +4313,16 @@
             </a:endParaRPr>
           </a:p>
           <a:p>
-            <a:pPr lvl="3">
+            <a:pPr lvl="3" marL="1728000" indent="-216000">
               <a:spcBef>
-                <a:spcPts val="567"/>
+                <a:spcPts val="564"/>
               </a:spcBef>
+              <a:buClr>
+                <a:srgbClr val="ffffff"/>
+              </a:buClr>
+              <a:buSzPct val="75000"/>
+              <a:buFont typeface="Symbol" charset="2"/>
+              <a:buChar char=""/>
             </a:pPr>
             <a:r>
               <a:rPr b="0" lang="en-US" sz="2000" spc="-1" strike="noStrike">
@@ -4216,10 +4335,16 @@
             </a:endParaRPr>
           </a:p>
           <a:p>
-            <a:pPr lvl="4">
+            <a:pPr lvl="4" marL="2160000" indent="-216000">
               <a:spcBef>
-                <a:spcPts val="283"/>
+                <a:spcPts val="281"/>
               </a:spcBef>
+              <a:buClr>
+                <a:srgbClr val="ffffff"/>
+              </a:buClr>
+              <a:buSzPct val="45000"/>
+              <a:buFont typeface="Wingdings" charset="2"/>
+              <a:buChar char=""/>
             </a:pPr>
             <a:r>
               <a:rPr b="0" lang="en-US" sz="2000" spc="-1" strike="noStrike">
@@ -4232,10 +4357,16 @@
             </a:endParaRPr>
           </a:p>
           <a:p>
-            <a:pPr lvl="5">
+            <a:pPr lvl="5" marL="2592000" indent="-216000">
               <a:spcBef>
-                <a:spcPts val="283"/>
+                <a:spcPts val="281"/>
               </a:spcBef>
+              <a:buClr>
+                <a:srgbClr val="ffffff"/>
+              </a:buClr>
+              <a:buSzPct val="45000"/>
+              <a:buFont typeface="Wingdings" charset="2"/>
+              <a:buChar char=""/>
             </a:pPr>
             <a:r>
               <a:rPr b="0" lang="en-US" sz="2000" spc="-1" strike="noStrike">
@@ -4248,10 +4379,16 @@
             </a:endParaRPr>
           </a:p>
           <a:p>
-            <a:pPr lvl="6">
+            <a:pPr lvl="6" marL="3024000" indent="-216000">
               <a:spcBef>
-                <a:spcPts val="283"/>
+                <a:spcPts val="281"/>
               </a:spcBef>
+              <a:buClr>
+                <a:srgbClr val="ffffff"/>
+              </a:buClr>
+              <a:buSzPct val="45000"/>
+              <a:buFont typeface="Wingdings" charset="2"/>
+              <a:buChar char=""/>
             </a:pPr>
             <a:r>
               <a:rPr b="0" lang="en-US" sz="2000" spc="-1" strike="noStrike">
@@ -4260,42 +4397,6 @@
               <a:t>Seventh Outline Level</a:t>
             </a:r>
             <a:endParaRPr b="0" lang="en-US" sz="2000" spc="-1" strike="noStrike">
-              <a:latin typeface="Arial"/>
-            </a:endParaRPr>
-          </a:p>
-        </p:txBody>
-      </p:sp>
-      <p:sp>
-        <p:nvSpPr>
-          <p:cNvPr id="2" name="TextShape 3"/>
-          <p:cNvSpPr txBox="1"/>
-          <p:nvPr/>
-        </p:nvSpPr>
-        <p:spPr>
-          <a:xfrm>
-            <a:off x="4104000" y="4896000"/>
-            <a:ext cx="4392000" cy="346320"/>
-          </a:xfrm>
-          <a:prstGeom prst="rect">
-            <a:avLst/>
-          </a:prstGeom>
-          <a:noFill/>
-          <a:ln>
-            <a:noFill/>
-          </a:ln>
-        </p:spPr>
-        <p:txBody>
-          <a:bodyPr lIns="90000" rIns="90000" tIns="45000" bIns="45000">
-            <a:spAutoFit/>
-          </a:bodyPr>
-          <a:p>
-            <a:fld id="{6F5CBAD0-A64F-4DC0-9405-412547141D23}" type="author">
-              <a:rPr b="0" lang="en-US" sz="1800" spc="-1" strike="noStrike">
-                <a:latin typeface="Arial"/>
-              </a:rPr>
-              <a:t> </a:t>
-            </a:fld>
-            <a:endParaRPr b="0" lang="en-US" sz="1800" spc="-1" strike="noStrike">
               <a:latin typeface="Arial"/>
             </a:endParaRPr>
           </a:p>
@@ -4360,8 +4461,8 @@
         </p:nvSpPr>
         <p:spPr>
           <a:xfrm>
-            <a:off x="144000" y="72000"/>
-            <a:ext cx="9540000" cy="648000"/>
+            <a:off x="143640" y="-77040"/>
+            <a:ext cx="9536040" cy="946440"/>
           </a:xfrm>
           <a:prstGeom prst="rect">
             <a:avLst/>
@@ -4369,16 +4470,16 @@
         </p:spPr>
         <p:txBody>
           <a:bodyPr lIns="0" rIns="0" tIns="0" bIns="0" anchor="ctr">
-            <a:noAutofit/>
+            <a:spAutoFit/>
           </a:bodyPr>
           <a:p>
             <a:r>
-              <a:rPr b="0" lang="en-US" sz="4400" spc="-1" strike="noStrike">
+              <a:rPr b="0" lang="en-US" sz="1800" spc="-1" strike="noStrike">
                 <a:latin typeface="Arial"/>
               </a:rPr>
               <a:t>Click to edit the title text format</a:t>
             </a:r>
-            <a:endParaRPr b="0" lang="en-US" sz="4400" spc="-1" strike="noStrike">
+            <a:endParaRPr b="0" lang="en-US" sz="1800" spc="-1" strike="noStrike">
               <a:latin typeface="Arial"/>
             </a:endParaRPr>
           </a:p>
@@ -4396,8 +4497,8 @@
         </p:nvSpPr>
         <p:spPr>
           <a:xfrm>
-            <a:off x="504000" y="1326600"/>
-            <a:ext cx="9071640" cy="3288240"/>
+            <a:off x="503640" y="1326240"/>
+            <a:ext cx="4424760" cy="3287160"/>
           </a:xfrm>
           <a:prstGeom prst="rect">
             <a:avLst/>
@@ -4410,7 +4511,7 @@
           <a:p>
             <a:pPr marL="432000" indent="-324000">
               <a:spcBef>
-                <a:spcPts val="1417"/>
+                <a:spcPts val="1412"/>
               </a:spcBef>
               <a:buClr>
                 <a:srgbClr val="ffffff"/>
@@ -4420,19 +4521,19 @@
               <a:buChar char=""/>
             </a:pPr>
             <a:r>
-              <a:rPr b="0" lang="en-US" sz="3200" spc="-1" strike="noStrike">
+              <a:rPr b="0" lang="en-US" sz="1800" spc="-1" strike="noStrike">
                 <a:latin typeface="Arial"/>
               </a:rPr>
               <a:t>Click to edit the outline text format</a:t>
             </a:r>
-            <a:endParaRPr b="0" lang="en-US" sz="3200" spc="-1" strike="noStrike">
+            <a:endParaRPr b="0" lang="en-US" sz="1800" spc="-1" strike="noStrike">
               <a:latin typeface="Arial"/>
             </a:endParaRPr>
           </a:p>
           <a:p>
             <a:pPr lvl="1" marL="864000" indent="-324000">
               <a:spcBef>
-                <a:spcPts val="1134"/>
+                <a:spcPts val="1131"/>
               </a:spcBef>
               <a:buClr>
                 <a:srgbClr val="ffffff"/>
@@ -4442,19 +4543,19 @@
               <a:buChar char=""/>
             </a:pPr>
             <a:r>
-              <a:rPr b="0" lang="en-US" sz="2800" spc="-1" strike="noStrike">
+              <a:rPr b="0" lang="en-US" sz="1800" spc="-1" strike="noStrike">
                 <a:latin typeface="Arial"/>
               </a:rPr>
               <a:t>Second Outline Level</a:t>
             </a:r>
-            <a:endParaRPr b="0" lang="en-US" sz="2800" spc="-1" strike="noStrike">
+            <a:endParaRPr b="0" lang="en-US" sz="1800" spc="-1" strike="noStrike">
               <a:latin typeface="Arial"/>
             </a:endParaRPr>
           </a:p>
           <a:p>
             <a:pPr lvl="2" marL="1296000" indent="-288000">
               <a:spcBef>
-                <a:spcPts val="850"/>
+                <a:spcPts val="848"/>
               </a:spcBef>
               <a:buClr>
                 <a:srgbClr val="ffffff"/>
@@ -4464,19 +4565,19 @@
               <a:buChar char=""/>
             </a:pPr>
             <a:r>
-              <a:rPr b="0" lang="en-US" sz="2400" spc="-1" strike="noStrike">
+              <a:rPr b="0" lang="en-US" sz="1800" spc="-1" strike="noStrike">
                 <a:latin typeface="Arial"/>
               </a:rPr>
               <a:t>Third Outline Level</a:t>
             </a:r>
-            <a:endParaRPr b="0" lang="en-US" sz="2400" spc="-1" strike="noStrike">
+            <a:endParaRPr b="0" lang="en-US" sz="1800" spc="-1" strike="noStrike">
               <a:latin typeface="Arial"/>
             </a:endParaRPr>
           </a:p>
           <a:p>
             <a:pPr lvl="3" marL="1728000" indent="-216000">
               <a:spcBef>
-                <a:spcPts val="567"/>
+                <a:spcPts val="564"/>
               </a:spcBef>
               <a:buClr>
                 <a:srgbClr val="ffffff"/>
@@ -4486,19 +4587,19 @@
               <a:buChar char=""/>
             </a:pPr>
             <a:r>
-              <a:rPr b="0" lang="en-US" sz="2000" spc="-1" strike="noStrike">
+              <a:rPr b="0" lang="en-US" sz="1800" spc="-1" strike="noStrike">
                 <a:latin typeface="Arial"/>
               </a:rPr>
               <a:t>Fourth Outline Level</a:t>
             </a:r>
-            <a:endParaRPr b="0" lang="en-US" sz="2000" spc="-1" strike="noStrike">
+            <a:endParaRPr b="0" lang="en-US" sz="1800" spc="-1" strike="noStrike">
               <a:latin typeface="Arial"/>
             </a:endParaRPr>
           </a:p>
           <a:p>
             <a:pPr lvl="4" marL="2160000" indent="-216000">
               <a:spcBef>
-                <a:spcPts val="283"/>
+                <a:spcPts val="281"/>
               </a:spcBef>
               <a:buClr>
                 <a:srgbClr val="ffffff"/>
@@ -4508,19 +4609,19 @@
               <a:buChar char=""/>
             </a:pPr>
             <a:r>
-              <a:rPr b="0" lang="en-US" sz="2000" spc="-1" strike="noStrike">
+              <a:rPr b="0" lang="en-US" sz="1800" spc="-1" strike="noStrike">
                 <a:latin typeface="Arial"/>
               </a:rPr>
               <a:t>Fifth Outline Level</a:t>
             </a:r>
-            <a:endParaRPr b="0" lang="en-US" sz="2000" spc="-1" strike="noStrike">
+            <a:endParaRPr b="0" lang="en-US" sz="1800" spc="-1" strike="noStrike">
               <a:latin typeface="Arial"/>
             </a:endParaRPr>
           </a:p>
           <a:p>
             <a:pPr lvl="5" marL="2592000" indent="-216000">
               <a:spcBef>
-                <a:spcPts val="283"/>
+                <a:spcPts val="281"/>
               </a:spcBef>
               <a:buClr>
                 <a:srgbClr val="ffffff"/>
@@ -4530,19 +4631,19 @@
               <a:buChar char=""/>
             </a:pPr>
             <a:r>
-              <a:rPr b="0" lang="en-US" sz="2000" spc="-1" strike="noStrike">
+              <a:rPr b="0" lang="en-US" sz="1800" spc="-1" strike="noStrike">
                 <a:latin typeface="Arial"/>
               </a:rPr>
               <a:t>Sixth Outline Level</a:t>
             </a:r>
-            <a:endParaRPr b="0" lang="en-US" sz="2000" spc="-1" strike="noStrike">
+            <a:endParaRPr b="0" lang="en-US" sz="1800" spc="-1" strike="noStrike">
               <a:latin typeface="Arial"/>
             </a:endParaRPr>
           </a:p>
           <a:p>
             <a:pPr lvl="6" marL="3024000" indent="-216000">
               <a:spcBef>
-                <a:spcPts val="283"/>
+                <a:spcPts val="281"/>
               </a:spcBef>
               <a:buClr>
                 <a:srgbClr val="ffffff"/>
@@ -4552,12 +4653,12 @@
               <a:buChar char=""/>
             </a:pPr>
             <a:r>
-              <a:rPr b="0" lang="en-US" sz="2000" spc="-1" strike="noStrike">
+              <a:rPr b="0" lang="en-US" sz="1800" spc="-1" strike="noStrike">
                 <a:latin typeface="Arial"/>
               </a:rPr>
               <a:t>Seventh Outline Level</a:t>
             </a:r>
-            <a:endParaRPr b="0" lang="en-US" sz="2000" spc="-1" strike="noStrike">
+            <a:endParaRPr b="0" lang="en-US" sz="1800" spc="-1" strike="noStrike">
               <a:latin typeface="Arial"/>
             </a:endParaRPr>
           </a:p>
@@ -4570,13 +4671,13 @@
             <a:spLocks noGrp="1"/>
           </p:cNvSpPr>
           <p:nvPr>
-            <p:ph type="dt"/>
-          </p:nvPr>
-        </p:nvSpPr>
-        <p:spPr>
-          <a:xfrm>
-            <a:off x="504000" y="5256000"/>
-            <a:ext cx="1656000" cy="410400"/>
+            <p:ph type="body"/>
+          </p:nvPr>
+        </p:nvSpPr>
+        <p:spPr>
+          <a:xfrm>
+            <a:off x="5150520" y="1326240"/>
+            <a:ext cx="4424760" cy="3287160"/>
           </a:xfrm>
           <a:prstGeom prst="rect">
             <a:avLst/>
@@ -4584,90 +4685,159 @@
         </p:spPr>
         <p:txBody>
           <a:bodyPr lIns="0" rIns="0" tIns="0" bIns="0">
-            <a:noAutofit/>
-          </a:bodyPr>
-          <a:p>
+            <a:normAutofit/>
+          </a:bodyPr>
+          <a:p>
+            <a:pPr marL="432000" indent="-324000">
+              <a:spcBef>
+                <a:spcPts val="1412"/>
+              </a:spcBef>
+              <a:buClr>
+                <a:srgbClr val="ffffff"/>
+              </a:buClr>
+              <a:buSzPct val="45000"/>
+              <a:buFont typeface="Wingdings" charset="2"/>
+              <a:buChar char=""/>
+            </a:pPr>
             <a:r>
-              <a:rPr b="0" lang="en-US" sz="1400" spc="-1" strike="noStrike">
+              <a:rPr b="0" lang="en-US" sz="1800" spc="-1" strike="noStrike">
                 <a:latin typeface="Arial"/>
               </a:rPr>
-              <a:t>&lt;date/time&gt;</a:t>
+              <a:t>Click to edit the outline text format</a:t>
             </a:r>
-            <a:endParaRPr b="0" lang="en-US" sz="1400" spc="-1" strike="noStrike">
-              <a:latin typeface="Arial"/>
-            </a:endParaRPr>
-          </a:p>
-        </p:txBody>
-      </p:sp>
-      <p:sp>
-        <p:nvSpPr>
-          <p:cNvPr id="42" name="PlaceHolder 4"/>
-          <p:cNvSpPr>
-            <a:spLocks noGrp="1"/>
-          </p:cNvSpPr>
-          <p:nvPr>
-            <p:ph type="ftr"/>
-          </p:nvPr>
-        </p:nvSpPr>
-        <p:spPr>
-          <a:xfrm>
-            <a:off x="2520000" y="5256000"/>
-            <a:ext cx="4680000" cy="410400"/>
-          </a:xfrm>
-          <a:prstGeom prst="rect">
-            <a:avLst/>
-          </a:prstGeom>
-        </p:spPr>
-        <p:txBody>
-          <a:bodyPr lIns="0" rIns="0" tIns="0" bIns="0">
-            <a:noAutofit/>
-          </a:bodyPr>
-          <a:p>
-            <a:pPr algn="ctr"/>
+            <a:endParaRPr b="0" lang="en-US" sz="1800" spc="-1" strike="noStrike">
+              <a:latin typeface="Arial"/>
+            </a:endParaRPr>
+          </a:p>
+          <a:p>
+            <a:pPr lvl="1" marL="864000" indent="-324000">
+              <a:spcBef>
+                <a:spcPts val="1131"/>
+              </a:spcBef>
+              <a:buClr>
+                <a:srgbClr val="ffffff"/>
+              </a:buClr>
+              <a:buSzPct val="75000"/>
+              <a:buFont typeface="Symbol" charset="2"/>
+              <a:buChar char=""/>
+            </a:pPr>
             <a:r>
-              <a:rPr b="0" lang="en-US" sz="1400" spc="-1" strike="noStrike">
+              <a:rPr b="0" lang="en-US" sz="1800" spc="-1" strike="noStrike">
                 <a:latin typeface="Arial"/>
               </a:rPr>
-              <a:t>&lt;footer&gt;</a:t>
+              <a:t>Second Outline Level</a:t>
             </a:r>
-            <a:endParaRPr b="0" lang="en-US" sz="1400" spc="-1" strike="noStrike">
-              <a:latin typeface="Arial"/>
-            </a:endParaRPr>
-          </a:p>
-        </p:txBody>
-      </p:sp>
-      <p:sp>
-        <p:nvSpPr>
-          <p:cNvPr id="43" name="PlaceHolder 5"/>
-          <p:cNvSpPr>
-            <a:spLocks noGrp="1"/>
-          </p:cNvSpPr>
-          <p:nvPr>
-            <p:ph type="sldNum"/>
-          </p:nvPr>
-        </p:nvSpPr>
-        <p:spPr>
-          <a:xfrm>
-            <a:off x="7560000" y="5256000"/>
-            <a:ext cx="1656000" cy="410400"/>
-          </a:xfrm>
-          <a:prstGeom prst="rect">
-            <a:avLst/>
-          </a:prstGeom>
-        </p:spPr>
-        <p:txBody>
-          <a:bodyPr lIns="0" rIns="0" tIns="0" bIns="0">
-            <a:noAutofit/>
-          </a:bodyPr>
-          <a:p>
-            <a:pPr algn="r"/>
-            <a:fld id="{8A8B9C1D-3B36-4358-B04A-EE83755DAB6C}" type="slidenum">
-              <a:rPr b="0" lang="en-US" sz="1400" spc="-1" strike="noStrike">
+            <a:endParaRPr b="0" lang="en-US" sz="1800" spc="-1" strike="noStrike">
+              <a:latin typeface="Arial"/>
+            </a:endParaRPr>
+          </a:p>
+          <a:p>
+            <a:pPr lvl="2" marL="1296000" indent="-288000">
+              <a:spcBef>
+                <a:spcPts val="848"/>
+              </a:spcBef>
+              <a:buClr>
+                <a:srgbClr val="ffffff"/>
+              </a:buClr>
+              <a:buSzPct val="45000"/>
+              <a:buFont typeface="Wingdings" charset="2"/>
+              <a:buChar char=""/>
+            </a:pPr>
+            <a:r>
+              <a:rPr b="0" lang="en-US" sz="1800" spc="-1" strike="noStrike">
                 <a:latin typeface="Arial"/>
               </a:rPr>
-              <a:t>&lt;number&gt;</a:t>
-            </a:fld>
-            <a:endParaRPr b="0" lang="en-US" sz="1400" spc="-1" strike="noStrike">
+              <a:t>Third Outline Level</a:t>
+            </a:r>
+            <a:endParaRPr b="0" lang="en-US" sz="1800" spc="-1" strike="noStrike">
+              <a:latin typeface="Arial"/>
+            </a:endParaRPr>
+          </a:p>
+          <a:p>
+            <a:pPr lvl="3" marL="1728000" indent="-216000">
+              <a:spcBef>
+                <a:spcPts val="564"/>
+              </a:spcBef>
+              <a:buClr>
+                <a:srgbClr val="ffffff"/>
+              </a:buClr>
+              <a:buSzPct val="75000"/>
+              <a:buFont typeface="Symbol" charset="2"/>
+              <a:buChar char=""/>
+            </a:pPr>
+            <a:r>
+              <a:rPr b="0" lang="en-US" sz="1800" spc="-1" strike="noStrike">
+                <a:latin typeface="Arial"/>
+              </a:rPr>
+              <a:t>Fourth Outline Level</a:t>
+            </a:r>
+            <a:endParaRPr b="0" lang="en-US" sz="1800" spc="-1" strike="noStrike">
+              <a:latin typeface="Arial"/>
+            </a:endParaRPr>
+          </a:p>
+          <a:p>
+            <a:pPr lvl="4" marL="2160000" indent="-216000">
+              <a:spcBef>
+                <a:spcPts val="281"/>
+              </a:spcBef>
+              <a:buClr>
+                <a:srgbClr val="ffffff"/>
+              </a:buClr>
+              <a:buSzPct val="45000"/>
+              <a:buFont typeface="Wingdings" charset="2"/>
+              <a:buChar char=""/>
+            </a:pPr>
+            <a:r>
+              <a:rPr b="0" lang="en-US" sz="1800" spc="-1" strike="noStrike">
+                <a:latin typeface="Arial"/>
+              </a:rPr>
+              <a:t>Fifth Outline Level</a:t>
+            </a:r>
+            <a:endParaRPr b="0" lang="en-US" sz="1800" spc="-1" strike="noStrike">
+              <a:latin typeface="Arial"/>
+            </a:endParaRPr>
+          </a:p>
+          <a:p>
+            <a:pPr lvl="5" marL="2592000" indent="-216000">
+              <a:spcBef>
+                <a:spcPts val="281"/>
+              </a:spcBef>
+              <a:buClr>
+                <a:srgbClr val="ffffff"/>
+              </a:buClr>
+              <a:buSzPct val="45000"/>
+              <a:buFont typeface="Wingdings" charset="2"/>
+              <a:buChar char=""/>
+            </a:pPr>
+            <a:r>
+              <a:rPr b="0" lang="en-US" sz="1800" spc="-1" strike="noStrike">
+                <a:latin typeface="Arial"/>
+              </a:rPr>
+              <a:t>Sixth Outline Level</a:t>
+            </a:r>
+            <a:endParaRPr b="0" lang="en-US" sz="1800" spc="-1" strike="noStrike">
+              <a:latin typeface="Arial"/>
+            </a:endParaRPr>
+          </a:p>
+          <a:p>
+            <a:pPr lvl="6" marL="3024000" indent="-216000">
+              <a:spcBef>
+                <a:spcPts val="281"/>
+              </a:spcBef>
+              <a:buClr>
+                <a:srgbClr val="ffffff"/>
+              </a:buClr>
+              <a:buSzPct val="45000"/>
+              <a:buFont typeface="Wingdings" charset="2"/>
+              <a:buChar char=""/>
+            </a:pPr>
+            <a:r>
+              <a:rPr b="0" lang="en-US" sz="1800" spc="-1" strike="noStrike">
+                <a:latin typeface="Arial"/>
+              </a:rPr>
+              <a:t>Seventh Outline Level</a:t>
+            </a:r>
+            <a:endParaRPr b="0" lang="en-US" sz="1800" spc="-1" strike="noStrike">
               <a:latin typeface="Arial"/>
             </a:endParaRPr>
           </a:p>
@@ -4722,7 +4892,7 @@
       </p:grpSpPr>
       <p:sp>
         <p:nvSpPr>
-          <p:cNvPr id="80" name="PlaceHolder 1"/>
+          <p:cNvPr id="78" name="PlaceHolder 1"/>
           <p:cNvSpPr>
             <a:spLocks noGrp="1"/>
           </p:cNvSpPr>
@@ -4732,8 +4902,8 @@
         </p:nvSpPr>
         <p:spPr>
           <a:xfrm>
-            <a:off x="144000" y="72000"/>
-            <a:ext cx="9540000" cy="648000"/>
+            <a:off x="503640" y="225720"/>
+            <a:ext cx="9068400" cy="946080"/>
           </a:xfrm>
           <a:prstGeom prst="rect">
             <a:avLst/>
@@ -4744,6 +4914,7 @@
             <a:noAutofit/>
           </a:bodyPr>
           <a:p>
+            <a:pPr algn="ctr"/>
             <a:r>
               <a:rPr b="0" lang="en-US" sz="4400" spc="-1" strike="noStrike">
                 <a:latin typeface="Arial"/>
@@ -4758,7 +4929,7 @@
       </p:sp>
       <p:sp>
         <p:nvSpPr>
-          <p:cNvPr id="81" name="PlaceHolder 2"/>
+          <p:cNvPr id="79" name="PlaceHolder 2"/>
           <p:cNvSpPr>
             <a:spLocks noGrp="1"/>
           </p:cNvSpPr>
@@ -4768,8 +4939,8 @@
         </p:nvSpPr>
         <p:spPr>
           <a:xfrm>
-            <a:off x="504000" y="1326600"/>
-            <a:ext cx="9072000" cy="3288240"/>
+            <a:off x="503640" y="1326240"/>
+            <a:ext cx="9068400" cy="3287880"/>
           </a:xfrm>
           <a:prstGeom prst="rect">
             <a:avLst/>
@@ -4782,7 +4953,7 @@
           <a:p>
             <a:pPr marL="432000" indent="-324000">
               <a:spcBef>
-                <a:spcPts val="1417"/>
+                <a:spcPts val="1412"/>
               </a:spcBef>
               <a:buClr>
                 <a:srgbClr val="ffffff"/>
@@ -4804,7 +4975,7 @@
           <a:p>
             <a:pPr lvl="1" marL="864000" indent="-324000">
               <a:spcBef>
-                <a:spcPts val="1134"/>
+                <a:spcPts val="1131"/>
               </a:spcBef>
               <a:buClr>
                 <a:srgbClr val="ffffff"/>
@@ -4826,7 +4997,7 @@
           <a:p>
             <a:pPr lvl="2" marL="1296000" indent="-288000">
               <a:spcBef>
-                <a:spcPts val="850"/>
+                <a:spcPts val="848"/>
               </a:spcBef>
               <a:buClr>
                 <a:srgbClr val="ffffff"/>
@@ -4848,7 +5019,7 @@
           <a:p>
             <a:pPr lvl="3" marL="1728000" indent="-216000">
               <a:spcBef>
-                <a:spcPts val="567"/>
+                <a:spcPts val="564"/>
               </a:spcBef>
               <a:buClr>
                 <a:srgbClr val="ffffff"/>
@@ -4870,7 +5041,7 @@
           <a:p>
             <a:pPr lvl="4" marL="2160000" indent="-216000">
               <a:spcBef>
-                <a:spcPts val="283"/>
+                <a:spcPts val="281"/>
               </a:spcBef>
               <a:buClr>
                 <a:srgbClr val="ffffff"/>
@@ -4892,7 +5063,7 @@
           <a:p>
             <a:pPr lvl="5" marL="2592000" indent="-216000">
               <a:spcBef>
-                <a:spcPts val="283"/>
+                <a:spcPts val="281"/>
               </a:spcBef>
               <a:buClr>
                 <a:srgbClr val="ffffff"/>
@@ -4914,7 +5085,7 @@
           <a:p>
             <a:pPr lvl="6" marL="3024000" indent="-216000">
               <a:spcBef>
-                <a:spcPts val="283"/>
+                <a:spcPts val="281"/>
               </a:spcBef>
               <a:buClr>
                 <a:srgbClr val="ffffff"/>
@@ -4930,116 +5101,6 @@
               <a:t>Seventh Outline Level</a:t>
             </a:r>
             <a:endParaRPr b="0" lang="en-US" sz="2000" spc="-1" strike="noStrike">
-              <a:latin typeface="Arial"/>
-            </a:endParaRPr>
-          </a:p>
-        </p:txBody>
-      </p:sp>
-      <p:sp>
-        <p:nvSpPr>
-          <p:cNvPr id="82" name="PlaceHolder 3"/>
-          <p:cNvSpPr>
-            <a:spLocks noGrp="1"/>
-          </p:cNvSpPr>
-          <p:nvPr>
-            <p:ph type="dt"/>
-          </p:nvPr>
-        </p:nvSpPr>
-        <p:spPr>
-          <a:xfrm>
-            <a:off x="504000" y="5256000"/>
-            <a:ext cx="1656000" cy="410400"/>
-          </a:xfrm>
-          <a:prstGeom prst="rect">
-            <a:avLst/>
-          </a:prstGeom>
-        </p:spPr>
-        <p:txBody>
-          <a:bodyPr lIns="0" rIns="0" tIns="0" bIns="0">
-            <a:noAutofit/>
-          </a:bodyPr>
-          <a:p>
-            <a:r>
-              <a:rPr b="0" lang="en-US" sz="1400" spc="-1" strike="noStrike">
-                <a:latin typeface="Arial"/>
-              </a:rPr>
-              <a:t>&lt;date/time&gt;</a:t>
-            </a:r>
-            <a:endParaRPr b="0" lang="en-US" sz="1400" spc="-1" strike="noStrike">
-              <a:latin typeface="Arial"/>
-            </a:endParaRPr>
-          </a:p>
-        </p:txBody>
-      </p:sp>
-      <p:sp>
-        <p:nvSpPr>
-          <p:cNvPr id="83" name="PlaceHolder 4"/>
-          <p:cNvSpPr>
-            <a:spLocks noGrp="1"/>
-          </p:cNvSpPr>
-          <p:nvPr>
-            <p:ph type="ftr"/>
-          </p:nvPr>
-        </p:nvSpPr>
-        <p:spPr>
-          <a:xfrm>
-            <a:off x="2520000" y="5256000"/>
-            <a:ext cx="4680000" cy="410400"/>
-          </a:xfrm>
-          <a:prstGeom prst="rect">
-            <a:avLst/>
-          </a:prstGeom>
-        </p:spPr>
-        <p:txBody>
-          <a:bodyPr lIns="0" rIns="0" tIns="0" bIns="0">
-            <a:noAutofit/>
-          </a:bodyPr>
-          <a:p>
-            <a:pPr algn="ctr"/>
-            <a:r>
-              <a:rPr b="0" lang="en-US" sz="1400" spc="-1" strike="noStrike">
-                <a:latin typeface="Arial"/>
-              </a:rPr>
-              <a:t>&lt;footer&gt;</a:t>
-            </a:r>
-            <a:endParaRPr b="0" lang="en-US" sz="1400" spc="-1" strike="noStrike">
-              <a:latin typeface="Arial"/>
-            </a:endParaRPr>
-          </a:p>
-        </p:txBody>
-      </p:sp>
-      <p:sp>
-        <p:nvSpPr>
-          <p:cNvPr id="84" name="PlaceHolder 5"/>
-          <p:cNvSpPr>
-            <a:spLocks noGrp="1"/>
-          </p:cNvSpPr>
-          <p:nvPr>
-            <p:ph type="sldNum"/>
-          </p:nvPr>
-        </p:nvSpPr>
-        <p:spPr>
-          <a:xfrm>
-            <a:off x="7560000" y="5256000"/>
-            <a:ext cx="1656000" cy="410400"/>
-          </a:xfrm>
-          <a:prstGeom prst="rect">
-            <a:avLst/>
-          </a:prstGeom>
-        </p:spPr>
-        <p:txBody>
-          <a:bodyPr lIns="0" rIns="0" tIns="0" bIns="0">
-            <a:noAutofit/>
-          </a:bodyPr>
-          <a:p>
-            <a:pPr algn="r"/>
-            <a:fld id="{9D146C26-DA67-4D13-A72D-785EBE6DC49E}" type="slidenum">
-              <a:rPr b="0" lang="en-US" sz="1400" spc="-1" strike="noStrike">
-                <a:latin typeface="Arial"/>
-              </a:rPr>
-              <a:t>&lt;number&gt;</a:t>
-            </a:fld>
-            <a:endParaRPr b="0" lang="en-US" sz="1400" spc="-1" strike="noStrike">
               <a:latin typeface="Arial"/>
             </a:endParaRPr>
           </a:p>
@@ -5084,14 +5145,14 @@
       </p:grpSpPr>
       <p:sp>
         <p:nvSpPr>
-          <p:cNvPr id="121" name="TextShape 1"/>
-          <p:cNvSpPr txBox="1"/>
+          <p:cNvPr id="116" name="CustomShape 1"/>
+          <p:cNvSpPr/>
           <p:nvPr/>
         </p:nvSpPr>
         <p:spPr>
           <a:xfrm>
-            <a:off x="144000" y="3888000"/>
-            <a:ext cx="9000000" cy="658440"/>
+            <a:off x="143640" y="3881160"/>
+            <a:ext cx="8996040" cy="669600"/>
           </a:xfrm>
           <a:prstGeom prst="rect">
             <a:avLst/>
@@ -5101,33 +5162,44 @@
             <a:noFill/>
           </a:ln>
         </p:spPr>
+        <p:style>
+          <a:lnRef idx="0"/>
+          <a:fillRef idx="0"/>
+          <a:effectRef idx="0"/>
+          <a:fontRef idx="minor"/>
+        </p:style>
         <p:txBody>
           <a:bodyPr lIns="0" rIns="0" tIns="0" bIns="0" anchor="ctr">
             <a:spAutoFit/>
           </a:bodyPr>
           <a:p>
+            <a:pPr>
+              <a:lnSpc>
+                <a:spcPct val="100000"/>
+              </a:lnSpc>
+            </a:pPr>
             <a:r>
-              <a:rPr b="0" lang="en-US" sz="4400" spc="-1" strike="noStrike">
+              <a:rPr b="0" lang="sk-SK" sz="4400" spc="-1" strike="noStrike">
                 <a:latin typeface="Arial"/>
               </a:rPr>
-              <a:t>Kitsune Network Attack Dataset</a:t>
+              <a:t>Homicide Reports, 1980-2014</a:t>
             </a:r>
-            <a:endParaRPr b="0" lang="en-US" sz="4400" spc="-1" strike="noStrike">
-              <a:latin typeface="Arial"/>
-            </a:endParaRPr>
-          </a:p>
-        </p:txBody>
-      </p:sp>
-      <p:sp>
-        <p:nvSpPr>
-          <p:cNvPr id="122" name="TextShape 2"/>
-          <p:cNvSpPr txBox="1"/>
+            <a:endParaRPr b="0" lang="sk-SK" sz="4400" spc="-1" strike="noStrike">
+              <a:latin typeface="Arial"/>
+            </a:endParaRPr>
+          </a:p>
+        </p:txBody>
+      </p:sp>
+      <p:sp>
+        <p:nvSpPr>
+          <p:cNvPr id="117" name="CustomShape 2"/>
+          <p:cNvSpPr/>
           <p:nvPr/>
         </p:nvSpPr>
         <p:spPr>
           <a:xfrm>
-            <a:off x="8321040" y="5029200"/>
-            <a:ext cx="1463040" cy="602280"/>
+            <a:off x="8317440" y="5027760"/>
+            <a:ext cx="1461960" cy="638280"/>
           </a:xfrm>
           <a:prstGeom prst="rect">
             <a:avLst/>
@@ -5137,34 +5209,44 @@
             <a:noFill/>
           </a:ln>
         </p:spPr>
+        <p:style>
+          <a:lnRef idx="0"/>
+          <a:fillRef idx="0"/>
+          <a:effectRef idx="0"/>
+          <a:fontRef idx="minor"/>
+        </p:style>
         <p:txBody>
           <a:bodyPr lIns="90000" rIns="90000" tIns="45000" bIns="45000">
             <a:spAutoFit/>
           </a:bodyPr>
           <a:p>
-            <a:pPr algn="r"/>
+            <a:pPr algn="r">
+              <a:lnSpc>
+                <a:spcPct val="100000"/>
+              </a:lnSpc>
+            </a:pPr>
             <a:r>
-              <a:rPr b="0" lang="en-US" sz="1800" spc="-1" strike="noStrike">
+              <a:rPr b="0" lang="sk-SK" sz="1800" spc="-1" strike="noStrike">
                 <a:latin typeface="Arial"/>
               </a:rPr>
               <a:t>Stranovská Michaela</a:t>
             </a:r>
-            <a:endParaRPr b="0" lang="en-US" sz="1800" spc="-1" strike="noStrike">
-              <a:latin typeface="Arial"/>
-            </a:endParaRPr>
-          </a:p>
-        </p:txBody>
-      </p:sp>
-      <p:sp>
-        <p:nvSpPr>
-          <p:cNvPr id="123" name="TextShape 3"/>
-          <p:cNvSpPr txBox="1"/>
+            <a:endParaRPr b="0" lang="sk-SK" sz="1800" spc="-1" strike="noStrike">
+              <a:latin typeface="Arial"/>
+            </a:endParaRPr>
+          </a:p>
+        </p:txBody>
+      </p:sp>
+      <p:sp>
+        <p:nvSpPr>
+          <p:cNvPr id="118" name="CustomShape 3"/>
+          <p:cNvSpPr/>
           <p:nvPr/>
         </p:nvSpPr>
         <p:spPr>
           <a:xfrm>
-            <a:off x="182880" y="5029200"/>
-            <a:ext cx="3017520" cy="602280"/>
+            <a:off x="182520" y="5027760"/>
+            <a:ext cx="3016080" cy="638280"/>
           </a:xfrm>
           <a:prstGeom prst="rect">
             <a:avLst/>
@@ -5174,29 +5256,45 @@
             <a:noFill/>
           </a:ln>
         </p:spPr>
+        <p:style>
+          <a:lnRef idx="0"/>
+          <a:fillRef idx="0"/>
+          <a:effectRef idx="0"/>
+          <a:fontRef idx="minor"/>
+        </p:style>
         <p:txBody>
           <a:bodyPr lIns="90000" rIns="90000" tIns="45000" bIns="45000">
             <a:spAutoFit/>
           </a:bodyPr>
           <a:p>
+            <a:pPr>
+              <a:lnSpc>
+                <a:spcPct val="100000"/>
+              </a:lnSpc>
+            </a:pPr>
             <a:r>
-              <a:rPr b="0" lang="en-US" sz="1800" spc="-1" strike="noStrike">
+              <a:rPr b="0" lang="sk-SK" sz="1800" spc="-1" strike="noStrike">
                 <a:latin typeface="Arial"/>
               </a:rPr>
               <a:t>Seminárna práca</a:t>
             </a:r>
-            <a:endParaRPr b="0" lang="en-US" sz="1800" spc="-1" strike="noStrike">
-              <a:latin typeface="Arial"/>
-            </a:endParaRPr>
-          </a:p>
-          <a:p>
+            <a:endParaRPr b="0" lang="sk-SK" sz="1800" spc="-1" strike="noStrike">
+              <a:latin typeface="Arial"/>
+            </a:endParaRPr>
+          </a:p>
+          <a:p>
+            <a:pPr>
+              <a:lnSpc>
+                <a:spcPct val="100000"/>
+              </a:lnSpc>
+            </a:pPr>
             <a:r>
-              <a:rPr b="0" lang="en-US" sz="1800" spc="-1" strike="noStrike">
+              <a:rPr b="0" lang="sk-SK" sz="1800" spc="-1" strike="noStrike">
                 <a:latin typeface="Arial"/>
               </a:rPr>
               <a:t>Nitra 2021</a:t>
             </a:r>
-            <a:endParaRPr b="0" lang="en-US" sz="1800" spc="-1" strike="noStrike">
+            <a:endParaRPr b="0" lang="sk-SK" sz="1800" spc="-1" strike="noStrike">
               <a:latin typeface="Arial"/>
             </a:endParaRPr>
           </a:p>
@@ -5232,100 +5330,6 @@
           <a:chExt cx="0" cy="0"/>
         </a:xfrm>
       </p:grpSpPr>
-      <p:sp>
-        <p:nvSpPr>
-          <p:cNvPr id="133" name="TextShape 1"/>
-          <p:cNvSpPr txBox="1"/>
-          <p:nvPr/>
-        </p:nvSpPr>
-        <p:spPr>
-          <a:xfrm>
-            <a:off x="144000" y="72000"/>
-            <a:ext cx="9540000" cy="648000"/>
-          </a:xfrm>
-          <a:prstGeom prst="rect">
-            <a:avLst/>
-          </a:prstGeom>
-          <a:noFill/>
-          <a:ln>
-            <a:noFill/>
-          </a:ln>
-        </p:spPr>
-        <p:txBody>
-          <a:bodyPr lIns="0" rIns="0" tIns="0" bIns="0" anchor="ctr">
-            <a:spAutoFit/>
-          </a:bodyPr>
-          <a:p>
-            <a:r>
-              <a:rPr b="0" lang="en-US" sz="4400" spc="-1" strike="noStrike">
-                <a:latin typeface="Arial"/>
-              </a:rPr>
-              <a:t>Čo sme zistili?</a:t>
-            </a:r>
-            <a:endParaRPr b="0" lang="en-US" sz="4400" spc="-1" strike="noStrike">
-              <a:latin typeface="Arial"/>
-            </a:endParaRPr>
-          </a:p>
-        </p:txBody>
-      </p:sp>
-      <p:sp>
-        <p:nvSpPr>
-          <p:cNvPr id="134" name="TextShape 2"/>
-          <p:cNvSpPr txBox="1"/>
-          <p:nvPr/>
-        </p:nvSpPr>
-        <p:spPr>
-          <a:xfrm>
-            <a:off x="365760" y="1280160"/>
-            <a:ext cx="4206240" cy="858240"/>
-          </a:xfrm>
-          <a:prstGeom prst="rect">
-            <a:avLst/>
-          </a:prstGeom>
-          <a:noFill/>
-          <a:ln>
-            <a:noFill/>
-          </a:ln>
-        </p:spPr>
-        <p:txBody>
-          <a:bodyPr lIns="90000" rIns="90000" tIns="45000" bIns="45000">
-            <a:spAutoFit/>
-          </a:bodyPr>
-          <a:p>
-            <a:r>
-              <a:rPr b="0" lang="en-US" sz="1800" spc="-1" strike="noStrike">
-                <a:latin typeface="Arial"/>
-              </a:rPr>
-              <a:t>Vplyv rôznych aktivačných funkcií</a:t>
-            </a:r>
-            <a:endParaRPr b="0" lang="en-US" sz="1800" spc="-1" strike="noStrike">
-              <a:latin typeface="Arial"/>
-            </a:endParaRPr>
-          </a:p>
-          <a:p>
-            <a:r>
-              <a:rPr b="0" lang="en-US" sz="1800" spc="-1" strike="noStrike">
-                <a:latin typeface="Arial"/>
-              </a:rPr>
-              <a:t>Chybovosť učenia</a:t>
-            </a:r>
-            <a:endParaRPr b="0" lang="en-US" sz="1800" spc="-1" strike="noStrike">
-              <a:latin typeface="Arial"/>
-            </a:endParaRPr>
-          </a:p>
-          <a:p>
-            <a:r>
-              <a:rPr b="0" lang="en-US" sz="1800" spc="-1" strike="noStrike">
-                <a:latin typeface="Arial"/>
-              </a:rPr>
-              <a:t>Presnosť v rozpoznávaní</a:t>
-            </a:r>
-            <a:endParaRPr b="0" lang="en-US" sz="1800" spc="-1" strike="noStrike">
-              <a:latin typeface="Arial"/>
-            </a:endParaRPr>
-          </a:p>
-        </p:txBody>
-      </p:sp>
     </p:spTree>
   </p:cSld>
   <mc:AlternateContent>
@@ -5356,16 +5360,62 @@
           <a:chExt cx="0" cy="0"/>
         </a:xfrm>
       </p:grpSpPr>
-      <p:sp>
-        <p:nvSpPr>
-          <p:cNvPr id="135" name="TextShape 1"/>
-          <p:cNvSpPr txBox="1"/>
+      <p:pic>
+        <p:nvPicPr>
+          <p:cNvPr id="135" name="" descr=""/>
+          <p:cNvPicPr/>
           <p:nvPr/>
-        </p:nvSpPr>
-        <p:spPr>
-          <a:xfrm>
-            <a:off x="144000" y="72000"/>
-            <a:ext cx="9540000" cy="648000"/>
+        </p:nvPicPr>
+        <p:blipFill>
+          <a:blip r:embed="rId1"/>
+          <a:stretch/>
+        </p:blipFill>
+        <p:spPr>
+          <a:xfrm>
+            <a:off x="4023360" y="274320"/>
+            <a:ext cx="5717160" cy="5486400"/>
+          </a:xfrm>
+          <a:prstGeom prst="rect">
+            <a:avLst/>
+          </a:prstGeom>
+          <a:ln>
+            <a:noFill/>
+          </a:ln>
+        </p:spPr>
+      </p:pic>
+      <p:pic>
+        <p:nvPicPr>
+          <p:cNvPr id="136" name="" descr=""/>
+          <p:cNvPicPr/>
+          <p:nvPr/>
+        </p:nvPicPr>
+        <p:blipFill>
+          <a:blip r:embed="rId2"/>
+          <a:stretch/>
+        </p:blipFill>
+        <p:spPr>
+          <a:xfrm>
+            <a:off x="0" y="2423520"/>
+            <a:ext cx="4048200" cy="1142640"/>
+          </a:xfrm>
+          <a:prstGeom prst="rect">
+            <a:avLst/>
+          </a:prstGeom>
+          <a:ln>
+            <a:noFill/>
+          </a:ln>
+        </p:spPr>
+      </p:pic>
+      <p:sp>
+        <p:nvSpPr>
+          <p:cNvPr id="137" name="CustomShape 1"/>
+          <p:cNvSpPr/>
+          <p:nvPr/>
+        </p:nvSpPr>
+        <p:spPr>
+          <a:xfrm>
+            <a:off x="182880" y="0"/>
+            <a:ext cx="9536040" cy="669600"/>
           </a:xfrm>
           <a:prstGeom prst="rect">
             <a:avLst/>
@@ -5375,18 +5425,29 @@
             <a:noFill/>
           </a:ln>
         </p:spPr>
+        <p:style>
+          <a:lnRef idx="0"/>
+          <a:fillRef idx="0"/>
+          <a:effectRef idx="0"/>
+          <a:fontRef idx="minor"/>
+        </p:style>
         <p:txBody>
           <a:bodyPr lIns="0" rIns="0" tIns="0" bIns="0" anchor="ctr">
             <a:spAutoFit/>
           </a:bodyPr>
           <a:p>
+            <a:pPr>
+              <a:lnSpc>
+                <a:spcPct val="100000"/>
+              </a:lnSpc>
+            </a:pPr>
             <a:r>
-              <a:rPr b="0" lang="en-US" sz="4400" spc="-1" strike="noStrike">
+              <a:rPr b="0" lang="sk-SK" sz="4400" spc="-1" strike="noStrike">
                 <a:latin typeface="Arial"/>
               </a:rPr>
-              <a:t>Čo sme zistili?</a:t>
+              <a:t>Cramers V</a:t>
             </a:r>
-            <a:endParaRPr b="0" lang="en-US" sz="4400" spc="-1" strike="noStrike">
+            <a:endParaRPr b="0" lang="sk-SK" sz="4400" spc="-1" strike="noStrike">
               <a:latin typeface="Arial"/>
             </a:endParaRPr>
           </a:p>
@@ -5408,6 +5469,16 @@
 <file path=ppt/slides/slide12.xml><?xml version="1.0" encoding="utf-8"?>
 <p:sld xmlns:a="http://schemas.openxmlformats.org/drawingml/2006/main" xmlns:p="http://schemas.openxmlformats.org/presentationml/2006/main" xmlns:r="http://schemas.openxmlformats.org/officeDocument/2006/relationships" xmlns:p14="http://schemas.microsoft.com/office/powerpoint/2010/main" xmlns:p15="http://schemas.microsoft.com/office/powerpoint/2012/main" xmlns:mc="http://schemas.openxmlformats.org/markup-compatibility/2006">
   <p:cSld>
+    <p:bg>
+      <p:bgPr>
+        <a:blipFill rotWithShape="0">
+          <a:blip r:embed="rId1"/>
+          <a:stretch>
+            <a:fillRect/>
+          </a:stretch>
+        </a:blipFill>
+      </p:bgPr>
+    </p:bg>
     <p:spTree>
       <p:nvGrpSpPr>
         <p:cNvPr id="1" name=""/>
@@ -5424,14 +5495,14 @@
       </p:grpSpPr>
       <p:sp>
         <p:nvSpPr>
-          <p:cNvPr id="136" name="TextShape 1"/>
-          <p:cNvSpPr txBox="1"/>
+          <p:cNvPr id="138" name="CustomShape 1"/>
+          <p:cNvSpPr/>
           <p:nvPr/>
         </p:nvSpPr>
         <p:spPr>
           <a:xfrm>
-            <a:off x="144000" y="72000"/>
-            <a:ext cx="9540000" cy="648000"/>
+            <a:off x="914040" y="91080"/>
+            <a:ext cx="9536040" cy="669600"/>
           </a:xfrm>
           <a:prstGeom prst="rect">
             <a:avLst/>
@@ -5441,23 +5512,80 @@
             <a:noFill/>
           </a:ln>
         </p:spPr>
+        <p:style>
+          <a:lnRef idx="0"/>
+          <a:fillRef idx="0"/>
+          <a:effectRef idx="0"/>
+          <a:fontRef idx="minor"/>
+        </p:style>
         <p:txBody>
           <a:bodyPr lIns="0" rIns="0" tIns="0" bIns="0" anchor="ctr">
             <a:spAutoFit/>
           </a:bodyPr>
           <a:p>
+            <a:pPr>
+              <a:lnSpc>
+                <a:spcPct val="100000"/>
+              </a:lnSpc>
+            </a:pPr>
             <a:r>
-              <a:rPr b="0" lang="en-US" sz="4400" spc="-1" strike="noStrike">
+              <a:rPr b="0" lang="sk-SK" sz="4400" spc="-1" strike="noStrike">
                 <a:latin typeface="Arial"/>
               </a:rPr>
-              <a:t>Čo sme zistili?</a:t>
+              <a:t>Theil’s U - podmienená entropia</a:t>
             </a:r>
-            <a:endParaRPr b="0" lang="en-US" sz="4400" spc="-1" strike="noStrike">
-              <a:latin typeface="Arial"/>
-            </a:endParaRPr>
-          </a:p>
-        </p:txBody>
-      </p:sp>
+            <a:endParaRPr b="0" lang="sk-SK" sz="4400" spc="-1" strike="noStrike">
+              <a:latin typeface="Arial"/>
+            </a:endParaRPr>
+          </a:p>
+        </p:txBody>
+      </p:sp>
+      <p:pic>
+        <p:nvPicPr>
+          <p:cNvPr id="139" name="" descr=""/>
+          <p:cNvPicPr/>
+          <p:nvPr/>
+        </p:nvPicPr>
+        <p:blipFill>
+          <a:blip r:embed="rId2"/>
+          <a:stretch/>
+        </p:blipFill>
+        <p:spPr>
+          <a:xfrm>
+            <a:off x="4387320" y="822600"/>
+            <a:ext cx="4476600" cy="4296600"/>
+          </a:xfrm>
+          <a:prstGeom prst="rect">
+            <a:avLst/>
+          </a:prstGeom>
+          <a:ln>
+            <a:noFill/>
+          </a:ln>
+        </p:spPr>
+      </p:pic>
+      <p:pic>
+        <p:nvPicPr>
+          <p:cNvPr id="140" name="" descr=""/>
+          <p:cNvPicPr/>
+          <p:nvPr/>
+        </p:nvPicPr>
+        <p:blipFill>
+          <a:blip r:embed="rId3"/>
+          <a:stretch/>
+        </p:blipFill>
+        <p:spPr>
+          <a:xfrm>
+            <a:off x="182520" y="1769400"/>
+            <a:ext cx="3989520" cy="789840"/>
+          </a:xfrm>
+          <a:prstGeom prst="rect">
+            <a:avLst/>
+          </a:prstGeom>
+          <a:ln>
+            <a:noFill/>
+          </a:ln>
+        </p:spPr>
+      </p:pic>
     </p:spTree>
   </p:cSld>
   <mc:AlternateContent>
@@ -5490,14 +5618,14 @@
       </p:grpSpPr>
       <p:sp>
         <p:nvSpPr>
-          <p:cNvPr id="137" name="TextShape 1"/>
-          <p:cNvSpPr txBox="1"/>
+          <p:cNvPr id="141" name="CustomShape 1"/>
+          <p:cNvSpPr/>
           <p:nvPr/>
         </p:nvSpPr>
         <p:spPr>
           <a:xfrm>
-            <a:off x="2072880" y="1938960"/>
-            <a:ext cx="5973840" cy="1875240"/>
+            <a:off x="143640" y="60840"/>
+            <a:ext cx="9536040" cy="669600"/>
           </a:xfrm>
           <a:prstGeom prst="rect">
             <a:avLst/>
@@ -5507,27 +5635,99 @@
             <a:noFill/>
           </a:ln>
         </p:spPr>
+        <p:style>
+          <a:lnRef idx="0"/>
+          <a:fillRef idx="0"/>
+          <a:effectRef idx="0"/>
+          <a:fontRef idx="minor"/>
+        </p:style>
         <p:txBody>
           <a:bodyPr lIns="0" rIns="0" tIns="0" bIns="0" anchor="ctr">
             <a:spAutoFit/>
           </a:bodyPr>
           <a:p>
-            <a:pPr algn="ctr"/>
+            <a:pPr>
+              <a:lnSpc>
+                <a:spcPct val="100000"/>
+              </a:lnSpc>
+            </a:pPr>
             <a:r>
-              <a:rPr b="0" lang="en-US" sz="4400" spc="-1" strike="noStrike">
+              <a:rPr b="0" lang="sk-SK" sz="4400" spc="-1" strike="noStrike">
                 <a:latin typeface="Arial"/>
               </a:rPr>
-              <a:t>Ďakujem za pozornosť.</a:t>
+              <a:t>Theil’s U</a:t>
             </a:r>
-            <a:br/>
-            <a:br/>
+            <a:endParaRPr b="0" lang="sk-SK" sz="4400" spc="-1" strike="noStrike">
+              <a:latin typeface="Arial"/>
+            </a:endParaRPr>
+          </a:p>
+        </p:txBody>
+      </p:sp>
+      <p:pic>
+        <p:nvPicPr>
+          <p:cNvPr id="142" name="" descr=""/>
+          <p:cNvPicPr/>
+          <p:nvPr/>
+        </p:nvPicPr>
+        <p:blipFill>
+          <a:blip r:embed="rId1"/>
+          <a:srcRect l="0" t="13071" r="0" b="0"/>
+          <a:stretch/>
+        </p:blipFill>
+        <p:spPr>
+          <a:xfrm>
+            <a:off x="3013920" y="548280"/>
+            <a:ext cx="5303520" cy="4403520"/>
+          </a:xfrm>
+          <a:prstGeom prst="rect">
+            <a:avLst/>
+          </a:prstGeom>
+          <a:ln>
+            <a:noFill/>
+          </a:ln>
+        </p:spPr>
+      </p:pic>
+      <p:sp>
+        <p:nvSpPr>
+          <p:cNvPr id="143" name="TextShape 2"/>
+          <p:cNvSpPr txBox="1"/>
+          <p:nvPr/>
+        </p:nvSpPr>
+        <p:spPr>
+          <a:xfrm>
+            <a:off x="639720" y="1553760"/>
+            <a:ext cx="2102400" cy="858240"/>
+          </a:xfrm>
+          <a:prstGeom prst="rect">
+            <a:avLst/>
+          </a:prstGeom>
+          <a:noFill/>
+          <a:ln>
+            <a:noFill/>
+          </a:ln>
+        </p:spPr>
+        <p:txBody>
+          <a:bodyPr lIns="90000" rIns="90000" tIns="45000" bIns="45000">
+            <a:spAutoFit/>
+          </a:bodyPr>
+          <a:p>
             <a:r>
-              <a:rPr b="0" lang="en-US" sz="4400" spc="-1" strike="noStrike">
+              <a:rPr b="0" lang="en-US" sz="1800" spc="-1" strike="noStrike">
                 <a:latin typeface="Arial"/>
               </a:rPr>
-              <a:t>Priestor na otázky.</a:t>
+              <a:t>Cluster 1:</a:t>
             </a:r>
-            <a:endParaRPr b="0" lang="en-US" sz="4400" spc="-1" strike="noStrike">
+            <a:endParaRPr b="0" lang="en-US" sz="1800" spc="-1" strike="noStrike">
+              <a:latin typeface="Arial"/>
+            </a:endParaRPr>
+          </a:p>
+          <a:p>
+            <a:endParaRPr b="0" lang="en-US" sz="1800" spc="-1" strike="noStrike">
+              <a:latin typeface="Arial"/>
+            </a:endParaRPr>
+          </a:p>
+          <a:p>
+            <a:endParaRPr b="0" lang="en-US" sz="1800" spc="-1" strike="noStrike">
               <a:latin typeface="Arial"/>
             </a:endParaRPr>
           </a:p>
@@ -5565,14 +5765,14 @@
       </p:grpSpPr>
       <p:sp>
         <p:nvSpPr>
-          <p:cNvPr id="138" name="TextShape 1"/>
-          <p:cNvSpPr txBox="1"/>
+          <p:cNvPr id="144" name="CustomShape 1"/>
+          <p:cNvSpPr/>
           <p:nvPr/>
         </p:nvSpPr>
         <p:spPr>
           <a:xfrm>
-            <a:off x="144000" y="72000"/>
-            <a:ext cx="9540000" cy="648000"/>
+            <a:off x="143640" y="60840"/>
+            <a:ext cx="9536040" cy="669600"/>
           </a:xfrm>
           <a:prstGeom prst="rect">
             <a:avLst/>
@@ -5582,33 +5782,68 @@
             <a:noFill/>
           </a:ln>
         </p:spPr>
+        <p:style>
+          <a:lnRef idx="0"/>
+          <a:fillRef idx="0"/>
+          <a:effectRef idx="0"/>
+          <a:fontRef idx="minor"/>
+        </p:style>
         <p:txBody>
           <a:bodyPr lIns="0" rIns="0" tIns="0" bIns="0" anchor="ctr">
             <a:spAutoFit/>
           </a:bodyPr>
           <a:p>
+            <a:pPr>
+              <a:lnSpc>
+                <a:spcPct val="100000"/>
+              </a:lnSpc>
+            </a:pPr>
             <a:r>
-              <a:rPr b="0" lang="en-US" sz="4400" spc="-1" strike="noStrike">
+              <a:rPr b="0" lang="sk-SK" sz="4400" spc="-1" strike="noStrike">
                 <a:latin typeface="Arial"/>
               </a:rPr>
-              <a:t>Referencie</a:t>
+              <a:t>Theil’s U</a:t>
             </a:r>
-            <a:endParaRPr b="0" lang="en-US" sz="4400" spc="-1" strike="noStrike">
-              <a:latin typeface="Arial"/>
-            </a:endParaRPr>
-          </a:p>
-        </p:txBody>
-      </p:sp>
-      <p:sp>
-        <p:nvSpPr>
-          <p:cNvPr id="139" name="TextShape 2"/>
+            <a:endParaRPr b="0" lang="sk-SK" sz="4400" spc="-1" strike="noStrike">
+              <a:latin typeface="Arial"/>
+            </a:endParaRPr>
+          </a:p>
+        </p:txBody>
+      </p:sp>
+      <p:pic>
+        <p:nvPicPr>
+          <p:cNvPr id="145" name="" descr=""/>
+          <p:cNvPicPr/>
+          <p:nvPr/>
+        </p:nvPicPr>
+        <p:blipFill>
+          <a:blip r:embed="rId1"/>
+          <a:srcRect l="0" t="0" r="7673" b="0"/>
+          <a:stretch/>
+        </p:blipFill>
+        <p:spPr>
+          <a:xfrm>
+            <a:off x="3656160" y="547200"/>
+            <a:ext cx="4204080" cy="4937760"/>
+          </a:xfrm>
+          <a:prstGeom prst="rect">
+            <a:avLst/>
+          </a:prstGeom>
+          <a:ln>
+            <a:noFill/>
+          </a:ln>
+        </p:spPr>
+      </p:pic>
+      <p:sp>
+        <p:nvSpPr>
+          <p:cNvPr id="146" name="TextShape 2"/>
           <p:cNvSpPr txBox="1"/>
           <p:nvPr/>
         </p:nvSpPr>
         <p:spPr>
           <a:xfrm>
-            <a:off x="914400" y="1463040"/>
-            <a:ext cx="7680960" cy="1370160"/>
+            <a:off x="639720" y="1553760"/>
+            <a:ext cx="2102400" cy="2138040"/>
           </a:xfrm>
           <a:prstGeom prst="rect">
             <a:avLst/>
@@ -5626,22 +5861,14 @@
             <a:r>
               <a:rPr b="0" lang="en-US" sz="1800" spc="-1" strike="noStrike">
                 <a:latin typeface="Arial"/>
-                <a:hlinkClick r:id="rId1"/>
               </a:rPr>
-              <a:t>https://www.kaggle.com/ymirsky/network-attack-dataset-kitsune</a:t>
+              <a:t>Cluster 2:</a:t>
             </a:r>
             <a:endParaRPr b="0" lang="en-US" sz="1800" spc="-1" strike="noStrike">
               <a:latin typeface="Arial"/>
             </a:endParaRPr>
           </a:p>
           <a:p>
-            <a:r>
-              <a:rPr b="0" lang="en-US" sz="1800" spc="-1" strike="noStrike">
-                <a:latin typeface="Arial"/>
-                <a:hlinkClick r:id="rId2"/>
-              </a:rPr>
-              <a:t>https://arxiv.org/pdf/1802.09089.pdf</a:t>
-            </a:r>
             <a:endParaRPr b="0" lang="en-US" sz="1800" spc="-1" strike="noStrike">
               <a:latin typeface="Arial"/>
             </a:endParaRPr>
@@ -5651,14 +5878,573 @@
               <a:rPr b="0" lang="en-US" sz="1800" spc="-1" strike="noStrike">
                 <a:latin typeface="Arial"/>
               </a:rPr>
-              <a:t>https://github.com/ymirsky/Kitsune-py</a:t>
+              <a:t>Pre naše potreby pokračujeme ďaľej s dátami s klustra 2</a:t>
             </a:r>
             <a:endParaRPr b="0" lang="en-US" sz="1800" spc="-1" strike="noStrike">
               <a:latin typeface="Arial"/>
             </a:endParaRPr>
           </a:p>
-        </p:txBody>
-      </p:sp>
+          <a:p>
+            <a:endParaRPr b="0" lang="en-US" sz="1800" spc="-1" strike="noStrike">
+              <a:latin typeface="Arial"/>
+            </a:endParaRPr>
+          </a:p>
+          <a:p>
+            <a:endParaRPr b="0" lang="en-US" sz="1800" spc="-1" strike="noStrike">
+              <a:latin typeface="Arial"/>
+            </a:endParaRPr>
+          </a:p>
+        </p:txBody>
+      </p:sp>
+    </p:spTree>
+  </p:cSld>
+  <mc:AlternateContent>
+    <mc:Choice Requires="p14">
+      <p:transition spd="slow" p14:dur="2000"/>
+    </mc:Choice>
+    <mc:Fallback>
+      <p:transition spd="slow"/>
+    </mc:Fallback>
+  </mc:AlternateContent>
+</p:sld>
+</file>
+
+<file path=ppt/slides/slide15.xml><?xml version="1.0" encoding="utf-8"?>
+<p:sld xmlns:a="http://schemas.openxmlformats.org/drawingml/2006/main" xmlns:p="http://schemas.openxmlformats.org/presentationml/2006/main" xmlns:r="http://schemas.openxmlformats.org/officeDocument/2006/relationships" xmlns:p14="http://schemas.microsoft.com/office/powerpoint/2010/main" xmlns:p15="http://schemas.microsoft.com/office/powerpoint/2012/main" xmlns:mc="http://schemas.openxmlformats.org/markup-compatibility/2006">
+  <p:cSld>
+    <p:spTree>
+      <p:nvGrpSpPr>
+        <p:cNvPr id="1" name=""/>
+        <p:cNvGrpSpPr/>
+        <p:nvPr/>
+      </p:nvGrpSpPr>
+      <p:grpSpPr>
+        <a:xfrm>
+          <a:off x="0" y="0"/>
+          <a:ext cx="0" cy="0"/>
+          <a:chOff x="0" y="0"/>
+          <a:chExt cx="0" cy="0"/>
+        </a:xfrm>
+      </p:grpSpPr>
+      <p:sp>
+        <p:nvSpPr>
+          <p:cNvPr id="147" name="CustomShape 1"/>
+          <p:cNvSpPr/>
+          <p:nvPr/>
+        </p:nvSpPr>
+        <p:spPr>
+          <a:xfrm>
+            <a:off x="135000" y="60840"/>
+            <a:ext cx="9536040" cy="669600"/>
+          </a:xfrm>
+          <a:prstGeom prst="rect">
+            <a:avLst/>
+          </a:prstGeom>
+          <a:noFill/>
+          <a:ln>
+            <a:noFill/>
+          </a:ln>
+        </p:spPr>
+        <p:style>
+          <a:lnRef idx="0"/>
+          <a:fillRef idx="0"/>
+          <a:effectRef idx="0"/>
+          <a:fontRef idx="minor"/>
+        </p:style>
+        <p:txBody>
+          <a:bodyPr lIns="0" rIns="0" tIns="0" bIns="0" anchor="ctr">
+            <a:spAutoFit/>
+          </a:bodyPr>
+          <a:p>
+            <a:pPr>
+              <a:lnSpc>
+                <a:spcPct val="100000"/>
+              </a:lnSpc>
+            </a:pPr>
+            <a:r>
+              <a:rPr b="0" lang="sk-SK" sz="4400" spc="-1" strike="noStrike">
+                <a:latin typeface="Arial"/>
+              </a:rPr>
+              <a:t>Cluster 2</a:t>
+            </a:r>
+            <a:endParaRPr b="0" lang="sk-SK" sz="4400" spc="-1" strike="noStrike">
+              <a:latin typeface="Arial"/>
+            </a:endParaRPr>
+          </a:p>
+        </p:txBody>
+      </p:sp>
+      <p:pic>
+        <p:nvPicPr>
+          <p:cNvPr id="148" name="" descr=""/>
+          <p:cNvPicPr/>
+          <p:nvPr/>
+        </p:nvPicPr>
+        <p:blipFill>
+          <a:blip r:embed="rId1"/>
+          <a:stretch/>
+        </p:blipFill>
+        <p:spPr>
+          <a:xfrm>
+            <a:off x="731520" y="944280"/>
+            <a:ext cx="8046720" cy="4359240"/>
+          </a:xfrm>
+          <a:prstGeom prst="rect">
+            <a:avLst/>
+          </a:prstGeom>
+          <a:ln>
+            <a:noFill/>
+          </a:ln>
+        </p:spPr>
+      </p:pic>
+    </p:spTree>
+  </p:cSld>
+  <mc:AlternateContent>
+    <mc:Choice Requires="p14">
+      <p:transition spd="slow" p14:dur="2000"/>
+    </mc:Choice>
+    <mc:Fallback>
+      <p:transition spd="slow"/>
+    </mc:Fallback>
+  </mc:AlternateContent>
+</p:sld>
+</file>
+
+<file path=ppt/slides/slide16.xml><?xml version="1.0" encoding="utf-8"?>
+<p:sld xmlns:a="http://schemas.openxmlformats.org/drawingml/2006/main" xmlns:p="http://schemas.openxmlformats.org/presentationml/2006/main" xmlns:r="http://schemas.openxmlformats.org/officeDocument/2006/relationships" xmlns:p14="http://schemas.microsoft.com/office/powerpoint/2010/main" xmlns:p15="http://schemas.microsoft.com/office/powerpoint/2012/main" xmlns:mc="http://schemas.openxmlformats.org/markup-compatibility/2006">
+  <p:cSld>
+    <p:spTree>
+      <p:nvGrpSpPr>
+        <p:cNvPr id="1" name=""/>
+        <p:cNvGrpSpPr/>
+        <p:nvPr/>
+      </p:nvGrpSpPr>
+      <p:grpSpPr>
+        <a:xfrm>
+          <a:off x="0" y="0"/>
+          <a:ext cx="0" cy="0"/>
+          <a:chOff x="0" y="0"/>
+          <a:chExt cx="0" cy="0"/>
+        </a:xfrm>
+      </p:grpSpPr>
+      <p:sp>
+        <p:nvSpPr>
+          <p:cNvPr id="149" name="CustomShape 1"/>
+          <p:cNvSpPr/>
+          <p:nvPr/>
+        </p:nvSpPr>
+        <p:spPr>
+          <a:xfrm>
+            <a:off x="135000" y="60840"/>
+            <a:ext cx="9536040" cy="669600"/>
+          </a:xfrm>
+          <a:prstGeom prst="rect">
+            <a:avLst/>
+          </a:prstGeom>
+          <a:noFill/>
+          <a:ln>
+            <a:noFill/>
+          </a:ln>
+        </p:spPr>
+        <p:style>
+          <a:lnRef idx="0"/>
+          <a:fillRef idx="0"/>
+          <a:effectRef idx="0"/>
+          <a:fontRef idx="minor"/>
+        </p:style>
+        <p:txBody>
+          <a:bodyPr lIns="0" rIns="0" tIns="0" bIns="0" anchor="ctr">
+            <a:spAutoFit/>
+          </a:bodyPr>
+          <a:p>
+            <a:pPr>
+              <a:lnSpc>
+                <a:spcPct val="100000"/>
+              </a:lnSpc>
+            </a:pPr>
+            <a:r>
+              <a:rPr b="0" lang="sk-SK" sz="4400" spc="-1" strike="noStrike">
+                <a:latin typeface="Arial"/>
+              </a:rPr>
+              <a:t>Premena z object na category</a:t>
+            </a:r>
+            <a:endParaRPr b="0" lang="sk-SK" sz="4400" spc="-1" strike="noStrike">
+              <a:latin typeface="Arial"/>
+            </a:endParaRPr>
+          </a:p>
+        </p:txBody>
+      </p:sp>
+      <p:pic>
+        <p:nvPicPr>
+          <p:cNvPr id="150" name="" descr=""/>
+          <p:cNvPicPr/>
+          <p:nvPr/>
+        </p:nvPicPr>
+        <p:blipFill>
+          <a:blip r:embed="rId1"/>
+          <a:stretch/>
+        </p:blipFill>
+        <p:spPr>
+          <a:xfrm>
+            <a:off x="795600" y="1645920"/>
+            <a:ext cx="8074080" cy="2194560"/>
+          </a:xfrm>
+          <a:prstGeom prst="rect">
+            <a:avLst/>
+          </a:prstGeom>
+          <a:ln>
+            <a:noFill/>
+          </a:ln>
+        </p:spPr>
+      </p:pic>
+    </p:spTree>
+  </p:cSld>
+  <mc:AlternateContent>
+    <mc:Choice Requires="p14">
+      <p:transition spd="slow" p14:dur="2000"/>
+    </mc:Choice>
+    <mc:Fallback>
+      <p:transition spd="slow"/>
+    </mc:Fallback>
+  </mc:AlternateContent>
+</p:sld>
+</file>
+
+<file path=ppt/slides/slide17.xml><?xml version="1.0" encoding="utf-8"?>
+<p:sld xmlns:a="http://schemas.openxmlformats.org/drawingml/2006/main" xmlns:p="http://schemas.openxmlformats.org/presentationml/2006/main" xmlns:r="http://schemas.openxmlformats.org/officeDocument/2006/relationships" xmlns:p14="http://schemas.microsoft.com/office/powerpoint/2010/main" xmlns:p15="http://schemas.microsoft.com/office/powerpoint/2012/main" xmlns:mc="http://schemas.openxmlformats.org/markup-compatibility/2006">
+  <p:cSld>
+    <p:spTree>
+      <p:nvGrpSpPr>
+        <p:cNvPr id="1" name=""/>
+        <p:cNvGrpSpPr/>
+        <p:nvPr/>
+      </p:nvGrpSpPr>
+      <p:grpSpPr>
+        <a:xfrm>
+          <a:off x="0" y="0"/>
+          <a:ext cx="0" cy="0"/>
+          <a:chOff x="0" y="0"/>
+          <a:chExt cx="0" cy="0"/>
+        </a:xfrm>
+      </p:grpSpPr>
+      <p:pic>
+        <p:nvPicPr>
+          <p:cNvPr id="151" name="" descr=""/>
+          <p:cNvPicPr/>
+          <p:nvPr/>
+        </p:nvPicPr>
+        <p:blipFill>
+          <a:blip r:embed="rId1"/>
+          <a:stretch/>
+        </p:blipFill>
+        <p:spPr>
+          <a:xfrm>
+            <a:off x="822240" y="1005840"/>
+            <a:ext cx="8230320" cy="3291840"/>
+          </a:xfrm>
+          <a:prstGeom prst="rect">
+            <a:avLst/>
+          </a:prstGeom>
+          <a:ln>
+            <a:noFill/>
+          </a:ln>
+        </p:spPr>
+      </p:pic>
+      <p:sp>
+        <p:nvSpPr>
+          <p:cNvPr id="152" name="CustomShape 1"/>
+          <p:cNvSpPr/>
+          <p:nvPr/>
+        </p:nvSpPr>
+        <p:spPr>
+          <a:xfrm>
+            <a:off x="126360" y="60840"/>
+            <a:ext cx="9536040" cy="669600"/>
+          </a:xfrm>
+          <a:prstGeom prst="rect">
+            <a:avLst/>
+          </a:prstGeom>
+          <a:noFill/>
+          <a:ln>
+            <a:noFill/>
+          </a:ln>
+        </p:spPr>
+        <p:style>
+          <a:lnRef idx="0"/>
+          <a:fillRef idx="0"/>
+          <a:effectRef idx="0"/>
+          <a:fontRef idx="minor"/>
+        </p:style>
+        <p:txBody>
+          <a:bodyPr lIns="0" rIns="0" tIns="0" bIns="0" anchor="ctr">
+            <a:spAutoFit/>
+          </a:bodyPr>
+          <a:p>
+            <a:pPr>
+              <a:lnSpc>
+                <a:spcPct val="100000"/>
+              </a:lnSpc>
+            </a:pPr>
+            <a:r>
+              <a:rPr b="0" lang="sk-SK" sz="4400" spc="-1" strike="noStrike">
+                <a:latin typeface="Arial"/>
+              </a:rPr>
+              <a:t>OneHotEncoder</a:t>
+            </a:r>
+            <a:endParaRPr b="0" lang="sk-SK" sz="4400" spc="-1" strike="noStrike">
+              <a:latin typeface="Arial"/>
+            </a:endParaRPr>
+          </a:p>
+        </p:txBody>
+      </p:sp>
+    </p:spTree>
+  </p:cSld>
+  <mc:AlternateContent>
+    <mc:Choice Requires="p14">
+      <p:transition spd="slow" p14:dur="2000"/>
+    </mc:Choice>
+    <mc:Fallback>
+      <p:transition spd="slow"/>
+    </mc:Fallback>
+  </mc:AlternateContent>
+</p:sld>
+</file>
+
+<file path=ppt/slides/slide18.xml><?xml version="1.0" encoding="utf-8"?>
+<p:sld xmlns:a="http://schemas.openxmlformats.org/drawingml/2006/main" xmlns:p="http://schemas.openxmlformats.org/presentationml/2006/main" xmlns:r="http://schemas.openxmlformats.org/officeDocument/2006/relationships" xmlns:p14="http://schemas.microsoft.com/office/powerpoint/2010/main" xmlns:p15="http://schemas.microsoft.com/office/powerpoint/2012/main" xmlns:mc="http://schemas.openxmlformats.org/markup-compatibility/2006">
+  <p:cSld>
+    <p:spTree>
+      <p:nvGrpSpPr>
+        <p:cNvPr id="1" name=""/>
+        <p:cNvGrpSpPr/>
+        <p:nvPr/>
+      </p:nvGrpSpPr>
+      <p:grpSpPr>
+        <a:xfrm>
+          <a:off x="0" y="0"/>
+          <a:ext cx="0" cy="0"/>
+          <a:chOff x="0" y="0"/>
+          <a:chExt cx="0" cy="0"/>
+        </a:xfrm>
+      </p:grpSpPr>
+      <p:pic>
+        <p:nvPicPr>
+          <p:cNvPr id="153" name="" descr=""/>
+          <p:cNvPicPr/>
+          <p:nvPr/>
+        </p:nvPicPr>
+        <p:blipFill>
+          <a:blip r:embed="rId1"/>
+          <a:stretch/>
+        </p:blipFill>
+        <p:spPr>
+          <a:xfrm>
+            <a:off x="836280" y="1645920"/>
+            <a:ext cx="4924440" cy="923400"/>
+          </a:xfrm>
+          <a:prstGeom prst="rect">
+            <a:avLst/>
+          </a:prstGeom>
+          <a:ln>
+            <a:noFill/>
+          </a:ln>
+        </p:spPr>
+      </p:pic>
+      <p:pic>
+        <p:nvPicPr>
+          <p:cNvPr id="154" name="" descr=""/>
+          <p:cNvPicPr/>
+          <p:nvPr/>
+        </p:nvPicPr>
+        <p:blipFill>
+          <a:blip r:embed="rId2"/>
+          <a:srcRect l="0" t="52960" r="65611" b="0"/>
+          <a:stretch/>
+        </p:blipFill>
+        <p:spPr>
+          <a:xfrm>
+            <a:off x="4857840" y="3657600"/>
+            <a:ext cx="3463200" cy="1005840"/>
+          </a:xfrm>
+          <a:prstGeom prst="rect">
+            <a:avLst/>
+          </a:prstGeom>
+          <a:ln>
+            <a:noFill/>
+          </a:ln>
+        </p:spPr>
+      </p:pic>
+      <p:sp>
+        <p:nvSpPr>
+          <p:cNvPr id="155" name="TextShape 1"/>
+          <p:cNvSpPr txBox="1"/>
+          <p:nvPr/>
+        </p:nvSpPr>
+        <p:spPr>
+          <a:xfrm>
+            <a:off x="836280" y="1097280"/>
+            <a:ext cx="1920240" cy="602280"/>
+          </a:xfrm>
+          <a:prstGeom prst="rect">
+            <a:avLst/>
+          </a:prstGeom>
+          <a:noFill/>
+          <a:ln>
+            <a:noFill/>
+          </a:ln>
+        </p:spPr>
+        <p:txBody>
+          <a:bodyPr lIns="90000" rIns="90000" tIns="45000" bIns="45000">
+            <a:spAutoFit/>
+          </a:bodyPr>
+          <a:p>
+            <a:r>
+              <a:rPr b="0" lang="en-US" sz="1800" spc="-1" strike="noStrike">
+                <a:latin typeface="Arial"/>
+              </a:rPr>
+              <a:t>Pôvodný tvar</a:t>
+            </a:r>
+            <a:endParaRPr b="0" lang="en-US" sz="1800" spc="-1" strike="noStrike">
+              <a:latin typeface="Arial"/>
+            </a:endParaRPr>
+          </a:p>
+        </p:txBody>
+      </p:sp>
+      <p:sp>
+        <p:nvSpPr>
+          <p:cNvPr id="156" name="TextShape 2"/>
+          <p:cNvSpPr txBox="1"/>
+          <p:nvPr/>
+        </p:nvSpPr>
+        <p:spPr>
+          <a:xfrm>
+            <a:off x="3291840" y="3200400"/>
+            <a:ext cx="4297680" cy="365760"/>
+          </a:xfrm>
+          <a:prstGeom prst="rect">
+            <a:avLst/>
+          </a:prstGeom>
+          <a:noFill/>
+          <a:ln>
+            <a:noFill/>
+          </a:ln>
+        </p:spPr>
+        <p:txBody>
+          <a:bodyPr lIns="90000" rIns="90000" tIns="45000" bIns="45000">
+            <a:spAutoFit/>
+          </a:bodyPr>
+          <a:p>
+            <a:r>
+              <a:rPr b="0" lang="en-US" sz="1800" spc="-1" strike="noStrike">
+                <a:latin typeface="Arial"/>
+              </a:rPr>
+              <a:t>Po úprave OneHotEncoder</a:t>
+            </a:r>
+            <a:endParaRPr b="0" lang="en-US" sz="1800" spc="-1" strike="noStrike">
+              <a:latin typeface="Arial"/>
+            </a:endParaRPr>
+          </a:p>
+        </p:txBody>
+      </p:sp>
+    </p:spTree>
+  </p:cSld>
+  <mc:AlternateContent>
+    <mc:Choice Requires="p14">
+      <p:transition spd="slow" p14:dur="2000"/>
+    </mc:Choice>
+    <mc:Fallback>
+      <p:transition spd="slow"/>
+    </mc:Fallback>
+  </mc:AlternateContent>
+</p:sld>
+</file>
+
+<file path=ppt/slides/slide19.xml><?xml version="1.0" encoding="utf-8"?>
+<p:sld xmlns:a="http://schemas.openxmlformats.org/drawingml/2006/main" xmlns:p="http://schemas.openxmlformats.org/presentationml/2006/main" xmlns:r="http://schemas.openxmlformats.org/officeDocument/2006/relationships" xmlns:p14="http://schemas.microsoft.com/office/powerpoint/2010/main" xmlns:p15="http://schemas.microsoft.com/office/powerpoint/2012/main" xmlns:mc="http://schemas.openxmlformats.org/markup-compatibility/2006">
+  <p:cSld>
+    <p:spTree>
+      <p:nvGrpSpPr>
+        <p:cNvPr id="1" name=""/>
+        <p:cNvGrpSpPr/>
+        <p:nvPr/>
+      </p:nvGrpSpPr>
+      <p:grpSpPr>
+        <a:xfrm>
+          <a:off x="0" y="0"/>
+          <a:ext cx="0" cy="0"/>
+          <a:chOff x="0" y="0"/>
+          <a:chExt cx="0" cy="0"/>
+        </a:xfrm>
+      </p:grpSpPr>
+      <p:sp>
+        <p:nvSpPr>
+          <p:cNvPr id="157" name="CustomShape 1"/>
+          <p:cNvSpPr/>
+          <p:nvPr/>
+        </p:nvSpPr>
+        <p:spPr>
+          <a:xfrm>
+            <a:off x="143640" y="60840"/>
+            <a:ext cx="9536040" cy="669600"/>
+          </a:xfrm>
+          <a:prstGeom prst="rect">
+            <a:avLst/>
+          </a:prstGeom>
+          <a:noFill/>
+          <a:ln>
+            <a:noFill/>
+          </a:ln>
+        </p:spPr>
+        <p:style>
+          <a:lnRef idx="0"/>
+          <a:fillRef idx="0"/>
+          <a:effectRef idx="0"/>
+          <a:fontRef idx="minor"/>
+        </p:style>
+        <p:txBody>
+          <a:bodyPr lIns="0" rIns="0" tIns="0" bIns="0" anchor="ctr">
+            <a:spAutoFit/>
+          </a:bodyPr>
+          <a:p>
+            <a:pPr>
+              <a:lnSpc>
+                <a:spcPct val="100000"/>
+              </a:lnSpc>
+            </a:pPr>
+            <a:r>
+              <a:rPr b="0" lang="sk-SK" sz="4400" spc="-1" strike="noStrike">
+                <a:latin typeface="Arial"/>
+              </a:rPr>
+              <a:t>Model</a:t>
+            </a:r>
+            <a:endParaRPr b="0" lang="sk-SK" sz="4400" spc="-1" strike="noStrike">
+              <a:latin typeface="Arial"/>
+            </a:endParaRPr>
+          </a:p>
+        </p:txBody>
+      </p:sp>
+      <p:pic>
+        <p:nvPicPr>
+          <p:cNvPr id="158" name="" descr=""/>
+          <p:cNvPicPr/>
+          <p:nvPr/>
+        </p:nvPicPr>
+        <p:blipFill>
+          <a:blip r:embed="rId1"/>
+          <a:stretch/>
+        </p:blipFill>
+        <p:spPr>
+          <a:xfrm>
+            <a:off x="883440" y="822600"/>
+            <a:ext cx="6977160" cy="4265640"/>
+          </a:xfrm>
+          <a:prstGeom prst="rect">
+            <a:avLst/>
+          </a:prstGeom>
+          <a:ln>
+            <a:noFill/>
+          </a:ln>
+        </p:spPr>
+      </p:pic>
     </p:spTree>
   </p:cSld>
   <mc:AlternateContent>
@@ -5691,14 +6477,14 @@
       </p:grpSpPr>
       <p:sp>
         <p:nvSpPr>
-          <p:cNvPr id="124" name="TextShape 1"/>
-          <p:cNvSpPr txBox="1"/>
+          <p:cNvPr id="119" name="CustomShape 1"/>
+          <p:cNvSpPr/>
           <p:nvPr/>
         </p:nvSpPr>
         <p:spPr>
           <a:xfrm>
-            <a:off x="144000" y="72000"/>
-            <a:ext cx="9540000" cy="648000"/>
+            <a:off x="143640" y="60840"/>
+            <a:ext cx="9536040" cy="669600"/>
           </a:xfrm>
           <a:prstGeom prst="rect">
             <a:avLst/>
@@ -5708,33 +6494,44 @@
             <a:noFill/>
           </a:ln>
         </p:spPr>
+        <p:style>
+          <a:lnRef idx="0"/>
+          <a:fillRef idx="0"/>
+          <a:effectRef idx="0"/>
+          <a:fontRef idx="minor"/>
+        </p:style>
         <p:txBody>
           <a:bodyPr lIns="0" rIns="0" tIns="0" bIns="0" anchor="ctr">
             <a:spAutoFit/>
           </a:bodyPr>
           <a:p>
+            <a:pPr>
+              <a:lnSpc>
+                <a:spcPct val="100000"/>
+              </a:lnSpc>
+            </a:pPr>
             <a:r>
-              <a:rPr b="0" lang="en-US" sz="4400" spc="-1" strike="noStrike">
+              <a:rPr b="0" lang="sk-SK" sz="4400" spc="-1" strike="noStrike">
                 <a:latin typeface="Arial"/>
               </a:rPr>
-              <a:t>Kitsune Network Attack Dataset</a:t>
+              <a:t>Homicide Reports, 1980-2014</a:t>
             </a:r>
-            <a:endParaRPr b="0" lang="en-US" sz="4400" spc="-1" strike="noStrike">
-              <a:latin typeface="Arial"/>
-            </a:endParaRPr>
-          </a:p>
-        </p:txBody>
-      </p:sp>
-      <p:sp>
-        <p:nvSpPr>
-          <p:cNvPr id="125" name="TextShape 2"/>
-          <p:cNvSpPr txBox="1"/>
+            <a:endParaRPr b="0" lang="sk-SK" sz="4400" spc="-1" strike="noStrike">
+              <a:latin typeface="Arial"/>
+            </a:endParaRPr>
+          </a:p>
+        </p:txBody>
+      </p:sp>
+      <p:sp>
+        <p:nvSpPr>
+          <p:cNvPr id="120" name="CustomShape 2"/>
+          <p:cNvSpPr/>
           <p:nvPr/>
         </p:nvSpPr>
         <p:spPr>
           <a:xfrm>
-            <a:off x="313200" y="1188720"/>
-            <a:ext cx="8007840" cy="2905920"/>
+            <a:off x="1044000" y="1327320"/>
+            <a:ext cx="8096040" cy="2970000"/>
           </a:xfrm>
           <a:prstGeom prst="rect">
             <a:avLst/>
@@ -5744,6 +6541,354 @@
             <a:noFill/>
           </a:ln>
         </p:spPr>
+        <p:style>
+          <a:lnRef idx="0"/>
+          <a:fillRef idx="0"/>
+          <a:effectRef idx="0"/>
+          <a:fontRef idx="minor"/>
+        </p:style>
+        <p:txBody>
+          <a:bodyPr lIns="90000" rIns="90000" tIns="45000" bIns="45000">
+            <a:spAutoFit/>
+          </a:bodyPr>
+          <a:p>
+            <a:pPr>
+              <a:lnSpc>
+                <a:spcPct val="150000"/>
+              </a:lnSpc>
+            </a:pPr>
+            <a:r>
+              <a:rPr b="0" lang="sk-SK" sz="1800" spc="-1" strike="noStrike">
+                <a:latin typeface="Arial"/>
+              </a:rPr>
+              <a:t>Projekt Murder Accountability je najkompletnejšia databáza vrážd v USA, ktorá je v súčasnosti k dispozícii. Tento súbor údajov obsahuje vraždy od doplňujúcej správy o vražde FBI z roku 1976 po súčasnosť a údaje zákona o slobode informácií o viac ako 22 000 vraždách, ktoré neboli oznámené ministerstvu spravodlivosti. Tento súbor údajov obsahuje okrem vzťahu medzi obeťou a páchateľom a použitej zbrane aj vek, rasu, pohlavie, etnickú príslušnosť obetí a páchateľov.</a:t>
+            </a:r>
+            <a:endParaRPr b="0" lang="sk-SK" sz="1800" spc="-1" strike="noStrike">
+              <a:latin typeface="Arial"/>
+            </a:endParaRPr>
+          </a:p>
+        </p:txBody>
+      </p:sp>
+    </p:spTree>
+  </p:cSld>
+  <mc:AlternateContent>
+    <mc:Choice Requires="p14">
+      <p:transition spd="slow" p14:dur="2000"/>
+    </mc:Choice>
+    <mc:Fallback>
+      <p:transition spd="slow"/>
+    </mc:Fallback>
+  </mc:AlternateContent>
+</p:sld>
+</file>
+
+<file path=ppt/slides/slide20.xml><?xml version="1.0" encoding="utf-8"?>
+<p:sld xmlns:a="http://schemas.openxmlformats.org/drawingml/2006/main" xmlns:p="http://schemas.openxmlformats.org/presentationml/2006/main" xmlns:r="http://schemas.openxmlformats.org/officeDocument/2006/relationships" xmlns:p14="http://schemas.microsoft.com/office/powerpoint/2010/main" xmlns:p15="http://schemas.microsoft.com/office/powerpoint/2012/main" xmlns:mc="http://schemas.openxmlformats.org/markup-compatibility/2006">
+  <p:cSld>
+    <p:spTree>
+      <p:nvGrpSpPr>
+        <p:cNvPr id="1" name=""/>
+        <p:cNvGrpSpPr/>
+        <p:nvPr/>
+      </p:nvGrpSpPr>
+      <p:grpSpPr>
+        <a:xfrm>
+          <a:off x="0" y="0"/>
+          <a:ext cx="0" cy="0"/>
+          <a:chOff x="0" y="0"/>
+          <a:chExt cx="0" cy="0"/>
+        </a:xfrm>
+      </p:grpSpPr>
+      <p:sp>
+        <p:nvSpPr>
+          <p:cNvPr id="159" name="CustomShape 1"/>
+          <p:cNvSpPr/>
+          <p:nvPr/>
+        </p:nvSpPr>
+        <p:spPr>
+          <a:xfrm>
+            <a:off x="143640" y="60840"/>
+            <a:ext cx="9536040" cy="669600"/>
+          </a:xfrm>
+          <a:prstGeom prst="rect">
+            <a:avLst/>
+          </a:prstGeom>
+          <a:noFill/>
+          <a:ln>
+            <a:noFill/>
+          </a:ln>
+        </p:spPr>
+        <p:style>
+          <a:lnRef idx="0"/>
+          <a:fillRef idx="0"/>
+          <a:effectRef idx="0"/>
+          <a:fontRef idx="minor"/>
+        </p:style>
+        <p:txBody>
+          <a:bodyPr lIns="0" rIns="0" tIns="0" bIns="0" anchor="ctr">
+            <a:spAutoFit/>
+          </a:bodyPr>
+          <a:p>
+            <a:pPr>
+              <a:lnSpc>
+                <a:spcPct val="100000"/>
+              </a:lnSpc>
+            </a:pPr>
+            <a:r>
+              <a:rPr b="0" lang="sk-SK" sz="4400" spc="-1" strike="noStrike">
+                <a:latin typeface="Arial"/>
+              </a:rPr>
+              <a:t>Compile</a:t>
+            </a:r>
+            <a:endParaRPr b="0" lang="sk-SK" sz="4400" spc="-1" strike="noStrike">
+              <a:latin typeface="Arial"/>
+            </a:endParaRPr>
+          </a:p>
+        </p:txBody>
+      </p:sp>
+      <p:pic>
+        <p:nvPicPr>
+          <p:cNvPr id="160" name="" descr=""/>
+          <p:cNvPicPr/>
+          <p:nvPr/>
+        </p:nvPicPr>
+        <p:blipFill>
+          <a:blip r:embed="rId1"/>
+          <a:stretch/>
+        </p:blipFill>
+        <p:spPr>
+          <a:xfrm>
+            <a:off x="365400" y="1462320"/>
+            <a:ext cx="9231840" cy="1200960"/>
+          </a:xfrm>
+          <a:prstGeom prst="rect">
+            <a:avLst/>
+          </a:prstGeom>
+          <a:ln>
+            <a:noFill/>
+          </a:ln>
+        </p:spPr>
+      </p:pic>
+    </p:spTree>
+  </p:cSld>
+  <mc:AlternateContent>
+    <mc:Choice Requires="p14">
+      <p:transition spd="slow" p14:dur="2000"/>
+    </mc:Choice>
+    <mc:Fallback>
+      <p:transition spd="slow"/>
+    </mc:Fallback>
+  </mc:AlternateContent>
+</p:sld>
+</file>
+
+<file path=ppt/slides/slide21.xml><?xml version="1.0" encoding="utf-8"?>
+<p:sld xmlns:a="http://schemas.openxmlformats.org/drawingml/2006/main" xmlns:p="http://schemas.openxmlformats.org/presentationml/2006/main" xmlns:r="http://schemas.openxmlformats.org/officeDocument/2006/relationships" xmlns:p14="http://schemas.microsoft.com/office/powerpoint/2010/main" xmlns:p15="http://schemas.microsoft.com/office/powerpoint/2012/main" xmlns:mc="http://schemas.openxmlformats.org/markup-compatibility/2006">
+  <p:cSld>
+    <p:spTree>
+      <p:nvGrpSpPr>
+        <p:cNvPr id="1" name=""/>
+        <p:cNvGrpSpPr/>
+        <p:nvPr/>
+      </p:nvGrpSpPr>
+      <p:grpSpPr>
+        <a:xfrm>
+          <a:off x="0" y="0"/>
+          <a:ext cx="0" cy="0"/>
+          <a:chOff x="0" y="0"/>
+          <a:chExt cx="0" cy="0"/>
+        </a:xfrm>
+      </p:grpSpPr>
+      <p:sp>
+        <p:nvSpPr>
+          <p:cNvPr id="161" name="CustomShape 1"/>
+          <p:cNvSpPr/>
+          <p:nvPr/>
+        </p:nvSpPr>
+        <p:spPr>
+          <a:xfrm>
+            <a:off x="143640" y="60840"/>
+            <a:ext cx="9536040" cy="669600"/>
+          </a:xfrm>
+          <a:prstGeom prst="rect">
+            <a:avLst/>
+          </a:prstGeom>
+          <a:noFill/>
+          <a:ln>
+            <a:noFill/>
+          </a:ln>
+        </p:spPr>
+        <p:style>
+          <a:lnRef idx="0"/>
+          <a:fillRef idx="0"/>
+          <a:effectRef idx="0"/>
+          <a:fontRef idx="minor"/>
+        </p:style>
+        <p:txBody>
+          <a:bodyPr lIns="0" rIns="0" tIns="0" bIns="0" anchor="ctr">
+            <a:spAutoFit/>
+          </a:bodyPr>
+          <a:p>
+            <a:pPr>
+              <a:lnSpc>
+                <a:spcPct val="100000"/>
+              </a:lnSpc>
+            </a:pPr>
+            <a:r>
+              <a:rPr b="0" lang="sk-SK" sz="4400" spc="-1" strike="noStrike">
+                <a:latin typeface="Arial"/>
+              </a:rPr>
+              <a:t>Train</a:t>
+            </a:r>
+            <a:endParaRPr b="0" lang="sk-SK" sz="4400" spc="-1" strike="noStrike">
+              <a:latin typeface="Arial"/>
+            </a:endParaRPr>
+          </a:p>
+        </p:txBody>
+      </p:sp>
+      <p:pic>
+        <p:nvPicPr>
+          <p:cNvPr id="162" name="" descr=""/>
+          <p:cNvPicPr/>
+          <p:nvPr/>
+        </p:nvPicPr>
+        <p:blipFill>
+          <a:blip r:embed="rId1"/>
+          <a:srcRect l="0" t="12031" r="0" b="0"/>
+          <a:stretch/>
+        </p:blipFill>
+        <p:spPr>
+          <a:xfrm>
+            <a:off x="914040" y="739080"/>
+            <a:ext cx="6408000" cy="4288680"/>
+          </a:xfrm>
+          <a:prstGeom prst="rect">
+            <a:avLst/>
+          </a:prstGeom>
+          <a:ln>
+            <a:noFill/>
+          </a:ln>
+        </p:spPr>
+      </p:pic>
+    </p:spTree>
+  </p:cSld>
+  <mc:AlternateContent>
+    <mc:Choice Requires="p14">
+      <p:transition spd="slow" p14:dur="2000"/>
+    </mc:Choice>
+    <mc:Fallback>
+      <p:transition spd="slow"/>
+    </mc:Fallback>
+  </mc:AlternateContent>
+</p:sld>
+</file>
+
+<file path=ppt/slides/slide22.xml><?xml version="1.0" encoding="utf-8"?>
+<p:sld xmlns:a="http://schemas.openxmlformats.org/drawingml/2006/main" xmlns:p="http://schemas.openxmlformats.org/presentationml/2006/main" xmlns:r="http://schemas.openxmlformats.org/officeDocument/2006/relationships" xmlns:p14="http://schemas.microsoft.com/office/powerpoint/2010/main" xmlns:p15="http://schemas.microsoft.com/office/powerpoint/2012/main" xmlns:mc="http://schemas.openxmlformats.org/markup-compatibility/2006">
+  <p:cSld>
+    <p:spTree>
+      <p:nvGrpSpPr>
+        <p:cNvPr id="1" name=""/>
+        <p:cNvGrpSpPr/>
+        <p:nvPr/>
+      </p:nvGrpSpPr>
+      <p:grpSpPr>
+        <a:xfrm>
+          <a:off x="0" y="0"/>
+          <a:ext cx="0" cy="0"/>
+          <a:chOff x="0" y="0"/>
+          <a:chExt cx="0" cy="0"/>
+        </a:xfrm>
+      </p:grpSpPr>
+      <p:sp>
+        <p:nvSpPr>
+          <p:cNvPr id="163" name="CustomShape 1"/>
+          <p:cNvSpPr/>
+          <p:nvPr/>
+        </p:nvSpPr>
+        <p:spPr>
+          <a:xfrm>
+            <a:off x="143640" y="60840"/>
+            <a:ext cx="9536040" cy="669600"/>
+          </a:xfrm>
+          <a:prstGeom prst="rect">
+            <a:avLst/>
+          </a:prstGeom>
+          <a:noFill/>
+          <a:ln>
+            <a:noFill/>
+          </a:ln>
+        </p:spPr>
+        <p:style>
+          <a:lnRef idx="0"/>
+          <a:fillRef idx="0"/>
+          <a:effectRef idx="0"/>
+          <a:fontRef idx="minor"/>
+        </p:style>
+        <p:txBody>
+          <a:bodyPr lIns="0" rIns="0" tIns="0" bIns="0" anchor="ctr">
+            <a:spAutoFit/>
+          </a:bodyPr>
+          <a:p>
+            <a:pPr>
+              <a:lnSpc>
+                <a:spcPct val="100000"/>
+              </a:lnSpc>
+            </a:pPr>
+            <a:r>
+              <a:rPr b="0" lang="sk-SK" sz="4400" spc="-1" strike="noStrike">
+                <a:latin typeface="Arial"/>
+              </a:rPr>
+              <a:t>Predikcia</a:t>
+            </a:r>
+            <a:endParaRPr b="0" lang="sk-SK" sz="4400" spc="-1" strike="noStrike">
+              <a:latin typeface="Arial"/>
+            </a:endParaRPr>
+          </a:p>
+        </p:txBody>
+      </p:sp>
+      <p:pic>
+        <p:nvPicPr>
+          <p:cNvPr id="164" name="" descr=""/>
+          <p:cNvPicPr/>
+          <p:nvPr/>
+        </p:nvPicPr>
+        <p:blipFill>
+          <a:blip r:embed="rId1"/>
+          <a:stretch/>
+        </p:blipFill>
+        <p:spPr>
+          <a:xfrm>
+            <a:off x="548280" y="1279800"/>
+            <a:ext cx="8893080" cy="1737000"/>
+          </a:xfrm>
+          <a:prstGeom prst="rect">
+            <a:avLst/>
+          </a:prstGeom>
+          <a:ln>
+            <a:noFill/>
+          </a:ln>
+        </p:spPr>
+      </p:pic>
+      <p:sp>
+        <p:nvSpPr>
+          <p:cNvPr id="165" name="TextShape 2"/>
+          <p:cNvSpPr txBox="1"/>
+          <p:nvPr/>
+        </p:nvSpPr>
+        <p:spPr>
+          <a:xfrm>
+            <a:off x="731160" y="3930840"/>
+            <a:ext cx="7495200" cy="1005480"/>
+          </a:xfrm>
+          <a:prstGeom prst="rect">
+            <a:avLst/>
+          </a:prstGeom>
+          <a:noFill/>
+          <a:ln>
+            <a:noFill/>
+          </a:ln>
+        </p:spPr>
         <p:txBody>
           <a:bodyPr lIns="90000" rIns="90000" tIns="45000" bIns="45000">
             <a:spAutoFit/>
@@ -5753,190 +6898,828 @@
               <a:rPr b="0" lang="en-US" sz="1800" spc="-1" strike="noStrike">
                 <a:latin typeface="Arial"/>
               </a:rPr>
-              <a:t>Kitsune Dataset pozostáva z 9 sub datasetov (rôznych simulovaných útokov):</a:t>
+              <a:t>Predikcia 50% </a:t>
             </a:r>
             <a:endParaRPr b="0" lang="en-US" sz="1800" spc="-1" strike="noStrike">
               <a:latin typeface="Arial"/>
             </a:endParaRPr>
           </a:p>
           <a:p>
-            <a:endParaRPr b="0" lang="en-US" sz="1800" spc="-1" strike="noStrike">
-              <a:latin typeface="Arial"/>
-            </a:endParaRPr>
-          </a:p>
-          <a:p>
-            <a:pPr marL="216000" indent="-216000">
-              <a:buClr>
-                <a:srgbClr val="ffffff"/>
-              </a:buClr>
-              <a:buSzPct val="45000"/>
-              <a:buFont typeface="Wingdings" charset="2"/>
-              <a:buChar char=""/>
-            </a:pPr>
             <a:r>
               <a:rPr b="0" lang="en-US" sz="1800" spc="-1" strike="noStrike">
                 <a:latin typeface="Arial"/>
               </a:rPr>
-              <a:t>Address Resolution Protocol Man-in-the-Middle Attack</a:t>
+              <a:t>Ako randomny generator alebo hod mincou</a:t>
             </a:r>
             <a:endParaRPr b="0" lang="en-US" sz="1800" spc="-1" strike="noStrike">
               <a:latin typeface="Arial"/>
             </a:endParaRPr>
           </a:p>
-          <a:p>
-            <a:pPr marL="216000" indent="-216000">
-              <a:buClr>
-                <a:srgbClr val="ffffff"/>
-              </a:buClr>
-              <a:buSzPct val="45000"/>
-              <a:buFont typeface="Wingdings" charset="2"/>
-              <a:buChar char=""/>
+        </p:txBody>
+      </p:sp>
+    </p:spTree>
+  </p:cSld>
+  <mc:AlternateContent>
+    <mc:Choice Requires="p14">
+      <p:transition spd="slow" p14:dur="2000"/>
+    </mc:Choice>
+    <mc:Fallback>
+      <p:transition spd="slow"/>
+    </mc:Fallback>
+  </mc:AlternateContent>
+</p:sld>
+</file>
+
+<file path=ppt/slides/slide23.xml><?xml version="1.0" encoding="utf-8"?>
+<p:sld xmlns:a="http://schemas.openxmlformats.org/drawingml/2006/main" xmlns:p="http://schemas.openxmlformats.org/presentationml/2006/main" xmlns:r="http://schemas.openxmlformats.org/officeDocument/2006/relationships" xmlns:p14="http://schemas.microsoft.com/office/powerpoint/2010/main" xmlns:p15="http://schemas.microsoft.com/office/powerpoint/2012/main" xmlns:mc="http://schemas.openxmlformats.org/markup-compatibility/2006">
+  <p:cSld>
+    <p:spTree>
+      <p:nvGrpSpPr>
+        <p:cNvPr id="1" name=""/>
+        <p:cNvGrpSpPr/>
+        <p:nvPr/>
+      </p:nvGrpSpPr>
+      <p:grpSpPr>
+        <a:xfrm>
+          <a:off x="0" y="0"/>
+          <a:ext cx="0" cy="0"/>
+          <a:chOff x="0" y="0"/>
+          <a:chExt cx="0" cy="0"/>
+        </a:xfrm>
+      </p:grpSpPr>
+      <p:sp>
+        <p:nvSpPr>
+          <p:cNvPr id="166" name="CustomShape 1"/>
+          <p:cNvSpPr/>
+          <p:nvPr/>
+        </p:nvSpPr>
+        <p:spPr>
+          <a:xfrm>
+            <a:off x="143640" y="60840"/>
+            <a:ext cx="9536040" cy="669600"/>
+          </a:xfrm>
+          <a:prstGeom prst="rect">
+            <a:avLst/>
+          </a:prstGeom>
+          <a:noFill/>
+          <a:ln>
+            <a:noFill/>
+          </a:ln>
+        </p:spPr>
+        <p:style>
+          <a:lnRef idx="0"/>
+          <a:fillRef idx="0"/>
+          <a:effectRef idx="0"/>
+          <a:fontRef idx="minor"/>
+        </p:style>
+        <p:txBody>
+          <a:bodyPr lIns="0" rIns="0" tIns="0" bIns="0" anchor="ctr">
+            <a:spAutoFit/>
+          </a:bodyPr>
+          <a:p>
+            <a:pPr>
+              <a:lnSpc>
+                <a:spcPct val="100000"/>
+              </a:lnSpc>
             </a:pPr>
+            <a:r>
+              <a:rPr b="0" lang="sk-SK" sz="4400" spc="-1" strike="noStrike">
+                <a:latin typeface="Arial"/>
+              </a:rPr>
+              <a:t>Presnosť modelu</a:t>
+            </a:r>
+            <a:endParaRPr b="0" lang="sk-SK" sz="4400" spc="-1" strike="noStrike">
+              <a:latin typeface="Arial"/>
+            </a:endParaRPr>
+          </a:p>
+        </p:txBody>
+      </p:sp>
+      <p:pic>
+        <p:nvPicPr>
+          <p:cNvPr id="167" name="" descr=""/>
+          <p:cNvPicPr/>
+          <p:nvPr/>
+        </p:nvPicPr>
+        <p:blipFill>
+          <a:blip r:embed="rId1"/>
+          <a:stretch/>
+        </p:blipFill>
+        <p:spPr>
+          <a:xfrm>
+            <a:off x="1553760" y="1087560"/>
+            <a:ext cx="5575680" cy="4069440"/>
+          </a:xfrm>
+          <a:prstGeom prst="rect">
+            <a:avLst/>
+          </a:prstGeom>
+          <a:ln>
+            <a:noFill/>
+          </a:ln>
+        </p:spPr>
+      </p:pic>
+    </p:spTree>
+  </p:cSld>
+  <mc:AlternateContent>
+    <mc:Choice Requires="p14">
+      <p:transition spd="slow" p14:dur="2000"/>
+    </mc:Choice>
+    <mc:Fallback>
+      <p:transition spd="slow"/>
+    </mc:Fallback>
+  </mc:AlternateContent>
+</p:sld>
+</file>
+
+<file path=ppt/slides/slide24.xml><?xml version="1.0" encoding="utf-8"?>
+<p:sld xmlns:a="http://schemas.openxmlformats.org/drawingml/2006/main" xmlns:p="http://schemas.openxmlformats.org/presentationml/2006/main" xmlns:r="http://schemas.openxmlformats.org/officeDocument/2006/relationships" xmlns:p14="http://schemas.microsoft.com/office/powerpoint/2010/main" xmlns:p15="http://schemas.microsoft.com/office/powerpoint/2012/main" xmlns:mc="http://schemas.openxmlformats.org/markup-compatibility/2006">
+  <p:cSld>
+    <p:spTree>
+      <p:nvGrpSpPr>
+        <p:cNvPr id="1" name=""/>
+        <p:cNvGrpSpPr/>
+        <p:nvPr/>
+      </p:nvGrpSpPr>
+      <p:grpSpPr>
+        <a:xfrm>
+          <a:off x="0" y="0"/>
+          <a:ext cx="0" cy="0"/>
+          <a:chOff x="0" y="0"/>
+          <a:chExt cx="0" cy="0"/>
+        </a:xfrm>
+      </p:grpSpPr>
+      <p:sp>
+        <p:nvSpPr>
+          <p:cNvPr id="168" name="CustomShape 1"/>
+          <p:cNvSpPr/>
+          <p:nvPr/>
+        </p:nvSpPr>
+        <p:spPr>
+          <a:xfrm>
+            <a:off x="143640" y="60840"/>
+            <a:ext cx="9536040" cy="669600"/>
+          </a:xfrm>
+          <a:prstGeom prst="rect">
+            <a:avLst/>
+          </a:prstGeom>
+          <a:noFill/>
+          <a:ln>
+            <a:noFill/>
+          </a:ln>
+        </p:spPr>
+        <p:style>
+          <a:lnRef idx="0"/>
+          <a:fillRef idx="0"/>
+          <a:effectRef idx="0"/>
+          <a:fontRef idx="minor"/>
+        </p:style>
+        <p:txBody>
+          <a:bodyPr lIns="0" rIns="0" tIns="0" bIns="0" anchor="ctr">
+            <a:spAutoFit/>
+          </a:bodyPr>
+          <a:p>
+            <a:pPr>
+              <a:lnSpc>
+                <a:spcPct val="100000"/>
+              </a:lnSpc>
+            </a:pPr>
+            <a:r>
+              <a:rPr b="0" lang="sk-SK" sz="4400" spc="-1" strike="noStrike">
+                <a:latin typeface="Arial"/>
+              </a:rPr>
+              <a:t>Chyba</a:t>
+            </a:r>
+            <a:endParaRPr b="0" lang="sk-SK" sz="4400" spc="-1" strike="noStrike">
+              <a:latin typeface="Arial"/>
+            </a:endParaRPr>
+          </a:p>
+        </p:txBody>
+      </p:sp>
+      <p:pic>
+        <p:nvPicPr>
+          <p:cNvPr id="169" name="" descr=""/>
+          <p:cNvPicPr/>
+          <p:nvPr/>
+        </p:nvPicPr>
+        <p:blipFill>
+          <a:blip r:embed="rId1"/>
+          <a:stretch/>
+        </p:blipFill>
+        <p:spPr>
+          <a:xfrm>
+            <a:off x="1553760" y="1188360"/>
+            <a:ext cx="5015880" cy="3543840"/>
+          </a:xfrm>
+          <a:prstGeom prst="rect">
+            <a:avLst/>
+          </a:prstGeom>
+          <a:ln>
+            <a:noFill/>
+          </a:ln>
+        </p:spPr>
+      </p:pic>
+    </p:spTree>
+  </p:cSld>
+  <mc:AlternateContent>
+    <mc:Choice Requires="p14">
+      <p:transition spd="slow" p14:dur="2000"/>
+    </mc:Choice>
+    <mc:Fallback>
+      <p:transition spd="slow"/>
+    </mc:Fallback>
+  </mc:AlternateContent>
+</p:sld>
+</file>
+
+<file path=ppt/slides/slide25.xml><?xml version="1.0" encoding="utf-8"?>
+<p:sld xmlns:a="http://schemas.openxmlformats.org/drawingml/2006/main" xmlns:p="http://schemas.openxmlformats.org/presentationml/2006/main" xmlns:r="http://schemas.openxmlformats.org/officeDocument/2006/relationships" xmlns:p14="http://schemas.microsoft.com/office/powerpoint/2010/main" xmlns:p15="http://schemas.microsoft.com/office/powerpoint/2012/main" xmlns:mc="http://schemas.openxmlformats.org/markup-compatibility/2006">
+  <p:cSld>
+    <p:spTree>
+      <p:nvGrpSpPr>
+        <p:cNvPr id="1" name=""/>
+        <p:cNvGrpSpPr/>
+        <p:nvPr/>
+      </p:nvGrpSpPr>
+      <p:grpSpPr>
+        <a:xfrm>
+          <a:off x="0" y="0"/>
+          <a:ext cx="0" cy="0"/>
+          <a:chOff x="0" y="0"/>
+          <a:chExt cx="0" cy="0"/>
+        </a:xfrm>
+      </p:grpSpPr>
+      <p:sp>
+        <p:nvSpPr>
+          <p:cNvPr id="170" name="CustomShape 1"/>
+          <p:cNvSpPr/>
+          <p:nvPr/>
+        </p:nvSpPr>
+        <p:spPr>
+          <a:xfrm>
+            <a:off x="3443400" y="2164320"/>
+            <a:ext cx="9536040" cy="669600"/>
+          </a:xfrm>
+          <a:prstGeom prst="rect">
+            <a:avLst/>
+          </a:prstGeom>
+          <a:noFill/>
+          <a:ln>
+            <a:noFill/>
+          </a:ln>
+        </p:spPr>
+        <p:style>
+          <a:lnRef idx="0"/>
+          <a:fillRef idx="0"/>
+          <a:effectRef idx="0"/>
+          <a:fontRef idx="minor"/>
+        </p:style>
+        <p:txBody>
+          <a:bodyPr lIns="0" rIns="0" tIns="0" bIns="0" anchor="ctr">
+            <a:spAutoFit/>
+          </a:bodyPr>
+          <a:p>
+            <a:pPr>
+              <a:lnSpc>
+                <a:spcPct val="100000"/>
+              </a:lnSpc>
+            </a:pPr>
+            <a:r>
+              <a:rPr b="0" lang="sk-SK" sz="4400" spc="-1" strike="noStrike">
+                <a:latin typeface="Arial"/>
+              </a:rPr>
+              <a:t>Čo sa stalo??</a:t>
+            </a:r>
+            <a:endParaRPr b="0" lang="sk-SK" sz="4400" spc="-1" strike="noStrike">
+              <a:latin typeface="Arial"/>
+            </a:endParaRPr>
+          </a:p>
+        </p:txBody>
+      </p:sp>
+    </p:spTree>
+  </p:cSld>
+  <mc:AlternateContent>
+    <mc:Choice Requires="p14">
+      <p:transition spd="slow" p14:dur="2000"/>
+    </mc:Choice>
+    <mc:Fallback>
+      <p:transition spd="slow"/>
+    </mc:Fallback>
+  </mc:AlternateContent>
+</p:sld>
+</file>
+
+<file path=ppt/slides/slide26.xml><?xml version="1.0" encoding="utf-8"?>
+<p:sld xmlns:a="http://schemas.openxmlformats.org/drawingml/2006/main" xmlns:p="http://schemas.openxmlformats.org/presentationml/2006/main" xmlns:r="http://schemas.openxmlformats.org/officeDocument/2006/relationships" xmlns:p14="http://schemas.microsoft.com/office/powerpoint/2010/main" xmlns:p15="http://schemas.microsoft.com/office/powerpoint/2012/main" xmlns:mc="http://schemas.openxmlformats.org/markup-compatibility/2006">
+  <p:cSld>
+    <p:spTree>
+      <p:nvGrpSpPr>
+        <p:cNvPr id="1" name=""/>
+        <p:cNvGrpSpPr/>
+        <p:nvPr/>
+      </p:nvGrpSpPr>
+      <p:grpSpPr>
+        <a:xfrm>
+          <a:off x="0" y="0"/>
+          <a:ext cx="0" cy="0"/>
+          <a:chOff x="0" y="0"/>
+          <a:chExt cx="0" cy="0"/>
+        </a:xfrm>
+      </p:grpSpPr>
+      <p:sp>
+        <p:nvSpPr>
+          <p:cNvPr id="171" name="CustomShape 1"/>
+          <p:cNvSpPr/>
+          <p:nvPr/>
+        </p:nvSpPr>
+        <p:spPr>
+          <a:xfrm>
+            <a:off x="143640" y="60840"/>
+            <a:ext cx="9536040" cy="669600"/>
+          </a:xfrm>
+          <a:prstGeom prst="rect">
+            <a:avLst/>
+          </a:prstGeom>
+          <a:noFill/>
+          <a:ln>
+            <a:noFill/>
+          </a:ln>
+        </p:spPr>
+        <p:style>
+          <a:lnRef idx="0"/>
+          <a:fillRef idx="0"/>
+          <a:effectRef idx="0"/>
+          <a:fontRef idx="minor"/>
+        </p:style>
+        <p:txBody>
+          <a:bodyPr lIns="0" rIns="0" tIns="0" bIns="0" anchor="ctr">
+            <a:spAutoFit/>
+          </a:bodyPr>
+          <a:p>
+            <a:pPr>
+              <a:lnSpc>
+                <a:spcPct val="100000"/>
+              </a:lnSpc>
+            </a:pPr>
+            <a:r>
+              <a:rPr b="0" lang="sk-SK" sz="4400" spc="-1" strike="noStrike">
+                <a:latin typeface="Arial"/>
+              </a:rPr>
+              <a:t>Čo sme zistili?</a:t>
+            </a:r>
+            <a:endParaRPr b="0" lang="sk-SK" sz="4400" spc="-1" strike="noStrike">
+              <a:latin typeface="Arial"/>
+            </a:endParaRPr>
+          </a:p>
+        </p:txBody>
+      </p:sp>
+      <p:sp>
+        <p:nvSpPr>
+          <p:cNvPr id="172" name="TextShape 2"/>
+          <p:cNvSpPr txBox="1"/>
+          <p:nvPr/>
+        </p:nvSpPr>
+        <p:spPr>
+          <a:xfrm>
+            <a:off x="1096560" y="1828080"/>
+            <a:ext cx="3656160" cy="2394000"/>
+          </a:xfrm>
+          <a:prstGeom prst="rect">
+            <a:avLst/>
+          </a:prstGeom>
+          <a:noFill/>
+          <a:ln>
+            <a:noFill/>
+          </a:ln>
+        </p:spPr>
+        <p:txBody>
+          <a:bodyPr lIns="90000" rIns="90000" tIns="45000" bIns="45000">
+            <a:spAutoFit/>
+          </a:bodyPr>
+          <a:p>
             <a:r>
               <a:rPr b="0" lang="en-US" sz="1800" spc="-1" strike="noStrike">
                 <a:latin typeface="Arial"/>
               </a:rPr>
-              <a:t>Active Wiretap</a:t>
+              <a:t>Aj napriek tomu, ze je korelacia medzi datami, tak nemusi platit, ze to prejde</a:t>
             </a:r>
             <a:endParaRPr b="0" lang="en-US" sz="1800" spc="-1" strike="noStrike">
               <a:latin typeface="Arial"/>
             </a:endParaRPr>
           </a:p>
           <a:p>
-            <a:pPr marL="216000" indent="-216000">
-              <a:buClr>
-                <a:srgbClr val="ffffff"/>
-              </a:buClr>
-              <a:buSzPct val="45000"/>
-              <a:buFont typeface="Wingdings" charset="2"/>
-              <a:buChar char=""/>
-            </a:pPr>
+            <a:endParaRPr b="0" lang="en-US" sz="1800" spc="-1" strike="noStrike">
+              <a:latin typeface="Arial"/>
+            </a:endParaRPr>
+          </a:p>
+          <a:p>
             <a:r>
               <a:rPr b="0" lang="en-US" sz="1800" spc="-1" strike="noStrike">
                 <a:latin typeface="Arial"/>
               </a:rPr>
-              <a:t>Fuzzing</a:t>
+              <a:t>Ak máme zle predspracované dáta, nedosiahneme väčšiu presnosť ako 50%</a:t>
             </a:r>
             <a:endParaRPr b="0" lang="en-US" sz="1800" spc="-1" strike="noStrike">
               <a:latin typeface="Arial"/>
             </a:endParaRPr>
           </a:p>
           <a:p>
-            <a:pPr marL="216000" indent="-216000">
-              <a:buClr>
-                <a:srgbClr val="ffffff"/>
-              </a:buClr>
-              <a:buSzPct val="45000"/>
-              <a:buFont typeface="Wingdings" charset="2"/>
-              <a:buChar char=""/>
-            </a:pPr>
+            <a:endParaRPr b="0" lang="en-US" sz="1800" spc="-1" strike="noStrike">
+              <a:latin typeface="Arial"/>
+            </a:endParaRPr>
+          </a:p>
+          <a:p>
             <a:r>
               <a:rPr b="0" lang="en-US" sz="1800" spc="-1" strike="noStrike">
                 <a:latin typeface="Arial"/>
               </a:rPr>
-              <a:t>Mirai Botnet</a:t>
+              <a:t>SPARSE DATA</a:t>
             </a:r>
             <a:endParaRPr b="0" lang="en-US" sz="1800" spc="-1" strike="noStrike">
               <a:latin typeface="Arial"/>
             </a:endParaRPr>
           </a:p>
-          <a:p>
-            <a:pPr marL="216000" indent="-216000">
-              <a:buClr>
-                <a:srgbClr val="ffffff"/>
-              </a:buClr>
-              <a:buSzPct val="45000"/>
-              <a:buFont typeface="Wingdings" charset="2"/>
-              <a:buChar char=""/>
+        </p:txBody>
+      </p:sp>
+    </p:spTree>
+  </p:cSld>
+  <mc:AlternateContent>
+    <mc:Choice Requires="p14">
+      <p:transition spd="slow" p14:dur="2000"/>
+    </mc:Choice>
+    <mc:Fallback>
+      <p:transition spd="slow"/>
+    </mc:Fallback>
+  </mc:AlternateContent>
+</p:sld>
+</file>
+
+<file path=ppt/slides/slide27.xml><?xml version="1.0" encoding="utf-8"?>
+<p:sld xmlns:a="http://schemas.openxmlformats.org/drawingml/2006/main" xmlns:p="http://schemas.openxmlformats.org/presentationml/2006/main" xmlns:r="http://schemas.openxmlformats.org/officeDocument/2006/relationships" xmlns:p14="http://schemas.microsoft.com/office/powerpoint/2010/main" xmlns:p15="http://schemas.microsoft.com/office/powerpoint/2012/main" xmlns:mc="http://schemas.openxmlformats.org/markup-compatibility/2006">
+  <p:cSld>
+    <p:spTree>
+      <p:nvGrpSpPr>
+        <p:cNvPr id="1" name=""/>
+        <p:cNvGrpSpPr/>
+        <p:nvPr/>
+      </p:nvGrpSpPr>
+      <p:grpSpPr>
+        <a:xfrm>
+          <a:off x="0" y="0"/>
+          <a:ext cx="0" cy="0"/>
+          <a:chOff x="0" y="0"/>
+          <a:chExt cx="0" cy="0"/>
+        </a:xfrm>
+      </p:grpSpPr>
+      <p:sp>
+        <p:nvSpPr>
+          <p:cNvPr id="173" name="CustomShape 1"/>
+          <p:cNvSpPr/>
+          <p:nvPr/>
+        </p:nvSpPr>
+        <p:spPr>
+          <a:xfrm>
+            <a:off x="143640" y="0"/>
+            <a:ext cx="9536040" cy="1339920"/>
+          </a:xfrm>
+          <a:prstGeom prst="rect">
+            <a:avLst/>
+          </a:prstGeom>
+          <a:noFill/>
+          <a:ln>
+            <a:noFill/>
+          </a:ln>
+        </p:spPr>
+        <p:style>
+          <a:lnRef idx="0"/>
+          <a:fillRef idx="0"/>
+          <a:effectRef idx="0"/>
+          <a:fontRef idx="minor"/>
+        </p:style>
+        <p:txBody>
+          <a:bodyPr lIns="0" rIns="0" tIns="0" bIns="0" anchor="ctr">
+            <a:spAutoFit/>
+          </a:bodyPr>
+          <a:p>
+            <a:pPr>
+              <a:lnSpc>
+                <a:spcPct val="100000"/>
+              </a:lnSpc>
             </a:pPr>
             <a:r>
-              <a:rPr b="0" lang="en-US" sz="1800" spc="-1" strike="noStrike">
+              <a:rPr b="0" lang="sk-SK" sz="4400" spc="-1" strike="noStrike">
                 <a:latin typeface="Arial"/>
               </a:rPr>
-              <a:t>OS Scan</a:t>
+              <a:t>Predpoklad 1:</a:t>
             </a:r>
-            <a:endParaRPr b="0" lang="en-US" sz="1800" spc="-1" strike="noStrike">
-              <a:latin typeface="Arial"/>
-            </a:endParaRPr>
-          </a:p>
-          <a:p>
-            <a:pPr marL="216000" indent="-216000">
-              <a:buClr>
-                <a:srgbClr val="ffffff"/>
-              </a:buClr>
-              <a:buSzPct val="45000"/>
-              <a:buFont typeface="Wingdings" charset="2"/>
-              <a:buChar char=""/>
+            <a:endParaRPr b="0" lang="sk-SK" sz="4400" spc="-1" strike="noStrike">
+              <a:latin typeface="Arial"/>
+            </a:endParaRPr>
+          </a:p>
+          <a:p>
+            <a:pPr>
+              <a:lnSpc>
+                <a:spcPct val="100000"/>
+              </a:lnSpc>
             </a:pPr>
             <a:r>
-              <a:rPr b="0" lang="en-US" sz="1800" spc="-1" strike="noStrike">
+              <a:rPr b="0" lang="sk-SK" sz="4400" spc="-1" strike="noStrike">
                 <a:latin typeface="Arial"/>
               </a:rPr>
-              <a:t>Simple Service Discovery Protocol (SSDP) Flood</a:t>
+              <a:t>Headache</a:t>
             </a:r>
-            <a:endParaRPr b="0" lang="en-US" sz="1800" spc="-1" strike="noStrike">
-              <a:latin typeface="Arial"/>
-            </a:endParaRPr>
-          </a:p>
-          <a:p>
-            <a:pPr marL="216000" indent="-216000">
-              <a:buClr>
-                <a:srgbClr val="ffffff"/>
-              </a:buClr>
-              <a:buSzPct val="45000"/>
-              <a:buFont typeface="Wingdings" charset="2"/>
-              <a:buChar char=""/>
+            <a:endParaRPr b="0" lang="sk-SK" sz="4400" spc="-1" strike="noStrike">
+              <a:latin typeface="Arial"/>
+            </a:endParaRPr>
+          </a:p>
+        </p:txBody>
+      </p:sp>
+      <p:pic>
+        <p:nvPicPr>
+          <p:cNvPr id="174" name="" descr=""/>
+          <p:cNvPicPr/>
+          <p:nvPr/>
+        </p:nvPicPr>
+        <p:blipFill>
+          <a:blip r:embed="rId1"/>
+          <a:stretch/>
+        </p:blipFill>
+        <p:spPr>
+          <a:xfrm>
+            <a:off x="388440" y="1919520"/>
+            <a:ext cx="9117360" cy="1350000"/>
+          </a:xfrm>
+          <a:prstGeom prst="rect">
+            <a:avLst/>
+          </a:prstGeom>
+          <a:ln>
+            <a:noFill/>
+          </a:ln>
+        </p:spPr>
+      </p:pic>
+    </p:spTree>
+  </p:cSld>
+  <mc:AlternateContent>
+    <mc:Choice Requires="p14">
+      <p:transition spd="slow" p14:dur="2000"/>
+    </mc:Choice>
+    <mc:Fallback>
+      <p:transition spd="slow"/>
+    </mc:Fallback>
+  </mc:AlternateContent>
+</p:sld>
+</file>
+
+<file path=ppt/slides/slide28.xml><?xml version="1.0" encoding="utf-8"?>
+<p:sld xmlns:a="http://schemas.openxmlformats.org/drawingml/2006/main" xmlns:p="http://schemas.openxmlformats.org/presentationml/2006/main" xmlns:r="http://schemas.openxmlformats.org/officeDocument/2006/relationships" xmlns:p14="http://schemas.microsoft.com/office/powerpoint/2010/main" xmlns:p15="http://schemas.microsoft.com/office/powerpoint/2012/main" xmlns:mc="http://schemas.openxmlformats.org/markup-compatibility/2006">
+  <p:cSld>
+    <p:spTree>
+      <p:nvGrpSpPr>
+        <p:cNvPr id="1" name=""/>
+        <p:cNvGrpSpPr/>
+        <p:nvPr/>
+      </p:nvGrpSpPr>
+      <p:grpSpPr>
+        <a:xfrm>
+          <a:off x="0" y="0"/>
+          <a:ext cx="0" cy="0"/>
+          <a:chOff x="0" y="0"/>
+          <a:chExt cx="0" cy="0"/>
+        </a:xfrm>
+      </p:grpSpPr>
+      <p:sp>
+        <p:nvSpPr>
+          <p:cNvPr id="175" name="CustomShape 1"/>
+          <p:cNvSpPr/>
+          <p:nvPr/>
+        </p:nvSpPr>
+        <p:spPr>
+          <a:xfrm>
+            <a:off x="182520" y="-59400"/>
+            <a:ext cx="9536040" cy="1339920"/>
+          </a:xfrm>
+          <a:prstGeom prst="rect">
+            <a:avLst/>
+          </a:prstGeom>
+          <a:noFill/>
+          <a:ln>
+            <a:noFill/>
+          </a:ln>
+        </p:spPr>
+        <p:style>
+          <a:lnRef idx="0"/>
+          <a:fillRef idx="0"/>
+          <a:effectRef idx="0"/>
+          <a:fontRef idx="minor"/>
+        </p:style>
+        <p:txBody>
+          <a:bodyPr lIns="0" rIns="0" tIns="0" bIns="0" anchor="ctr">
+            <a:spAutoFit/>
+          </a:bodyPr>
+          <a:p>
+            <a:pPr>
+              <a:lnSpc>
+                <a:spcPct val="100000"/>
+              </a:lnSpc>
             </a:pPr>
             <a:r>
-              <a:rPr b="0" lang="en-US" sz="1800" spc="-1" strike="noStrike">
+              <a:rPr b="0" lang="sk-SK" sz="4400" spc="-1" strike="noStrike">
                 <a:latin typeface="Arial"/>
               </a:rPr>
-              <a:t>Secure Socket Layer Renegotiation</a:t>
+              <a:t>Predpoklad 1:</a:t>
             </a:r>
-            <a:endParaRPr b="0" lang="en-US" sz="1800" spc="-1" strike="noStrike">
-              <a:latin typeface="Arial"/>
-            </a:endParaRPr>
-          </a:p>
-          <a:p>
-            <a:pPr marL="216000" indent="-216000">
-              <a:buClr>
-                <a:srgbClr val="ffffff"/>
-              </a:buClr>
-              <a:buSzPct val="45000"/>
-              <a:buFont typeface="Wingdings" charset="2"/>
-              <a:buChar char=""/>
+            <a:endParaRPr b="0" lang="sk-SK" sz="4400" spc="-1" strike="noStrike">
+              <a:latin typeface="Arial"/>
+            </a:endParaRPr>
+          </a:p>
+          <a:p>
+            <a:pPr>
+              <a:lnSpc>
+                <a:spcPct val="100000"/>
+              </a:lnSpc>
             </a:pPr>
             <a:r>
-              <a:rPr b="0" lang="en-US" sz="1800" spc="-1" strike="noStrike">
+              <a:rPr b="0" lang="sk-SK" sz="4400" spc="-1" strike="noStrike">
                 <a:latin typeface="Arial"/>
               </a:rPr>
-              <a:t>SYN DoS</a:t>
+              <a:t>Headache</a:t>
             </a:r>
-            <a:endParaRPr b="0" lang="en-US" sz="1800" spc="-1" strike="noStrike">
-              <a:latin typeface="Arial"/>
-            </a:endParaRPr>
-          </a:p>
-          <a:p>
-            <a:pPr marL="216000" indent="-216000">
-              <a:buClr>
-                <a:srgbClr val="ffffff"/>
-              </a:buClr>
-              <a:buSzPct val="45000"/>
-              <a:buFont typeface="Wingdings" charset="2"/>
-              <a:buChar char=""/>
+            <a:endParaRPr b="0" lang="sk-SK" sz="4400" spc="-1" strike="noStrike">
+              <a:latin typeface="Arial"/>
+            </a:endParaRPr>
+          </a:p>
+        </p:txBody>
+      </p:sp>
+      <p:pic>
+        <p:nvPicPr>
+          <p:cNvPr id="176" name="" descr=""/>
+          <p:cNvPicPr/>
+          <p:nvPr/>
+        </p:nvPicPr>
+        <p:blipFill>
+          <a:blip r:embed="rId1"/>
+          <a:stretch/>
+        </p:blipFill>
+        <p:spPr>
+          <a:xfrm>
+            <a:off x="4629600" y="1463040"/>
+            <a:ext cx="3691440" cy="3166200"/>
+          </a:xfrm>
+          <a:prstGeom prst="rect">
+            <a:avLst/>
+          </a:prstGeom>
+          <a:ln>
+            <a:noFill/>
+          </a:ln>
+        </p:spPr>
+      </p:pic>
+      <p:sp>
+        <p:nvSpPr>
+          <p:cNvPr id="177" name="CustomShape 2"/>
+          <p:cNvSpPr/>
+          <p:nvPr/>
+        </p:nvSpPr>
+        <p:spPr>
+          <a:xfrm>
+            <a:off x="4206240" y="3566160"/>
+            <a:ext cx="3385440" cy="914400"/>
+          </a:xfrm>
+          <a:prstGeom prst="donut">
+            <a:avLst>
+              <a:gd name="adj" fmla="val 1013"/>
+            </a:avLst>
+          </a:prstGeom>
+          <a:solidFill>
+            <a:srgbClr val="729fcf"/>
+          </a:solidFill>
+          <a:ln>
+            <a:solidFill>
+              <a:srgbClr val="ff0000"/>
+            </a:solidFill>
+          </a:ln>
+        </p:spPr>
+        <p:style>
+          <a:lnRef idx="0"/>
+          <a:fillRef idx="0"/>
+          <a:effectRef idx="0"/>
+          <a:fontRef idx="minor"/>
+        </p:style>
+      </p:sp>
+    </p:spTree>
+  </p:cSld>
+  <mc:AlternateContent>
+    <mc:Choice Requires="p14">
+      <p:transition spd="slow" p14:dur="2000"/>
+    </mc:Choice>
+    <mc:Fallback>
+      <p:transition spd="slow"/>
+    </mc:Fallback>
+  </mc:AlternateContent>
+</p:sld>
+</file>
+
+<file path=ppt/slides/slide29.xml><?xml version="1.0" encoding="utf-8"?>
+<p:sld xmlns:a="http://schemas.openxmlformats.org/drawingml/2006/main" xmlns:p="http://schemas.openxmlformats.org/presentationml/2006/main" xmlns:r="http://schemas.openxmlformats.org/officeDocument/2006/relationships" xmlns:p14="http://schemas.microsoft.com/office/powerpoint/2010/main" xmlns:p15="http://schemas.microsoft.com/office/powerpoint/2012/main" xmlns:mc="http://schemas.openxmlformats.org/markup-compatibility/2006">
+  <p:cSld>
+    <p:spTree>
+      <p:nvGrpSpPr>
+        <p:cNvPr id="1" name=""/>
+        <p:cNvGrpSpPr/>
+        <p:nvPr/>
+      </p:nvGrpSpPr>
+      <p:grpSpPr>
+        <a:xfrm>
+          <a:off x="0" y="0"/>
+          <a:ext cx="0" cy="0"/>
+          <a:chOff x="0" y="0"/>
+          <a:chExt cx="0" cy="0"/>
+        </a:xfrm>
+      </p:grpSpPr>
+      <p:sp>
+        <p:nvSpPr>
+          <p:cNvPr id="178" name="CustomShape 1"/>
+          <p:cNvSpPr/>
+          <p:nvPr/>
+        </p:nvSpPr>
+        <p:spPr>
+          <a:xfrm>
+            <a:off x="244080" y="0"/>
+            <a:ext cx="9536040" cy="1339920"/>
+          </a:xfrm>
+          <a:prstGeom prst="rect">
+            <a:avLst/>
+          </a:prstGeom>
+          <a:noFill/>
+          <a:ln>
+            <a:noFill/>
+          </a:ln>
+        </p:spPr>
+        <p:style>
+          <a:lnRef idx="0"/>
+          <a:fillRef idx="0"/>
+          <a:effectRef idx="0"/>
+          <a:fontRef idx="minor"/>
+        </p:style>
+        <p:txBody>
+          <a:bodyPr lIns="0" rIns="0" tIns="0" bIns="0" anchor="ctr">
+            <a:spAutoFit/>
+          </a:bodyPr>
+          <a:p>
+            <a:pPr>
+              <a:lnSpc>
+                <a:spcPct val="100000"/>
+              </a:lnSpc>
             </a:pPr>
             <a:r>
-              <a:rPr b="0" lang="en-US" sz="1800" spc="-1" strike="noStrike">
+              <a:rPr b="0" lang="sk-SK" sz="4400" spc="-1" strike="noStrike">
                 <a:latin typeface="Arial"/>
               </a:rPr>
-              <a:t>Video Injection</a:t>
+              <a:t>Predpoklad 2:</a:t>
             </a:r>
-            <a:endParaRPr b="0" lang="en-US" sz="1800" spc="-1" strike="noStrike">
-              <a:latin typeface="Arial"/>
-            </a:endParaRPr>
-          </a:p>
-        </p:txBody>
-      </p:sp>
+            <a:endParaRPr b="0" lang="sk-SK" sz="4400" spc="-1" strike="noStrike">
+              <a:latin typeface="Arial"/>
+            </a:endParaRPr>
+          </a:p>
+          <a:p>
+            <a:pPr>
+              <a:lnSpc>
+                <a:spcPct val="100000"/>
+              </a:lnSpc>
+            </a:pPr>
+            <a:r>
+              <a:rPr b="0" lang="sk-SK" sz="4400" spc="-1" strike="noStrike">
+                <a:latin typeface="Arial"/>
+              </a:rPr>
+              <a:t>nevhodne data</a:t>
+            </a:r>
+            <a:endParaRPr b="0" lang="sk-SK" sz="4400" spc="-1" strike="noStrike">
+              <a:latin typeface="Arial"/>
+            </a:endParaRPr>
+          </a:p>
+        </p:txBody>
+      </p:sp>
+      <p:pic>
+        <p:nvPicPr>
+          <p:cNvPr id="179" name="" descr=""/>
+          <p:cNvPicPr/>
+          <p:nvPr/>
+        </p:nvPicPr>
+        <p:blipFill>
+          <a:blip r:embed="rId1"/>
+          <a:srcRect l="0" t="0" r="7673" b="0"/>
+          <a:stretch/>
+        </p:blipFill>
+        <p:spPr>
+          <a:xfrm>
+            <a:off x="5301360" y="1462320"/>
+            <a:ext cx="3016080" cy="3542400"/>
+          </a:xfrm>
+          <a:prstGeom prst="rect">
+            <a:avLst/>
+          </a:prstGeom>
+          <a:ln>
+            <a:noFill/>
+          </a:ln>
+        </p:spPr>
+      </p:pic>
     </p:spTree>
   </p:cSld>
   <mc:AlternateContent>
@@ -5967,16 +7750,69 @@
           <a:chExt cx="0" cy="0"/>
         </a:xfrm>
       </p:grpSpPr>
-      <p:sp>
-        <p:nvSpPr>
-          <p:cNvPr id="126" name="TextShape 1"/>
-          <p:cNvSpPr txBox="1"/>
+      <p:pic>
+        <p:nvPicPr>
+          <p:cNvPr id="121" name="" descr=""/>
+          <p:cNvPicPr/>
           <p:nvPr/>
-        </p:nvSpPr>
-        <p:spPr>
-          <a:xfrm>
-            <a:off x="144000" y="72000"/>
-            <a:ext cx="9540000" cy="648000"/>
+        </p:nvPicPr>
+        <p:blipFill>
+          <a:blip r:embed="rId1"/>
+          <a:stretch/>
+        </p:blipFill>
+        <p:spPr>
+          <a:xfrm>
+            <a:off x="1640160" y="91440"/>
+            <a:ext cx="6796440" cy="5486400"/>
+          </a:xfrm>
+          <a:prstGeom prst="rect">
+            <a:avLst/>
+          </a:prstGeom>
+          <a:ln>
+            <a:noFill/>
+          </a:ln>
+        </p:spPr>
+      </p:pic>
+    </p:spTree>
+  </p:cSld>
+  <mc:AlternateContent>
+    <mc:Choice Requires="p14">
+      <p:transition spd="slow" p14:dur="2000"/>
+    </mc:Choice>
+    <mc:Fallback>
+      <p:transition spd="slow"/>
+    </mc:Fallback>
+  </mc:AlternateContent>
+</p:sld>
+</file>
+
+<file path=ppt/slides/slide30.xml><?xml version="1.0" encoding="utf-8"?>
+<p:sld xmlns:a="http://schemas.openxmlformats.org/drawingml/2006/main" xmlns:p="http://schemas.openxmlformats.org/presentationml/2006/main" xmlns:r="http://schemas.openxmlformats.org/officeDocument/2006/relationships" xmlns:p14="http://schemas.microsoft.com/office/powerpoint/2010/main" xmlns:p15="http://schemas.microsoft.com/office/powerpoint/2012/main" xmlns:mc="http://schemas.openxmlformats.org/markup-compatibility/2006">
+  <p:cSld>
+    <p:spTree>
+      <p:nvGrpSpPr>
+        <p:cNvPr id="1" name=""/>
+        <p:cNvGrpSpPr/>
+        <p:nvPr/>
+      </p:nvGrpSpPr>
+      <p:grpSpPr>
+        <a:xfrm>
+          <a:off x="0" y="0"/>
+          <a:ext cx="0" cy="0"/>
+          <a:chOff x="0" y="0"/>
+          <a:chExt cx="0" cy="0"/>
+        </a:xfrm>
+      </p:grpSpPr>
+      <p:sp>
+        <p:nvSpPr>
+          <p:cNvPr id="180" name="CustomShape 1"/>
+          <p:cNvSpPr/>
+          <p:nvPr/>
+        </p:nvSpPr>
+        <p:spPr>
+          <a:xfrm>
+            <a:off x="244080" y="854640"/>
+            <a:ext cx="9536040" cy="1339920"/>
           </a:xfrm>
           <a:prstGeom prst="rect">
             <a:avLst/>
@@ -5986,18 +7822,284 @@
             <a:noFill/>
           </a:ln>
         </p:spPr>
+        <p:style>
+          <a:lnRef idx="0"/>
+          <a:fillRef idx="0"/>
+          <a:effectRef idx="0"/>
+          <a:fontRef idx="minor"/>
+        </p:style>
         <p:txBody>
           <a:bodyPr lIns="0" rIns="0" tIns="0" bIns="0" anchor="ctr">
             <a:spAutoFit/>
           </a:bodyPr>
           <a:p>
+            <a:pPr>
+              <a:lnSpc>
+                <a:spcPct val="100000"/>
+              </a:lnSpc>
+            </a:pPr>
             <a:r>
-              <a:rPr b="0" lang="en-US" sz="4400" spc="-1" strike="noStrike">
+              <a:rPr b="0" lang="sk-SK" sz="4400" spc="-1" strike="noStrike">
                 <a:latin typeface="Arial"/>
               </a:rPr>
-              <a:t>Kitsune Network Attack Dataset</a:t>
+              <a:t>Predpoklad 3:</a:t>
             </a:r>
-            <a:endParaRPr b="0" lang="en-US" sz="4400" spc="-1" strike="noStrike">
+            <a:endParaRPr b="0" lang="sk-SK" sz="4400" spc="-1" strike="noStrike">
+              <a:latin typeface="Arial"/>
+            </a:endParaRPr>
+          </a:p>
+          <a:p>
+            <a:pPr>
+              <a:lnSpc>
+                <a:spcPct val="100000"/>
+              </a:lnSpc>
+            </a:pPr>
+            <a:r>
+              <a:rPr b="0" lang="sk-SK" sz="4400" spc="-1" strike="noStrike">
+                <a:latin typeface="Arial"/>
+              </a:rPr>
+              <a:t>Chybny postup pri overovani krokov</a:t>
+            </a:r>
+            <a:endParaRPr b="0" lang="sk-SK" sz="4400" spc="-1" strike="noStrike">
+              <a:latin typeface="Arial"/>
+            </a:endParaRPr>
+          </a:p>
+        </p:txBody>
+      </p:sp>
+    </p:spTree>
+  </p:cSld>
+  <mc:AlternateContent>
+    <mc:Choice Requires="p14">
+      <p:transition spd="slow" p14:dur="2000"/>
+    </mc:Choice>
+    <mc:Fallback>
+      <p:transition spd="slow"/>
+    </mc:Fallback>
+  </mc:AlternateContent>
+</p:sld>
+</file>
+
+<file path=ppt/slides/slide31.xml><?xml version="1.0" encoding="utf-8"?>
+<p:sld xmlns:a="http://schemas.openxmlformats.org/drawingml/2006/main" xmlns:p="http://schemas.openxmlformats.org/presentationml/2006/main" xmlns:r="http://schemas.openxmlformats.org/officeDocument/2006/relationships" xmlns:p14="http://schemas.microsoft.com/office/powerpoint/2010/main" xmlns:p15="http://schemas.microsoft.com/office/powerpoint/2012/main" xmlns:mc="http://schemas.openxmlformats.org/markup-compatibility/2006">
+  <p:cSld>
+    <p:spTree>
+      <p:nvGrpSpPr>
+        <p:cNvPr id="1" name=""/>
+        <p:cNvGrpSpPr/>
+        <p:nvPr/>
+      </p:nvGrpSpPr>
+      <p:grpSpPr>
+        <a:xfrm>
+          <a:off x="0" y="0"/>
+          <a:ext cx="0" cy="0"/>
+          <a:chOff x="0" y="0"/>
+          <a:chExt cx="0" cy="0"/>
+        </a:xfrm>
+      </p:grpSpPr>
+      <p:sp>
+        <p:nvSpPr>
+          <p:cNvPr id="181" name="CustomShape 1"/>
+          <p:cNvSpPr/>
+          <p:nvPr/>
+        </p:nvSpPr>
+        <p:spPr>
+          <a:xfrm>
+            <a:off x="182880" y="426240"/>
+            <a:ext cx="9536040" cy="671040"/>
+          </a:xfrm>
+          <a:prstGeom prst="rect">
+            <a:avLst/>
+          </a:prstGeom>
+          <a:noFill/>
+          <a:ln>
+            <a:noFill/>
+          </a:ln>
+        </p:spPr>
+        <p:style>
+          <a:lnRef idx="0"/>
+          <a:fillRef idx="0"/>
+          <a:effectRef idx="0"/>
+          <a:fontRef idx="minor"/>
+        </p:style>
+        <p:txBody>
+          <a:bodyPr lIns="0" rIns="0" tIns="0" bIns="0" anchor="ctr">
+            <a:spAutoFit/>
+          </a:bodyPr>
+          <a:p>
+            <a:pPr>
+              <a:lnSpc>
+                <a:spcPct val="100000"/>
+              </a:lnSpc>
+            </a:pPr>
+            <a:r>
+              <a:rPr b="0" lang="sk-SK" sz="4400" spc="-1" strike="noStrike">
+                <a:latin typeface="Arial"/>
+              </a:rPr>
+              <a:t>Vyhodnotenia</a:t>
+            </a:r>
+            <a:endParaRPr b="0" lang="sk-SK" sz="4400" spc="-1" strike="noStrike">
+              <a:latin typeface="Arial"/>
+            </a:endParaRPr>
+          </a:p>
+        </p:txBody>
+      </p:sp>
+      <p:sp>
+        <p:nvSpPr>
+          <p:cNvPr id="182" name="TextShape 2"/>
+          <p:cNvSpPr txBox="1"/>
+          <p:nvPr/>
+        </p:nvSpPr>
+        <p:spPr>
+          <a:xfrm>
+            <a:off x="1554480" y="1645920"/>
+            <a:ext cx="5577840" cy="3417840"/>
+          </a:xfrm>
+          <a:prstGeom prst="rect">
+            <a:avLst/>
+          </a:prstGeom>
+          <a:noFill/>
+          <a:ln>
+            <a:noFill/>
+          </a:ln>
+        </p:spPr>
+        <p:txBody>
+          <a:bodyPr lIns="90000" rIns="90000" tIns="45000" bIns="45000">
+            <a:spAutoFit/>
+          </a:bodyPr>
+          <a:p>
+            <a:r>
+              <a:rPr b="0" lang="en-US" sz="1800" spc="-1" strike="noStrike">
+                <a:latin typeface="Arial"/>
+              </a:rPr>
+              <a:t>Pochopenie dát je kľučové</a:t>
+            </a:r>
+            <a:endParaRPr b="0" lang="en-US" sz="1800" spc="-1" strike="noStrike">
+              <a:latin typeface="Arial"/>
+            </a:endParaRPr>
+          </a:p>
+          <a:p>
+            <a:endParaRPr b="0" lang="en-US" sz="1800" spc="-1" strike="noStrike">
+              <a:latin typeface="Arial"/>
+            </a:endParaRPr>
+          </a:p>
+          <a:p>
+            <a:r>
+              <a:rPr b="0" lang="en-US" sz="1800" spc="-1" strike="noStrike">
+                <a:latin typeface="Arial"/>
+              </a:rPr>
+              <a:t>Každý problém má svoje osobitné riešenie</a:t>
+            </a:r>
+            <a:endParaRPr b="0" lang="en-US" sz="1800" spc="-1" strike="noStrike">
+              <a:latin typeface="Arial"/>
+            </a:endParaRPr>
+          </a:p>
+          <a:p>
+            <a:endParaRPr b="0" lang="en-US" sz="1800" spc="-1" strike="noStrike">
+              <a:latin typeface="Arial"/>
+            </a:endParaRPr>
+          </a:p>
+          <a:p>
+            <a:r>
+              <a:rPr b="0" lang="en-US" sz="1800" spc="-1" strike="noStrike">
+                <a:latin typeface="Arial"/>
+              </a:rPr>
+              <a:t>Niekedy viacero features nie je vhod</a:t>
+            </a:r>
+            <a:endParaRPr b="0" lang="en-US" sz="1800" spc="-1" strike="noStrike">
+              <a:latin typeface="Arial"/>
+            </a:endParaRPr>
+          </a:p>
+          <a:p>
+            <a:endParaRPr b="0" lang="en-US" sz="1800" spc="-1" strike="noStrike">
+              <a:latin typeface="Arial"/>
+            </a:endParaRPr>
+          </a:p>
+          <a:p>
+            <a:r>
+              <a:rPr b="0" lang="en-US" sz="1800" spc="-1" strike="noStrike">
+                <a:latin typeface="Arial"/>
+              </a:rPr>
+              <a:t>Väčšia znalosť tematiky a nástrojov je potrebná na navrhovanie špecifického riešenia, keď sa nepracuje v dummy dátami</a:t>
+            </a:r>
+            <a:endParaRPr b="0" lang="en-US" sz="1800" spc="-1" strike="noStrike">
+              <a:latin typeface="Arial"/>
+            </a:endParaRPr>
+          </a:p>
+        </p:txBody>
+      </p:sp>
+    </p:spTree>
+  </p:cSld>
+  <mc:AlternateContent>
+    <mc:Choice Requires="p14">
+      <p:transition spd="slow" p14:dur="2000"/>
+    </mc:Choice>
+    <mc:Fallback>
+      <p:transition spd="slow"/>
+    </mc:Fallback>
+  </mc:AlternateContent>
+</p:sld>
+</file>
+
+<file path=ppt/slides/slide32.xml><?xml version="1.0" encoding="utf-8"?>
+<p:sld xmlns:a="http://schemas.openxmlformats.org/drawingml/2006/main" xmlns:p="http://schemas.openxmlformats.org/presentationml/2006/main" xmlns:r="http://schemas.openxmlformats.org/officeDocument/2006/relationships" xmlns:p14="http://schemas.microsoft.com/office/powerpoint/2010/main" xmlns:p15="http://schemas.microsoft.com/office/powerpoint/2012/main" xmlns:mc="http://schemas.openxmlformats.org/markup-compatibility/2006">
+  <p:cSld>
+    <p:spTree>
+      <p:nvGrpSpPr>
+        <p:cNvPr id="1" name=""/>
+        <p:cNvGrpSpPr/>
+        <p:nvPr/>
+      </p:nvGrpSpPr>
+      <p:grpSpPr>
+        <a:xfrm>
+          <a:off x="0" y="0"/>
+          <a:ext cx="0" cy="0"/>
+          <a:chOff x="0" y="0"/>
+          <a:chExt cx="0" cy="0"/>
+        </a:xfrm>
+      </p:grpSpPr>
+      <p:sp>
+        <p:nvSpPr>
+          <p:cNvPr id="183" name="CustomShape 1"/>
+          <p:cNvSpPr/>
+          <p:nvPr/>
+        </p:nvSpPr>
+        <p:spPr>
+          <a:xfrm>
+            <a:off x="2071800" y="2403000"/>
+            <a:ext cx="5970960" cy="945000"/>
+          </a:xfrm>
+          <a:prstGeom prst="rect">
+            <a:avLst/>
+          </a:prstGeom>
+          <a:noFill/>
+          <a:ln>
+            <a:noFill/>
+          </a:ln>
+        </p:spPr>
+        <p:style>
+          <a:lnRef idx="0"/>
+          <a:fillRef idx="0"/>
+          <a:effectRef idx="0"/>
+          <a:fontRef idx="minor"/>
+        </p:style>
+        <p:txBody>
+          <a:bodyPr lIns="0" rIns="0" tIns="0" bIns="0" anchor="ctr">
+            <a:spAutoFit/>
+          </a:bodyPr>
+          <a:p>
+            <a:pPr algn="ctr">
+              <a:lnSpc>
+                <a:spcPct val="100000"/>
+              </a:lnSpc>
+            </a:pPr>
+            <a:r>
+              <a:rPr b="0" lang="sk-SK" sz="4400" spc="-1" strike="noStrike">
+                <a:latin typeface="Arial"/>
+              </a:rPr>
+              <a:t>Ďakujem za pozornosť.</a:t>
+            </a:r>
+            <a:br/>
+            <a:endParaRPr b="0" lang="sk-SK" sz="4400" spc="-1" strike="noStrike">
               <a:latin typeface="Arial"/>
             </a:endParaRPr>
           </a:p>
@@ -6035,14 +8137,14 @@
       </p:grpSpPr>
       <p:sp>
         <p:nvSpPr>
-          <p:cNvPr id="127" name="TextShape 1"/>
-          <p:cNvSpPr txBox="1"/>
+          <p:cNvPr id="122" name="CustomShape 1"/>
+          <p:cNvSpPr/>
           <p:nvPr/>
         </p:nvSpPr>
         <p:spPr>
           <a:xfrm>
-            <a:off x="144000" y="72000"/>
-            <a:ext cx="9540000" cy="648000"/>
+            <a:off x="143640" y="60840"/>
+            <a:ext cx="9536040" cy="669600"/>
           </a:xfrm>
           <a:prstGeom prst="rect">
             <a:avLst/>
@@ -6052,23 +8154,57 @@
             <a:noFill/>
           </a:ln>
         </p:spPr>
+        <p:style>
+          <a:lnRef idx="0"/>
+          <a:fillRef idx="0"/>
+          <a:effectRef idx="0"/>
+          <a:fontRef idx="minor"/>
+        </p:style>
         <p:txBody>
           <a:bodyPr lIns="0" rIns="0" tIns="0" bIns="0" anchor="ctr">
             <a:spAutoFit/>
           </a:bodyPr>
           <a:p>
+            <a:pPr>
+              <a:lnSpc>
+                <a:spcPct val="100000"/>
+              </a:lnSpc>
+            </a:pPr>
             <a:r>
-              <a:rPr b="0" lang="en-US" sz="4400" spc="-1" strike="noStrike">
+              <a:rPr b="0" lang="sk-SK" sz="4400" spc="-1" strike="noStrike">
                 <a:latin typeface="Arial"/>
               </a:rPr>
-              <a:t>Zber dát</a:t>
+              <a:t>Homicide Reports, 1980-2014</a:t>
             </a:r>
-            <a:endParaRPr b="0" lang="en-US" sz="4400" spc="-1" strike="noStrike">
-              <a:latin typeface="Arial"/>
-            </a:endParaRPr>
-          </a:p>
-        </p:txBody>
-      </p:sp>
+            <a:endParaRPr b="0" lang="sk-SK" sz="4400" spc="-1" strike="noStrike">
+              <a:latin typeface="Arial"/>
+            </a:endParaRPr>
+          </a:p>
+        </p:txBody>
+      </p:sp>
+      <p:pic>
+        <p:nvPicPr>
+          <p:cNvPr id="123" name="" descr=""/>
+          <p:cNvPicPr/>
+          <p:nvPr/>
+        </p:nvPicPr>
+        <p:blipFill>
+          <a:blip r:embed="rId1"/>
+          <a:stretch/>
+        </p:blipFill>
+        <p:spPr>
+          <a:xfrm>
+            <a:off x="1645920" y="822960"/>
+            <a:ext cx="6712200" cy="4754520"/>
+          </a:xfrm>
+          <a:prstGeom prst="rect">
+            <a:avLst/>
+          </a:prstGeom>
+          <a:ln>
+            <a:noFill/>
+          </a:ln>
+        </p:spPr>
+      </p:pic>
     </p:spTree>
   </p:cSld>
   <mc:AlternateContent>
@@ -6101,14 +8237,14 @@
       </p:grpSpPr>
       <p:sp>
         <p:nvSpPr>
-          <p:cNvPr id="128" name="TextShape 1"/>
-          <p:cNvSpPr txBox="1"/>
+          <p:cNvPr id="124" name="CustomShape 1"/>
+          <p:cNvSpPr/>
           <p:nvPr/>
         </p:nvSpPr>
         <p:spPr>
           <a:xfrm>
-            <a:off x="144000" y="72000"/>
-            <a:ext cx="9540000" cy="648000"/>
+            <a:off x="143640" y="60840"/>
+            <a:ext cx="9536040" cy="669600"/>
           </a:xfrm>
           <a:prstGeom prst="rect">
             <a:avLst/>
@@ -6118,23 +8254,80 @@
             <a:noFill/>
           </a:ln>
         </p:spPr>
+        <p:style>
+          <a:lnRef idx="0"/>
+          <a:fillRef idx="0"/>
+          <a:effectRef idx="0"/>
+          <a:fontRef idx="minor"/>
+        </p:style>
         <p:txBody>
           <a:bodyPr lIns="0" rIns="0" tIns="0" bIns="0" anchor="ctr">
             <a:spAutoFit/>
           </a:bodyPr>
           <a:p>
+            <a:pPr>
+              <a:lnSpc>
+                <a:spcPct val="100000"/>
+              </a:lnSpc>
+            </a:pPr>
             <a:r>
-              <a:rPr b="0" lang="en-US" sz="4400" spc="-1" strike="noStrike">
+              <a:rPr b="0" lang="sk-SK" sz="4400" spc="-1" strike="noStrike">
                 <a:latin typeface="Arial"/>
               </a:rPr>
-              <a:t>Formát datasetu</a:t>
+              <a:t>Homicide Reports, 1990-2014</a:t>
             </a:r>
-            <a:endParaRPr b="0" lang="en-US" sz="4400" spc="-1" strike="noStrike">
-              <a:latin typeface="Arial"/>
-            </a:endParaRPr>
-          </a:p>
-        </p:txBody>
-      </p:sp>
+            <a:endParaRPr b="0" lang="sk-SK" sz="4400" spc="-1" strike="noStrike">
+              <a:latin typeface="Arial"/>
+            </a:endParaRPr>
+          </a:p>
+        </p:txBody>
+      </p:sp>
+      <p:pic>
+        <p:nvPicPr>
+          <p:cNvPr id="125" name="" descr=""/>
+          <p:cNvPicPr/>
+          <p:nvPr/>
+        </p:nvPicPr>
+        <p:blipFill>
+          <a:blip r:embed="rId1"/>
+          <a:stretch/>
+        </p:blipFill>
+        <p:spPr>
+          <a:xfrm>
+            <a:off x="185040" y="790200"/>
+            <a:ext cx="4752720" cy="3272040"/>
+          </a:xfrm>
+          <a:prstGeom prst="rect">
+            <a:avLst/>
+          </a:prstGeom>
+          <a:ln>
+            <a:noFill/>
+          </a:ln>
+        </p:spPr>
+      </p:pic>
+      <p:pic>
+        <p:nvPicPr>
+          <p:cNvPr id="126" name="" descr=""/>
+          <p:cNvPicPr/>
+          <p:nvPr/>
+        </p:nvPicPr>
+        <p:blipFill>
+          <a:blip r:embed="rId2"/>
+          <a:stretch/>
+        </p:blipFill>
+        <p:spPr>
+          <a:xfrm>
+            <a:off x="4937760" y="2011680"/>
+            <a:ext cx="4930920" cy="3383280"/>
+          </a:xfrm>
+          <a:prstGeom prst="rect">
+            <a:avLst/>
+          </a:prstGeom>
+          <a:ln>
+            <a:noFill/>
+          </a:ln>
+        </p:spPr>
+      </p:pic>
     </p:spTree>
   </p:cSld>
   <mc:AlternateContent>
@@ -6167,14 +8360,14 @@
       </p:grpSpPr>
       <p:sp>
         <p:nvSpPr>
-          <p:cNvPr id="129" name="TextShape 1"/>
-          <p:cNvSpPr txBox="1"/>
+          <p:cNvPr id="127" name="CustomShape 1"/>
+          <p:cNvSpPr/>
           <p:nvPr/>
         </p:nvSpPr>
         <p:spPr>
           <a:xfrm>
-            <a:off x="144000" y="72000"/>
-            <a:ext cx="9540000" cy="648000"/>
+            <a:off x="143640" y="60840"/>
+            <a:ext cx="9536040" cy="669600"/>
           </a:xfrm>
           <a:prstGeom prst="rect">
             <a:avLst/>
@@ -6184,23 +8377,57 @@
             <a:noFill/>
           </a:ln>
         </p:spPr>
+        <p:style>
+          <a:lnRef idx="0"/>
+          <a:fillRef idx="0"/>
+          <a:effectRef idx="0"/>
+          <a:fontRef idx="minor"/>
+        </p:style>
         <p:txBody>
           <a:bodyPr lIns="0" rIns="0" tIns="0" bIns="0" anchor="ctr">
             <a:spAutoFit/>
           </a:bodyPr>
           <a:p>
+            <a:pPr>
+              <a:lnSpc>
+                <a:spcPct val="100000"/>
+              </a:lnSpc>
+            </a:pPr>
             <a:r>
-              <a:rPr b="0" lang="en-US" sz="4400" spc="-1" strike="noStrike">
+              <a:rPr b="0" lang="sk-SK" sz="4400" spc="-1" strike="noStrike">
                 <a:latin typeface="Arial"/>
               </a:rPr>
-              <a:t>Porozumenie datasetu</a:t>
+              <a:t>Homicide Reports, 1990-2014</a:t>
             </a:r>
-            <a:endParaRPr b="0" lang="en-US" sz="4400" spc="-1" strike="noStrike">
-              <a:latin typeface="Arial"/>
-            </a:endParaRPr>
-          </a:p>
-        </p:txBody>
-      </p:sp>
+            <a:endParaRPr b="0" lang="sk-SK" sz="4400" spc="-1" strike="noStrike">
+              <a:latin typeface="Arial"/>
+            </a:endParaRPr>
+          </a:p>
+        </p:txBody>
+      </p:sp>
+      <p:pic>
+        <p:nvPicPr>
+          <p:cNvPr id="128" name="" descr=""/>
+          <p:cNvPicPr/>
+          <p:nvPr/>
+        </p:nvPicPr>
+        <p:blipFill>
+          <a:blip r:embed="rId1"/>
+          <a:stretch/>
+        </p:blipFill>
+        <p:spPr>
+          <a:xfrm>
+            <a:off x="2066400" y="822960"/>
+            <a:ext cx="5943600" cy="4814640"/>
+          </a:xfrm>
+          <a:prstGeom prst="rect">
+            <a:avLst/>
+          </a:prstGeom>
+          <a:ln>
+            <a:noFill/>
+          </a:ln>
+        </p:spPr>
+      </p:pic>
     </p:spTree>
   </p:cSld>
   <mc:AlternateContent>
@@ -6233,14 +8460,14 @@
       </p:grpSpPr>
       <p:sp>
         <p:nvSpPr>
-          <p:cNvPr id="130" name="TextShape 1"/>
-          <p:cNvSpPr txBox="1"/>
+          <p:cNvPr id="129" name="CustomShape 1"/>
+          <p:cNvSpPr/>
           <p:nvPr/>
         </p:nvSpPr>
         <p:spPr>
           <a:xfrm>
-            <a:off x="144000" y="72000"/>
-            <a:ext cx="9540000" cy="648000"/>
+            <a:off x="143640" y="60840"/>
+            <a:ext cx="9536040" cy="669600"/>
           </a:xfrm>
           <a:prstGeom prst="rect">
             <a:avLst/>
@@ -6250,23 +8477,57 @@
             <a:noFill/>
           </a:ln>
         </p:spPr>
+        <p:style>
+          <a:lnRef idx="0"/>
+          <a:fillRef idx="0"/>
+          <a:effectRef idx="0"/>
+          <a:fontRef idx="minor"/>
+        </p:style>
         <p:txBody>
           <a:bodyPr lIns="0" rIns="0" tIns="0" bIns="0" anchor="ctr">
             <a:spAutoFit/>
           </a:bodyPr>
           <a:p>
+            <a:pPr>
+              <a:lnSpc>
+                <a:spcPct val="100000"/>
+              </a:lnSpc>
+            </a:pPr>
             <a:r>
-              <a:rPr b="0" lang="en-US" sz="4400" spc="-1" strike="noStrike">
+              <a:rPr b="0" lang="sk-SK" sz="4400" spc="-1" strike="noStrike">
                 <a:latin typeface="Arial"/>
               </a:rPr>
-              <a:t>Ciele Kitsune Datasetu</a:t>
+              <a:t>Homicide Reports, 1980-2014</a:t>
             </a:r>
-            <a:endParaRPr b="0" lang="en-US" sz="4400" spc="-1" strike="noStrike">
-              <a:latin typeface="Arial"/>
-            </a:endParaRPr>
-          </a:p>
-        </p:txBody>
-      </p:sp>
+            <a:endParaRPr b="0" lang="sk-SK" sz="4400" spc="-1" strike="noStrike">
+              <a:latin typeface="Arial"/>
+            </a:endParaRPr>
+          </a:p>
+        </p:txBody>
+      </p:sp>
+      <p:pic>
+        <p:nvPicPr>
+          <p:cNvPr id="130" name="" descr=""/>
+          <p:cNvPicPr/>
+          <p:nvPr/>
+        </p:nvPicPr>
+        <p:blipFill>
+          <a:blip r:embed="rId1"/>
+          <a:stretch/>
+        </p:blipFill>
+        <p:spPr>
+          <a:xfrm>
+            <a:off x="1736640" y="914040"/>
+            <a:ext cx="5978160" cy="4091400"/>
+          </a:xfrm>
+          <a:prstGeom prst="rect">
+            <a:avLst/>
+          </a:prstGeom>
+          <a:ln>
+            <a:noFill/>
+          </a:ln>
+        </p:spPr>
+      </p:pic>
     </p:spTree>
   </p:cSld>
   <mc:AlternateContent>
@@ -6299,14 +8560,14 @@
       </p:grpSpPr>
       <p:sp>
         <p:nvSpPr>
-          <p:cNvPr id="131" name="TextShape 1"/>
-          <p:cNvSpPr txBox="1"/>
+          <p:cNvPr id="131" name="CustomShape 1"/>
+          <p:cNvSpPr/>
           <p:nvPr/>
         </p:nvSpPr>
         <p:spPr>
           <a:xfrm>
-            <a:off x="144000" y="72000"/>
-            <a:ext cx="9540000" cy="648000"/>
+            <a:off x="143640" y="60840"/>
+            <a:ext cx="9536040" cy="669600"/>
           </a:xfrm>
           <a:prstGeom prst="rect">
             <a:avLst/>
@@ -6316,23 +8577,57 @@
             <a:noFill/>
           </a:ln>
         </p:spPr>
+        <p:style>
+          <a:lnRef idx="0"/>
+          <a:fillRef idx="0"/>
+          <a:effectRef idx="0"/>
+          <a:fontRef idx="minor"/>
+        </p:style>
         <p:txBody>
           <a:bodyPr lIns="0" rIns="0" tIns="0" bIns="0" anchor="ctr">
             <a:spAutoFit/>
           </a:bodyPr>
           <a:p>
+            <a:pPr>
+              <a:lnSpc>
+                <a:spcPct val="100000"/>
+              </a:lnSpc>
+            </a:pPr>
             <a:r>
-              <a:rPr b="0" lang="en-US" sz="4400" spc="-1" strike="noStrike">
+              <a:rPr b="0" lang="sk-SK" sz="4400" spc="-1" strike="noStrike">
                 <a:latin typeface="Arial"/>
               </a:rPr>
-              <a:t>Výber subsetu pre vastnú analýzu</a:t>
+              <a:t>Homicide Reports, 1980-2014</a:t>
             </a:r>
-            <a:endParaRPr b="0" lang="en-US" sz="4400" spc="-1" strike="noStrike">
-              <a:latin typeface="Arial"/>
-            </a:endParaRPr>
-          </a:p>
-        </p:txBody>
-      </p:sp>
+            <a:endParaRPr b="0" lang="sk-SK" sz="4400" spc="-1" strike="noStrike">
+              <a:latin typeface="Arial"/>
+            </a:endParaRPr>
+          </a:p>
+        </p:txBody>
+      </p:sp>
+      <p:pic>
+        <p:nvPicPr>
+          <p:cNvPr id="132" name="" descr=""/>
+          <p:cNvPicPr/>
+          <p:nvPr/>
+        </p:nvPicPr>
+        <p:blipFill>
+          <a:blip r:embed="rId1"/>
+          <a:stretch/>
+        </p:blipFill>
+        <p:spPr>
+          <a:xfrm>
+            <a:off x="1736640" y="898920"/>
+            <a:ext cx="6173640" cy="4220280"/>
+          </a:xfrm>
+          <a:prstGeom prst="rect">
+            <a:avLst/>
+          </a:prstGeom>
+          <a:ln>
+            <a:noFill/>
+          </a:ln>
+        </p:spPr>
+      </p:pic>
     </p:spTree>
   </p:cSld>
   <mc:AlternateContent>
@@ -6365,14 +8660,14 @@
       </p:grpSpPr>
       <p:sp>
         <p:nvSpPr>
-          <p:cNvPr id="132" name="TextShape 1"/>
-          <p:cNvSpPr txBox="1"/>
+          <p:cNvPr id="133" name="CustomShape 1"/>
+          <p:cNvSpPr/>
           <p:nvPr/>
         </p:nvSpPr>
         <p:spPr>
           <a:xfrm>
-            <a:off x="144000" y="72000"/>
-            <a:ext cx="9540000" cy="648000"/>
+            <a:off x="143640" y="60840"/>
+            <a:ext cx="9536040" cy="669600"/>
           </a:xfrm>
           <a:prstGeom prst="rect">
             <a:avLst/>
@@ -6382,23 +8677,57 @@
             <a:noFill/>
           </a:ln>
         </p:spPr>
+        <p:style>
+          <a:lnRef idx="0"/>
+          <a:fillRef idx="0"/>
+          <a:effectRef idx="0"/>
+          <a:fontRef idx="minor"/>
+        </p:style>
         <p:txBody>
           <a:bodyPr lIns="0" rIns="0" tIns="0" bIns="0" anchor="ctr">
             <a:spAutoFit/>
           </a:bodyPr>
           <a:p>
+            <a:pPr>
+              <a:lnSpc>
+                <a:spcPct val="100000"/>
+              </a:lnSpc>
+            </a:pPr>
             <a:r>
-              <a:rPr b="0" lang="en-US" sz="4400" spc="-1" strike="noStrike">
+              <a:rPr b="0" lang="sk-SK" sz="4400" spc="-1" strike="noStrike">
                 <a:latin typeface="Arial"/>
               </a:rPr>
-              <a:t>Výber Neurónovej siete</a:t>
+              <a:t>Homicide Reports, 1980-2014</a:t>
             </a:r>
-            <a:endParaRPr b="0" lang="en-US" sz="4400" spc="-1" strike="noStrike">
-              <a:latin typeface="Arial"/>
-            </a:endParaRPr>
-          </a:p>
-        </p:txBody>
-      </p:sp>
+            <a:endParaRPr b="0" lang="sk-SK" sz="4400" spc="-1" strike="noStrike">
+              <a:latin typeface="Arial"/>
+            </a:endParaRPr>
+          </a:p>
+        </p:txBody>
+      </p:sp>
+      <p:pic>
+        <p:nvPicPr>
+          <p:cNvPr id="134" name="" descr=""/>
+          <p:cNvPicPr/>
+          <p:nvPr/>
+        </p:nvPicPr>
+        <p:blipFill>
+          <a:blip r:embed="rId1"/>
+          <a:stretch/>
+        </p:blipFill>
+        <p:spPr>
+          <a:xfrm>
+            <a:off x="1783080" y="1055520"/>
+            <a:ext cx="5803560" cy="3972240"/>
+          </a:xfrm>
+          <a:prstGeom prst="rect">
+            <a:avLst/>
+          </a:prstGeom>
+          <a:ln>
+            <a:noFill/>
+          </a:ln>
+        </p:spPr>
+      </p:pic>
     </p:spTree>
   </p:cSld>
   <mc:AlternateContent>

--- a/Prezentacia_NS2021.pptx
+++ b/Prezentacia_NS2021.pptx
@@ -39,9 +39,19 @@
     <p:sldId id="285" r:id="rId34"/>
     <p:sldId id="286" r:id="rId35"/>
     <p:sldId id="287" r:id="rId36"/>
+    <p:sldId id="288" r:id="rId37"/>
+    <p:sldId id="289" r:id="rId38"/>
+    <p:sldId id="290" r:id="rId39"/>
+    <p:sldId id="291" r:id="rId40"/>
+    <p:sldId id="292" r:id="rId41"/>
+    <p:sldId id="293" r:id="rId42"/>
+    <p:sldId id="294" r:id="rId43"/>
+    <p:sldId id="295" r:id="rId44"/>
+    <p:sldId id="296" r:id="rId45"/>
+    <p:sldId id="297" r:id="rId46"/>
   </p:sldIdLst>
-  <p:sldSz cx="10077450" cy="5668962"/>
-  <p:notesSz cx="7772400" cy="10058400"/>
+  <p:sldSz cx="10080625" cy="5670550"/>
+  <p:notesSz cx="7559675" cy="10691812"/>
 </p:presentation>
 </file>
 
@@ -96,8 +106,8 @@
         </p:nvSpPr>
         <p:spPr>
           <a:xfrm>
-            <a:off x="503640" y="225720"/>
-            <a:ext cx="9068400" cy="946080"/>
+            <a:off x="504000" y="226080"/>
+            <a:ext cx="9071640" cy="946440"/>
           </a:xfrm>
           <a:prstGeom prst="rect">
             <a:avLst/>
@@ -109,7 +119,7 @@
           </a:bodyPr>
           <a:p>
             <a:pPr algn="ctr"/>
-            <a:endParaRPr b="0" lang="en-US" sz="4400" spc="-1" strike="noStrike">
+            <a:endParaRPr b="0" lang="sk-SK" sz="4400" spc="-1" strike="noStrike">
               <a:latin typeface="Arial"/>
             </a:endParaRPr>
           </a:p>
@@ -127,8 +137,8 @@
         </p:nvSpPr>
         <p:spPr>
           <a:xfrm>
-            <a:off x="503640" y="1326240"/>
-            <a:ext cx="9068400" cy="1568160"/>
+            <a:off x="504000" y="1326600"/>
+            <a:ext cx="9071640" cy="1568160"/>
           </a:xfrm>
           <a:prstGeom prst="rect">
             <a:avLst/>
@@ -139,7 +149,7 @@
             <a:normAutofit/>
           </a:bodyPr>
           <a:p>
-            <a:endParaRPr b="0" lang="en-US" sz="3200" spc="-1" strike="noStrike">
+            <a:endParaRPr b="0" lang="sk-SK" sz="3200" spc="-1" strike="noStrike">
               <a:latin typeface="Arial"/>
             </a:endParaRPr>
           </a:p>
@@ -157,8 +167,8 @@
         </p:nvSpPr>
         <p:spPr>
           <a:xfrm>
-            <a:off x="503640" y="3043800"/>
-            <a:ext cx="9068400" cy="1568160"/>
+            <a:off x="504000" y="3044160"/>
+            <a:ext cx="9071640" cy="1568160"/>
           </a:xfrm>
           <a:prstGeom prst="rect">
             <a:avLst/>
@@ -169,7 +179,7 @@
             <a:normAutofit/>
           </a:bodyPr>
           <a:p>
-            <a:endParaRPr b="0" lang="en-US" sz="3200" spc="-1" strike="noStrike">
+            <a:endParaRPr b="0" lang="sk-SK" sz="3200" spc="-1" strike="noStrike">
               <a:latin typeface="Arial"/>
             </a:endParaRPr>
           </a:p>
@@ -209,8 +219,8 @@
         </p:nvSpPr>
         <p:spPr>
           <a:xfrm>
-            <a:off x="503640" y="225720"/>
-            <a:ext cx="9068400" cy="946080"/>
+            <a:off x="504000" y="226080"/>
+            <a:ext cx="9071640" cy="946440"/>
           </a:xfrm>
           <a:prstGeom prst="rect">
             <a:avLst/>
@@ -222,7 +232,7 @@
           </a:bodyPr>
           <a:p>
             <a:pPr algn="ctr"/>
-            <a:endParaRPr b="0" lang="en-US" sz="4400" spc="-1" strike="noStrike">
+            <a:endParaRPr b="0" lang="sk-SK" sz="4400" spc="-1" strike="noStrike">
               <a:latin typeface="Arial"/>
             </a:endParaRPr>
           </a:p>
@@ -240,8 +250,8 @@
         </p:nvSpPr>
         <p:spPr>
           <a:xfrm>
-            <a:off x="503640" y="1326240"/>
-            <a:ext cx="4425120" cy="1568160"/>
+            <a:off x="504000" y="1326600"/>
+            <a:ext cx="4426920" cy="1568160"/>
           </a:xfrm>
           <a:prstGeom prst="rect">
             <a:avLst/>
@@ -252,7 +262,7 @@
             <a:normAutofit/>
           </a:bodyPr>
           <a:p>
-            <a:endParaRPr b="0" lang="en-US" sz="3200" spc="-1" strike="noStrike">
+            <a:endParaRPr b="0" lang="sk-SK" sz="3200" spc="-1" strike="noStrike">
               <a:latin typeface="Arial"/>
             </a:endParaRPr>
           </a:p>
@@ -270,8 +280,8 @@
         </p:nvSpPr>
         <p:spPr>
           <a:xfrm>
-            <a:off x="5150520" y="1326240"/>
-            <a:ext cx="4425120" cy="1568160"/>
+            <a:off x="5152680" y="1326600"/>
+            <a:ext cx="4426920" cy="1568160"/>
           </a:xfrm>
           <a:prstGeom prst="rect">
             <a:avLst/>
@@ -282,7 +292,7 @@
             <a:normAutofit/>
           </a:bodyPr>
           <a:p>
-            <a:endParaRPr b="0" lang="en-US" sz="3200" spc="-1" strike="noStrike">
+            <a:endParaRPr b="0" lang="sk-SK" sz="3200" spc="-1" strike="noStrike">
               <a:latin typeface="Arial"/>
             </a:endParaRPr>
           </a:p>
@@ -300,8 +310,8 @@
         </p:nvSpPr>
         <p:spPr>
           <a:xfrm>
-            <a:off x="503640" y="3043800"/>
-            <a:ext cx="4425120" cy="1568160"/>
+            <a:off x="504000" y="3044160"/>
+            <a:ext cx="4426920" cy="1568160"/>
           </a:xfrm>
           <a:prstGeom prst="rect">
             <a:avLst/>
@@ -312,7 +322,7 @@
             <a:normAutofit/>
           </a:bodyPr>
           <a:p>
-            <a:endParaRPr b="0" lang="en-US" sz="3200" spc="-1" strike="noStrike">
+            <a:endParaRPr b="0" lang="sk-SK" sz="3200" spc="-1" strike="noStrike">
               <a:latin typeface="Arial"/>
             </a:endParaRPr>
           </a:p>
@@ -330,8 +340,8 @@
         </p:nvSpPr>
         <p:spPr>
           <a:xfrm>
-            <a:off x="5150520" y="3043800"/>
-            <a:ext cx="4425120" cy="1568160"/>
+            <a:off x="5152680" y="3044160"/>
+            <a:ext cx="4426920" cy="1568160"/>
           </a:xfrm>
           <a:prstGeom prst="rect">
             <a:avLst/>
@@ -342,7 +352,7 @@
             <a:normAutofit/>
           </a:bodyPr>
           <a:p>
-            <a:endParaRPr b="0" lang="en-US" sz="3200" spc="-1" strike="noStrike">
+            <a:endParaRPr b="0" lang="sk-SK" sz="3200" spc="-1" strike="noStrike">
               <a:latin typeface="Arial"/>
             </a:endParaRPr>
           </a:p>
@@ -382,8 +392,8 @@
         </p:nvSpPr>
         <p:spPr>
           <a:xfrm>
-            <a:off x="503640" y="225720"/>
-            <a:ext cx="9068400" cy="946080"/>
+            <a:off x="504000" y="226080"/>
+            <a:ext cx="9071640" cy="946440"/>
           </a:xfrm>
           <a:prstGeom prst="rect">
             <a:avLst/>
@@ -395,7 +405,7 @@
           </a:bodyPr>
           <a:p>
             <a:pPr algn="ctr"/>
-            <a:endParaRPr b="0" lang="en-US" sz="4400" spc="-1" strike="noStrike">
+            <a:endParaRPr b="0" lang="sk-SK" sz="4400" spc="-1" strike="noStrike">
               <a:latin typeface="Arial"/>
             </a:endParaRPr>
           </a:p>
@@ -413,8 +423,8 @@
         </p:nvSpPr>
         <p:spPr>
           <a:xfrm>
-            <a:off x="503640" y="1326240"/>
-            <a:ext cx="2919960" cy="1568160"/>
+            <a:off x="504000" y="1326600"/>
+            <a:ext cx="2920680" cy="1568160"/>
           </a:xfrm>
           <a:prstGeom prst="rect">
             <a:avLst/>
@@ -425,7 +435,7 @@
             <a:normAutofit/>
           </a:bodyPr>
           <a:p>
-            <a:endParaRPr b="0" lang="en-US" sz="3200" spc="-1" strike="noStrike">
+            <a:endParaRPr b="0" lang="sk-SK" sz="3200" spc="-1" strike="noStrike">
               <a:latin typeface="Arial"/>
             </a:endParaRPr>
           </a:p>
@@ -443,8 +453,8 @@
         </p:nvSpPr>
         <p:spPr>
           <a:xfrm>
-            <a:off x="3570120" y="1326240"/>
-            <a:ext cx="2919960" cy="1568160"/>
+            <a:off x="3571200" y="1326600"/>
+            <a:ext cx="2920680" cy="1568160"/>
           </a:xfrm>
           <a:prstGeom prst="rect">
             <a:avLst/>
@@ -455,7 +465,7 @@
             <a:normAutofit/>
           </a:bodyPr>
           <a:p>
-            <a:endParaRPr b="0" lang="en-US" sz="3200" spc="-1" strike="noStrike">
+            <a:endParaRPr b="0" lang="sk-SK" sz="3200" spc="-1" strike="noStrike">
               <a:latin typeface="Arial"/>
             </a:endParaRPr>
           </a:p>
@@ -473,8 +483,8 @@
         </p:nvSpPr>
         <p:spPr>
           <a:xfrm>
-            <a:off x="6636240" y="1326240"/>
-            <a:ext cx="2919960" cy="1568160"/>
+            <a:off x="6638040" y="1326600"/>
+            <a:ext cx="2920680" cy="1568160"/>
           </a:xfrm>
           <a:prstGeom prst="rect">
             <a:avLst/>
@@ -485,7 +495,7 @@
             <a:normAutofit/>
           </a:bodyPr>
           <a:p>
-            <a:endParaRPr b="0" lang="en-US" sz="3200" spc="-1" strike="noStrike">
+            <a:endParaRPr b="0" lang="sk-SK" sz="3200" spc="-1" strike="noStrike">
               <a:latin typeface="Arial"/>
             </a:endParaRPr>
           </a:p>
@@ -503,8 +513,8 @@
         </p:nvSpPr>
         <p:spPr>
           <a:xfrm>
-            <a:off x="503640" y="3043800"/>
-            <a:ext cx="2919960" cy="1568160"/>
+            <a:off x="504000" y="3044160"/>
+            <a:ext cx="2920680" cy="1568160"/>
           </a:xfrm>
           <a:prstGeom prst="rect">
             <a:avLst/>
@@ -515,7 +525,7 @@
             <a:normAutofit/>
           </a:bodyPr>
           <a:p>
-            <a:endParaRPr b="0" lang="en-US" sz="3200" spc="-1" strike="noStrike">
+            <a:endParaRPr b="0" lang="sk-SK" sz="3200" spc="-1" strike="noStrike">
               <a:latin typeface="Arial"/>
             </a:endParaRPr>
           </a:p>
@@ -533,8 +543,8 @@
         </p:nvSpPr>
         <p:spPr>
           <a:xfrm>
-            <a:off x="3570120" y="3043800"/>
-            <a:ext cx="2919960" cy="1568160"/>
+            <a:off x="3571200" y="3044160"/>
+            <a:ext cx="2920680" cy="1568160"/>
           </a:xfrm>
           <a:prstGeom prst="rect">
             <a:avLst/>
@@ -545,7 +555,7 @@
             <a:normAutofit/>
           </a:bodyPr>
           <a:p>
-            <a:endParaRPr b="0" lang="en-US" sz="3200" spc="-1" strike="noStrike">
+            <a:endParaRPr b="0" lang="sk-SK" sz="3200" spc="-1" strike="noStrike">
               <a:latin typeface="Arial"/>
             </a:endParaRPr>
           </a:p>
@@ -563,8 +573,8 @@
         </p:nvSpPr>
         <p:spPr>
           <a:xfrm>
-            <a:off x="6636240" y="3043800"/>
-            <a:ext cx="2919960" cy="1568160"/>
+            <a:off x="6638040" y="3044160"/>
+            <a:ext cx="2920680" cy="1568160"/>
           </a:xfrm>
           <a:prstGeom prst="rect">
             <a:avLst/>
@@ -575,7 +585,7 @@
             <a:normAutofit/>
           </a:bodyPr>
           <a:p>
-            <a:endParaRPr b="0" lang="en-US" sz="3200" spc="-1" strike="noStrike">
+            <a:endParaRPr b="0" lang="sk-SK" sz="3200" spc="-1" strike="noStrike">
               <a:latin typeface="Arial"/>
             </a:endParaRPr>
           </a:p>
@@ -637,8 +647,8 @@
         </p:nvSpPr>
         <p:spPr>
           <a:xfrm>
-            <a:off x="503640" y="225720"/>
-            <a:ext cx="9068400" cy="946080"/>
+            <a:off x="504000" y="226080"/>
+            <a:ext cx="9071640" cy="946440"/>
           </a:xfrm>
           <a:prstGeom prst="rect">
             <a:avLst/>
@@ -650,7 +660,7 @@
           </a:bodyPr>
           <a:p>
             <a:pPr algn="ctr"/>
-            <a:endParaRPr b="0" lang="en-US" sz="4400" spc="-1" strike="noStrike">
+            <a:endParaRPr b="0" lang="sk-SK" sz="4400" spc="-1" strike="noStrike">
               <a:latin typeface="Arial"/>
             </a:endParaRPr>
           </a:p>
@@ -668,8 +678,8 @@
         </p:nvSpPr>
         <p:spPr>
           <a:xfrm>
-            <a:off x="503640" y="1326240"/>
-            <a:ext cx="9068400" cy="3287880"/>
+            <a:off x="504000" y="1326600"/>
+            <a:ext cx="9071640" cy="3288240"/>
           </a:xfrm>
           <a:prstGeom prst="rect">
             <a:avLst/>
@@ -681,7 +691,7 @@
           </a:bodyPr>
           <a:p>
             <a:pPr algn="ctr"/>
-            <a:endParaRPr b="0" lang="en-US" sz="3200" spc="-1" strike="noStrike">
+            <a:endParaRPr b="0" lang="sk-SK" sz="3200" spc="-1" strike="noStrike">
               <a:latin typeface="Arial"/>
             </a:endParaRPr>
           </a:p>
@@ -721,8 +731,8 @@
         </p:nvSpPr>
         <p:spPr>
           <a:xfrm>
-            <a:off x="503640" y="225720"/>
-            <a:ext cx="9068400" cy="946080"/>
+            <a:off x="504000" y="226080"/>
+            <a:ext cx="9071640" cy="946440"/>
           </a:xfrm>
           <a:prstGeom prst="rect">
             <a:avLst/>
@@ -734,7 +744,7 @@
           </a:bodyPr>
           <a:p>
             <a:pPr algn="ctr"/>
-            <a:endParaRPr b="0" lang="en-US" sz="4400" spc="-1" strike="noStrike">
+            <a:endParaRPr b="0" lang="sk-SK" sz="4400" spc="-1" strike="noStrike">
               <a:latin typeface="Arial"/>
             </a:endParaRPr>
           </a:p>
@@ -752,8 +762,8 @@
         </p:nvSpPr>
         <p:spPr>
           <a:xfrm>
-            <a:off x="503640" y="1326240"/>
-            <a:ext cx="9068400" cy="3287880"/>
+            <a:off x="504000" y="1326600"/>
+            <a:ext cx="9071640" cy="3288240"/>
           </a:xfrm>
           <a:prstGeom prst="rect">
             <a:avLst/>
@@ -764,7 +774,7 @@
             <a:normAutofit/>
           </a:bodyPr>
           <a:p>
-            <a:endParaRPr b="0" lang="en-US" sz="3200" spc="-1" strike="noStrike">
+            <a:endParaRPr b="0" lang="sk-SK" sz="3200" spc="-1" strike="noStrike">
               <a:latin typeface="Arial"/>
             </a:endParaRPr>
           </a:p>
@@ -804,8 +814,8 @@
         </p:nvSpPr>
         <p:spPr>
           <a:xfrm>
-            <a:off x="503640" y="225720"/>
-            <a:ext cx="9068400" cy="946080"/>
+            <a:off x="504000" y="226080"/>
+            <a:ext cx="9071640" cy="946440"/>
           </a:xfrm>
           <a:prstGeom prst="rect">
             <a:avLst/>
@@ -817,7 +827,7 @@
           </a:bodyPr>
           <a:p>
             <a:pPr algn="ctr"/>
-            <a:endParaRPr b="0" lang="en-US" sz="4400" spc="-1" strike="noStrike">
+            <a:endParaRPr b="0" lang="sk-SK" sz="4400" spc="-1" strike="noStrike">
               <a:latin typeface="Arial"/>
             </a:endParaRPr>
           </a:p>
@@ -835,8 +845,8 @@
         </p:nvSpPr>
         <p:spPr>
           <a:xfrm>
-            <a:off x="503640" y="1326240"/>
-            <a:ext cx="4425120" cy="3287880"/>
+            <a:off x="504000" y="1326600"/>
+            <a:ext cx="4426920" cy="3288240"/>
           </a:xfrm>
           <a:prstGeom prst="rect">
             <a:avLst/>
@@ -847,7 +857,7 @@
             <a:normAutofit/>
           </a:bodyPr>
           <a:p>
-            <a:endParaRPr b="0" lang="en-US" sz="3200" spc="-1" strike="noStrike">
+            <a:endParaRPr b="0" lang="sk-SK" sz="3200" spc="-1" strike="noStrike">
               <a:latin typeface="Arial"/>
             </a:endParaRPr>
           </a:p>
@@ -865,8 +875,8 @@
         </p:nvSpPr>
         <p:spPr>
           <a:xfrm>
-            <a:off x="5150520" y="1326240"/>
-            <a:ext cx="4425120" cy="3287880"/>
+            <a:off x="5152680" y="1326600"/>
+            <a:ext cx="4426920" cy="3288240"/>
           </a:xfrm>
           <a:prstGeom prst="rect">
             <a:avLst/>
@@ -877,7 +887,7 @@
             <a:normAutofit/>
           </a:bodyPr>
           <a:p>
-            <a:endParaRPr b="0" lang="en-US" sz="3200" spc="-1" strike="noStrike">
+            <a:endParaRPr b="0" lang="sk-SK" sz="3200" spc="-1" strike="noStrike">
               <a:latin typeface="Arial"/>
             </a:endParaRPr>
           </a:p>
@@ -917,8 +927,8 @@
         </p:nvSpPr>
         <p:spPr>
           <a:xfrm>
-            <a:off x="503640" y="225720"/>
-            <a:ext cx="9068400" cy="946080"/>
+            <a:off x="504000" y="226080"/>
+            <a:ext cx="9071640" cy="946440"/>
           </a:xfrm>
           <a:prstGeom prst="rect">
             <a:avLst/>
@@ -930,7 +940,7 @@
           </a:bodyPr>
           <a:p>
             <a:pPr algn="ctr"/>
-            <a:endParaRPr b="0" lang="en-US" sz="4400" spc="-1" strike="noStrike">
+            <a:endParaRPr b="0" lang="sk-SK" sz="4400" spc="-1" strike="noStrike">
               <a:latin typeface="Arial"/>
             </a:endParaRPr>
           </a:p>
@@ -970,8 +980,8 @@
         </p:nvSpPr>
         <p:spPr>
           <a:xfrm>
-            <a:off x="503640" y="225720"/>
-            <a:ext cx="9068400" cy="4386600"/>
+            <a:off x="504000" y="226080"/>
+            <a:ext cx="9071640" cy="4388400"/>
           </a:xfrm>
           <a:prstGeom prst="rect">
             <a:avLst/>
@@ -983,7 +993,7 @@
           </a:bodyPr>
           <a:p>
             <a:pPr algn="ctr"/>
-            <a:endParaRPr b="0" lang="en-US" sz="3200" spc="-1" strike="noStrike">
+            <a:endParaRPr b="0" lang="sk-SK" sz="3200" spc="-1" strike="noStrike">
               <a:latin typeface="Arial"/>
             </a:endParaRPr>
           </a:p>
@@ -1023,8 +1033,8 @@
         </p:nvSpPr>
         <p:spPr>
           <a:xfrm>
-            <a:off x="503640" y="225720"/>
-            <a:ext cx="9068400" cy="946080"/>
+            <a:off x="504000" y="226080"/>
+            <a:ext cx="9071640" cy="946440"/>
           </a:xfrm>
           <a:prstGeom prst="rect">
             <a:avLst/>
@@ -1036,7 +1046,7 @@
           </a:bodyPr>
           <a:p>
             <a:pPr algn="ctr"/>
-            <a:endParaRPr b="0" lang="en-US" sz="4400" spc="-1" strike="noStrike">
+            <a:endParaRPr b="0" lang="sk-SK" sz="4400" spc="-1" strike="noStrike">
               <a:latin typeface="Arial"/>
             </a:endParaRPr>
           </a:p>
@@ -1054,8 +1064,8 @@
         </p:nvSpPr>
         <p:spPr>
           <a:xfrm>
-            <a:off x="503640" y="1326240"/>
-            <a:ext cx="4425120" cy="1568160"/>
+            <a:off x="504000" y="1326600"/>
+            <a:ext cx="4426920" cy="1568160"/>
           </a:xfrm>
           <a:prstGeom prst="rect">
             <a:avLst/>
@@ -1066,7 +1076,7 @@
             <a:normAutofit/>
           </a:bodyPr>
           <a:p>
-            <a:endParaRPr b="0" lang="en-US" sz="3200" spc="-1" strike="noStrike">
+            <a:endParaRPr b="0" lang="sk-SK" sz="3200" spc="-1" strike="noStrike">
               <a:latin typeface="Arial"/>
             </a:endParaRPr>
           </a:p>
@@ -1084,8 +1094,8 @@
         </p:nvSpPr>
         <p:spPr>
           <a:xfrm>
-            <a:off x="5150520" y="1326240"/>
-            <a:ext cx="4425120" cy="3287880"/>
+            <a:off x="5152680" y="1326600"/>
+            <a:ext cx="4426920" cy="3288240"/>
           </a:xfrm>
           <a:prstGeom prst="rect">
             <a:avLst/>
@@ -1096,7 +1106,7 @@
             <a:normAutofit/>
           </a:bodyPr>
           <a:p>
-            <a:endParaRPr b="0" lang="en-US" sz="3200" spc="-1" strike="noStrike">
+            <a:endParaRPr b="0" lang="sk-SK" sz="3200" spc="-1" strike="noStrike">
               <a:latin typeface="Arial"/>
             </a:endParaRPr>
           </a:p>
@@ -1114,8 +1124,8 @@
         </p:nvSpPr>
         <p:spPr>
           <a:xfrm>
-            <a:off x="503640" y="3043800"/>
-            <a:ext cx="4425120" cy="1568160"/>
+            <a:off x="504000" y="3044160"/>
+            <a:ext cx="4426920" cy="1568160"/>
           </a:xfrm>
           <a:prstGeom prst="rect">
             <a:avLst/>
@@ -1126,7 +1136,7 @@
             <a:normAutofit/>
           </a:bodyPr>
           <a:p>
-            <a:endParaRPr b="0" lang="en-US" sz="3200" spc="-1" strike="noStrike">
+            <a:endParaRPr b="0" lang="sk-SK" sz="3200" spc="-1" strike="noStrike">
               <a:latin typeface="Arial"/>
             </a:endParaRPr>
           </a:p>
@@ -1166,8 +1176,8 @@
         </p:nvSpPr>
         <p:spPr>
           <a:xfrm>
-            <a:off x="503640" y="225720"/>
-            <a:ext cx="9068400" cy="946080"/>
+            <a:off x="504000" y="226080"/>
+            <a:ext cx="9071640" cy="946440"/>
           </a:xfrm>
           <a:prstGeom prst="rect">
             <a:avLst/>
@@ -1179,7 +1189,7 @@
           </a:bodyPr>
           <a:p>
             <a:pPr algn="ctr"/>
-            <a:endParaRPr b="0" lang="en-US" sz="4400" spc="-1" strike="noStrike">
+            <a:endParaRPr b="0" lang="sk-SK" sz="4400" spc="-1" strike="noStrike">
               <a:latin typeface="Arial"/>
             </a:endParaRPr>
           </a:p>
@@ -1197,8 +1207,8 @@
         </p:nvSpPr>
         <p:spPr>
           <a:xfrm>
-            <a:off x="503640" y="1326240"/>
-            <a:ext cx="9068400" cy="3287880"/>
+            <a:off x="504000" y="1326600"/>
+            <a:ext cx="9071640" cy="3288240"/>
           </a:xfrm>
           <a:prstGeom prst="rect">
             <a:avLst/>
@@ -1210,7 +1220,7 @@
           </a:bodyPr>
           <a:p>
             <a:pPr algn="ctr"/>
-            <a:endParaRPr b="0" lang="en-US" sz="3200" spc="-1" strike="noStrike">
+            <a:endParaRPr b="0" lang="sk-SK" sz="3200" spc="-1" strike="noStrike">
               <a:latin typeface="Arial"/>
             </a:endParaRPr>
           </a:p>
@@ -1250,8 +1260,8 @@
         </p:nvSpPr>
         <p:spPr>
           <a:xfrm>
-            <a:off x="503640" y="225720"/>
-            <a:ext cx="9068400" cy="946080"/>
+            <a:off x="504000" y="226080"/>
+            <a:ext cx="9071640" cy="946440"/>
           </a:xfrm>
           <a:prstGeom prst="rect">
             <a:avLst/>
@@ -1263,7 +1273,7 @@
           </a:bodyPr>
           <a:p>
             <a:pPr algn="ctr"/>
-            <a:endParaRPr b="0" lang="en-US" sz="4400" spc="-1" strike="noStrike">
+            <a:endParaRPr b="0" lang="sk-SK" sz="4400" spc="-1" strike="noStrike">
               <a:latin typeface="Arial"/>
             </a:endParaRPr>
           </a:p>
@@ -1281,8 +1291,8 @@
         </p:nvSpPr>
         <p:spPr>
           <a:xfrm>
-            <a:off x="503640" y="1326240"/>
-            <a:ext cx="4425120" cy="3287880"/>
+            <a:off x="504000" y="1326600"/>
+            <a:ext cx="4426920" cy="3288240"/>
           </a:xfrm>
           <a:prstGeom prst="rect">
             <a:avLst/>
@@ -1293,7 +1303,7 @@
             <a:normAutofit/>
           </a:bodyPr>
           <a:p>
-            <a:endParaRPr b="0" lang="en-US" sz="3200" spc="-1" strike="noStrike">
+            <a:endParaRPr b="0" lang="sk-SK" sz="3200" spc="-1" strike="noStrike">
               <a:latin typeface="Arial"/>
             </a:endParaRPr>
           </a:p>
@@ -1311,8 +1321,8 @@
         </p:nvSpPr>
         <p:spPr>
           <a:xfrm>
-            <a:off x="5150520" y="1326240"/>
-            <a:ext cx="4425120" cy="1568160"/>
+            <a:off x="5152680" y="1326600"/>
+            <a:ext cx="4426920" cy="1568160"/>
           </a:xfrm>
           <a:prstGeom prst="rect">
             <a:avLst/>
@@ -1323,7 +1333,7 @@
             <a:normAutofit/>
           </a:bodyPr>
           <a:p>
-            <a:endParaRPr b="0" lang="en-US" sz="3200" spc="-1" strike="noStrike">
+            <a:endParaRPr b="0" lang="sk-SK" sz="3200" spc="-1" strike="noStrike">
               <a:latin typeface="Arial"/>
             </a:endParaRPr>
           </a:p>
@@ -1341,8 +1351,8 @@
         </p:nvSpPr>
         <p:spPr>
           <a:xfrm>
-            <a:off x="5150520" y="3043800"/>
-            <a:ext cx="4425120" cy="1568160"/>
+            <a:off x="5152680" y="3044160"/>
+            <a:ext cx="4426920" cy="1568160"/>
           </a:xfrm>
           <a:prstGeom prst="rect">
             <a:avLst/>
@@ -1353,7 +1363,7 @@
             <a:normAutofit/>
           </a:bodyPr>
           <a:p>
-            <a:endParaRPr b="0" lang="en-US" sz="3200" spc="-1" strike="noStrike">
+            <a:endParaRPr b="0" lang="sk-SK" sz="3200" spc="-1" strike="noStrike">
               <a:latin typeface="Arial"/>
             </a:endParaRPr>
           </a:p>
@@ -1393,8 +1403,8 @@
         </p:nvSpPr>
         <p:spPr>
           <a:xfrm>
-            <a:off x="503640" y="225720"/>
-            <a:ext cx="9068400" cy="946080"/>
+            <a:off x="504000" y="226080"/>
+            <a:ext cx="9071640" cy="946440"/>
           </a:xfrm>
           <a:prstGeom prst="rect">
             <a:avLst/>
@@ -1406,7 +1416,7 @@
           </a:bodyPr>
           <a:p>
             <a:pPr algn="ctr"/>
-            <a:endParaRPr b="0" lang="en-US" sz="4400" spc="-1" strike="noStrike">
+            <a:endParaRPr b="0" lang="sk-SK" sz="4400" spc="-1" strike="noStrike">
               <a:latin typeface="Arial"/>
             </a:endParaRPr>
           </a:p>
@@ -1424,8 +1434,8 @@
         </p:nvSpPr>
         <p:spPr>
           <a:xfrm>
-            <a:off x="503640" y="1326240"/>
-            <a:ext cx="4425120" cy="1568160"/>
+            <a:off x="504000" y="1326600"/>
+            <a:ext cx="4426920" cy="1568160"/>
           </a:xfrm>
           <a:prstGeom prst="rect">
             <a:avLst/>
@@ -1436,7 +1446,7 @@
             <a:normAutofit/>
           </a:bodyPr>
           <a:p>
-            <a:endParaRPr b="0" lang="en-US" sz="3200" spc="-1" strike="noStrike">
+            <a:endParaRPr b="0" lang="sk-SK" sz="3200" spc="-1" strike="noStrike">
               <a:latin typeface="Arial"/>
             </a:endParaRPr>
           </a:p>
@@ -1454,8 +1464,8 @@
         </p:nvSpPr>
         <p:spPr>
           <a:xfrm>
-            <a:off x="5150520" y="1326240"/>
-            <a:ext cx="4425120" cy="1568160"/>
+            <a:off x="5152680" y="1326600"/>
+            <a:ext cx="4426920" cy="1568160"/>
           </a:xfrm>
           <a:prstGeom prst="rect">
             <a:avLst/>
@@ -1466,7 +1476,7 @@
             <a:normAutofit/>
           </a:bodyPr>
           <a:p>
-            <a:endParaRPr b="0" lang="en-US" sz="3200" spc="-1" strike="noStrike">
+            <a:endParaRPr b="0" lang="sk-SK" sz="3200" spc="-1" strike="noStrike">
               <a:latin typeface="Arial"/>
             </a:endParaRPr>
           </a:p>
@@ -1484,8 +1494,8 @@
         </p:nvSpPr>
         <p:spPr>
           <a:xfrm>
-            <a:off x="503640" y="3043800"/>
-            <a:ext cx="9068400" cy="1568160"/>
+            <a:off x="504000" y="3044160"/>
+            <a:ext cx="9071640" cy="1568160"/>
           </a:xfrm>
           <a:prstGeom prst="rect">
             <a:avLst/>
@@ -1496,7 +1506,7 @@
             <a:normAutofit/>
           </a:bodyPr>
           <a:p>
-            <a:endParaRPr b="0" lang="en-US" sz="3200" spc="-1" strike="noStrike">
+            <a:endParaRPr b="0" lang="sk-SK" sz="3200" spc="-1" strike="noStrike">
               <a:latin typeface="Arial"/>
             </a:endParaRPr>
           </a:p>
@@ -1536,8 +1546,8 @@
         </p:nvSpPr>
         <p:spPr>
           <a:xfrm>
-            <a:off x="503640" y="225720"/>
-            <a:ext cx="9068400" cy="946080"/>
+            <a:off x="504000" y="226080"/>
+            <a:ext cx="9071640" cy="946440"/>
           </a:xfrm>
           <a:prstGeom prst="rect">
             <a:avLst/>
@@ -1549,7 +1559,7 @@
           </a:bodyPr>
           <a:p>
             <a:pPr algn="ctr"/>
-            <a:endParaRPr b="0" lang="en-US" sz="4400" spc="-1" strike="noStrike">
+            <a:endParaRPr b="0" lang="sk-SK" sz="4400" spc="-1" strike="noStrike">
               <a:latin typeface="Arial"/>
             </a:endParaRPr>
           </a:p>
@@ -1567,8 +1577,8 @@
         </p:nvSpPr>
         <p:spPr>
           <a:xfrm>
-            <a:off x="503640" y="1326240"/>
-            <a:ext cx="9068400" cy="1568160"/>
+            <a:off x="504000" y="1326600"/>
+            <a:ext cx="9071640" cy="1568160"/>
           </a:xfrm>
           <a:prstGeom prst="rect">
             <a:avLst/>
@@ -1579,7 +1589,7 @@
             <a:normAutofit/>
           </a:bodyPr>
           <a:p>
-            <a:endParaRPr b="0" lang="en-US" sz="3200" spc="-1" strike="noStrike">
+            <a:endParaRPr b="0" lang="sk-SK" sz="3200" spc="-1" strike="noStrike">
               <a:latin typeface="Arial"/>
             </a:endParaRPr>
           </a:p>
@@ -1597,8 +1607,8 @@
         </p:nvSpPr>
         <p:spPr>
           <a:xfrm>
-            <a:off x="503640" y="3043800"/>
-            <a:ext cx="9068400" cy="1568160"/>
+            <a:off x="504000" y="3044160"/>
+            <a:ext cx="9071640" cy="1568160"/>
           </a:xfrm>
           <a:prstGeom prst="rect">
             <a:avLst/>
@@ -1609,7 +1619,7 @@
             <a:normAutofit/>
           </a:bodyPr>
           <a:p>
-            <a:endParaRPr b="0" lang="en-US" sz="3200" spc="-1" strike="noStrike">
+            <a:endParaRPr b="0" lang="sk-SK" sz="3200" spc="-1" strike="noStrike">
               <a:latin typeface="Arial"/>
             </a:endParaRPr>
           </a:p>
@@ -1649,8 +1659,8 @@
         </p:nvSpPr>
         <p:spPr>
           <a:xfrm>
-            <a:off x="503640" y="225720"/>
-            <a:ext cx="9068400" cy="946080"/>
+            <a:off x="504000" y="226080"/>
+            <a:ext cx="9071640" cy="946440"/>
           </a:xfrm>
           <a:prstGeom prst="rect">
             <a:avLst/>
@@ -1662,7 +1672,7 @@
           </a:bodyPr>
           <a:p>
             <a:pPr algn="ctr"/>
-            <a:endParaRPr b="0" lang="en-US" sz="4400" spc="-1" strike="noStrike">
+            <a:endParaRPr b="0" lang="sk-SK" sz="4400" spc="-1" strike="noStrike">
               <a:latin typeface="Arial"/>
             </a:endParaRPr>
           </a:p>
@@ -1680,8 +1690,8 @@
         </p:nvSpPr>
         <p:spPr>
           <a:xfrm>
-            <a:off x="503640" y="1326240"/>
-            <a:ext cx="4425120" cy="1568160"/>
+            <a:off x="504000" y="1326600"/>
+            <a:ext cx="4426920" cy="1568160"/>
           </a:xfrm>
           <a:prstGeom prst="rect">
             <a:avLst/>
@@ -1692,7 +1702,7 @@
             <a:normAutofit/>
           </a:bodyPr>
           <a:p>
-            <a:endParaRPr b="0" lang="en-US" sz="3200" spc="-1" strike="noStrike">
+            <a:endParaRPr b="0" lang="sk-SK" sz="3200" spc="-1" strike="noStrike">
               <a:latin typeface="Arial"/>
             </a:endParaRPr>
           </a:p>
@@ -1710,8 +1720,8 @@
         </p:nvSpPr>
         <p:spPr>
           <a:xfrm>
-            <a:off x="5150520" y="1326240"/>
-            <a:ext cx="4425120" cy="1568160"/>
+            <a:off x="5152680" y="1326600"/>
+            <a:ext cx="4426920" cy="1568160"/>
           </a:xfrm>
           <a:prstGeom prst="rect">
             <a:avLst/>
@@ -1722,7 +1732,7 @@
             <a:normAutofit/>
           </a:bodyPr>
           <a:p>
-            <a:endParaRPr b="0" lang="en-US" sz="3200" spc="-1" strike="noStrike">
+            <a:endParaRPr b="0" lang="sk-SK" sz="3200" spc="-1" strike="noStrike">
               <a:latin typeface="Arial"/>
             </a:endParaRPr>
           </a:p>
@@ -1740,8 +1750,8 @@
         </p:nvSpPr>
         <p:spPr>
           <a:xfrm>
-            <a:off x="503640" y="3043800"/>
-            <a:ext cx="4425120" cy="1568160"/>
+            <a:off x="504000" y="3044160"/>
+            <a:ext cx="4426920" cy="1568160"/>
           </a:xfrm>
           <a:prstGeom prst="rect">
             <a:avLst/>
@@ -1752,7 +1762,7 @@
             <a:normAutofit/>
           </a:bodyPr>
           <a:p>
-            <a:endParaRPr b="0" lang="en-US" sz="3200" spc="-1" strike="noStrike">
+            <a:endParaRPr b="0" lang="sk-SK" sz="3200" spc="-1" strike="noStrike">
               <a:latin typeface="Arial"/>
             </a:endParaRPr>
           </a:p>
@@ -1770,8 +1780,8 @@
         </p:nvSpPr>
         <p:spPr>
           <a:xfrm>
-            <a:off x="5150520" y="3043800"/>
-            <a:ext cx="4425120" cy="1568160"/>
+            <a:off x="5152680" y="3044160"/>
+            <a:ext cx="4426920" cy="1568160"/>
           </a:xfrm>
           <a:prstGeom prst="rect">
             <a:avLst/>
@@ -1782,7 +1792,7 @@
             <a:normAutofit/>
           </a:bodyPr>
           <a:p>
-            <a:endParaRPr b="0" lang="en-US" sz="3200" spc="-1" strike="noStrike">
+            <a:endParaRPr b="0" lang="sk-SK" sz="3200" spc="-1" strike="noStrike">
               <a:latin typeface="Arial"/>
             </a:endParaRPr>
           </a:p>
@@ -1822,8 +1832,8 @@
         </p:nvSpPr>
         <p:spPr>
           <a:xfrm>
-            <a:off x="503640" y="225720"/>
-            <a:ext cx="9068400" cy="946080"/>
+            <a:off x="504000" y="226080"/>
+            <a:ext cx="9071640" cy="946440"/>
           </a:xfrm>
           <a:prstGeom prst="rect">
             <a:avLst/>
@@ -1835,7 +1845,7 @@
           </a:bodyPr>
           <a:p>
             <a:pPr algn="ctr"/>
-            <a:endParaRPr b="0" lang="en-US" sz="4400" spc="-1" strike="noStrike">
+            <a:endParaRPr b="0" lang="sk-SK" sz="4400" spc="-1" strike="noStrike">
               <a:latin typeface="Arial"/>
             </a:endParaRPr>
           </a:p>
@@ -1853,8 +1863,8 @@
         </p:nvSpPr>
         <p:spPr>
           <a:xfrm>
-            <a:off x="503640" y="1326240"/>
-            <a:ext cx="2919960" cy="1568160"/>
+            <a:off x="504000" y="1326600"/>
+            <a:ext cx="2920680" cy="1568160"/>
           </a:xfrm>
           <a:prstGeom prst="rect">
             <a:avLst/>
@@ -1865,7 +1875,7 @@
             <a:normAutofit/>
           </a:bodyPr>
           <a:p>
-            <a:endParaRPr b="0" lang="en-US" sz="3200" spc="-1" strike="noStrike">
+            <a:endParaRPr b="0" lang="sk-SK" sz="3200" spc="-1" strike="noStrike">
               <a:latin typeface="Arial"/>
             </a:endParaRPr>
           </a:p>
@@ -1883,8 +1893,8 @@
         </p:nvSpPr>
         <p:spPr>
           <a:xfrm>
-            <a:off x="3570120" y="1326240"/>
-            <a:ext cx="2919960" cy="1568160"/>
+            <a:off x="3571200" y="1326600"/>
+            <a:ext cx="2920680" cy="1568160"/>
           </a:xfrm>
           <a:prstGeom prst="rect">
             <a:avLst/>
@@ -1895,7 +1905,7 @@
             <a:normAutofit/>
           </a:bodyPr>
           <a:p>
-            <a:endParaRPr b="0" lang="en-US" sz="3200" spc="-1" strike="noStrike">
+            <a:endParaRPr b="0" lang="sk-SK" sz="3200" spc="-1" strike="noStrike">
               <a:latin typeface="Arial"/>
             </a:endParaRPr>
           </a:p>
@@ -1913,8 +1923,8 @@
         </p:nvSpPr>
         <p:spPr>
           <a:xfrm>
-            <a:off x="6636240" y="1326240"/>
-            <a:ext cx="2919960" cy="1568160"/>
+            <a:off x="6638040" y="1326600"/>
+            <a:ext cx="2920680" cy="1568160"/>
           </a:xfrm>
           <a:prstGeom prst="rect">
             <a:avLst/>
@@ -1925,7 +1935,7 @@
             <a:normAutofit/>
           </a:bodyPr>
           <a:p>
-            <a:endParaRPr b="0" lang="en-US" sz="3200" spc="-1" strike="noStrike">
+            <a:endParaRPr b="0" lang="sk-SK" sz="3200" spc="-1" strike="noStrike">
               <a:latin typeface="Arial"/>
             </a:endParaRPr>
           </a:p>
@@ -1943,8 +1953,8 @@
         </p:nvSpPr>
         <p:spPr>
           <a:xfrm>
-            <a:off x="503640" y="3043800"/>
-            <a:ext cx="2919960" cy="1568160"/>
+            <a:off x="504000" y="3044160"/>
+            <a:ext cx="2920680" cy="1568160"/>
           </a:xfrm>
           <a:prstGeom prst="rect">
             <a:avLst/>
@@ -1955,7 +1965,7 @@
             <a:normAutofit/>
           </a:bodyPr>
           <a:p>
-            <a:endParaRPr b="0" lang="en-US" sz="3200" spc="-1" strike="noStrike">
+            <a:endParaRPr b="0" lang="sk-SK" sz="3200" spc="-1" strike="noStrike">
               <a:latin typeface="Arial"/>
             </a:endParaRPr>
           </a:p>
@@ -1973,8 +1983,8 @@
         </p:nvSpPr>
         <p:spPr>
           <a:xfrm>
-            <a:off x="3570120" y="3043800"/>
-            <a:ext cx="2919960" cy="1568160"/>
+            <a:off x="3571200" y="3044160"/>
+            <a:ext cx="2920680" cy="1568160"/>
           </a:xfrm>
           <a:prstGeom prst="rect">
             <a:avLst/>
@@ -1985,7 +1995,7 @@
             <a:normAutofit/>
           </a:bodyPr>
           <a:p>
-            <a:endParaRPr b="0" lang="en-US" sz="3200" spc="-1" strike="noStrike">
+            <a:endParaRPr b="0" lang="sk-SK" sz="3200" spc="-1" strike="noStrike">
               <a:latin typeface="Arial"/>
             </a:endParaRPr>
           </a:p>
@@ -2003,8 +2013,8 @@
         </p:nvSpPr>
         <p:spPr>
           <a:xfrm>
-            <a:off x="6636240" y="3043800"/>
-            <a:ext cx="2919960" cy="1568160"/>
+            <a:off x="6638040" y="3044160"/>
+            <a:ext cx="2920680" cy="1568160"/>
           </a:xfrm>
           <a:prstGeom prst="rect">
             <a:avLst/>
@@ -2015,7 +2025,7 @@
             <a:normAutofit/>
           </a:bodyPr>
           <a:p>
-            <a:endParaRPr b="0" lang="en-US" sz="3200" spc="-1" strike="noStrike">
+            <a:endParaRPr b="0" lang="sk-SK" sz="3200" spc="-1" strike="noStrike">
               <a:latin typeface="Arial"/>
             </a:endParaRPr>
           </a:p>
@@ -2077,8 +2087,8 @@
         </p:nvSpPr>
         <p:spPr>
           <a:xfrm>
-            <a:off x="503640" y="225720"/>
-            <a:ext cx="9068400" cy="946080"/>
+            <a:off x="504000" y="226080"/>
+            <a:ext cx="9071640" cy="946440"/>
           </a:xfrm>
           <a:prstGeom prst="rect">
             <a:avLst/>
@@ -2090,7 +2100,7 @@
           </a:bodyPr>
           <a:p>
             <a:pPr algn="ctr"/>
-            <a:endParaRPr b="0" lang="en-US" sz="4400" spc="-1" strike="noStrike">
+            <a:endParaRPr b="0" lang="sk-SK" sz="4400" spc="-1" strike="noStrike">
               <a:latin typeface="Arial"/>
             </a:endParaRPr>
           </a:p>
@@ -2108,8 +2118,8 @@
         </p:nvSpPr>
         <p:spPr>
           <a:xfrm>
-            <a:off x="503640" y="1326240"/>
-            <a:ext cx="9068400" cy="3287880"/>
+            <a:off x="504000" y="1326600"/>
+            <a:ext cx="9071640" cy="3288240"/>
           </a:xfrm>
           <a:prstGeom prst="rect">
             <a:avLst/>
@@ -2121,7 +2131,7 @@
           </a:bodyPr>
           <a:p>
             <a:pPr algn="ctr"/>
-            <a:endParaRPr b="0" lang="en-US" sz="3200" spc="-1" strike="noStrike">
+            <a:endParaRPr b="0" lang="sk-SK" sz="3200" spc="-1" strike="noStrike">
               <a:latin typeface="Arial"/>
             </a:endParaRPr>
           </a:p>
@@ -2161,8 +2171,8 @@
         </p:nvSpPr>
         <p:spPr>
           <a:xfrm>
-            <a:off x="503640" y="225720"/>
-            <a:ext cx="9068400" cy="946080"/>
+            <a:off x="504000" y="226080"/>
+            <a:ext cx="9071640" cy="946440"/>
           </a:xfrm>
           <a:prstGeom prst="rect">
             <a:avLst/>
@@ -2174,7 +2184,7 @@
           </a:bodyPr>
           <a:p>
             <a:pPr algn="ctr"/>
-            <a:endParaRPr b="0" lang="en-US" sz="4400" spc="-1" strike="noStrike">
+            <a:endParaRPr b="0" lang="sk-SK" sz="4400" spc="-1" strike="noStrike">
               <a:latin typeface="Arial"/>
             </a:endParaRPr>
           </a:p>
@@ -2192,8 +2202,8 @@
         </p:nvSpPr>
         <p:spPr>
           <a:xfrm>
-            <a:off x="503640" y="1326240"/>
-            <a:ext cx="9068400" cy="3287880"/>
+            <a:off x="504000" y="1326600"/>
+            <a:ext cx="9071640" cy="3288240"/>
           </a:xfrm>
           <a:prstGeom prst="rect">
             <a:avLst/>
@@ -2204,7 +2214,7 @@
             <a:normAutofit/>
           </a:bodyPr>
           <a:p>
-            <a:endParaRPr b="0" lang="en-US" sz="3200" spc="-1" strike="noStrike">
+            <a:endParaRPr b="0" lang="sk-SK" sz="3200" spc="-1" strike="noStrike">
               <a:latin typeface="Arial"/>
             </a:endParaRPr>
           </a:p>
@@ -2244,8 +2254,8 @@
         </p:nvSpPr>
         <p:spPr>
           <a:xfrm>
-            <a:off x="503640" y="225720"/>
-            <a:ext cx="9068400" cy="946080"/>
+            <a:off x="504000" y="226080"/>
+            <a:ext cx="9071640" cy="946440"/>
           </a:xfrm>
           <a:prstGeom prst="rect">
             <a:avLst/>
@@ -2257,7 +2267,7 @@
           </a:bodyPr>
           <a:p>
             <a:pPr algn="ctr"/>
-            <a:endParaRPr b="0" lang="en-US" sz="4400" spc="-1" strike="noStrike">
+            <a:endParaRPr b="0" lang="sk-SK" sz="4400" spc="-1" strike="noStrike">
               <a:latin typeface="Arial"/>
             </a:endParaRPr>
           </a:p>
@@ -2275,8 +2285,8 @@
         </p:nvSpPr>
         <p:spPr>
           <a:xfrm>
-            <a:off x="503640" y="1326240"/>
-            <a:ext cx="4425120" cy="3287880"/>
+            <a:off x="504000" y="1326600"/>
+            <a:ext cx="4426920" cy="3288240"/>
           </a:xfrm>
           <a:prstGeom prst="rect">
             <a:avLst/>
@@ -2287,7 +2297,7 @@
             <a:normAutofit/>
           </a:bodyPr>
           <a:p>
-            <a:endParaRPr b="0" lang="en-US" sz="3200" spc="-1" strike="noStrike">
+            <a:endParaRPr b="0" lang="sk-SK" sz="3200" spc="-1" strike="noStrike">
               <a:latin typeface="Arial"/>
             </a:endParaRPr>
           </a:p>
@@ -2305,8 +2315,8 @@
         </p:nvSpPr>
         <p:spPr>
           <a:xfrm>
-            <a:off x="5150520" y="1326240"/>
-            <a:ext cx="4425120" cy="3287880"/>
+            <a:off x="5152680" y="1326600"/>
+            <a:ext cx="4426920" cy="3288240"/>
           </a:xfrm>
           <a:prstGeom prst="rect">
             <a:avLst/>
@@ -2317,7 +2327,7 @@
             <a:normAutofit/>
           </a:bodyPr>
           <a:p>
-            <a:endParaRPr b="0" lang="en-US" sz="3200" spc="-1" strike="noStrike">
+            <a:endParaRPr b="0" lang="sk-SK" sz="3200" spc="-1" strike="noStrike">
               <a:latin typeface="Arial"/>
             </a:endParaRPr>
           </a:p>
@@ -2357,8 +2367,8 @@
         </p:nvSpPr>
         <p:spPr>
           <a:xfrm>
-            <a:off x="503640" y="225720"/>
-            <a:ext cx="9068400" cy="946080"/>
+            <a:off x="504000" y="226080"/>
+            <a:ext cx="9071640" cy="946440"/>
           </a:xfrm>
           <a:prstGeom prst="rect">
             <a:avLst/>
@@ -2370,7 +2380,7 @@
           </a:bodyPr>
           <a:p>
             <a:pPr algn="ctr"/>
-            <a:endParaRPr b="0" lang="en-US" sz="4400" spc="-1" strike="noStrike">
+            <a:endParaRPr b="0" lang="sk-SK" sz="4400" spc="-1" strike="noStrike">
               <a:latin typeface="Arial"/>
             </a:endParaRPr>
           </a:p>
@@ -2410,8 +2420,8 @@
         </p:nvSpPr>
         <p:spPr>
           <a:xfrm>
-            <a:off x="503640" y="225720"/>
-            <a:ext cx="9068400" cy="946080"/>
+            <a:off x="504000" y="226080"/>
+            <a:ext cx="9071640" cy="946440"/>
           </a:xfrm>
           <a:prstGeom prst="rect">
             <a:avLst/>
@@ -2423,7 +2433,7 @@
           </a:bodyPr>
           <a:p>
             <a:pPr algn="ctr"/>
-            <a:endParaRPr b="0" lang="en-US" sz="4400" spc="-1" strike="noStrike">
+            <a:endParaRPr b="0" lang="sk-SK" sz="4400" spc="-1" strike="noStrike">
               <a:latin typeface="Arial"/>
             </a:endParaRPr>
           </a:p>
@@ -2441,8 +2451,8 @@
         </p:nvSpPr>
         <p:spPr>
           <a:xfrm>
-            <a:off x="503640" y="1326240"/>
-            <a:ext cx="9068400" cy="3287880"/>
+            <a:off x="504000" y="1326600"/>
+            <a:ext cx="9071640" cy="3288240"/>
           </a:xfrm>
           <a:prstGeom prst="rect">
             <a:avLst/>
@@ -2453,7 +2463,7 @@
             <a:normAutofit/>
           </a:bodyPr>
           <a:p>
-            <a:endParaRPr b="0" lang="en-US" sz="3200" spc="-1" strike="noStrike">
+            <a:endParaRPr b="0" lang="sk-SK" sz="3200" spc="-1" strike="noStrike">
               <a:latin typeface="Arial"/>
             </a:endParaRPr>
           </a:p>
@@ -2493,8 +2503,8 @@
         </p:nvSpPr>
         <p:spPr>
           <a:xfrm>
-            <a:off x="503640" y="225720"/>
-            <a:ext cx="9068400" cy="4386600"/>
+            <a:off x="504000" y="226080"/>
+            <a:ext cx="9071640" cy="4388400"/>
           </a:xfrm>
           <a:prstGeom prst="rect">
             <a:avLst/>
@@ -2506,7 +2516,7 @@
           </a:bodyPr>
           <a:p>
             <a:pPr algn="ctr"/>
-            <a:endParaRPr b="0" lang="en-US" sz="3200" spc="-1" strike="noStrike">
+            <a:endParaRPr b="0" lang="sk-SK" sz="3200" spc="-1" strike="noStrike">
               <a:latin typeface="Arial"/>
             </a:endParaRPr>
           </a:p>
@@ -2546,8 +2556,8 @@
         </p:nvSpPr>
         <p:spPr>
           <a:xfrm>
-            <a:off x="503640" y="225720"/>
-            <a:ext cx="9068400" cy="946080"/>
+            <a:off x="504000" y="226080"/>
+            <a:ext cx="9071640" cy="946440"/>
           </a:xfrm>
           <a:prstGeom prst="rect">
             <a:avLst/>
@@ -2559,7 +2569,7 @@
           </a:bodyPr>
           <a:p>
             <a:pPr algn="ctr"/>
-            <a:endParaRPr b="0" lang="en-US" sz="4400" spc="-1" strike="noStrike">
+            <a:endParaRPr b="0" lang="sk-SK" sz="4400" spc="-1" strike="noStrike">
               <a:latin typeface="Arial"/>
             </a:endParaRPr>
           </a:p>
@@ -2577,8 +2587,8 @@
         </p:nvSpPr>
         <p:spPr>
           <a:xfrm>
-            <a:off x="503640" y="1326240"/>
-            <a:ext cx="4425120" cy="1568160"/>
+            <a:off x="504000" y="1326600"/>
+            <a:ext cx="4426920" cy="1568160"/>
           </a:xfrm>
           <a:prstGeom prst="rect">
             <a:avLst/>
@@ -2589,7 +2599,7 @@
             <a:normAutofit/>
           </a:bodyPr>
           <a:p>
-            <a:endParaRPr b="0" lang="en-US" sz="3200" spc="-1" strike="noStrike">
+            <a:endParaRPr b="0" lang="sk-SK" sz="3200" spc="-1" strike="noStrike">
               <a:latin typeface="Arial"/>
             </a:endParaRPr>
           </a:p>
@@ -2607,8 +2617,8 @@
         </p:nvSpPr>
         <p:spPr>
           <a:xfrm>
-            <a:off x="5150520" y="1326240"/>
-            <a:ext cx="4425120" cy="3287880"/>
+            <a:off x="5152680" y="1326600"/>
+            <a:ext cx="4426920" cy="3288240"/>
           </a:xfrm>
           <a:prstGeom prst="rect">
             <a:avLst/>
@@ -2619,7 +2629,7 @@
             <a:normAutofit/>
           </a:bodyPr>
           <a:p>
-            <a:endParaRPr b="0" lang="en-US" sz="3200" spc="-1" strike="noStrike">
+            <a:endParaRPr b="0" lang="sk-SK" sz="3200" spc="-1" strike="noStrike">
               <a:latin typeface="Arial"/>
             </a:endParaRPr>
           </a:p>
@@ -2637,8 +2647,8 @@
         </p:nvSpPr>
         <p:spPr>
           <a:xfrm>
-            <a:off x="503640" y="3043800"/>
-            <a:ext cx="4425120" cy="1568160"/>
+            <a:off x="504000" y="3044160"/>
+            <a:ext cx="4426920" cy="1568160"/>
           </a:xfrm>
           <a:prstGeom prst="rect">
             <a:avLst/>
@@ -2649,7 +2659,7 @@
             <a:normAutofit/>
           </a:bodyPr>
           <a:p>
-            <a:endParaRPr b="0" lang="en-US" sz="3200" spc="-1" strike="noStrike">
+            <a:endParaRPr b="0" lang="sk-SK" sz="3200" spc="-1" strike="noStrike">
               <a:latin typeface="Arial"/>
             </a:endParaRPr>
           </a:p>
@@ -2689,8 +2699,8 @@
         </p:nvSpPr>
         <p:spPr>
           <a:xfrm>
-            <a:off x="503640" y="225720"/>
-            <a:ext cx="9068400" cy="946080"/>
+            <a:off x="504000" y="226080"/>
+            <a:ext cx="9071640" cy="946440"/>
           </a:xfrm>
           <a:prstGeom prst="rect">
             <a:avLst/>
@@ -2702,7 +2712,7 @@
           </a:bodyPr>
           <a:p>
             <a:pPr algn="ctr"/>
-            <a:endParaRPr b="0" lang="en-US" sz="4400" spc="-1" strike="noStrike">
+            <a:endParaRPr b="0" lang="sk-SK" sz="4400" spc="-1" strike="noStrike">
               <a:latin typeface="Arial"/>
             </a:endParaRPr>
           </a:p>
@@ -2720,8 +2730,8 @@
         </p:nvSpPr>
         <p:spPr>
           <a:xfrm>
-            <a:off x="503640" y="1326240"/>
-            <a:ext cx="4425120" cy="3287880"/>
+            <a:off x="504000" y="1326600"/>
+            <a:ext cx="4426920" cy="3288240"/>
           </a:xfrm>
           <a:prstGeom prst="rect">
             <a:avLst/>
@@ -2732,7 +2742,7 @@
             <a:normAutofit/>
           </a:bodyPr>
           <a:p>
-            <a:endParaRPr b="0" lang="en-US" sz="3200" spc="-1" strike="noStrike">
+            <a:endParaRPr b="0" lang="sk-SK" sz="3200" spc="-1" strike="noStrike">
               <a:latin typeface="Arial"/>
             </a:endParaRPr>
           </a:p>
@@ -2750,8 +2760,8 @@
         </p:nvSpPr>
         <p:spPr>
           <a:xfrm>
-            <a:off x="5150520" y="1326240"/>
-            <a:ext cx="4425120" cy="1568160"/>
+            <a:off x="5152680" y="1326600"/>
+            <a:ext cx="4426920" cy="1568160"/>
           </a:xfrm>
           <a:prstGeom prst="rect">
             <a:avLst/>
@@ -2762,7 +2772,7 @@
             <a:normAutofit/>
           </a:bodyPr>
           <a:p>
-            <a:endParaRPr b="0" lang="en-US" sz="3200" spc="-1" strike="noStrike">
+            <a:endParaRPr b="0" lang="sk-SK" sz="3200" spc="-1" strike="noStrike">
               <a:latin typeface="Arial"/>
             </a:endParaRPr>
           </a:p>
@@ -2780,8 +2790,8 @@
         </p:nvSpPr>
         <p:spPr>
           <a:xfrm>
-            <a:off x="5150520" y="3043800"/>
-            <a:ext cx="4425120" cy="1568160"/>
+            <a:off x="5152680" y="3044160"/>
+            <a:ext cx="4426920" cy="1568160"/>
           </a:xfrm>
           <a:prstGeom prst="rect">
             <a:avLst/>
@@ -2792,7 +2802,7 @@
             <a:normAutofit/>
           </a:bodyPr>
           <a:p>
-            <a:endParaRPr b="0" lang="en-US" sz="3200" spc="-1" strike="noStrike">
+            <a:endParaRPr b="0" lang="sk-SK" sz="3200" spc="-1" strike="noStrike">
               <a:latin typeface="Arial"/>
             </a:endParaRPr>
           </a:p>
@@ -2832,8 +2842,8 @@
         </p:nvSpPr>
         <p:spPr>
           <a:xfrm>
-            <a:off x="503640" y="225720"/>
-            <a:ext cx="9068400" cy="946080"/>
+            <a:off x="504000" y="226080"/>
+            <a:ext cx="9071640" cy="946440"/>
           </a:xfrm>
           <a:prstGeom prst="rect">
             <a:avLst/>
@@ -2845,7 +2855,7 @@
           </a:bodyPr>
           <a:p>
             <a:pPr algn="ctr"/>
-            <a:endParaRPr b="0" lang="en-US" sz="4400" spc="-1" strike="noStrike">
+            <a:endParaRPr b="0" lang="sk-SK" sz="4400" spc="-1" strike="noStrike">
               <a:latin typeface="Arial"/>
             </a:endParaRPr>
           </a:p>
@@ -2863,8 +2873,8 @@
         </p:nvSpPr>
         <p:spPr>
           <a:xfrm>
-            <a:off x="503640" y="1326240"/>
-            <a:ext cx="4425120" cy="1568160"/>
+            <a:off x="504000" y="1326600"/>
+            <a:ext cx="4426920" cy="1568160"/>
           </a:xfrm>
           <a:prstGeom prst="rect">
             <a:avLst/>
@@ -2875,7 +2885,7 @@
             <a:normAutofit/>
           </a:bodyPr>
           <a:p>
-            <a:endParaRPr b="0" lang="en-US" sz="3200" spc="-1" strike="noStrike">
+            <a:endParaRPr b="0" lang="sk-SK" sz="3200" spc="-1" strike="noStrike">
               <a:latin typeface="Arial"/>
             </a:endParaRPr>
           </a:p>
@@ -2893,8 +2903,8 @@
         </p:nvSpPr>
         <p:spPr>
           <a:xfrm>
-            <a:off x="5150520" y="1326240"/>
-            <a:ext cx="4425120" cy="1568160"/>
+            <a:off x="5152680" y="1326600"/>
+            <a:ext cx="4426920" cy="1568160"/>
           </a:xfrm>
           <a:prstGeom prst="rect">
             <a:avLst/>
@@ -2905,7 +2915,7 @@
             <a:normAutofit/>
           </a:bodyPr>
           <a:p>
-            <a:endParaRPr b="0" lang="en-US" sz="3200" spc="-1" strike="noStrike">
+            <a:endParaRPr b="0" lang="sk-SK" sz="3200" spc="-1" strike="noStrike">
               <a:latin typeface="Arial"/>
             </a:endParaRPr>
           </a:p>
@@ -2923,8 +2933,8 @@
         </p:nvSpPr>
         <p:spPr>
           <a:xfrm>
-            <a:off x="503640" y="3043800"/>
-            <a:ext cx="9068400" cy="1568160"/>
+            <a:off x="504000" y="3044160"/>
+            <a:ext cx="9071640" cy="1568160"/>
           </a:xfrm>
           <a:prstGeom prst="rect">
             <a:avLst/>
@@ -2935,7 +2945,7 @@
             <a:normAutofit/>
           </a:bodyPr>
           <a:p>
-            <a:endParaRPr b="0" lang="en-US" sz="3200" spc="-1" strike="noStrike">
+            <a:endParaRPr b="0" lang="sk-SK" sz="3200" spc="-1" strike="noStrike">
               <a:latin typeface="Arial"/>
             </a:endParaRPr>
           </a:p>
@@ -2975,8 +2985,8 @@
         </p:nvSpPr>
         <p:spPr>
           <a:xfrm>
-            <a:off x="503640" y="225720"/>
-            <a:ext cx="9068400" cy="946080"/>
+            <a:off x="504000" y="226080"/>
+            <a:ext cx="9071640" cy="946440"/>
           </a:xfrm>
           <a:prstGeom prst="rect">
             <a:avLst/>
@@ -2988,7 +2998,7 @@
           </a:bodyPr>
           <a:p>
             <a:pPr algn="ctr"/>
-            <a:endParaRPr b="0" lang="en-US" sz="4400" spc="-1" strike="noStrike">
+            <a:endParaRPr b="0" lang="sk-SK" sz="4400" spc="-1" strike="noStrike">
               <a:latin typeface="Arial"/>
             </a:endParaRPr>
           </a:p>
@@ -3006,8 +3016,8 @@
         </p:nvSpPr>
         <p:spPr>
           <a:xfrm>
-            <a:off x="503640" y="1326240"/>
-            <a:ext cx="9068400" cy="1568160"/>
+            <a:off x="504000" y="1326600"/>
+            <a:ext cx="9071640" cy="1568160"/>
           </a:xfrm>
           <a:prstGeom prst="rect">
             <a:avLst/>
@@ -3018,7 +3028,7 @@
             <a:normAutofit/>
           </a:bodyPr>
           <a:p>
-            <a:endParaRPr b="0" lang="en-US" sz="3200" spc="-1" strike="noStrike">
+            <a:endParaRPr b="0" lang="sk-SK" sz="3200" spc="-1" strike="noStrike">
               <a:latin typeface="Arial"/>
             </a:endParaRPr>
           </a:p>
@@ -3036,8 +3046,8 @@
         </p:nvSpPr>
         <p:spPr>
           <a:xfrm>
-            <a:off x="503640" y="3043800"/>
-            <a:ext cx="9068400" cy="1568160"/>
+            <a:off x="504000" y="3044160"/>
+            <a:ext cx="9071640" cy="1568160"/>
           </a:xfrm>
           <a:prstGeom prst="rect">
             <a:avLst/>
@@ -3048,7 +3058,7 @@
             <a:normAutofit/>
           </a:bodyPr>
           <a:p>
-            <a:endParaRPr b="0" lang="en-US" sz="3200" spc="-1" strike="noStrike">
+            <a:endParaRPr b="0" lang="sk-SK" sz="3200" spc="-1" strike="noStrike">
               <a:latin typeface="Arial"/>
             </a:endParaRPr>
           </a:p>
@@ -3088,8 +3098,8 @@
         </p:nvSpPr>
         <p:spPr>
           <a:xfrm>
-            <a:off x="503640" y="225720"/>
-            <a:ext cx="9068400" cy="946080"/>
+            <a:off x="504000" y="226080"/>
+            <a:ext cx="9071640" cy="946440"/>
           </a:xfrm>
           <a:prstGeom prst="rect">
             <a:avLst/>
@@ -3101,7 +3111,7 @@
           </a:bodyPr>
           <a:p>
             <a:pPr algn="ctr"/>
-            <a:endParaRPr b="0" lang="en-US" sz="4400" spc="-1" strike="noStrike">
+            <a:endParaRPr b="0" lang="sk-SK" sz="4400" spc="-1" strike="noStrike">
               <a:latin typeface="Arial"/>
             </a:endParaRPr>
           </a:p>
@@ -3119,8 +3129,8 @@
         </p:nvSpPr>
         <p:spPr>
           <a:xfrm>
-            <a:off x="503640" y="1326240"/>
-            <a:ext cx="4425120" cy="1568160"/>
+            <a:off x="504000" y="1326600"/>
+            <a:ext cx="4426920" cy="1568160"/>
           </a:xfrm>
           <a:prstGeom prst="rect">
             <a:avLst/>
@@ -3131,7 +3141,7 @@
             <a:normAutofit/>
           </a:bodyPr>
           <a:p>
-            <a:endParaRPr b="0" lang="en-US" sz="3200" spc="-1" strike="noStrike">
+            <a:endParaRPr b="0" lang="sk-SK" sz="3200" spc="-1" strike="noStrike">
               <a:latin typeface="Arial"/>
             </a:endParaRPr>
           </a:p>
@@ -3149,8 +3159,8 @@
         </p:nvSpPr>
         <p:spPr>
           <a:xfrm>
-            <a:off x="5150520" y="1326240"/>
-            <a:ext cx="4425120" cy="1568160"/>
+            <a:off x="5152680" y="1326600"/>
+            <a:ext cx="4426920" cy="1568160"/>
           </a:xfrm>
           <a:prstGeom prst="rect">
             <a:avLst/>
@@ -3161,7 +3171,7 @@
             <a:normAutofit/>
           </a:bodyPr>
           <a:p>
-            <a:endParaRPr b="0" lang="en-US" sz="3200" spc="-1" strike="noStrike">
+            <a:endParaRPr b="0" lang="sk-SK" sz="3200" spc="-1" strike="noStrike">
               <a:latin typeface="Arial"/>
             </a:endParaRPr>
           </a:p>
@@ -3179,8 +3189,8 @@
         </p:nvSpPr>
         <p:spPr>
           <a:xfrm>
-            <a:off x="503640" y="3043800"/>
-            <a:ext cx="4425120" cy="1568160"/>
+            <a:off x="504000" y="3044160"/>
+            <a:ext cx="4426920" cy="1568160"/>
           </a:xfrm>
           <a:prstGeom prst="rect">
             <a:avLst/>
@@ -3191,7 +3201,7 @@
             <a:normAutofit/>
           </a:bodyPr>
           <a:p>
-            <a:endParaRPr b="0" lang="en-US" sz="3200" spc="-1" strike="noStrike">
+            <a:endParaRPr b="0" lang="sk-SK" sz="3200" spc="-1" strike="noStrike">
               <a:latin typeface="Arial"/>
             </a:endParaRPr>
           </a:p>
@@ -3209,8 +3219,8 @@
         </p:nvSpPr>
         <p:spPr>
           <a:xfrm>
-            <a:off x="5150520" y="3043800"/>
-            <a:ext cx="4425120" cy="1568160"/>
+            <a:off x="5152680" y="3044160"/>
+            <a:ext cx="4426920" cy="1568160"/>
           </a:xfrm>
           <a:prstGeom prst="rect">
             <a:avLst/>
@@ -3221,7 +3231,7 @@
             <a:normAutofit/>
           </a:bodyPr>
           <a:p>
-            <a:endParaRPr b="0" lang="en-US" sz="3200" spc="-1" strike="noStrike">
+            <a:endParaRPr b="0" lang="sk-SK" sz="3200" spc="-1" strike="noStrike">
               <a:latin typeface="Arial"/>
             </a:endParaRPr>
           </a:p>
@@ -3261,8 +3271,8 @@
         </p:nvSpPr>
         <p:spPr>
           <a:xfrm>
-            <a:off x="503640" y="225720"/>
-            <a:ext cx="9068400" cy="946080"/>
+            <a:off x="504000" y="226080"/>
+            <a:ext cx="9071640" cy="946440"/>
           </a:xfrm>
           <a:prstGeom prst="rect">
             <a:avLst/>
@@ -3274,7 +3284,7 @@
           </a:bodyPr>
           <a:p>
             <a:pPr algn="ctr"/>
-            <a:endParaRPr b="0" lang="en-US" sz="4400" spc="-1" strike="noStrike">
+            <a:endParaRPr b="0" lang="sk-SK" sz="4400" spc="-1" strike="noStrike">
               <a:latin typeface="Arial"/>
             </a:endParaRPr>
           </a:p>
@@ -3292,8 +3302,8 @@
         </p:nvSpPr>
         <p:spPr>
           <a:xfrm>
-            <a:off x="503640" y="1326240"/>
-            <a:ext cx="2919960" cy="1568160"/>
+            <a:off x="504000" y="1326600"/>
+            <a:ext cx="2920680" cy="1568160"/>
           </a:xfrm>
           <a:prstGeom prst="rect">
             <a:avLst/>
@@ -3304,7 +3314,7 @@
             <a:normAutofit/>
           </a:bodyPr>
           <a:p>
-            <a:endParaRPr b="0" lang="en-US" sz="3200" spc="-1" strike="noStrike">
+            <a:endParaRPr b="0" lang="sk-SK" sz="3200" spc="-1" strike="noStrike">
               <a:latin typeface="Arial"/>
             </a:endParaRPr>
           </a:p>
@@ -3322,8 +3332,8 @@
         </p:nvSpPr>
         <p:spPr>
           <a:xfrm>
-            <a:off x="3570120" y="1326240"/>
-            <a:ext cx="2919960" cy="1568160"/>
+            <a:off x="3571200" y="1326600"/>
+            <a:ext cx="2920680" cy="1568160"/>
           </a:xfrm>
           <a:prstGeom prst="rect">
             <a:avLst/>
@@ -3334,7 +3344,7 @@
             <a:normAutofit/>
           </a:bodyPr>
           <a:p>
-            <a:endParaRPr b="0" lang="en-US" sz="3200" spc="-1" strike="noStrike">
+            <a:endParaRPr b="0" lang="sk-SK" sz="3200" spc="-1" strike="noStrike">
               <a:latin typeface="Arial"/>
             </a:endParaRPr>
           </a:p>
@@ -3352,8 +3362,8 @@
         </p:nvSpPr>
         <p:spPr>
           <a:xfrm>
-            <a:off x="6636240" y="1326240"/>
-            <a:ext cx="2919960" cy="1568160"/>
+            <a:off x="6638040" y="1326600"/>
+            <a:ext cx="2920680" cy="1568160"/>
           </a:xfrm>
           <a:prstGeom prst="rect">
             <a:avLst/>
@@ -3364,7 +3374,7 @@
             <a:normAutofit/>
           </a:bodyPr>
           <a:p>
-            <a:endParaRPr b="0" lang="en-US" sz="3200" spc="-1" strike="noStrike">
+            <a:endParaRPr b="0" lang="sk-SK" sz="3200" spc="-1" strike="noStrike">
               <a:latin typeface="Arial"/>
             </a:endParaRPr>
           </a:p>
@@ -3382,8 +3392,8 @@
         </p:nvSpPr>
         <p:spPr>
           <a:xfrm>
-            <a:off x="503640" y="3043800"/>
-            <a:ext cx="2919960" cy="1568160"/>
+            <a:off x="504000" y="3044160"/>
+            <a:ext cx="2920680" cy="1568160"/>
           </a:xfrm>
           <a:prstGeom prst="rect">
             <a:avLst/>
@@ -3394,7 +3404,7 @@
             <a:normAutofit/>
           </a:bodyPr>
           <a:p>
-            <a:endParaRPr b="0" lang="en-US" sz="3200" spc="-1" strike="noStrike">
+            <a:endParaRPr b="0" lang="sk-SK" sz="3200" spc="-1" strike="noStrike">
               <a:latin typeface="Arial"/>
             </a:endParaRPr>
           </a:p>
@@ -3412,8 +3422,8 @@
         </p:nvSpPr>
         <p:spPr>
           <a:xfrm>
-            <a:off x="3570120" y="3043800"/>
-            <a:ext cx="2919960" cy="1568160"/>
+            <a:off x="3571200" y="3044160"/>
+            <a:ext cx="2920680" cy="1568160"/>
           </a:xfrm>
           <a:prstGeom prst="rect">
             <a:avLst/>
@@ -3424,7 +3434,7 @@
             <a:normAutofit/>
           </a:bodyPr>
           <a:p>
-            <a:endParaRPr b="0" lang="en-US" sz="3200" spc="-1" strike="noStrike">
+            <a:endParaRPr b="0" lang="sk-SK" sz="3200" spc="-1" strike="noStrike">
               <a:latin typeface="Arial"/>
             </a:endParaRPr>
           </a:p>
@@ -3442,8 +3452,8 @@
         </p:nvSpPr>
         <p:spPr>
           <a:xfrm>
-            <a:off x="6636240" y="3043800"/>
-            <a:ext cx="2919960" cy="1568160"/>
+            <a:off x="6638040" y="3044160"/>
+            <a:ext cx="2920680" cy="1568160"/>
           </a:xfrm>
           <a:prstGeom prst="rect">
             <a:avLst/>
@@ -3454,7 +3464,7 @@
             <a:normAutofit/>
           </a:bodyPr>
           <a:p>
-            <a:endParaRPr b="0" lang="en-US" sz="3200" spc="-1" strike="noStrike">
+            <a:endParaRPr b="0" lang="sk-SK" sz="3200" spc="-1" strike="noStrike">
               <a:latin typeface="Arial"/>
             </a:endParaRPr>
           </a:p>
@@ -3494,8 +3504,8 @@
         </p:nvSpPr>
         <p:spPr>
           <a:xfrm>
-            <a:off x="503640" y="225720"/>
-            <a:ext cx="9068400" cy="946080"/>
+            <a:off x="504000" y="226080"/>
+            <a:ext cx="9071640" cy="946440"/>
           </a:xfrm>
           <a:prstGeom prst="rect">
             <a:avLst/>
@@ -3507,7 +3517,7 @@
           </a:bodyPr>
           <a:p>
             <a:pPr algn="ctr"/>
-            <a:endParaRPr b="0" lang="en-US" sz="4400" spc="-1" strike="noStrike">
+            <a:endParaRPr b="0" lang="sk-SK" sz="4400" spc="-1" strike="noStrike">
               <a:latin typeface="Arial"/>
             </a:endParaRPr>
           </a:p>
@@ -3525,8 +3535,8 @@
         </p:nvSpPr>
         <p:spPr>
           <a:xfrm>
-            <a:off x="503640" y="1326240"/>
-            <a:ext cx="4425120" cy="3287880"/>
+            <a:off x="504000" y="1326600"/>
+            <a:ext cx="4426920" cy="3288240"/>
           </a:xfrm>
           <a:prstGeom prst="rect">
             <a:avLst/>
@@ -3537,7 +3547,7 @@
             <a:normAutofit/>
           </a:bodyPr>
           <a:p>
-            <a:endParaRPr b="0" lang="en-US" sz="3200" spc="-1" strike="noStrike">
+            <a:endParaRPr b="0" lang="sk-SK" sz="3200" spc="-1" strike="noStrike">
               <a:latin typeface="Arial"/>
             </a:endParaRPr>
           </a:p>
@@ -3555,8 +3565,8 @@
         </p:nvSpPr>
         <p:spPr>
           <a:xfrm>
-            <a:off x="5150520" y="1326240"/>
-            <a:ext cx="4425120" cy="3287880"/>
+            <a:off x="5152680" y="1326600"/>
+            <a:ext cx="4426920" cy="3288240"/>
           </a:xfrm>
           <a:prstGeom prst="rect">
             <a:avLst/>
@@ -3567,7 +3577,7 @@
             <a:normAutofit/>
           </a:bodyPr>
           <a:p>
-            <a:endParaRPr b="0" lang="en-US" sz="3200" spc="-1" strike="noStrike">
+            <a:endParaRPr b="0" lang="sk-SK" sz="3200" spc="-1" strike="noStrike">
               <a:latin typeface="Arial"/>
             </a:endParaRPr>
           </a:p>
@@ -3607,8 +3617,8 @@
         </p:nvSpPr>
         <p:spPr>
           <a:xfrm>
-            <a:off x="503640" y="225720"/>
-            <a:ext cx="9068400" cy="946080"/>
+            <a:off x="504000" y="226080"/>
+            <a:ext cx="9071640" cy="946440"/>
           </a:xfrm>
           <a:prstGeom prst="rect">
             <a:avLst/>
@@ -3620,7 +3630,7 @@
           </a:bodyPr>
           <a:p>
             <a:pPr algn="ctr"/>
-            <a:endParaRPr b="0" lang="en-US" sz="4400" spc="-1" strike="noStrike">
+            <a:endParaRPr b="0" lang="sk-SK" sz="4400" spc="-1" strike="noStrike">
               <a:latin typeface="Arial"/>
             </a:endParaRPr>
           </a:p>
@@ -3660,8 +3670,8 @@
         </p:nvSpPr>
         <p:spPr>
           <a:xfrm>
-            <a:off x="503640" y="225720"/>
-            <a:ext cx="9068400" cy="4386600"/>
+            <a:off x="504000" y="226080"/>
+            <a:ext cx="9071640" cy="4388400"/>
           </a:xfrm>
           <a:prstGeom prst="rect">
             <a:avLst/>
@@ -3673,7 +3683,7 @@
           </a:bodyPr>
           <a:p>
             <a:pPr algn="ctr"/>
-            <a:endParaRPr b="0" lang="en-US" sz="3200" spc="-1" strike="noStrike">
+            <a:endParaRPr b="0" lang="sk-SK" sz="3200" spc="-1" strike="noStrike">
               <a:latin typeface="Arial"/>
             </a:endParaRPr>
           </a:p>
@@ -3713,8 +3723,8 @@
         </p:nvSpPr>
         <p:spPr>
           <a:xfrm>
-            <a:off x="503640" y="225720"/>
-            <a:ext cx="9068400" cy="946080"/>
+            <a:off x="504000" y="226080"/>
+            <a:ext cx="9071640" cy="946440"/>
           </a:xfrm>
           <a:prstGeom prst="rect">
             <a:avLst/>
@@ -3726,7 +3736,7 @@
           </a:bodyPr>
           <a:p>
             <a:pPr algn="ctr"/>
-            <a:endParaRPr b="0" lang="en-US" sz="4400" spc="-1" strike="noStrike">
+            <a:endParaRPr b="0" lang="sk-SK" sz="4400" spc="-1" strike="noStrike">
               <a:latin typeface="Arial"/>
             </a:endParaRPr>
           </a:p>
@@ -3744,8 +3754,8 @@
         </p:nvSpPr>
         <p:spPr>
           <a:xfrm>
-            <a:off x="503640" y="1326240"/>
-            <a:ext cx="4425120" cy="1568160"/>
+            <a:off x="504000" y="1326600"/>
+            <a:ext cx="4426920" cy="1568160"/>
           </a:xfrm>
           <a:prstGeom prst="rect">
             <a:avLst/>
@@ -3756,7 +3766,7 @@
             <a:normAutofit/>
           </a:bodyPr>
           <a:p>
-            <a:endParaRPr b="0" lang="en-US" sz="3200" spc="-1" strike="noStrike">
+            <a:endParaRPr b="0" lang="sk-SK" sz="3200" spc="-1" strike="noStrike">
               <a:latin typeface="Arial"/>
             </a:endParaRPr>
           </a:p>
@@ -3774,8 +3784,8 @@
         </p:nvSpPr>
         <p:spPr>
           <a:xfrm>
-            <a:off x="5150520" y="1326240"/>
-            <a:ext cx="4425120" cy="3287880"/>
+            <a:off x="5152680" y="1326600"/>
+            <a:ext cx="4426920" cy="3288240"/>
           </a:xfrm>
           <a:prstGeom prst="rect">
             <a:avLst/>
@@ -3786,7 +3796,7 @@
             <a:normAutofit/>
           </a:bodyPr>
           <a:p>
-            <a:endParaRPr b="0" lang="en-US" sz="3200" spc="-1" strike="noStrike">
+            <a:endParaRPr b="0" lang="sk-SK" sz="3200" spc="-1" strike="noStrike">
               <a:latin typeface="Arial"/>
             </a:endParaRPr>
           </a:p>
@@ -3804,8 +3814,8 @@
         </p:nvSpPr>
         <p:spPr>
           <a:xfrm>
-            <a:off x="503640" y="3043800"/>
-            <a:ext cx="4425120" cy="1568160"/>
+            <a:off x="504000" y="3044160"/>
+            <a:ext cx="4426920" cy="1568160"/>
           </a:xfrm>
           <a:prstGeom prst="rect">
             <a:avLst/>
@@ -3816,7 +3826,7 @@
             <a:normAutofit/>
           </a:bodyPr>
           <a:p>
-            <a:endParaRPr b="0" lang="en-US" sz="3200" spc="-1" strike="noStrike">
+            <a:endParaRPr b="0" lang="sk-SK" sz="3200" spc="-1" strike="noStrike">
               <a:latin typeface="Arial"/>
             </a:endParaRPr>
           </a:p>
@@ -3856,8 +3866,8 @@
         </p:nvSpPr>
         <p:spPr>
           <a:xfrm>
-            <a:off x="503640" y="225720"/>
-            <a:ext cx="9068400" cy="946080"/>
+            <a:off x="504000" y="226080"/>
+            <a:ext cx="9071640" cy="946440"/>
           </a:xfrm>
           <a:prstGeom prst="rect">
             <a:avLst/>
@@ -3869,7 +3879,7 @@
           </a:bodyPr>
           <a:p>
             <a:pPr algn="ctr"/>
-            <a:endParaRPr b="0" lang="en-US" sz="4400" spc="-1" strike="noStrike">
+            <a:endParaRPr b="0" lang="sk-SK" sz="4400" spc="-1" strike="noStrike">
               <a:latin typeface="Arial"/>
             </a:endParaRPr>
           </a:p>
@@ -3887,8 +3897,8 @@
         </p:nvSpPr>
         <p:spPr>
           <a:xfrm>
-            <a:off x="503640" y="1326240"/>
-            <a:ext cx="4425120" cy="3287880"/>
+            <a:off x="504000" y="1326600"/>
+            <a:ext cx="4426920" cy="3288240"/>
           </a:xfrm>
           <a:prstGeom prst="rect">
             <a:avLst/>
@@ -3899,7 +3909,7 @@
             <a:normAutofit/>
           </a:bodyPr>
           <a:p>
-            <a:endParaRPr b="0" lang="en-US" sz="3200" spc="-1" strike="noStrike">
+            <a:endParaRPr b="0" lang="sk-SK" sz="3200" spc="-1" strike="noStrike">
               <a:latin typeface="Arial"/>
             </a:endParaRPr>
           </a:p>
@@ -3917,8 +3927,8 @@
         </p:nvSpPr>
         <p:spPr>
           <a:xfrm>
-            <a:off x="5150520" y="1326240"/>
-            <a:ext cx="4425120" cy="1568160"/>
+            <a:off x="5152680" y="1326600"/>
+            <a:ext cx="4426920" cy="1568160"/>
           </a:xfrm>
           <a:prstGeom prst="rect">
             <a:avLst/>
@@ -3929,7 +3939,7 @@
             <a:normAutofit/>
           </a:bodyPr>
           <a:p>
-            <a:endParaRPr b="0" lang="en-US" sz="3200" spc="-1" strike="noStrike">
+            <a:endParaRPr b="0" lang="sk-SK" sz="3200" spc="-1" strike="noStrike">
               <a:latin typeface="Arial"/>
             </a:endParaRPr>
           </a:p>
@@ -3947,8 +3957,8 @@
         </p:nvSpPr>
         <p:spPr>
           <a:xfrm>
-            <a:off x="5150520" y="3043800"/>
-            <a:ext cx="4425120" cy="1568160"/>
+            <a:off x="5152680" y="3044160"/>
+            <a:ext cx="4426920" cy="1568160"/>
           </a:xfrm>
           <a:prstGeom prst="rect">
             <a:avLst/>
@@ -3959,7 +3969,7 @@
             <a:normAutofit/>
           </a:bodyPr>
           <a:p>
-            <a:endParaRPr b="0" lang="en-US" sz="3200" spc="-1" strike="noStrike">
+            <a:endParaRPr b="0" lang="sk-SK" sz="3200" spc="-1" strike="noStrike">
               <a:latin typeface="Arial"/>
             </a:endParaRPr>
           </a:p>
@@ -3999,8 +4009,8 @@
         </p:nvSpPr>
         <p:spPr>
           <a:xfrm>
-            <a:off x="503640" y="225720"/>
-            <a:ext cx="9068400" cy="946080"/>
+            <a:off x="504000" y="226080"/>
+            <a:ext cx="9071640" cy="946440"/>
           </a:xfrm>
           <a:prstGeom prst="rect">
             <a:avLst/>
@@ -4012,7 +4022,7 @@
           </a:bodyPr>
           <a:p>
             <a:pPr algn="ctr"/>
-            <a:endParaRPr b="0" lang="en-US" sz="4400" spc="-1" strike="noStrike">
+            <a:endParaRPr b="0" lang="sk-SK" sz="4400" spc="-1" strike="noStrike">
               <a:latin typeface="Arial"/>
             </a:endParaRPr>
           </a:p>
@@ -4030,8 +4040,8 @@
         </p:nvSpPr>
         <p:spPr>
           <a:xfrm>
-            <a:off x="503640" y="1326240"/>
-            <a:ext cx="4425120" cy="1568160"/>
+            <a:off x="504000" y="1326600"/>
+            <a:ext cx="4426920" cy="1568160"/>
           </a:xfrm>
           <a:prstGeom prst="rect">
             <a:avLst/>
@@ -4042,7 +4052,7 @@
             <a:normAutofit/>
           </a:bodyPr>
           <a:p>
-            <a:endParaRPr b="0" lang="en-US" sz="3200" spc="-1" strike="noStrike">
+            <a:endParaRPr b="0" lang="sk-SK" sz="3200" spc="-1" strike="noStrike">
               <a:latin typeface="Arial"/>
             </a:endParaRPr>
           </a:p>
@@ -4060,8 +4070,8 @@
         </p:nvSpPr>
         <p:spPr>
           <a:xfrm>
-            <a:off x="5150520" y="1326240"/>
-            <a:ext cx="4425120" cy="1568160"/>
+            <a:off x="5152680" y="1326600"/>
+            <a:ext cx="4426920" cy="1568160"/>
           </a:xfrm>
           <a:prstGeom prst="rect">
             <a:avLst/>
@@ -4072,7 +4082,7 @@
             <a:normAutofit/>
           </a:bodyPr>
           <a:p>
-            <a:endParaRPr b="0" lang="en-US" sz="3200" spc="-1" strike="noStrike">
+            <a:endParaRPr b="0" lang="sk-SK" sz="3200" spc="-1" strike="noStrike">
               <a:latin typeface="Arial"/>
             </a:endParaRPr>
           </a:p>
@@ -4090,8 +4100,8 @@
         </p:nvSpPr>
         <p:spPr>
           <a:xfrm>
-            <a:off x="503640" y="3043800"/>
-            <a:ext cx="9068400" cy="1568160"/>
+            <a:off x="504000" y="3044160"/>
+            <a:ext cx="9071640" cy="1568160"/>
           </a:xfrm>
           <a:prstGeom prst="rect">
             <a:avLst/>
@@ -4102,7 +4112,7 @@
             <a:normAutofit/>
           </a:bodyPr>
           <a:p>
-            <a:endParaRPr b="0" lang="en-US" sz="3200" spc="-1" strike="noStrike">
+            <a:endParaRPr b="0" lang="sk-SK" sz="3200" spc="-1" strike="noStrike">
               <a:latin typeface="Arial"/>
             </a:endParaRPr>
           </a:p>
@@ -4148,7 +4158,7 @@
         </p:nvSpPr>
         <p:spPr>
           <a:xfrm>
-            <a:off x="4102200" y="4894560"/>
+            <a:off x="4102560" y="4894560"/>
             <a:ext cx="4389840" cy="363960"/>
           </a:xfrm>
           <a:prstGeom prst="rect">
@@ -4175,13 +4185,17 @@
                 <a:spcPct val="100000"/>
               </a:lnSpc>
             </a:pPr>
-            <a:fld id="{F9AA2104-969D-4387-AFDF-216D672889DA}" type="author">
-              <a:rPr b="0" lang="en-US" sz="1800" spc="-1" strike="noStrike">
+            <a:fld id="{AE4A5A7F-28D1-4F17-95DF-2910BBE7F0C8}" type="author">
+              <a:rPr b="0" lang="sk-SK" sz="1800" spc="-1" strike="noStrike">
+                <a:solidFill>
+                  <a:srgbClr val="000000"/>
+                </a:solidFill>
                 <a:latin typeface="Arial"/>
+                <a:ea typeface="DejaVu Sans"/>
               </a:rPr>
               <a:t> </a:t>
             </a:fld>
-            <a:endParaRPr b="0" lang="en-US" sz="1800" spc="-1" strike="noStrike">
+            <a:endParaRPr b="0" lang="sk-SK" sz="1800" spc="-1" strike="noStrike">
               <a:latin typeface="Arial"/>
             </a:endParaRPr>
           </a:p>
@@ -4199,8 +4213,8 @@
         </p:nvSpPr>
         <p:spPr>
           <a:xfrm>
-            <a:off x="143640" y="-77040"/>
-            <a:ext cx="9536040" cy="946440"/>
+            <a:off x="503640" y="225720"/>
+            <a:ext cx="9071280" cy="946440"/>
           </a:xfrm>
           <a:prstGeom prst="rect">
             <a:avLst/>
@@ -4208,16 +4222,17 @@
         </p:spPr>
         <p:txBody>
           <a:bodyPr lIns="0" rIns="0" tIns="0" bIns="0" anchor="ctr">
-            <a:spAutoFit/>
-          </a:bodyPr>
-          <a:p>
+            <a:noAutofit/>
+          </a:bodyPr>
+          <a:p>
+            <a:pPr algn="ctr"/>
             <a:r>
-              <a:rPr b="0" lang="en-US" sz="1800" spc="-1" strike="noStrike">
+              <a:rPr b="0" lang="sk-SK" sz="4400" spc="-1" strike="noStrike">
                 <a:latin typeface="Arial"/>
               </a:rPr>
               <a:t>Click to edit the title text format</a:t>
             </a:r>
-            <a:endParaRPr b="0" lang="en-US" sz="1800" spc="-1" strike="noStrike">
+            <a:endParaRPr b="0" lang="sk-SK" sz="4400" spc="-1" strike="noStrike">
               <a:latin typeface="Arial"/>
             </a:endParaRPr>
           </a:p>
@@ -4236,7 +4251,7 @@
         <p:spPr>
           <a:xfrm>
             <a:off x="503640" y="1326240"/>
-            <a:ext cx="9068400" cy="3287880"/>
+            <a:ext cx="9071280" cy="3288240"/>
           </a:xfrm>
           <a:prstGeom prst="rect">
             <a:avLst/>
@@ -4249,7 +4264,7 @@
           <a:p>
             <a:pPr marL="432000" indent="-324000">
               <a:spcBef>
-                <a:spcPts val="1412"/>
+                <a:spcPts val="1414"/>
               </a:spcBef>
               <a:buClr>
                 <a:srgbClr val="ffffff"/>
@@ -4259,12 +4274,12 @@
               <a:buChar char=""/>
             </a:pPr>
             <a:r>
-              <a:rPr b="0" lang="en-US" sz="3200" spc="-1" strike="noStrike">
+              <a:rPr b="0" lang="sk-SK" sz="3200" spc="-1" strike="noStrike">
                 <a:latin typeface="Arial"/>
               </a:rPr>
               <a:t>Click to edit the outline text format</a:t>
             </a:r>
-            <a:endParaRPr b="0" lang="en-US" sz="3200" spc="-1" strike="noStrike">
+            <a:endParaRPr b="0" lang="sk-SK" sz="3200" spc="-1" strike="noStrike">
               <a:latin typeface="Arial"/>
             </a:endParaRPr>
           </a:p>
@@ -4281,12 +4296,12 @@
               <a:buChar char=""/>
             </a:pPr>
             <a:r>
-              <a:rPr b="0" lang="en-US" sz="2800" spc="-1" strike="noStrike">
+              <a:rPr b="0" lang="sk-SK" sz="2800" spc="-1" strike="noStrike">
                 <a:latin typeface="Arial"/>
               </a:rPr>
               <a:t>Second Outline Level</a:t>
             </a:r>
-            <a:endParaRPr b="0" lang="en-US" sz="2800" spc="-1" strike="noStrike">
+            <a:endParaRPr b="0" lang="sk-SK" sz="2800" spc="-1" strike="noStrike">
               <a:latin typeface="Arial"/>
             </a:endParaRPr>
           </a:p>
@@ -4303,12 +4318,12 @@
               <a:buChar char=""/>
             </a:pPr>
             <a:r>
-              <a:rPr b="0" lang="en-US" sz="2400" spc="-1" strike="noStrike">
+              <a:rPr b="0" lang="sk-SK" sz="2400" spc="-1" strike="noStrike">
                 <a:latin typeface="Arial"/>
               </a:rPr>
               <a:t>Third Outline Level</a:t>
             </a:r>
-            <a:endParaRPr b="0" lang="en-US" sz="2400" spc="-1" strike="noStrike">
+            <a:endParaRPr b="0" lang="sk-SK" sz="2400" spc="-1" strike="noStrike">
               <a:latin typeface="Arial"/>
             </a:endParaRPr>
           </a:p>
@@ -4325,12 +4340,12 @@
               <a:buChar char=""/>
             </a:pPr>
             <a:r>
-              <a:rPr b="0" lang="en-US" sz="2000" spc="-1" strike="noStrike">
+              <a:rPr b="0" lang="sk-SK" sz="2000" spc="-1" strike="noStrike">
                 <a:latin typeface="Arial"/>
               </a:rPr>
               <a:t>Fourth Outline Level</a:t>
             </a:r>
-            <a:endParaRPr b="0" lang="en-US" sz="2000" spc="-1" strike="noStrike">
+            <a:endParaRPr b="0" lang="sk-SK" sz="2000" spc="-1" strike="noStrike">
               <a:latin typeface="Arial"/>
             </a:endParaRPr>
           </a:p>
@@ -4347,12 +4362,12 @@
               <a:buChar char=""/>
             </a:pPr>
             <a:r>
-              <a:rPr b="0" lang="en-US" sz="2000" spc="-1" strike="noStrike">
+              <a:rPr b="0" lang="sk-SK" sz="2000" spc="-1" strike="noStrike">
                 <a:latin typeface="Arial"/>
               </a:rPr>
               <a:t>Fifth Outline Level</a:t>
             </a:r>
-            <a:endParaRPr b="0" lang="en-US" sz="2000" spc="-1" strike="noStrike">
+            <a:endParaRPr b="0" lang="sk-SK" sz="2000" spc="-1" strike="noStrike">
               <a:latin typeface="Arial"/>
             </a:endParaRPr>
           </a:p>
@@ -4369,12 +4384,12 @@
               <a:buChar char=""/>
             </a:pPr>
             <a:r>
-              <a:rPr b="0" lang="en-US" sz="2000" spc="-1" strike="noStrike">
+              <a:rPr b="0" lang="sk-SK" sz="2000" spc="-1" strike="noStrike">
                 <a:latin typeface="Arial"/>
               </a:rPr>
               <a:t>Sixth Outline Level</a:t>
             </a:r>
-            <a:endParaRPr b="0" lang="en-US" sz="2000" spc="-1" strike="noStrike">
+            <a:endParaRPr b="0" lang="sk-SK" sz="2000" spc="-1" strike="noStrike">
               <a:latin typeface="Arial"/>
             </a:endParaRPr>
           </a:p>
@@ -4391,12 +4406,12 @@
               <a:buChar char=""/>
             </a:pPr>
             <a:r>
-              <a:rPr b="0" lang="en-US" sz="2000" spc="-1" strike="noStrike">
+              <a:rPr b="0" lang="sk-SK" sz="2000" spc="-1" strike="noStrike">
                 <a:latin typeface="Arial"/>
               </a:rPr>
               <a:t>Seventh Outline Level</a:t>
             </a:r>
-            <a:endParaRPr b="0" lang="en-US" sz="2000" spc="-1" strike="noStrike">
+            <a:endParaRPr b="0" lang="sk-SK" sz="2000" spc="-1" strike="noStrike">
               <a:latin typeface="Arial"/>
             </a:endParaRPr>
           </a:p>
@@ -4461,8 +4476,8 @@
         </p:nvSpPr>
         <p:spPr>
           <a:xfrm>
-            <a:off x="143640" y="-77040"/>
-            <a:ext cx="9536040" cy="946440"/>
+            <a:off x="503280" y="225360"/>
+            <a:ext cx="9070200" cy="946800"/>
           </a:xfrm>
           <a:prstGeom prst="rect">
             <a:avLst/>
@@ -4474,12 +4489,12 @@
           </a:bodyPr>
           <a:p>
             <a:r>
-              <a:rPr b="0" lang="en-US" sz="1800" spc="-1" strike="noStrike">
+              <a:rPr b="0" lang="sk-SK" sz="1800" spc="-1" strike="noStrike">
                 <a:latin typeface="Arial"/>
               </a:rPr>
               <a:t>Click to edit the title text format</a:t>
             </a:r>
-            <a:endParaRPr b="0" lang="en-US" sz="1800" spc="-1" strike="noStrike">
+            <a:endParaRPr b="0" lang="sk-SK" sz="1800" spc="-1" strike="noStrike">
               <a:latin typeface="Arial"/>
             </a:endParaRPr>
           </a:p>
@@ -4497,8 +4512,8 @@
         </p:nvSpPr>
         <p:spPr>
           <a:xfrm>
-            <a:off x="503640" y="1326240"/>
-            <a:ext cx="4424760" cy="3287160"/>
+            <a:off x="503280" y="1325880"/>
+            <a:ext cx="4425840" cy="3287520"/>
           </a:xfrm>
           <a:prstGeom prst="rect">
             <a:avLst/>
@@ -4511,7 +4526,7 @@
           <a:p>
             <a:pPr marL="432000" indent="-324000">
               <a:spcBef>
-                <a:spcPts val="1412"/>
+                <a:spcPts val="1414"/>
               </a:spcBef>
               <a:buClr>
                 <a:srgbClr val="ffffff"/>
@@ -4521,12 +4536,12 @@
               <a:buChar char=""/>
             </a:pPr>
             <a:r>
-              <a:rPr b="0" lang="en-US" sz="1800" spc="-1" strike="noStrike">
+              <a:rPr b="0" lang="sk-SK" sz="1800" spc="-1" strike="noStrike">
                 <a:latin typeface="Arial"/>
               </a:rPr>
               <a:t>Click to edit the outline text format</a:t>
             </a:r>
-            <a:endParaRPr b="0" lang="en-US" sz="1800" spc="-1" strike="noStrike">
+            <a:endParaRPr b="0" lang="sk-SK" sz="1800" spc="-1" strike="noStrike">
               <a:latin typeface="Arial"/>
             </a:endParaRPr>
           </a:p>
@@ -4543,12 +4558,12 @@
               <a:buChar char=""/>
             </a:pPr>
             <a:r>
-              <a:rPr b="0" lang="en-US" sz="1800" spc="-1" strike="noStrike">
+              <a:rPr b="0" lang="sk-SK" sz="1800" spc="-1" strike="noStrike">
                 <a:latin typeface="Arial"/>
               </a:rPr>
               <a:t>Second Outline Level</a:t>
             </a:r>
-            <a:endParaRPr b="0" lang="en-US" sz="1800" spc="-1" strike="noStrike">
+            <a:endParaRPr b="0" lang="sk-SK" sz="1800" spc="-1" strike="noStrike">
               <a:latin typeface="Arial"/>
             </a:endParaRPr>
           </a:p>
@@ -4565,12 +4580,12 @@
               <a:buChar char=""/>
             </a:pPr>
             <a:r>
-              <a:rPr b="0" lang="en-US" sz="1800" spc="-1" strike="noStrike">
+              <a:rPr b="0" lang="sk-SK" sz="1800" spc="-1" strike="noStrike">
                 <a:latin typeface="Arial"/>
               </a:rPr>
               <a:t>Third Outline Level</a:t>
             </a:r>
-            <a:endParaRPr b="0" lang="en-US" sz="1800" spc="-1" strike="noStrike">
+            <a:endParaRPr b="0" lang="sk-SK" sz="1800" spc="-1" strike="noStrike">
               <a:latin typeface="Arial"/>
             </a:endParaRPr>
           </a:p>
@@ -4587,12 +4602,12 @@
               <a:buChar char=""/>
             </a:pPr>
             <a:r>
-              <a:rPr b="0" lang="en-US" sz="1800" spc="-1" strike="noStrike">
+              <a:rPr b="0" lang="sk-SK" sz="1800" spc="-1" strike="noStrike">
                 <a:latin typeface="Arial"/>
               </a:rPr>
               <a:t>Fourth Outline Level</a:t>
             </a:r>
-            <a:endParaRPr b="0" lang="en-US" sz="1800" spc="-1" strike="noStrike">
+            <a:endParaRPr b="0" lang="sk-SK" sz="1800" spc="-1" strike="noStrike">
               <a:latin typeface="Arial"/>
             </a:endParaRPr>
           </a:p>
@@ -4609,12 +4624,12 @@
               <a:buChar char=""/>
             </a:pPr>
             <a:r>
-              <a:rPr b="0" lang="en-US" sz="1800" spc="-1" strike="noStrike">
+              <a:rPr b="0" lang="sk-SK" sz="1800" spc="-1" strike="noStrike">
                 <a:latin typeface="Arial"/>
               </a:rPr>
               <a:t>Fifth Outline Level</a:t>
             </a:r>
-            <a:endParaRPr b="0" lang="en-US" sz="1800" spc="-1" strike="noStrike">
+            <a:endParaRPr b="0" lang="sk-SK" sz="1800" spc="-1" strike="noStrike">
               <a:latin typeface="Arial"/>
             </a:endParaRPr>
           </a:p>
@@ -4631,12 +4646,12 @@
               <a:buChar char=""/>
             </a:pPr>
             <a:r>
-              <a:rPr b="0" lang="en-US" sz="1800" spc="-1" strike="noStrike">
+              <a:rPr b="0" lang="sk-SK" sz="1800" spc="-1" strike="noStrike">
                 <a:latin typeface="Arial"/>
               </a:rPr>
               <a:t>Sixth Outline Level</a:t>
             </a:r>
-            <a:endParaRPr b="0" lang="en-US" sz="1800" spc="-1" strike="noStrike">
+            <a:endParaRPr b="0" lang="sk-SK" sz="1800" spc="-1" strike="noStrike">
               <a:latin typeface="Arial"/>
             </a:endParaRPr>
           </a:p>
@@ -4653,12 +4668,12 @@
               <a:buChar char=""/>
             </a:pPr>
             <a:r>
-              <a:rPr b="0" lang="en-US" sz="1800" spc="-1" strike="noStrike">
+              <a:rPr b="0" lang="sk-SK" sz="1800" spc="-1" strike="noStrike">
                 <a:latin typeface="Arial"/>
               </a:rPr>
               <a:t>Seventh Outline Level</a:t>
             </a:r>
-            <a:endParaRPr b="0" lang="en-US" sz="1800" spc="-1" strike="noStrike">
+            <a:endParaRPr b="0" lang="sk-SK" sz="1800" spc="-1" strike="noStrike">
               <a:latin typeface="Arial"/>
             </a:endParaRPr>
           </a:p>
@@ -4676,8 +4691,8 @@
         </p:nvSpPr>
         <p:spPr>
           <a:xfrm>
-            <a:off x="5150520" y="1326240"/>
-            <a:ext cx="4424760" cy="3287160"/>
+            <a:off x="5151240" y="1325880"/>
+            <a:ext cx="4425840" cy="3287520"/>
           </a:xfrm>
           <a:prstGeom prst="rect">
             <a:avLst/>
@@ -4690,7 +4705,7 @@
           <a:p>
             <a:pPr marL="432000" indent="-324000">
               <a:spcBef>
-                <a:spcPts val="1412"/>
+                <a:spcPts val="1414"/>
               </a:spcBef>
               <a:buClr>
                 <a:srgbClr val="ffffff"/>
@@ -4700,12 +4715,12 @@
               <a:buChar char=""/>
             </a:pPr>
             <a:r>
-              <a:rPr b="0" lang="en-US" sz="1800" spc="-1" strike="noStrike">
+              <a:rPr b="0" lang="sk-SK" sz="1800" spc="-1" strike="noStrike">
                 <a:latin typeface="Arial"/>
               </a:rPr>
               <a:t>Click to edit the outline text format</a:t>
             </a:r>
-            <a:endParaRPr b="0" lang="en-US" sz="1800" spc="-1" strike="noStrike">
+            <a:endParaRPr b="0" lang="sk-SK" sz="1800" spc="-1" strike="noStrike">
               <a:latin typeface="Arial"/>
             </a:endParaRPr>
           </a:p>
@@ -4722,12 +4737,12 @@
               <a:buChar char=""/>
             </a:pPr>
             <a:r>
-              <a:rPr b="0" lang="en-US" sz="1800" spc="-1" strike="noStrike">
+              <a:rPr b="0" lang="sk-SK" sz="1800" spc="-1" strike="noStrike">
                 <a:latin typeface="Arial"/>
               </a:rPr>
               <a:t>Second Outline Level</a:t>
             </a:r>
-            <a:endParaRPr b="0" lang="en-US" sz="1800" spc="-1" strike="noStrike">
+            <a:endParaRPr b="0" lang="sk-SK" sz="1800" spc="-1" strike="noStrike">
               <a:latin typeface="Arial"/>
             </a:endParaRPr>
           </a:p>
@@ -4744,12 +4759,12 @@
               <a:buChar char=""/>
             </a:pPr>
             <a:r>
-              <a:rPr b="0" lang="en-US" sz="1800" spc="-1" strike="noStrike">
+              <a:rPr b="0" lang="sk-SK" sz="1800" spc="-1" strike="noStrike">
                 <a:latin typeface="Arial"/>
               </a:rPr>
               <a:t>Third Outline Level</a:t>
             </a:r>
-            <a:endParaRPr b="0" lang="en-US" sz="1800" spc="-1" strike="noStrike">
+            <a:endParaRPr b="0" lang="sk-SK" sz="1800" spc="-1" strike="noStrike">
               <a:latin typeface="Arial"/>
             </a:endParaRPr>
           </a:p>
@@ -4766,12 +4781,12 @@
               <a:buChar char=""/>
             </a:pPr>
             <a:r>
-              <a:rPr b="0" lang="en-US" sz="1800" spc="-1" strike="noStrike">
+              <a:rPr b="0" lang="sk-SK" sz="1800" spc="-1" strike="noStrike">
                 <a:latin typeface="Arial"/>
               </a:rPr>
               <a:t>Fourth Outline Level</a:t>
             </a:r>
-            <a:endParaRPr b="0" lang="en-US" sz="1800" spc="-1" strike="noStrike">
+            <a:endParaRPr b="0" lang="sk-SK" sz="1800" spc="-1" strike="noStrike">
               <a:latin typeface="Arial"/>
             </a:endParaRPr>
           </a:p>
@@ -4788,12 +4803,12 @@
               <a:buChar char=""/>
             </a:pPr>
             <a:r>
-              <a:rPr b="0" lang="en-US" sz="1800" spc="-1" strike="noStrike">
+              <a:rPr b="0" lang="sk-SK" sz="1800" spc="-1" strike="noStrike">
                 <a:latin typeface="Arial"/>
               </a:rPr>
               <a:t>Fifth Outline Level</a:t>
             </a:r>
-            <a:endParaRPr b="0" lang="en-US" sz="1800" spc="-1" strike="noStrike">
+            <a:endParaRPr b="0" lang="sk-SK" sz="1800" spc="-1" strike="noStrike">
               <a:latin typeface="Arial"/>
             </a:endParaRPr>
           </a:p>
@@ -4810,12 +4825,12 @@
               <a:buChar char=""/>
             </a:pPr>
             <a:r>
-              <a:rPr b="0" lang="en-US" sz="1800" spc="-1" strike="noStrike">
+              <a:rPr b="0" lang="sk-SK" sz="1800" spc="-1" strike="noStrike">
                 <a:latin typeface="Arial"/>
               </a:rPr>
               <a:t>Sixth Outline Level</a:t>
             </a:r>
-            <a:endParaRPr b="0" lang="en-US" sz="1800" spc="-1" strike="noStrike">
+            <a:endParaRPr b="0" lang="sk-SK" sz="1800" spc="-1" strike="noStrike">
               <a:latin typeface="Arial"/>
             </a:endParaRPr>
           </a:p>
@@ -4832,12 +4847,12 @@
               <a:buChar char=""/>
             </a:pPr>
             <a:r>
-              <a:rPr b="0" lang="en-US" sz="1800" spc="-1" strike="noStrike">
+              <a:rPr b="0" lang="sk-SK" sz="1800" spc="-1" strike="noStrike">
                 <a:latin typeface="Arial"/>
               </a:rPr>
               <a:t>Seventh Outline Level</a:t>
             </a:r>
-            <a:endParaRPr b="0" lang="en-US" sz="1800" spc="-1" strike="noStrike">
+            <a:endParaRPr b="0" lang="sk-SK" sz="1800" spc="-1" strike="noStrike">
               <a:latin typeface="Arial"/>
             </a:endParaRPr>
           </a:p>
@@ -4902,8 +4917,8 @@
         </p:nvSpPr>
         <p:spPr>
           <a:xfrm>
-            <a:off x="503640" y="225720"/>
-            <a:ext cx="9068400" cy="946080"/>
+            <a:off x="504000" y="226080"/>
+            <a:ext cx="9071640" cy="946440"/>
           </a:xfrm>
           <a:prstGeom prst="rect">
             <a:avLst/>
@@ -4916,12 +4931,12 @@
           <a:p>
             <a:pPr algn="ctr"/>
             <a:r>
-              <a:rPr b="0" lang="en-US" sz="4400" spc="-1" strike="noStrike">
+              <a:rPr b="0" lang="sk-SK" sz="4400" spc="-1" strike="noStrike">
                 <a:latin typeface="Arial"/>
               </a:rPr>
               <a:t>Click to edit the title text format</a:t>
             </a:r>
-            <a:endParaRPr b="0" lang="en-US" sz="4400" spc="-1" strike="noStrike">
+            <a:endParaRPr b="0" lang="sk-SK" sz="4400" spc="-1" strike="noStrike">
               <a:latin typeface="Arial"/>
             </a:endParaRPr>
           </a:p>
@@ -4939,8 +4954,8 @@
         </p:nvSpPr>
         <p:spPr>
           <a:xfrm>
-            <a:off x="503640" y="1326240"/>
-            <a:ext cx="9068400" cy="3287880"/>
+            <a:off x="504000" y="1326600"/>
+            <a:ext cx="9071640" cy="3288240"/>
           </a:xfrm>
           <a:prstGeom prst="rect">
             <a:avLst/>
@@ -4953,7 +4968,7 @@
           <a:p>
             <a:pPr marL="432000" indent="-324000">
               <a:spcBef>
-                <a:spcPts val="1412"/>
+                <a:spcPts val="1414"/>
               </a:spcBef>
               <a:buClr>
                 <a:srgbClr val="ffffff"/>
@@ -4963,19 +4978,19 @@
               <a:buChar char=""/>
             </a:pPr>
             <a:r>
-              <a:rPr b="0" lang="en-US" sz="3200" spc="-1" strike="noStrike">
+              <a:rPr b="0" lang="sk-SK" sz="3200" spc="-1" strike="noStrike">
                 <a:latin typeface="Arial"/>
               </a:rPr>
               <a:t>Click to edit the outline text format</a:t>
             </a:r>
-            <a:endParaRPr b="0" lang="en-US" sz="3200" spc="-1" strike="noStrike">
+            <a:endParaRPr b="0" lang="sk-SK" sz="3200" spc="-1" strike="noStrike">
               <a:latin typeface="Arial"/>
             </a:endParaRPr>
           </a:p>
           <a:p>
             <a:pPr lvl="1" marL="864000" indent="-324000">
               <a:spcBef>
-                <a:spcPts val="1131"/>
+                <a:spcPts val="1134"/>
               </a:spcBef>
               <a:buClr>
                 <a:srgbClr val="ffffff"/>
@@ -4985,19 +5000,19 @@
               <a:buChar char=""/>
             </a:pPr>
             <a:r>
-              <a:rPr b="0" lang="en-US" sz="2800" spc="-1" strike="noStrike">
+              <a:rPr b="0" lang="sk-SK" sz="2800" spc="-1" strike="noStrike">
                 <a:latin typeface="Arial"/>
               </a:rPr>
               <a:t>Second Outline Level</a:t>
             </a:r>
-            <a:endParaRPr b="0" lang="en-US" sz="2800" spc="-1" strike="noStrike">
+            <a:endParaRPr b="0" lang="sk-SK" sz="2800" spc="-1" strike="noStrike">
               <a:latin typeface="Arial"/>
             </a:endParaRPr>
           </a:p>
           <a:p>
             <a:pPr lvl="2" marL="1296000" indent="-288000">
               <a:spcBef>
-                <a:spcPts val="848"/>
+                <a:spcPts val="850"/>
               </a:spcBef>
               <a:buClr>
                 <a:srgbClr val="ffffff"/>
@@ -5007,19 +5022,19 @@
               <a:buChar char=""/>
             </a:pPr>
             <a:r>
-              <a:rPr b="0" lang="en-US" sz="2400" spc="-1" strike="noStrike">
+              <a:rPr b="0" lang="sk-SK" sz="2400" spc="-1" strike="noStrike">
                 <a:latin typeface="Arial"/>
               </a:rPr>
               <a:t>Third Outline Level</a:t>
             </a:r>
-            <a:endParaRPr b="0" lang="en-US" sz="2400" spc="-1" strike="noStrike">
+            <a:endParaRPr b="0" lang="sk-SK" sz="2400" spc="-1" strike="noStrike">
               <a:latin typeface="Arial"/>
             </a:endParaRPr>
           </a:p>
           <a:p>
             <a:pPr lvl="3" marL="1728000" indent="-216000">
               <a:spcBef>
-                <a:spcPts val="564"/>
+                <a:spcPts val="567"/>
               </a:spcBef>
               <a:buClr>
                 <a:srgbClr val="ffffff"/>
@@ -5029,19 +5044,19 @@
               <a:buChar char=""/>
             </a:pPr>
             <a:r>
-              <a:rPr b="0" lang="en-US" sz="2000" spc="-1" strike="noStrike">
+              <a:rPr b="0" lang="sk-SK" sz="2000" spc="-1" strike="noStrike">
                 <a:latin typeface="Arial"/>
               </a:rPr>
               <a:t>Fourth Outline Level</a:t>
             </a:r>
-            <a:endParaRPr b="0" lang="en-US" sz="2000" spc="-1" strike="noStrike">
+            <a:endParaRPr b="0" lang="sk-SK" sz="2000" spc="-1" strike="noStrike">
               <a:latin typeface="Arial"/>
             </a:endParaRPr>
           </a:p>
           <a:p>
             <a:pPr lvl="4" marL="2160000" indent="-216000">
               <a:spcBef>
-                <a:spcPts val="281"/>
+                <a:spcPts val="283"/>
               </a:spcBef>
               <a:buClr>
                 <a:srgbClr val="ffffff"/>
@@ -5051,19 +5066,19 @@
               <a:buChar char=""/>
             </a:pPr>
             <a:r>
-              <a:rPr b="0" lang="en-US" sz="2000" spc="-1" strike="noStrike">
+              <a:rPr b="0" lang="sk-SK" sz="2000" spc="-1" strike="noStrike">
                 <a:latin typeface="Arial"/>
               </a:rPr>
               <a:t>Fifth Outline Level</a:t>
             </a:r>
-            <a:endParaRPr b="0" lang="en-US" sz="2000" spc="-1" strike="noStrike">
+            <a:endParaRPr b="0" lang="sk-SK" sz="2000" spc="-1" strike="noStrike">
               <a:latin typeface="Arial"/>
             </a:endParaRPr>
           </a:p>
           <a:p>
             <a:pPr lvl="5" marL="2592000" indent="-216000">
               <a:spcBef>
-                <a:spcPts val="281"/>
+                <a:spcPts val="283"/>
               </a:spcBef>
               <a:buClr>
                 <a:srgbClr val="ffffff"/>
@@ -5073,19 +5088,19 @@
               <a:buChar char=""/>
             </a:pPr>
             <a:r>
-              <a:rPr b="0" lang="en-US" sz="2000" spc="-1" strike="noStrike">
+              <a:rPr b="0" lang="sk-SK" sz="2000" spc="-1" strike="noStrike">
                 <a:latin typeface="Arial"/>
               </a:rPr>
               <a:t>Sixth Outline Level</a:t>
             </a:r>
-            <a:endParaRPr b="0" lang="en-US" sz="2000" spc="-1" strike="noStrike">
+            <a:endParaRPr b="0" lang="sk-SK" sz="2000" spc="-1" strike="noStrike">
               <a:latin typeface="Arial"/>
             </a:endParaRPr>
           </a:p>
           <a:p>
             <a:pPr lvl="6" marL="3024000" indent="-216000">
               <a:spcBef>
-                <a:spcPts val="281"/>
+                <a:spcPts val="283"/>
               </a:spcBef>
               <a:buClr>
                 <a:srgbClr val="ffffff"/>
@@ -5095,12 +5110,12 @@
               <a:buChar char=""/>
             </a:pPr>
             <a:r>
-              <a:rPr b="0" lang="en-US" sz="2000" spc="-1" strike="noStrike">
+              <a:rPr b="0" lang="sk-SK" sz="2000" spc="-1" strike="noStrike">
                 <a:latin typeface="Arial"/>
               </a:rPr>
               <a:t>Seventh Outline Level</a:t>
             </a:r>
-            <a:endParaRPr b="0" lang="en-US" sz="2000" spc="-1" strike="noStrike">
+            <a:endParaRPr b="0" lang="sk-SK" sz="2000" spc="-1" strike="noStrike">
               <a:latin typeface="Arial"/>
             </a:endParaRPr>
           </a:p>
@@ -5151,8 +5166,8 @@
         </p:nvSpPr>
         <p:spPr>
           <a:xfrm>
-            <a:off x="143640" y="3881160"/>
-            <a:ext cx="8996040" cy="669600"/>
+            <a:off x="143280" y="3881160"/>
+            <a:ext cx="8996760" cy="669600"/>
           </a:xfrm>
           <a:prstGeom prst="rect">
             <a:avLst/>
@@ -5180,7 +5195,11 @@
             </a:pPr>
             <a:r>
               <a:rPr b="0" lang="sk-SK" sz="4400" spc="-1" strike="noStrike">
+                <a:solidFill>
+                  <a:srgbClr val="000000"/>
+                </a:solidFill>
                 <a:latin typeface="Arial"/>
+                <a:ea typeface="DejaVu Sans"/>
               </a:rPr>
               <a:t>Homicide Reports, 1980-2014</a:t>
             </a:r>
@@ -5198,8 +5217,8 @@
         </p:nvSpPr>
         <p:spPr>
           <a:xfrm>
-            <a:off x="8317440" y="5027760"/>
-            <a:ext cx="1461960" cy="638280"/>
+            <a:off x="8318520" y="5027760"/>
+            <a:ext cx="1461600" cy="638280"/>
           </a:xfrm>
           <a:prstGeom prst="rect">
             <a:avLst/>
@@ -5227,7 +5246,11 @@
             </a:pPr>
             <a:r>
               <a:rPr b="0" lang="sk-SK" sz="1800" spc="-1" strike="noStrike">
+                <a:solidFill>
+                  <a:srgbClr val="000000"/>
+                </a:solidFill>
                 <a:latin typeface="Arial"/>
+                <a:ea typeface="DejaVu Sans"/>
               </a:rPr>
               <a:t>Stranovská Michaela</a:t>
             </a:r>
@@ -5245,8 +5268,8 @@
         </p:nvSpPr>
         <p:spPr>
           <a:xfrm>
-            <a:off x="182520" y="5027760"/>
-            <a:ext cx="3016080" cy="638280"/>
+            <a:off x="182160" y="5027760"/>
+            <a:ext cx="3015720" cy="638280"/>
           </a:xfrm>
           <a:prstGeom prst="rect">
             <a:avLst/>
@@ -5274,7 +5297,11 @@
             </a:pPr>
             <a:r>
               <a:rPr b="0" lang="sk-SK" sz="1800" spc="-1" strike="noStrike">
+                <a:solidFill>
+                  <a:srgbClr val="000000"/>
+                </a:solidFill>
                 <a:latin typeface="Arial"/>
+                <a:ea typeface="DejaVu Sans"/>
               </a:rPr>
               <a:t>Seminárna práca</a:t>
             </a:r>
@@ -5290,7 +5317,11 @@
             </a:pPr>
             <a:r>
               <a:rPr b="0" lang="sk-SK" sz="1800" spc="-1" strike="noStrike">
+                <a:solidFill>
+                  <a:srgbClr val="000000"/>
+                </a:solidFill>
                 <a:latin typeface="Arial"/>
+                <a:ea typeface="DejaVu Sans"/>
               </a:rPr>
               <a:t>Nitra 2021</a:t>
             </a:r>
@@ -5330,6 +5361,80 @@
           <a:chExt cx="0" cy="0"/>
         </a:xfrm>
       </p:grpSpPr>
+      <p:sp>
+        <p:nvSpPr>
+          <p:cNvPr id="135" name="CustomShape 1"/>
+          <p:cNvSpPr/>
+          <p:nvPr/>
+        </p:nvSpPr>
+        <p:spPr>
+          <a:xfrm>
+            <a:off x="143280" y="60480"/>
+            <a:ext cx="9537120" cy="669600"/>
+          </a:xfrm>
+          <a:prstGeom prst="rect">
+            <a:avLst/>
+          </a:prstGeom>
+          <a:noFill/>
+          <a:ln>
+            <a:noFill/>
+          </a:ln>
+        </p:spPr>
+        <p:style>
+          <a:lnRef idx="0"/>
+          <a:fillRef idx="0"/>
+          <a:effectRef idx="0"/>
+          <a:fontRef idx="minor"/>
+        </p:style>
+        <p:txBody>
+          <a:bodyPr lIns="0" rIns="0" tIns="0" bIns="0" anchor="ctr">
+            <a:spAutoFit/>
+          </a:bodyPr>
+          <a:p>
+            <a:pPr>
+              <a:lnSpc>
+                <a:spcPct val="100000"/>
+              </a:lnSpc>
+            </a:pPr>
+            <a:r>
+              <a:rPr b="0" lang="sk-SK" sz="4400" spc="-1" strike="noStrike">
+                <a:solidFill>
+                  <a:srgbClr val="000000"/>
+                </a:solidFill>
+                <a:latin typeface="Arial"/>
+                <a:ea typeface="DejaVu Sans"/>
+              </a:rPr>
+              <a:t>Homicide Reports, 1980-2014</a:t>
+            </a:r>
+            <a:endParaRPr b="0" lang="sk-SK" sz="4400" spc="-1" strike="noStrike">
+              <a:latin typeface="Arial"/>
+            </a:endParaRPr>
+          </a:p>
+        </p:txBody>
+      </p:sp>
+      <p:pic>
+        <p:nvPicPr>
+          <p:cNvPr id="136" name="" descr=""/>
+          <p:cNvPicPr/>
+          <p:nvPr/>
+        </p:nvPicPr>
+        <p:blipFill>
+          <a:blip r:embed="rId1"/>
+          <a:stretch/>
+        </p:blipFill>
+        <p:spPr>
+          <a:xfrm>
+            <a:off x="1736640" y="898560"/>
+            <a:ext cx="6174000" cy="4219920"/>
+          </a:xfrm>
+          <a:prstGeom prst="rect">
+            <a:avLst/>
+          </a:prstGeom>
+          <a:ln>
+            <a:noFill/>
+          </a:ln>
+        </p:spPr>
+      </p:pic>
     </p:spTree>
   </p:cSld>
   <mc:AlternateContent>
@@ -5360,9 +5465,60 @@
           <a:chExt cx="0" cy="0"/>
         </a:xfrm>
       </p:grpSpPr>
+      <p:sp>
+        <p:nvSpPr>
+          <p:cNvPr id="137" name="CustomShape 1"/>
+          <p:cNvSpPr/>
+          <p:nvPr/>
+        </p:nvSpPr>
+        <p:spPr>
+          <a:xfrm>
+            <a:off x="143280" y="60480"/>
+            <a:ext cx="9537120" cy="669600"/>
+          </a:xfrm>
+          <a:prstGeom prst="rect">
+            <a:avLst/>
+          </a:prstGeom>
+          <a:noFill/>
+          <a:ln>
+            <a:noFill/>
+          </a:ln>
+        </p:spPr>
+        <p:style>
+          <a:lnRef idx="0"/>
+          <a:fillRef idx="0"/>
+          <a:effectRef idx="0"/>
+          <a:fontRef idx="minor"/>
+        </p:style>
+        <p:txBody>
+          <a:bodyPr lIns="0" rIns="0" tIns="0" bIns="0" anchor="ctr">
+            <a:spAutoFit/>
+          </a:bodyPr>
+          <a:p>
+            <a:pPr>
+              <a:lnSpc>
+                <a:spcPct val="100000"/>
+              </a:lnSpc>
+            </a:pPr>
+            <a:r>
+              <a:rPr b="0" lang="sk-SK" sz="4400" spc="-1" strike="noStrike">
+                <a:solidFill>
+                  <a:srgbClr val="000000"/>
+                </a:solidFill>
+                <a:latin typeface="Arial"/>
+                <a:ea typeface="DejaVu Sans"/>
+              </a:rPr>
+              <a:t>Homicide Reports, 1980-2014</a:t>
+            </a:r>
+            <a:endParaRPr b="0" lang="sk-SK" sz="4400" spc="-1" strike="noStrike">
+              <a:latin typeface="Arial"/>
+            </a:endParaRPr>
+          </a:p>
+        </p:txBody>
+      </p:sp>
       <p:pic>
         <p:nvPicPr>
-          <p:cNvPr id="135" name="" descr=""/>
+          <p:cNvPr id="138" name="" descr=""/>
           <p:cNvPicPr/>
           <p:nvPr/>
         </p:nvPicPr>
@@ -5372,8 +5528,8 @@
         </p:blipFill>
         <p:spPr>
           <a:xfrm>
-            <a:off x="4023360" y="274320"/>
-            <a:ext cx="5717160" cy="5486400"/>
+            <a:off x="1736640" y="913680"/>
+            <a:ext cx="5978520" cy="4091040"/>
           </a:xfrm>
           <a:prstGeom prst="rect">
             <a:avLst/>
@@ -5383,76 +5539,6 @@
           </a:ln>
         </p:spPr>
       </p:pic>
-      <p:pic>
-        <p:nvPicPr>
-          <p:cNvPr id="136" name="" descr=""/>
-          <p:cNvPicPr/>
-          <p:nvPr/>
-        </p:nvPicPr>
-        <p:blipFill>
-          <a:blip r:embed="rId2"/>
-          <a:stretch/>
-        </p:blipFill>
-        <p:spPr>
-          <a:xfrm>
-            <a:off x="0" y="2423520"/>
-            <a:ext cx="4048200" cy="1142640"/>
-          </a:xfrm>
-          <a:prstGeom prst="rect">
-            <a:avLst/>
-          </a:prstGeom>
-          <a:ln>
-            <a:noFill/>
-          </a:ln>
-        </p:spPr>
-      </p:pic>
-      <p:sp>
-        <p:nvSpPr>
-          <p:cNvPr id="137" name="CustomShape 1"/>
-          <p:cNvSpPr/>
-          <p:nvPr/>
-        </p:nvSpPr>
-        <p:spPr>
-          <a:xfrm>
-            <a:off x="182880" y="0"/>
-            <a:ext cx="9536040" cy="669600"/>
-          </a:xfrm>
-          <a:prstGeom prst="rect">
-            <a:avLst/>
-          </a:prstGeom>
-          <a:noFill/>
-          <a:ln>
-            <a:noFill/>
-          </a:ln>
-        </p:spPr>
-        <p:style>
-          <a:lnRef idx="0"/>
-          <a:fillRef idx="0"/>
-          <a:effectRef idx="0"/>
-          <a:fontRef idx="minor"/>
-        </p:style>
-        <p:txBody>
-          <a:bodyPr lIns="0" rIns="0" tIns="0" bIns="0" anchor="ctr">
-            <a:spAutoFit/>
-          </a:bodyPr>
-          <a:p>
-            <a:pPr>
-              <a:lnSpc>
-                <a:spcPct val="100000"/>
-              </a:lnSpc>
-            </a:pPr>
-            <a:r>
-              <a:rPr b="0" lang="sk-SK" sz="4400" spc="-1" strike="noStrike">
-                <a:latin typeface="Arial"/>
-              </a:rPr>
-              <a:t>Cramers V</a:t>
-            </a:r>
-            <a:endParaRPr b="0" lang="sk-SK" sz="4400" spc="-1" strike="noStrike">
-              <a:latin typeface="Arial"/>
-            </a:endParaRPr>
-          </a:p>
-        </p:txBody>
-      </p:sp>
     </p:spTree>
   </p:cSld>
   <mc:AlternateContent>
@@ -5469,16 +5555,6 @@
 <file path=ppt/slides/slide12.xml><?xml version="1.0" encoding="utf-8"?>
 <p:sld xmlns:a="http://schemas.openxmlformats.org/drawingml/2006/main" xmlns:p="http://schemas.openxmlformats.org/presentationml/2006/main" xmlns:r="http://schemas.openxmlformats.org/officeDocument/2006/relationships" xmlns:p14="http://schemas.microsoft.com/office/powerpoint/2010/main" xmlns:p15="http://schemas.microsoft.com/office/powerpoint/2012/main" xmlns:mc="http://schemas.openxmlformats.org/markup-compatibility/2006">
   <p:cSld>
-    <p:bg>
-      <p:bgPr>
-        <a:blipFill rotWithShape="0">
-          <a:blip r:embed="rId1"/>
-          <a:stretch>
-            <a:fillRect/>
-          </a:stretch>
-        </a:blipFill>
-      </p:bgPr>
-    </p:bg>
     <p:spTree>
       <p:nvGrpSpPr>
         <p:cNvPr id="1" name=""/>
@@ -5495,14 +5571,14 @@
       </p:grpSpPr>
       <p:sp>
         <p:nvSpPr>
-          <p:cNvPr id="138" name="CustomShape 1"/>
+          <p:cNvPr id="139" name="CustomShape 1"/>
           <p:cNvSpPr/>
           <p:nvPr/>
         </p:nvSpPr>
         <p:spPr>
           <a:xfrm>
-            <a:off x="914040" y="91080"/>
-            <a:ext cx="9536040" cy="669600"/>
+            <a:off x="143280" y="60480"/>
+            <a:ext cx="9537120" cy="669600"/>
           </a:xfrm>
           <a:prstGeom prst="rect">
             <a:avLst/>
@@ -5530,9 +5606,13 @@
             </a:pPr>
             <a:r>
               <a:rPr b="0" lang="sk-SK" sz="4400" spc="-1" strike="noStrike">
+                <a:solidFill>
+                  <a:srgbClr val="000000"/>
+                </a:solidFill>
                 <a:latin typeface="Arial"/>
+                <a:ea typeface="DejaVu Sans"/>
               </a:rPr>
-              <a:t>Theil’s U - podmienená entropia</a:t>
+              <a:t>Homicide Reports, 1980-2014</a:t>
             </a:r>
             <a:endParaRPr b="0" lang="sk-SK" sz="4400" spc="-1" strike="noStrike">
               <a:latin typeface="Arial"/>
@@ -5540,29 +5620,6 @@
           </a:p>
         </p:txBody>
       </p:sp>
-      <p:pic>
-        <p:nvPicPr>
-          <p:cNvPr id="139" name="" descr=""/>
-          <p:cNvPicPr/>
-          <p:nvPr/>
-        </p:nvPicPr>
-        <p:blipFill>
-          <a:blip r:embed="rId2"/>
-          <a:stretch/>
-        </p:blipFill>
-        <p:spPr>
-          <a:xfrm>
-            <a:off x="4387320" y="822600"/>
-            <a:ext cx="4476600" cy="4296600"/>
-          </a:xfrm>
-          <a:prstGeom prst="rect">
-            <a:avLst/>
-          </a:prstGeom>
-          <a:ln>
-            <a:noFill/>
-          </a:ln>
-        </p:spPr>
-      </p:pic>
       <p:pic>
         <p:nvPicPr>
           <p:cNvPr id="140" name="" descr=""/>
@@ -5570,13 +5627,13 @@
           <p:nvPr/>
         </p:nvPicPr>
         <p:blipFill>
-          <a:blip r:embed="rId3"/>
+          <a:blip r:embed="rId1"/>
           <a:stretch/>
         </p:blipFill>
         <p:spPr>
           <a:xfrm>
-            <a:off x="182520" y="1769400"/>
-            <a:ext cx="3989520" cy="789840"/>
+            <a:off x="1728000" y="864000"/>
+            <a:ext cx="5919480" cy="4892040"/>
           </a:xfrm>
           <a:prstGeom prst="rect">
             <a:avLst/>
@@ -5624,8 +5681,8 @@
         </p:nvSpPr>
         <p:spPr>
           <a:xfrm>
-            <a:off x="143640" y="60840"/>
-            <a:ext cx="9536040" cy="669600"/>
+            <a:off x="143280" y="60480"/>
+            <a:ext cx="9537120" cy="669600"/>
           </a:xfrm>
           <a:prstGeom prst="rect">
             <a:avLst/>
@@ -5653,9 +5710,13 @@
             </a:pPr>
             <a:r>
               <a:rPr b="0" lang="sk-SK" sz="4400" spc="-1" strike="noStrike">
+                <a:solidFill>
+                  <a:srgbClr val="000000"/>
+                </a:solidFill>
                 <a:latin typeface="Arial"/>
+                <a:ea typeface="DejaVu Sans"/>
               </a:rPr>
-              <a:t>Theil’s U</a:t>
+              <a:t>Homicide Reports, 1980-2014</a:t>
             </a:r>
             <a:endParaRPr b="0" lang="sk-SK" sz="4400" spc="-1" strike="noStrike">
               <a:latin typeface="Arial"/>
@@ -5671,13 +5732,12 @@
         </p:nvPicPr>
         <p:blipFill>
           <a:blip r:embed="rId1"/>
-          <a:srcRect l="0" t="13071" r="0" b="0"/>
           <a:stretch/>
         </p:blipFill>
         <p:spPr>
           <a:xfrm>
-            <a:off x="3013920" y="548280"/>
-            <a:ext cx="5303520" cy="4403520"/>
+            <a:off x="1440000" y="730080"/>
+            <a:ext cx="6577920" cy="5001120"/>
           </a:xfrm>
           <a:prstGeom prst="rect">
             <a:avLst/>
@@ -5687,52 +5747,6 @@
           </a:ln>
         </p:spPr>
       </p:pic>
-      <p:sp>
-        <p:nvSpPr>
-          <p:cNvPr id="143" name="TextShape 2"/>
-          <p:cNvSpPr txBox="1"/>
-          <p:nvPr/>
-        </p:nvSpPr>
-        <p:spPr>
-          <a:xfrm>
-            <a:off x="639720" y="1553760"/>
-            <a:ext cx="2102400" cy="858240"/>
-          </a:xfrm>
-          <a:prstGeom prst="rect">
-            <a:avLst/>
-          </a:prstGeom>
-          <a:noFill/>
-          <a:ln>
-            <a:noFill/>
-          </a:ln>
-        </p:spPr>
-        <p:txBody>
-          <a:bodyPr lIns="90000" rIns="90000" tIns="45000" bIns="45000">
-            <a:spAutoFit/>
-          </a:bodyPr>
-          <a:p>
-            <a:r>
-              <a:rPr b="0" lang="en-US" sz="1800" spc="-1" strike="noStrike">
-                <a:latin typeface="Arial"/>
-              </a:rPr>
-              <a:t>Cluster 1:</a:t>
-            </a:r>
-            <a:endParaRPr b="0" lang="en-US" sz="1800" spc="-1" strike="noStrike">
-              <a:latin typeface="Arial"/>
-            </a:endParaRPr>
-          </a:p>
-          <a:p>
-            <a:endParaRPr b="0" lang="en-US" sz="1800" spc="-1" strike="noStrike">
-              <a:latin typeface="Arial"/>
-            </a:endParaRPr>
-          </a:p>
-          <a:p>
-            <a:endParaRPr b="0" lang="en-US" sz="1800" spc="-1" strike="noStrike">
-              <a:latin typeface="Arial"/>
-            </a:endParaRPr>
-          </a:p>
-        </p:txBody>
-      </p:sp>
     </p:spTree>
   </p:cSld>
   <mc:AlternateContent>
@@ -5765,14 +5779,14 @@
       </p:grpSpPr>
       <p:sp>
         <p:nvSpPr>
-          <p:cNvPr id="144" name="CustomShape 1"/>
+          <p:cNvPr id="143" name="CustomShape 1"/>
           <p:cNvSpPr/>
           <p:nvPr/>
         </p:nvSpPr>
         <p:spPr>
           <a:xfrm>
-            <a:off x="143640" y="60840"/>
-            <a:ext cx="9536040" cy="669600"/>
+            <a:off x="143280" y="60480"/>
+            <a:ext cx="9537120" cy="669600"/>
           </a:xfrm>
           <a:prstGeom prst="rect">
             <a:avLst/>
@@ -5800,9 +5814,13 @@
             </a:pPr>
             <a:r>
               <a:rPr b="0" lang="sk-SK" sz="4400" spc="-1" strike="noStrike">
+                <a:solidFill>
+                  <a:srgbClr val="000000"/>
+                </a:solidFill>
                 <a:latin typeface="Arial"/>
+                <a:ea typeface="DejaVu Sans"/>
               </a:rPr>
-              <a:t>Theil’s U</a:t>
+              <a:t>Homicide Reports, 1980-2014</a:t>
             </a:r>
             <a:endParaRPr b="0" lang="sk-SK" sz="4400" spc="-1" strike="noStrike">
               <a:latin typeface="Arial"/>
@@ -5812,19 +5830,18 @@
       </p:sp>
       <p:pic>
         <p:nvPicPr>
-          <p:cNvPr id="145" name="" descr=""/>
+          <p:cNvPr id="144" name="" descr=""/>
           <p:cNvPicPr/>
           <p:nvPr/>
         </p:nvPicPr>
         <p:blipFill>
           <a:blip r:embed="rId1"/>
-          <a:srcRect l="0" t="0" r="7673" b="0"/>
           <a:stretch/>
         </p:blipFill>
         <p:spPr>
           <a:xfrm>
-            <a:off x="3656160" y="547200"/>
-            <a:ext cx="4204080" cy="4937760"/>
+            <a:off x="1783080" y="1055160"/>
+            <a:ext cx="5803920" cy="3971880"/>
           </a:xfrm>
           <a:prstGeom prst="rect">
             <a:avLst/>
@@ -5834,68 +5851,6 @@
           </a:ln>
         </p:spPr>
       </p:pic>
-      <p:sp>
-        <p:nvSpPr>
-          <p:cNvPr id="146" name="TextShape 2"/>
-          <p:cNvSpPr txBox="1"/>
-          <p:nvPr/>
-        </p:nvSpPr>
-        <p:spPr>
-          <a:xfrm>
-            <a:off x="639720" y="1553760"/>
-            <a:ext cx="2102400" cy="2138040"/>
-          </a:xfrm>
-          <a:prstGeom prst="rect">
-            <a:avLst/>
-          </a:prstGeom>
-          <a:noFill/>
-          <a:ln>
-            <a:noFill/>
-          </a:ln>
-        </p:spPr>
-        <p:txBody>
-          <a:bodyPr lIns="90000" rIns="90000" tIns="45000" bIns="45000">
-            <a:spAutoFit/>
-          </a:bodyPr>
-          <a:p>
-            <a:r>
-              <a:rPr b="0" lang="en-US" sz="1800" spc="-1" strike="noStrike">
-                <a:latin typeface="Arial"/>
-              </a:rPr>
-              <a:t>Cluster 2:</a:t>
-            </a:r>
-            <a:endParaRPr b="0" lang="en-US" sz="1800" spc="-1" strike="noStrike">
-              <a:latin typeface="Arial"/>
-            </a:endParaRPr>
-          </a:p>
-          <a:p>
-            <a:endParaRPr b="0" lang="en-US" sz="1800" spc="-1" strike="noStrike">
-              <a:latin typeface="Arial"/>
-            </a:endParaRPr>
-          </a:p>
-          <a:p>
-            <a:r>
-              <a:rPr b="0" lang="en-US" sz="1800" spc="-1" strike="noStrike">
-                <a:latin typeface="Arial"/>
-              </a:rPr>
-              <a:t>Pre naše potreby pokračujeme ďaľej s dátami s klustra 2</a:t>
-            </a:r>
-            <a:endParaRPr b="0" lang="en-US" sz="1800" spc="-1" strike="noStrike">
-              <a:latin typeface="Arial"/>
-            </a:endParaRPr>
-          </a:p>
-          <a:p>
-            <a:endParaRPr b="0" lang="en-US" sz="1800" spc="-1" strike="noStrike">
-              <a:latin typeface="Arial"/>
-            </a:endParaRPr>
-          </a:p>
-          <a:p>
-            <a:endParaRPr b="0" lang="en-US" sz="1800" spc="-1" strike="noStrike">
-              <a:latin typeface="Arial"/>
-            </a:endParaRPr>
-          </a:p>
-        </p:txBody>
-      </p:sp>
     </p:spTree>
   </p:cSld>
   <mc:AlternateContent>
@@ -5926,6 +5881,52 @@
           <a:chExt cx="0" cy="0"/>
         </a:xfrm>
       </p:grpSpPr>
+      <p:pic>
+        <p:nvPicPr>
+          <p:cNvPr id="145" name="" descr=""/>
+          <p:cNvPicPr/>
+          <p:nvPr/>
+        </p:nvPicPr>
+        <p:blipFill>
+          <a:blip r:embed="rId1"/>
+          <a:stretch/>
+        </p:blipFill>
+        <p:spPr>
+          <a:xfrm>
+            <a:off x="4023720" y="273960"/>
+            <a:ext cx="5717520" cy="5486040"/>
+          </a:xfrm>
+          <a:prstGeom prst="rect">
+            <a:avLst/>
+          </a:prstGeom>
+          <a:ln>
+            <a:noFill/>
+          </a:ln>
+        </p:spPr>
+      </p:pic>
+      <p:pic>
+        <p:nvPicPr>
+          <p:cNvPr id="146" name="" descr=""/>
+          <p:cNvPicPr/>
+          <p:nvPr/>
+        </p:nvPicPr>
+        <p:blipFill>
+          <a:blip r:embed="rId2"/>
+          <a:stretch/>
+        </p:blipFill>
+        <p:spPr>
+          <a:xfrm>
+            <a:off x="0" y="2423520"/>
+            <a:ext cx="4048200" cy="1142280"/>
+          </a:xfrm>
+          <a:prstGeom prst="rect">
+            <a:avLst/>
+          </a:prstGeom>
+          <a:ln>
+            <a:noFill/>
+          </a:ln>
+        </p:spPr>
+      </p:pic>
       <p:sp>
         <p:nvSpPr>
           <p:cNvPr id="147" name="CustomShape 1"/>
@@ -5934,8 +5935,8 @@
         </p:nvSpPr>
         <p:spPr>
           <a:xfrm>
-            <a:off x="135000" y="60840"/>
-            <a:ext cx="9536040" cy="669600"/>
+            <a:off x="182520" y="0"/>
+            <a:ext cx="9537120" cy="669600"/>
           </a:xfrm>
           <a:prstGeom prst="rect">
             <a:avLst/>
@@ -5963,9 +5964,13 @@
             </a:pPr>
             <a:r>
               <a:rPr b="0" lang="sk-SK" sz="4400" spc="-1" strike="noStrike">
+                <a:solidFill>
+                  <a:srgbClr val="000000"/>
+                </a:solidFill>
                 <a:latin typeface="Arial"/>
+                <a:ea typeface="DejaVu Sans"/>
               </a:rPr>
-              <a:t>Cluster 2</a:t>
+              <a:t>Cramers V</a:t>
             </a:r>
             <a:endParaRPr b="0" lang="sk-SK" sz="4400" spc="-1" strike="noStrike">
               <a:latin typeface="Arial"/>
@@ -5973,29 +5978,6 @@
           </a:p>
         </p:txBody>
       </p:sp>
-      <p:pic>
-        <p:nvPicPr>
-          <p:cNvPr id="148" name="" descr=""/>
-          <p:cNvPicPr/>
-          <p:nvPr/>
-        </p:nvPicPr>
-        <p:blipFill>
-          <a:blip r:embed="rId1"/>
-          <a:stretch/>
-        </p:blipFill>
-        <p:spPr>
-          <a:xfrm>
-            <a:off x="731520" y="944280"/>
-            <a:ext cx="8046720" cy="4359240"/>
-          </a:xfrm>
-          <a:prstGeom prst="rect">
-            <a:avLst/>
-          </a:prstGeom>
-          <a:ln>
-            <a:noFill/>
-          </a:ln>
-        </p:spPr>
-      </p:pic>
     </p:spTree>
   </p:cSld>
   <mc:AlternateContent>
@@ -6012,6 +5994,16 @@
 <file path=ppt/slides/slide16.xml><?xml version="1.0" encoding="utf-8"?>
 <p:sld xmlns:a="http://schemas.openxmlformats.org/drawingml/2006/main" xmlns:p="http://schemas.openxmlformats.org/presentationml/2006/main" xmlns:r="http://schemas.openxmlformats.org/officeDocument/2006/relationships" xmlns:p14="http://schemas.microsoft.com/office/powerpoint/2010/main" xmlns:p15="http://schemas.microsoft.com/office/powerpoint/2012/main" xmlns:mc="http://schemas.openxmlformats.org/markup-compatibility/2006">
   <p:cSld>
+    <p:bg>
+      <p:bgPr>
+        <a:blipFill rotWithShape="0">
+          <a:blip r:embed="rId1"/>
+          <a:stretch>
+            <a:fillRect/>
+          </a:stretch>
+        </a:blipFill>
+      </p:bgPr>
+    </p:bg>
     <p:spTree>
       <p:nvGrpSpPr>
         <p:cNvPr id="1" name=""/>
@@ -6028,14 +6020,14 @@
       </p:grpSpPr>
       <p:sp>
         <p:nvSpPr>
-          <p:cNvPr id="149" name="CustomShape 1"/>
+          <p:cNvPr id="148" name="CustomShape 1"/>
           <p:cNvSpPr/>
           <p:nvPr/>
         </p:nvSpPr>
         <p:spPr>
           <a:xfrm>
-            <a:off x="135000" y="60840"/>
-            <a:ext cx="9536040" cy="669600"/>
+            <a:off x="913680" y="90720"/>
+            <a:ext cx="9537120" cy="669600"/>
           </a:xfrm>
           <a:prstGeom prst="rect">
             <a:avLst/>
@@ -6063,9 +6055,13 @@
             </a:pPr>
             <a:r>
               <a:rPr b="0" lang="sk-SK" sz="4400" spc="-1" strike="noStrike">
+                <a:solidFill>
+                  <a:srgbClr val="000000"/>
+                </a:solidFill>
                 <a:latin typeface="Arial"/>
+                <a:ea typeface="DejaVu Sans"/>
               </a:rPr>
-              <a:t>Premena z object na category</a:t>
+              <a:t>Theil’s U - podmienená entropia</a:t>
             </a:r>
             <a:endParaRPr b="0" lang="sk-SK" sz="4400" spc="-1" strike="noStrike">
               <a:latin typeface="Arial"/>
@@ -6073,6 +6069,29 @@
           </a:p>
         </p:txBody>
       </p:sp>
+      <p:pic>
+        <p:nvPicPr>
+          <p:cNvPr id="149" name="" descr=""/>
+          <p:cNvPicPr/>
+          <p:nvPr/>
+        </p:nvPicPr>
+        <p:blipFill>
+          <a:blip r:embed="rId2"/>
+          <a:stretch/>
+        </p:blipFill>
+        <p:spPr>
+          <a:xfrm>
+            <a:off x="4388040" y="822240"/>
+            <a:ext cx="4476600" cy="4295880"/>
+          </a:xfrm>
+          <a:prstGeom prst="rect">
+            <a:avLst/>
+          </a:prstGeom>
+          <a:ln>
+            <a:noFill/>
+          </a:ln>
+        </p:spPr>
+      </p:pic>
       <p:pic>
         <p:nvPicPr>
           <p:cNvPr id="150" name="" descr=""/>
@@ -6080,13 +6099,13 @@
           <p:nvPr/>
         </p:nvPicPr>
         <p:blipFill>
-          <a:blip r:embed="rId1"/>
+          <a:blip r:embed="rId3"/>
           <a:stretch/>
         </p:blipFill>
         <p:spPr>
           <a:xfrm>
-            <a:off x="795600" y="1645920"/>
-            <a:ext cx="8074080" cy="2194560"/>
+            <a:off x="182160" y="1769040"/>
+            <a:ext cx="3989520" cy="789120"/>
           </a:xfrm>
           <a:prstGeom prst="rect">
             <a:avLst/>
@@ -6126,39 +6145,16 @@
           <a:chExt cx="0" cy="0"/>
         </a:xfrm>
       </p:grpSpPr>
-      <p:pic>
-        <p:nvPicPr>
-          <p:cNvPr id="151" name="" descr=""/>
-          <p:cNvPicPr/>
-          <p:nvPr/>
-        </p:nvPicPr>
-        <p:blipFill>
-          <a:blip r:embed="rId1"/>
-          <a:stretch/>
-        </p:blipFill>
-        <p:spPr>
-          <a:xfrm>
-            <a:off x="822240" y="1005840"/>
-            <a:ext cx="8230320" cy="3291840"/>
-          </a:xfrm>
-          <a:prstGeom prst="rect">
-            <a:avLst/>
-          </a:prstGeom>
-          <a:ln>
-            <a:noFill/>
-          </a:ln>
-        </p:spPr>
-      </p:pic>
-      <p:sp>
-        <p:nvSpPr>
-          <p:cNvPr id="152" name="CustomShape 1"/>
+      <p:sp>
+        <p:nvSpPr>
+          <p:cNvPr id="151" name="CustomShape 1"/>
           <p:cNvSpPr/>
           <p:nvPr/>
         </p:nvSpPr>
         <p:spPr>
           <a:xfrm>
-            <a:off x="126360" y="60840"/>
-            <a:ext cx="9536040" cy="669600"/>
+            <a:off x="143280" y="60480"/>
+            <a:ext cx="9537120" cy="669600"/>
           </a:xfrm>
           <a:prstGeom prst="rect">
             <a:avLst/>
@@ -6186,11 +6182,119 @@
             </a:pPr>
             <a:r>
               <a:rPr b="0" lang="sk-SK" sz="4400" spc="-1" strike="noStrike">
+                <a:solidFill>
+                  <a:srgbClr val="000000"/>
+                </a:solidFill>
                 <a:latin typeface="Arial"/>
+                <a:ea typeface="DejaVu Sans"/>
               </a:rPr>
-              <a:t>OneHotEncoder</a:t>
+              <a:t>Theil’s U</a:t>
             </a:r>
             <a:endParaRPr b="0" lang="sk-SK" sz="4400" spc="-1" strike="noStrike">
+              <a:latin typeface="Arial"/>
+            </a:endParaRPr>
+          </a:p>
+        </p:txBody>
+      </p:sp>
+      <p:pic>
+        <p:nvPicPr>
+          <p:cNvPr id="152" name="" descr=""/>
+          <p:cNvPicPr/>
+          <p:nvPr/>
+        </p:nvPicPr>
+        <p:blipFill>
+          <a:blip r:embed="rId1"/>
+          <a:srcRect l="0" t="13071" r="0" b="0"/>
+          <a:stretch/>
+        </p:blipFill>
+        <p:spPr>
+          <a:xfrm>
+            <a:off x="3014280" y="547920"/>
+            <a:ext cx="5303880" cy="4402800"/>
+          </a:xfrm>
+          <a:prstGeom prst="rect">
+            <a:avLst/>
+          </a:prstGeom>
+          <a:ln>
+            <a:noFill/>
+          </a:ln>
+        </p:spPr>
+      </p:pic>
+      <p:sp>
+        <p:nvSpPr>
+          <p:cNvPr id="153" name="CustomShape 2"/>
+          <p:cNvSpPr/>
+          <p:nvPr/>
+        </p:nvSpPr>
+        <p:spPr>
+          <a:xfrm>
+            <a:off x="639360" y="1553400"/>
+            <a:ext cx="2102040" cy="912600"/>
+          </a:xfrm>
+          <a:prstGeom prst="rect">
+            <a:avLst/>
+          </a:prstGeom>
+          <a:noFill/>
+          <a:ln>
+            <a:noFill/>
+          </a:ln>
+        </p:spPr>
+        <p:style>
+          <a:lnRef idx="0"/>
+          <a:fillRef idx="0"/>
+          <a:effectRef idx="0"/>
+          <a:fontRef idx="minor"/>
+        </p:style>
+        <p:txBody>
+          <a:bodyPr lIns="90000" rIns="90000" tIns="45000" bIns="45000">
+            <a:spAutoFit/>
+          </a:bodyPr>
+          <a:p>
+            <a:pPr>
+              <a:lnSpc>
+                <a:spcPct val="100000"/>
+              </a:lnSpc>
+            </a:pPr>
+            <a:r>
+              <a:rPr b="0" lang="sk-SK" sz="1800" spc="-1" strike="noStrike">
+                <a:solidFill>
+                  <a:srgbClr val="000000"/>
+                </a:solidFill>
+                <a:latin typeface="Arial"/>
+                <a:ea typeface="DejaVu Sans"/>
+              </a:rPr>
+              <a:t>Cluster 1:</a:t>
+            </a:r>
+            <a:endParaRPr b="0" lang="sk-SK" sz="1800" spc="-1" strike="noStrike">
+              <a:solidFill>
+                <a:srgbClr val="000000"/>
+              </a:solidFill>
+              <a:latin typeface="Arial"/>
+            </a:endParaRPr>
+          </a:p>
+          <a:p>
+            <a:pPr>
+              <a:lnSpc>
+                <a:spcPct val="100000"/>
+              </a:lnSpc>
+            </a:pPr>
+            <a:endParaRPr b="0" lang="sk-SK" sz="1800" spc="-1" strike="noStrike">
+              <a:solidFill>
+                <a:srgbClr val="000000"/>
+              </a:solidFill>
+              <a:latin typeface="Arial"/>
+            </a:endParaRPr>
+          </a:p>
+          <a:p>
+            <a:pPr>
+              <a:lnSpc>
+                <a:spcPct val="100000"/>
+              </a:lnSpc>
+            </a:pPr>
+            <a:endParaRPr b="0" lang="sk-SK" sz="1800" spc="-1" strike="noStrike">
+              <a:solidFill>
+                <a:srgbClr val="000000"/>
+              </a:solidFill>
               <a:latin typeface="Arial"/>
             </a:endParaRPr>
           </a:p>
@@ -6226,20 +6330,72 @@
           <a:chExt cx="0" cy="0"/>
         </a:xfrm>
       </p:grpSpPr>
+      <p:sp>
+        <p:nvSpPr>
+          <p:cNvPr id="154" name="CustomShape 1"/>
+          <p:cNvSpPr/>
+          <p:nvPr/>
+        </p:nvSpPr>
+        <p:spPr>
+          <a:xfrm>
+            <a:off x="143280" y="60480"/>
+            <a:ext cx="9537120" cy="669600"/>
+          </a:xfrm>
+          <a:prstGeom prst="rect">
+            <a:avLst/>
+          </a:prstGeom>
+          <a:noFill/>
+          <a:ln>
+            <a:noFill/>
+          </a:ln>
+        </p:spPr>
+        <p:style>
+          <a:lnRef idx="0"/>
+          <a:fillRef idx="0"/>
+          <a:effectRef idx="0"/>
+          <a:fontRef idx="minor"/>
+        </p:style>
+        <p:txBody>
+          <a:bodyPr lIns="0" rIns="0" tIns="0" bIns="0" anchor="ctr">
+            <a:spAutoFit/>
+          </a:bodyPr>
+          <a:p>
+            <a:pPr>
+              <a:lnSpc>
+                <a:spcPct val="100000"/>
+              </a:lnSpc>
+            </a:pPr>
+            <a:r>
+              <a:rPr b="0" lang="sk-SK" sz="4400" spc="-1" strike="noStrike">
+                <a:solidFill>
+                  <a:srgbClr val="000000"/>
+                </a:solidFill>
+                <a:latin typeface="Arial"/>
+                <a:ea typeface="DejaVu Sans"/>
+              </a:rPr>
+              <a:t>Theil’s U</a:t>
+            </a:r>
+            <a:endParaRPr b="0" lang="sk-SK" sz="4400" spc="-1" strike="noStrike">
+              <a:latin typeface="Arial"/>
+            </a:endParaRPr>
+          </a:p>
+        </p:txBody>
+      </p:sp>
       <p:pic>
         <p:nvPicPr>
-          <p:cNvPr id="153" name="" descr=""/>
+          <p:cNvPr id="155" name="" descr=""/>
           <p:cNvPicPr/>
           <p:nvPr/>
         </p:nvPicPr>
         <p:blipFill>
           <a:blip r:embed="rId1"/>
+          <a:srcRect l="0" t="0" r="7673" b="0"/>
           <a:stretch/>
         </p:blipFill>
         <p:spPr>
           <a:xfrm>
-            <a:off x="836280" y="1645920"/>
-            <a:ext cx="4924440" cy="923400"/>
+            <a:off x="3656520" y="546840"/>
+            <a:ext cx="4204080" cy="4937400"/>
           </a:xfrm>
           <a:prstGeom prst="rect">
             <a:avLst/>
@@ -6249,40 +6405,16 @@
           </a:ln>
         </p:spPr>
       </p:pic>
-      <p:pic>
-        <p:nvPicPr>
-          <p:cNvPr id="154" name="" descr=""/>
-          <p:cNvPicPr/>
+      <p:sp>
+        <p:nvSpPr>
+          <p:cNvPr id="156" name="CustomShape 2"/>
+          <p:cNvSpPr/>
           <p:nvPr/>
-        </p:nvPicPr>
-        <p:blipFill>
-          <a:blip r:embed="rId2"/>
-          <a:srcRect l="0" t="52960" r="65611" b="0"/>
-          <a:stretch/>
-        </p:blipFill>
-        <p:spPr>
-          <a:xfrm>
-            <a:off x="4857840" y="3657600"/>
-            <a:ext cx="3463200" cy="1005840"/>
-          </a:xfrm>
-          <a:prstGeom prst="rect">
-            <a:avLst/>
-          </a:prstGeom>
-          <a:ln>
-            <a:noFill/>
-          </a:ln>
-        </p:spPr>
-      </p:pic>
-      <p:sp>
-        <p:nvSpPr>
-          <p:cNvPr id="155" name="TextShape 1"/>
-          <p:cNvSpPr txBox="1"/>
-          <p:nvPr/>
-        </p:nvSpPr>
-        <p:spPr>
-          <a:xfrm>
-            <a:off x="836280" y="1097280"/>
-            <a:ext cx="1920240" cy="602280"/>
+        </p:nvSpPr>
+        <p:spPr>
+          <a:xfrm>
+            <a:off x="639360" y="1553400"/>
+            <a:ext cx="2102040" cy="2284200"/>
           </a:xfrm>
           <a:prstGeom prst="rect">
             <a:avLst/>
@@ -6292,54 +6424,98 @@
             <a:noFill/>
           </a:ln>
         </p:spPr>
+        <p:style>
+          <a:lnRef idx="0"/>
+          <a:fillRef idx="0"/>
+          <a:effectRef idx="0"/>
+          <a:fontRef idx="minor"/>
+        </p:style>
         <p:txBody>
           <a:bodyPr lIns="90000" rIns="90000" tIns="45000" bIns="45000">
             <a:spAutoFit/>
           </a:bodyPr>
           <a:p>
+            <a:pPr>
+              <a:lnSpc>
+                <a:spcPct val="100000"/>
+              </a:lnSpc>
+            </a:pPr>
             <a:r>
-              <a:rPr b="0" lang="en-US" sz="1800" spc="-1" strike="noStrike">
+              <a:rPr b="0" lang="sk-SK" sz="1800" spc="-1" strike="noStrike">
+                <a:solidFill>
+                  <a:srgbClr val="000000"/>
+                </a:solidFill>
                 <a:latin typeface="Arial"/>
+                <a:ea typeface="DejaVu Sans"/>
               </a:rPr>
-              <a:t>Pôvodný tvar</a:t>
+              <a:t>Cluster 2:</a:t>
             </a:r>
-            <a:endParaRPr b="0" lang="en-US" sz="1800" spc="-1" strike="noStrike">
-              <a:latin typeface="Arial"/>
-            </a:endParaRPr>
-          </a:p>
-        </p:txBody>
-      </p:sp>
-      <p:sp>
-        <p:nvSpPr>
-          <p:cNvPr id="156" name="TextShape 2"/>
-          <p:cNvSpPr txBox="1"/>
-          <p:nvPr/>
-        </p:nvSpPr>
-        <p:spPr>
-          <a:xfrm>
-            <a:off x="3291840" y="3200400"/>
-            <a:ext cx="4297680" cy="365760"/>
-          </a:xfrm>
-          <a:prstGeom prst="rect">
-            <a:avLst/>
-          </a:prstGeom>
-          <a:noFill/>
-          <a:ln>
-            <a:noFill/>
-          </a:ln>
-        </p:spPr>
-        <p:txBody>
-          <a:bodyPr lIns="90000" rIns="90000" tIns="45000" bIns="45000">
-            <a:spAutoFit/>
-          </a:bodyPr>
-          <a:p>
+            <a:endParaRPr b="0" lang="sk-SK" sz="1800" spc="-1" strike="noStrike">
+              <a:solidFill>
+                <a:srgbClr val="000000"/>
+              </a:solidFill>
+              <a:latin typeface="Arial"/>
+            </a:endParaRPr>
+          </a:p>
+          <a:p>
+            <a:pPr>
+              <a:lnSpc>
+                <a:spcPct val="100000"/>
+              </a:lnSpc>
+            </a:pPr>
+            <a:endParaRPr b="0" lang="sk-SK" sz="1800" spc="-1" strike="noStrike">
+              <a:solidFill>
+                <a:srgbClr val="000000"/>
+              </a:solidFill>
+              <a:latin typeface="Arial"/>
+            </a:endParaRPr>
+          </a:p>
+          <a:p>
+            <a:pPr>
+              <a:lnSpc>
+                <a:spcPct val="100000"/>
+              </a:lnSpc>
+            </a:pPr>
             <a:r>
-              <a:rPr b="0" lang="en-US" sz="1800" spc="-1" strike="noStrike">
+              <a:rPr b="0" lang="sk-SK" sz="1800" spc="-1" strike="noStrike">
+                <a:solidFill>
+                  <a:srgbClr val="000000"/>
+                </a:solidFill>
                 <a:latin typeface="Arial"/>
+                <a:ea typeface="DejaVu Sans"/>
               </a:rPr>
-              <a:t>Po úprave OneHotEncoder</a:t>
+              <a:t>Pre naše potreby pokračujeme ďaľej s dátami s klustra 2</a:t>
             </a:r>
-            <a:endParaRPr b="0" lang="en-US" sz="1800" spc="-1" strike="noStrike">
+            <a:endParaRPr b="0" lang="sk-SK" sz="1800" spc="-1" strike="noStrike">
+              <a:solidFill>
+                <a:srgbClr val="000000"/>
+              </a:solidFill>
+              <a:latin typeface="Arial"/>
+            </a:endParaRPr>
+          </a:p>
+          <a:p>
+            <a:pPr>
+              <a:lnSpc>
+                <a:spcPct val="100000"/>
+              </a:lnSpc>
+            </a:pPr>
+            <a:endParaRPr b="0" lang="sk-SK" sz="1800" spc="-1" strike="noStrike">
+              <a:solidFill>
+                <a:srgbClr val="000000"/>
+              </a:solidFill>
+              <a:latin typeface="Arial"/>
+            </a:endParaRPr>
+          </a:p>
+          <a:p>
+            <a:pPr>
+              <a:lnSpc>
+                <a:spcPct val="100000"/>
+              </a:lnSpc>
+            </a:pPr>
+            <a:endParaRPr b="0" lang="sk-SK" sz="1800" spc="-1" strike="noStrike">
+              <a:solidFill>
+                <a:srgbClr val="000000"/>
+              </a:solidFill>
               <a:latin typeface="Arial"/>
             </a:endParaRPr>
           </a:p>
@@ -6383,8 +6559,8 @@
         </p:nvSpPr>
         <p:spPr>
           <a:xfrm>
-            <a:off x="143640" y="60840"/>
-            <a:ext cx="9536040" cy="669600"/>
+            <a:off x="134640" y="60480"/>
+            <a:ext cx="9537120" cy="669600"/>
           </a:xfrm>
           <a:prstGeom prst="rect">
             <a:avLst/>
@@ -6412,9 +6588,13 @@
             </a:pPr>
             <a:r>
               <a:rPr b="0" lang="sk-SK" sz="4400" spc="-1" strike="noStrike">
+                <a:solidFill>
+                  <a:srgbClr val="000000"/>
+                </a:solidFill>
                 <a:latin typeface="Arial"/>
+                <a:ea typeface="DejaVu Sans"/>
               </a:rPr>
-              <a:t>Model</a:t>
+              <a:t>Cluster 2</a:t>
             </a:r>
             <a:endParaRPr b="0" lang="sk-SK" sz="4400" spc="-1" strike="noStrike">
               <a:latin typeface="Arial"/>
@@ -6434,8 +6614,8 @@
         </p:blipFill>
         <p:spPr>
           <a:xfrm>
-            <a:off x="883440" y="822600"/>
-            <a:ext cx="6977160" cy="4265640"/>
+            <a:off x="731160" y="943920"/>
+            <a:ext cx="8047440" cy="4358520"/>
           </a:xfrm>
           <a:prstGeom prst="rect">
             <a:avLst/>
@@ -6483,8 +6663,8 @@
         </p:nvSpPr>
         <p:spPr>
           <a:xfrm>
-            <a:off x="143640" y="60840"/>
-            <a:ext cx="9536040" cy="669600"/>
+            <a:off x="143280" y="60480"/>
+            <a:ext cx="9537120" cy="669600"/>
           </a:xfrm>
           <a:prstGeom prst="rect">
             <a:avLst/>
@@ -6512,7 +6692,11 @@
             </a:pPr>
             <a:r>
               <a:rPr b="0" lang="sk-SK" sz="4400" spc="-1" strike="noStrike">
+                <a:solidFill>
+                  <a:srgbClr val="000000"/>
+                </a:solidFill>
                 <a:latin typeface="Arial"/>
+                <a:ea typeface="DejaVu Sans"/>
               </a:rPr>
               <a:t>Homicide Reports, 1980-2014</a:t>
             </a:r>
@@ -6530,8 +6714,8 @@
         </p:nvSpPr>
         <p:spPr>
           <a:xfrm>
-            <a:off x="1044000" y="1327320"/>
-            <a:ext cx="8096040" cy="2970000"/>
+            <a:off x="1043640" y="1326960"/>
+            <a:ext cx="8096760" cy="2970000"/>
           </a:xfrm>
           <a:prstGeom prst="rect">
             <a:avLst/>
@@ -6559,7 +6743,11 @@
             </a:pPr>
             <a:r>
               <a:rPr b="0" lang="sk-SK" sz="1800" spc="-1" strike="noStrike">
+                <a:solidFill>
+                  <a:srgbClr val="000000"/>
+                </a:solidFill>
                 <a:latin typeface="Arial"/>
+                <a:ea typeface="DejaVu Sans"/>
               </a:rPr>
               <a:t>Projekt Murder Accountability je najkompletnejšia databáza vrážd v USA, ktorá je v súčasnosti k dispozícii. Tento súbor údajov obsahuje vraždy od doplňujúcej správy o vražde FBI z roku 1976 po súčasnosť a údaje zákona o slobode informácií o viac ako 22 000 vraždách, ktoré neboli oznámené ministerstvu spravodlivosti. Tento súbor údajov obsahuje okrem vzťahu medzi obeťou a páchateľom a použitej zbrane aj vek, rasu, pohlavie, etnickú príslušnosť obetí a páchateľov.</a:t>
             </a:r>
@@ -6607,8 +6795,8 @@
         </p:nvSpPr>
         <p:spPr>
           <a:xfrm>
-            <a:off x="143640" y="60840"/>
-            <a:ext cx="9536040" cy="669600"/>
+            <a:off x="134640" y="60480"/>
+            <a:ext cx="9537120" cy="669600"/>
           </a:xfrm>
           <a:prstGeom prst="rect">
             <a:avLst/>
@@ -6636,9 +6824,13 @@
             </a:pPr>
             <a:r>
               <a:rPr b="0" lang="sk-SK" sz="4400" spc="-1" strike="noStrike">
+                <a:solidFill>
+                  <a:srgbClr val="000000"/>
+                </a:solidFill>
                 <a:latin typeface="Arial"/>
+                <a:ea typeface="DejaVu Sans"/>
               </a:rPr>
-              <a:t>Compile</a:t>
+              <a:t>Premena z object na category</a:t>
             </a:r>
             <a:endParaRPr b="0" lang="sk-SK" sz="4400" spc="-1" strike="noStrike">
               <a:latin typeface="Arial"/>
@@ -6658,8 +6850,8 @@
         </p:blipFill>
         <p:spPr>
           <a:xfrm>
-            <a:off x="365400" y="1462320"/>
-            <a:ext cx="9231840" cy="1200960"/>
+            <a:off x="795240" y="1645560"/>
+            <a:ext cx="8074800" cy="2193840"/>
           </a:xfrm>
           <a:prstGeom prst="rect">
             <a:avLst/>
@@ -6699,16 +6891,39 @@
           <a:chExt cx="0" cy="0"/>
         </a:xfrm>
       </p:grpSpPr>
-      <p:sp>
-        <p:nvSpPr>
-          <p:cNvPr id="161" name="CustomShape 1"/>
+      <p:pic>
+        <p:nvPicPr>
+          <p:cNvPr id="161" name="" descr=""/>
+          <p:cNvPicPr/>
+          <p:nvPr/>
+        </p:nvPicPr>
+        <p:blipFill>
+          <a:blip r:embed="rId1"/>
+          <a:stretch/>
+        </p:blipFill>
+        <p:spPr>
+          <a:xfrm>
+            <a:off x="821880" y="1005480"/>
+            <a:ext cx="8231040" cy="3291480"/>
+          </a:xfrm>
+          <a:prstGeom prst="rect">
+            <a:avLst/>
+          </a:prstGeom>
+          <a:ln>
+            <a:noFill/>
+          </a:ln>
+        </p:spPr>
+      </p:pic>
+      <p:sp>
+        <p:nvSpPr>
+          <p:cNvPr id="162" name="CustomShape 1"/>
           <p:cNvSpPr/>
           <p:nvPr/>
         </p:nvSpPr>
         <p:spPr>
           <a:xfrm>
-            <a:off x="143640" y="60840"/>
-            <a:ext cx="9536040" cy="669600"/>
+            <a:off x="126000" y="60480"/>
+            <a:ext cx="9537120" cy="669600"/>
           </a:xfrm>
           <a:prstGeom prst="rect">
             <a:avLst/>
@@ -6736,9 +6951,13 @@
             </a:pPr>
             <a:r>
               <a:rPr b="0" lang="sk-SK" sz="4400" spc="-1" strike="noStrike">
+                <a:solidFill>
+                  <a:srgbClr val="000000"/>
+                </a:solidFill>
                 <a:latin typeface="Arial"/>
+                <a:ea typeface="DejaVu Sans"/>
               </a:rPr>
-              <a:t>Train</a:t>
+              <a:t>OneHotEncoder</a:t>
             </a:r>
             <a:endParaRPr b="0" lang="sk-SK" sz="4400" spc="-1" strike="noStrike">
               <a:latin typeface="Arial"/>
@@ -6746,30 +6965,6 @@
           </a:p>
         </p:txBody>
       </p:sp>
-      <p:pic>
-        <p:nvPicPr>
-          <p:cNvPr id="162" name="" descr=""/>
-          <p:cNvPicPr/>
-          <p:nvPr/>
-        </p:nvPicPr>
-        <p:blipFill>
-          <a:blip r:embed="rId1"/>
-          <a:srcRect l="0" t="12031" r="0" b="0"/>
-          <a:stretch/>
-        </p:blipFill>
-        <p:spPr>
-          <a:xfrm>
-            <a:off x="914040" y="739080"/>
-            <a:ext cx="6408000" cy="4288680"/>
-          </a:xfrm>
-          <a:prstGeom prst="rect">
-            <a:avLst/>
-          </a:prstGeom>
-          <a:ln>
-            <a:noFill/>
-          </a:ln>
-        </p:spPr>
-      </p:pic>
     </p:spTree>
   </p:cSld>
   <mc:AlternateContent>
@@ -6800,53 +6995,29 @@
           <a:chExt cx="0" cy="0"/>
         </a:xfrm>
       </p:grpSpPr>
-      <p:sp>
-        <p:nvSpPr>
-          <p:cNvPr id="163" name="CustomShape 1"/>
-          <p:cNvSpPr/>
+      <p:pic>
+        <p:nvPicPr>
+          <p:cNvPr id="163" name="" descr=""/>
+          <p:cNvPicPr/>
           <p:nvPr/>
-        </p:nvSpPr>
-        <p:spPr>
-          <a:xfrm>
-            <a:off x="143640" y="60840"/>
-            <a:ext cx="9536040" cy="669600"/>
-          </a:xfrm>
-          <a:prstGeom prst="rect">
-            <a:avLst/>
-          </a:prstGeom>
-          <a:noFill/>
+        </p:nvPicPr>
+        <p:blipFill>
+          <a:blip r:embed="rId1"/>
+          <a:stretch/>
+        </p:blipFill>
+        <p:spPr>
+          <a:xfrm>
+            <a:off x="835920" y="1645560"/>
+            <a:ext cx="4924440" cy="922680"/>
+          </a:xfrm>
+          <a:prstGeom prst="rect">
+            <a:avLst/>
+          </a:prstGeom>
           <a:ln>
             <a:noFill/>
           </a:ln>
         </p:spPr>
-        <p:style>
-          <a:lnRef idx="0"/>
-          <a:fillRef idx="0"/>
-          <a:effectRef idx="0"/>
-          <a:fontRef idx="minor"/>
-        </p:style>
-        <p:txBody>
-          <a:bodyPr lIns="0" rIns="0" tIns="0" bIns="0" anchor="ctr">
-            <a:spAutoFit/>
-          </a:bodyPr>
-          <a:p>
-            <a:pPr>
-              <a:lnSpc>
-                <a:spcPct val="100000"/>
-              </a:lnSpc>
-            </a:pPr>
-            <a:r>
-              <a:rPr b="0" lang="sk-SK" sz="4400" spc="-1" strike="noStrike">
-                <a:latin typeface="Arial"/>
-              </a:rPr>
-              <a:t>Predikcia</a:t>
-            </a:r>
-            <a:endParaRPr b="0" lang="sk-SK" sz="4400" spc="-1" strike="noStrike">
-              <a:latin typeface="Arial"/>
-            </a:endParaRPr>
-          </a:p>
-        </p:txBody>
-      </p:sp>
+      </p:pic>
       <p:pic>
         <p:nvPicPr>
           <p:cNvPr id="164" name="" descr=""/>
@@ -6854,13 +7025,14 @@
           <p:nvPr/>
         </p:nvPicPr>
         <p:blipFill>
-          <a:blip r:embed="rId1"/>
+          <a:blip r:embed="rId2"/>
+          <a:srcRect l="0" t="52960" r="65611" b="0"/>
           <a:stretch/>
         </p:blipFill>
         <p:spPr>
           <a:xfrm>
-            <a:off x="548280" y="1279800"/>
-            <a:ext cx="8893080" cy="1737000"/>
+            <a:off x="4858560" y="3657240"/>
+            <a:ext cx="3462840" cy="1005480"/>
           </a:xfrm>
           <a:prstGeom prst="rect">
             <a:avLst/>
@@ -6872,14 +7044,14 @@
       </p:pic>
       <p:sp>
         <p:nvSpPr>
-          <p:cNvPr id="165" name="TextShape 2"/>
-          <p:cNvSpPr txBox="1"/>
+          <p:cNvPr id="165" name="CustomShape 1"/>
+          <p:cNvSpPr/>
           <p:nvPr/>
         </p:nvSpPr>
         <p:spPr>
           <a:xfrm>
-            <a:off x="731160" y="3930840"/>
-            <a:ext cx="7495200" cy="1005480"/>
+            <a:off x="835920" y="1096920"/>
+            <a:ext cx="1919880" cy="364320"/>
           </a:xfrm>
           <a:prstGeom prst="rect">
             <a:avLst/>
@@ -6889,29 +7061,84 @@
             <a:noFill/>
           </a:ln>
         </p:spPr>
+        <p:style>
+          <a:lnRef idx="0"/>
+          <a:fillRef idx="0"/>
+          <a:effectRef idx="0"/>
+          <a:fontRef idx="minor"/>
+        </p:style>
         <p:txBody>
           <a:bodyPr lIns="90000" rIns="90000" tIns="45000" bIns="45000">
             <a:spAutoFit/>
           </a:bodyPr>
           <a:p>
+            <a:pPr>
+              <a:lnSpc>
+                <a:spcPct val="100000"/>
+              </a:lnSpc>
+            </a:pPr>
             <a:r>
-              <a:rPr b="0" lang="en-US" sz="1800" spc="-1" strike="noStrike">
+              <a:rPr b="0" lang="sk-SK" sz="1800" spc="-1" strike="noStrike">
+                <a:solidFill>
+                  <a:srgbClr val="000000"/>
+                </a:solidFill>
                 <a:latin typeface="Arial"/>
+                <a:ea typeface="DejaVu Sans"/>
               </a:rPr>
-              <a:t>Predikcia 50% </a:t>
+              <a:t>Pôvodný tvar</a:t>
             </a:r>
-            <a:endParaRPr b="0" lang="en-US" sz="1800" spc="-1" strike="noStrike">
-              <a:latin typeface="Arial"/>
-            </a:endParaRPr>
-          </a:p>
-          <a:p>
+            <a:endParaRPr b="0" lang="sk-SK" sz="1800" spc="-1" strike="noStrike">
+              <a:latin typeface="Arial"/>
+            </a:endParaRPr>
+          </a:p>
+        </p:txBody>
+      </p:sp>
+      <p:sp>
+        <p:nvSpPr>
+          <p:cNvPr id="166" name="CustomShape 2"/>
+          <p:cNvSpPr/>
+          <p:nvPr/>
+        </p:nvSpPr>
+        <p:spPr>
+          <a:xfrm>
+            <a:off x="3292200" y="3200040"/>
+            <a:ext cx="4297680" cy="364320"/>
+          </a:xfrm>
+          <a:prstGeom prst="rect">
+            <a:avLst/>
+          </a:prstGeom>
+          <a:noFill/>
+          <a:ln>
+            <a:noFill/>
+          </a:ln>
+        </p:spPr>
+        <p:style>
+          <a:lnRef idx="0"/>
+          <a:fillRef idx="0"/>
+          <a:effectRef idx="0"/>
+          <a:fontRef idx="minor"/>
+        </p:style>
+        <p:txBody>
+          <a:bodyPr lIns="90000" rIns="90000" tIns="45000" bIns="45000">
+            <a:spAutoFit/>
+          </a:bodyPr>
+          <a:p>
+            <a:pPr>
+              <a:lnSpc>
+                <a:spcPct val="100000"/>
+              </a:lnSpc>
+            </a:pPr>
             <a:r>
-              <a:rPr b="0" lang="en-US" sz="1800" spc="-1" strike="noStrike">
+              <a:rPr b="0" lang="sk-SK" sz="1800" spc="-1" strike="noStrike">
+                <a:solidFill>
+                  <a:srgbClr val="000000"/>
+                </a:solidFill>
                 <a:latin typeface="Arial"/>
+                <a:ea typeface="DejaVu Sans"/>
               </a:rPr>
-              <a:t>Ako randomny generator alebo hod mincou</a:t>
+              <a:t>Po úprave OneHotEncoder</a:t>
             </a:r>
-            <a:endParaRPr b="0" lang="en-US" sz="1800" spc="-1" strike="noStrike">
+            <a:endParaRPr b="0" lang="sk-SK" sz="1800" spc="-1" strike="noStrike">
               <a:latin typeface="Arial"/>
             </a:endParaRPr>
           </a:p>
@@ -6949,14 +7176,14 @@
       </p:grpSpPr>
       <p:sp>
         <p:nvSpPr>
-          <p:cNvPr id="166" name="CustomShape 1"/>
+          <p:cNvPr id="167" name="CustomShape 1"/>
           <p:cNvSpPr/>
           <p:nvPr/>
         </p:nvSpPr>
         <p:spPr>
           <a:xfrm>
-            <a:off x="143640" y="60840"/>
-            <a:ext cx="9536040" cy="669600"/>
+            <a:off x="143280" y="60480"/>
+            <a:ext cx="9537120" cy="669600"/>
           </a:xfrm>
           <a:prstGeom prst="rect">
             <a:avLst/>
@@ -6984,9 +7211,13 @@
             </a:pPr>
             <a:r>
               <a:rPr b="0" lang="sk-SK" sz="4400" spc="-1" strike="noStrike">
+                <a:solidFill>
+                  <a:srgbClr val="000000"/>
+                </a:solidFill>
                 <a:latin typeface="Arial"/>
+                <a:ea typeface="DejaVu Sans"/>
               </a:rPr>
-              <a:t>Presnosť modelu</a:t>
+              <a:t>Model</a:t>
             </a:r>
             <a:endParaRPr b="0" lang="sk-SK" sz="4400" spc="-1" strike="noStrike">
               <a:latin typeface="Arial"/>
@@ -6996,7 +7227,7 @@
       </p:sp>
       <p:pic>
         <p:nvPicPr>
-          <p:cNvPr id="167" name="" descr=""/>
+          <p:cNvPr id="168" name="" descr=""/>
           <p:cNvPicPr/>
           <p:nvPr/>
         </p:nvPicPr>
@@ -7006,8 +7237,8 @@
         </p:blipFill>
         <p:spPr>
           <a:xfrm>
-            <a:off x="1553760" y="1087560"/>
-            <a:ext cx="5575680" cy="4069440"/>
+            <a:off x="883080" y="822240"/>
+            <a:ext cx="6977880" cy="4264920"/>
           </a:xfrm>
           <a:prstGeom prst="rect">
             <a:avLst/>
@@ -7049,14 +7280,14 @@
       </p:grpSpPr>
       <p:sp>
         <p:nvSpPr>
-          <p:cNvPr id="168" name="CustomShape 1"/>
+          <p:cNvPr id="169" name="CustomShape 1"/>
           <p:cNvSpPr/>
           <p:nvPr/>
         </p:nvSpPr>
         <p:spPr>
           <a:xfrm>
-            <a:off x="143640" y="60840"/>
-            <a:ext cx="9536040" cy="669600"/>
+            <a:off x="143280" y="60480"/>
+            <a:ext cx="9537120" cy="669600"/>
           </a:xfrm>
           <a:prstGeom prst="rect">
             <a:avLst/>
@@ -7084,9 +7315,13 @@
             </a:pPr>
             <a:r>
               <a:rPr b="0" lang="sk-SK" sz="4400" spc="-1" strike="noStrike">
+                <a:solidFill>
+                  <a:srgbClr val="000000"/>
+                </a:solidFill>
                 <a:latin typeface="Arial"/>
+                <a:ea typeface="DejaVu Sans"/>
               </a:rPr>
-              <a:t>Chyba</a:t>
+              <a:t>Compile</a:t>
             </a:r>
             <a:endParaRPr b="0" lang="sk-SK" sz="4400" spc="-1" strike="noStrike">
               <a:latin typeface="Arial"/>
@@ -7096,7 +7331,7 @@
       </p:sp>
       <p:pic>
         <p:nvPicPr>
-          <p:cNvPr id="169" name="" descr=""/>
+          <p:cNvPr id="170" name="" descr=""/>
           <p:cNvPicPr/>
           <p:nvPr/>
         </p:nvPicPr>
@@ -7106,8 +7341,8 @@
         </p:blipFill>
         <p:spPr>
           <a:xfrm>
-            <a:off x="1553760" y="1188360"/>
-            <a:ext cx="5015880" cy="3543840"/>
+            <a:off x="365040" y="1461960"/>
+            <a:ext cx="9232560" cy="1200600"/>
           </a:xfrm>
           <a:prstGeom prst="rect">
             <a:avLst/>
@@ -7149,14 +7384,14 @@
       </p:grpSpPr>
       <p:sp>
         <p:nvSpPr>
-          <p:cNvPr id="170" name="CustomShape 1"/>
+          <p:cNvPr id="171" name="CustomShape 1"/>
           <p:cNvSpPr/>
           <p:nvPr/>
         </p:nvSpPr>
         <p:spPr>
           <a:xfrm>
-            <a:off x="3443400" y="2164320"/>
-            <a:ext cx="9536040" cy="669600"/>
+            <a:off x="143280" y="60480"/>
+            <a:ext cx="9537120" cy="669600"/>
           </a:xfrm>
           <a:prstGeom prst="rect">
             <a:avLst/>
@@ -7184,9 +7419,13 @@
             </a:pPr>
             <a:r>
               <a:rPr b="0" lang="sk-SK" sz="4400" spc="-1" strike="noStrike">
+                <a:solidFill>
+                  <a:srgbClr val="000000"/>
+                </a:solidFill>
                 <a:latin typeface="Arial"/>
+                <a:ea typeface="DejaVu Sans"/>
               </a:rPr>
-              <a:t>Čo sa stalo??</a:t>
+              <a:t>Train</a:t>
             </a:r>
             <a:endParaRPr b="0" lang="sk-SK" sz="4400" spc="-1" strike="noStrike">
               <a:latin typeface="Arial"/>
@@ -7194,6 +7433,30 @@
           </a:p>
         </p:txBody>
       </p:sp>
+      <p:pic>
+        <p:nvPicPr>
+          <p:cNvPr id="172" name="" descr=""/>
+          <p:cNvPicPr/>
+          <p:nvPr/>
+        </p:nvPicPr>
+        <p:blipFill>
+          <a:blip r:embed="rId1"/>
+          <a:srcRect l="0" t="12031" r="0" b="0"/>
+          <a:stretch/>
+        </p:blipFill>
+        <p:spPr>
+          <a:xfrm>
+            <a:off x="913680" y="738720"/>
+            <a:ext cx="6408360" cy="4287960"/>
+          </a:xfrm>
+          <a:prstGeom prst="rect">
+            <a:avLst/>
+          </a:prstGeom>
+          <a:ln>
+            <a:noFill/>
+          </a:ln>
+        </p:spPr>
+      </p:pic>
     </p:spTree>
   </p:cSld>
   <mc:AlternateContent>
@@ -7226,14 +7489,14 @@
       </p:grpSpPr>
       <p:sp>
         <p:nvSpPr>
-          <p:cNvPr id="171" name="CustomShape 1"/>
+          <p:cNvPr id="173" name="CustomShape 1"/>
           <p:cNvSpPr/>
           <p:nvPr/>
         </p:nvSpPr>
         <p:spPr>
           <a:xfrm>
-            <a:off x="143640" y="60840"/>
-            <a:ext cx="9536040" cy="669600"/>
+            <a:off x="143280" y="60480"/>
+            <a:ext cx="9537120" cy="669600"/>
           </a:xfrm>
           <a:prstGeom prst="rect">
             <a:avLst/>
@@ -7261,9 +7524,13 @@
             </a:pPr>
             <a:r>
               <a:rPr b="0" lang="sk-SK" sz="4400" spc="-1" strike="noStrike">
+                <a:solidFill>
+                  <a:srgbClr val="000000"/>
+                </a:solidFill>
                 <a:latin typeface="Arial"/>
+                <a:ea typeface="DejaVu Sans"/>
               </a:rPr>
-              <a:t>Čo sme zistili?</a:t>
+              <a:t>Predikcia</a:t>
             </a:r>
             <a:endParaRPr b="0" lang="sk-SK" sz="4400" spc="-1" strike="noStrike">
               <a:latin typeface="Arial"/>
@@ -7271,16 +7538,39 @@
           </a:p>
         </p:txBody>
       </p:sp>
-      <p:sp>
-        <p:nvSpPr>
-          <p:cNvPr id="172" name="TextShape 2"/>
-          <p:cNvSpPr txBox="1"/>
+      <p:pic>
+        <p:nvPicPr>
+          <p:cNvPr id="174" name="" descr=""/>
+          <p:cNvPicPr/>
           <p:nvPr/>
-        </p:nvSpPr>
-        <p:spPr>
-          <a:xfrm>
-            <a:off x="1096560" y="1828080"/>
-            <a:ext cx="3656160" cy="2394000"/>
+        </p:nvPicPr>
+        <p:blipFill>
+          <a:blip r:embed="rId1"/>
+          <a:stretch/>
+        </p:blipFill>
+        <p:spPr>
+          <a:xfrm>
+            <a:off x="547920" y="1279440"/>
+            <a:ext cx="8893800" cy="1736280"/>
+          </a:xfrm>
+          <a:prstGeom prst="rect">
+            <a:avLst/>
+          </a:prstGeom>
+          <a:ln>
+            <a:noFill/>
+          </a:ln>
+        </p:spPr>
+      </p:pic>
+      <p:sp>
+        <p:nvSpPr>
+          <p:cNvPr id="175" name="CustomShape 2"/>
+          <p:cNvSpPr/>
+          <p:nvPr/>
+        </p:nvSpPr>
+        <p:spPr>
+          <a:xfrm>
+            <a:off x="730800" y="3930840"/>
+            <a:ext cx="7495920" cy="638640"/>
           </a:xfrm>
           <a:prstGeom prst="rect">
             <a:avLst/>
@@ -7290,50 +7580,53 @@
             <a:noFill/>
           </a:ln>
         </p:spPr>
+        <p:style>
+          <a:lnRef idx="0"/>
+          <a:fillRef idx="0"/>
+          <a:effectRef idx="0"/>
+          <a:fontRef idx="minor"/>
+        </p:style>
         <p:txBody>
           <a:bodyPr lIns="90000" rIns="90000" tIns="45000" bIns="45000">
             <a:spAutoFit/>
           </a:bodyPr>
           <a:p>
+            <a:pPr>
+              <a:lnSpc>
+                <a:spcPct val="100000"/>
+              </a:lnSpc>
+            </a:pPr>
             <a:r>
-              <a:rPr b="0" lang="en-US" sz="1800" spc="-1" strike="noStrike">
+              <a:rPr b="0" lang="sk-SK" sz="1800" spc="-1" strike="noStrike">
+                <a:solidFill>
+                  <a:srgbClr val="000000"/>
+                </a:solidFill>
                 <a:latin typeface="Arial"/>
+                <a:ea typeface="DejaVu Sans"/>
               </a:rPr>
-              <a:t>Aj napriek tomu, ze je korelacia medzi datami, tak nemusi platit, ze to prejde</a:t>
+              <a:t>Predikcia 50% </a:t>
             </a:r>
-            <a:endParaRPr b="0" lang="en-US" sz="1800" spc="-1" strike="noStrike">
-              <a:latin typeface="Arial"/>
-            </a:endParaRPr>
-          </a:p>
-          <a:p>
-            <a:endParaRPr b="0" lang="en-US" sz="1800" spc="-1" strike="noStrike">
-              <a:latin typeface="Arial"/>
-            </a:endParaRPr>
-          </a:p>
-          <a:p>
+            <a:endParaRPr b="0" lang="sk-SK" sz="1800" spc="-1" strike="noStrike">
+              <a:latin typeface="Arial"/>
+            </a:endParaRPr>
+          </a:p>
+          <a:p>
+            <a:pPr>
+              <a:lnSpc>
+                <a:spcPct val="100000"/>
+              </a:lnSpc>
+            </a:pPr>
             <a:r>
-              <a:rPr b="0" lang="en-US" sz="1800" spc="-1" strike="noStrike">
+              <a:rPr b="0" lang="sk-SK" sz="1800" spc="-1" strike="noStrike">
+                <a:solidFill>
+                  <a:srgbClr val="000000"/>
+                </a:solidFill>
                 <a:latin typeface="Arial"/>
+                <a:ea typeface="DejaVu Sans"/>
               </a:rPr>
-              <a:t>Ak máme zle predspracované dáta, nedosiahneme väčšiu presnosť ako 50%</a:t>
+              <a:t>Ako randomny generator alebo hod mincou</a:t>
             </a:r>
-            <a:endParaRPr b="0" lang="en-US" sz="1800" spc="-1" strike="noStrike">
-              <a:latin typeface="Arial"/>
-            </a:endParaRPr>
-          </a:p>
-          <a:p>
-            <a:endParaRPr b="0" lang="en-US" sz="1800" spc="-1" strike="noStrike">
-              <a:latin typeface="Arial"/>
-            </a:endParaRPr>
-          </a:p>
-          <a:p>
-            <a:r>
-              <a:rPr b="0" lang="en-US" sz="1800" spc="-1" strike="noStrike">
-                <a:latin typeface="Arial"/>
-              </a:rPr>
-              <a:t>SPARSE DATA</a:t>
-            </a:r>
-            <a:endParaRPr b="0" lang="en-US" sz="1800" spc="-1" strike="noStrike">
+            <a:endParaRPr b="0" lang="sk-SK" sz="1800" spc="-1" strike="noStrike">
               <a:latin typeface="Arial"/>
             </a:endParaRPr>
           </a:p>
@@ -7371,14 +7664,14 @@
       </p:grpSpPr>
       <p:sp>
         <p:nvSpPr>
-          <p:cNvPr id="173" name="CustomShape 1"/>
+          <p:cNvPr id="176" name="CustomShape 1"/>
           <p:cNvSpPr/>
           <p:nvPr/>
         </p:nvSpPr>
         <p:spPr>
           <a:xfrm>
-            <a:off x="143640" y="0"/>
-            <a:ext cx="9536040" cy="1339920"/>
+            <a:off x="143280" y="60480"/>
+            <a:ext cx="9537120" cy="669600"/>
           </a:xfrm>
           <a:prstGeom prst="rect">
             <a:avLst/>
@@ -7406,35 +7699,23 @@
             </a:pPr>
             <a:r>
               <a:rPr b="0" lang="sk-SK" sz="4400" spc="-1" strike="noStrike">
+                <a:solidFill>
+                  <a:srgbClr val="000000"/>
+                </a:solidFill>
                 <a:latin typeface="Arial"/>
+                <a:ea typeface="DejaVu Sans"/>
               </a:rPr>
-              <a:t>Predpoklad 1:</a:t>
+              <a:t>Presnosť modelu</a:t>
             </a:r>
             <a:endParaRPr b="0" lang="sk-SK" sz="4400" spc="-1" strike="noStrike">
               <a:latin typeface="Arial"/>
             </a:endParaRPr>
           </a:p>
-          <a:p>
-            <a:pPr>
-              <a:lnSpc>
-                <a:spcPct val="100000"/>
-              </a:lnSpc>
-            </a:pPr>
-            <a:r>
-              <a:rPr b="0" lang="sk-SK" sz="4400" spc="-1" strike="noStrike">
-                <a:latin typeface="Arial"/>
-              </a:rPr>
-              <a:t>Headache</a:t>
-            </a:r>
-            <a:endParaRPr b="0" lang="sk-SK" sz="4400" spc="-1" strike="noStrike">
-              <a:latin typeface="Arial"/>
-            </a:endParaRPr>
-          </a:p>
         </p:txBody>
       </p:sp>
       <p:pic>
         <p:nvPicPr>
-          <p:cNvPr id="174" name="" descr=""/>
+          <p:cNvPr id="177" name="" descr=""/>
           <p:cNvPicPr/>
           <p:nvPr/>
         </p:nvPicPr>
@@ -7444,8 +7725,8 @@
         </p:blipFill>
         <p:spPr>
           <a:xfrm>
-            <a:off x="388440" y="1919520"/>
-            <a:ext cx="9117360" cy="1350000"/>
+            <a:off x="1553760" y="1087200"/>
+            <a:ext cx="5576040" cy="4069080"/>
           </a:xfrm>
           <a:prstGeom prst="rect">
             <a:avLst/>
@@ -7487,14 +7768,14 @@
       </p:grpSpPr>
       <p:sp>
         <p:nvSpPr>
-          <p:cNvPr id="175" name="CustomShape 1"/>
+          <p:cNvPr id="178" name="CustomShape 1"/>
           <p:cNvSpPr/>
           <p:nvPr/>
         </p:nvSpPr>
         <p:spPr>
           <a:xfrm>
-            <a:off x="182520" y="-59400"/>
-            <a:ext cx="9536040" cy="1339920"/>
+            <a:off x="143280" y="60480"/>
+            <a:ext cx="9537120" cy="669600"/>
           </a:xfrm>
           <a:prstGeom prst="rect">
             <a:avLst/>
@@ -7522,35 +7803,23 @@
             </a:pPr>
             <a:r>
               <a:rPr b="0" lang="sk-SK" sz="4400" spc="-1" strike="noStrike">
+                <a:solidFill>
+                  <a:srgbClr val="000000"/>
+                </a:solidFill>
                 <a:latin typeface="Arial"/>
+                <a:ea typeface="DejaVu Sans"/>
               </a:rPr>
-              <a:t>Predpoklad 1:</a:t>
+              <a:t>Chyba</a:t>
             </a:r>
             <a:endParaRPr b="0" lang="sk-SK" sz="4400" spc="-1" strike="noStrike">
               <a:latin typeface="Arial"/>
             </a:endParaRPr>
           </a:p>
-          <a:p>
-            <a:pPr>
-              <a:lnSpc>
-                <a:spcPct val="100000"/>
-              </a:lnSpc>
-            </a:pPr>
-            <a:r>
-              <a:rPr b="0" lang="sk-SK" sz="4400" spc="-1" strike="noStrike">
-                <a:latin typeface="Arial"/>
-              </a:rPr>
-              <a:t>Headache</a:t>
-            </a:r>
-            <a:endParaRPr b="0" lang="sk-SK" sz="4400" spc="-1" strike="noStrike">
-              <a:latin typeface="Arial"/>
-            </a:endParaRPr>
-          </a:p>
         </p:txBody>
       </p:sp>
       <p:pic>
         <p:nvPicPr>
-          <p:cNvPr id="176" name="" descr=""/>
+          <p:cNvPr id="179" name="" descr=""/>
           <p:cNvPicPr/>
           <p:nvPr/>
         </p:nvPicPr>
@@ -7560,8 +7829,8 @@
         </p:blipFill>
         <p:spPr>
           <a:xfrm>
-            <a:off x="4629600" y="1463040"/>
-            <a:ext cx="3691440" cy="3166200"/>
+            <a:off x="1553760" y="1188000"/>
+            <a:ext cx="5015880" cy="3543480"/>
           </a:xfrm>
           <a:prstGeom prst="rect">
             <a:avLst/>
@@ -7571,38 +7840,6 @@
           </a:ln>
         </p:spPr>
       </p:pic>
-      <p:sp>
-        <p:nvSpPr>
-          <p:cNvPr id="177" name="CustomShape 2"/>
-          <p:cNvSpPr/>
-          <p:nvPr/>
-        </p:nvSpPr>
-        <p:spPr>
-          <a:xfrm>
-            <a:off x="4206240" y="3566160"/>
-            <a:ext cx="3385440" cy="914400"/>
-          </a:xfrm>
-          <a:prstGeom prst="donut">
-            <a:avLst>
-              <a:gd name="adj" fmla="val 1013"/>
-            </a:avLst>
-          </a:prstGeom>
-          <a:solidFill>
-            <a:srgbClr val="729fcf"/>
-          </a:solidFill>
-          <a:ln>
-            <a:solidFill>
-              <a:srgbClr val="ff0000"/>
-            </a:solidFill>
-          </a:ln>
-        </p:spPr>
-        <p:style>
-          <a:lnRef idx="0"/>
-          <a:fillRef idx="0"/>
-          <a:effectRef idx="0"/>
-          <a:fontRef idx="minor"/>
-        </p:style>
-      </p:sp>
     </p:spTree>
   </p:cSld>
   <mc:AlternateContent>
@@ -7635,14 +7872,14 @@
       </p:grpSpPr>
       <p:sp>
         <p:nvSpPr>
-          <p:cNvPr id="178" name="CustomShape 1"/>
+          <p:cNvPr id="180" name="CustomShape 1"/>
           <p:cNvSpPr/>
           <p:nvPr/>
         </p:nvSpPr>
         <p:spPr>
           <a:xfrm>
-            <a:off x="244080" y="0"/>
-            <a:ext cx="9536040" cy="1339920"/>
+            <a:off x="2776320" y="2066400"/>
+            <a:ext cx="9537120" cy="669600"/>
           </a:xfrm>
           <a:prstGeom prst="rect">
             <a:avLst/>
@@ -7670,56 +7907,20 @@
             </a:pPr>
             <a:r>
               <a:rPr b="0" lang="sk-SK" sz="4400" spc="-1" strike="noStrike">
+                <a:solidFill>
+                  <a:srgbClr val="000000"/>
+                </a:solidFill>
                 <a:latin typeface="Arial"/>
+                <a:ea typeface="DejaVu Sans"/>
               </a:rPr>
-              <a:t>Predpoklad 2:</a:t>
+              <a:t>Čo sa stalo??</a:t>
             </a:r>
             <a:endParaRPr b="0" lang="sk-SK" sz="4400" spc="-1" strike="noStrike">
               <a:latin typeface="Arial"/>
             </a:endParaRPr>
           </a:p>
-          <a:p>
-            <a:pPr>
-              <a:lnSpc>
-                <a:spcPct val="100000"/>
-              </a:lnSpc>
-            </a:pPr>
-            <a:r>
-              <a:rPr b="0" lang="sk-SK" sz="4400" spc="-1" strike="noStrike">
-                <a:latin typeface="Arial"/>
-              </a:rPr>
-              <a:t>nevhodne data</a:t>
-            </a:r>
-            <a:endParaRPr b="0" lang="sk-SK" sz="4400" spc="-1" strike="noStrike">
-              <a:latin typeface="Arial"/>
-            </a:endParaRPr>
-          </a:p>
-        </p:txBody>
-      </p:sp>
-      <p:pic>
-        <p:nvPicPr>
-          <p:cNvPr id="179" name="" descr=""/>
-          <p:cNvPicPr/>
-          <p:nvPr/>
-        </p:nvPicPr>
-        <p:blipFill>
-          <a:blip r:embed="rId1"/>
-          <a:srcRect l="0" t="0" r="7673" b="0"/>
-          <a:stretch/>
-        </p:blipFill>
-        <p:spPr>
-          <a:xfrm>
-            <a:off x="5301360" y="1462320"/>
-            <a:ext cx="3016080" cy="3542400"/>
-          </a:xfrm>
-          <a:prstGeom prst="rect">
-            <a:avLst/>
-          </a:prstGeom>
-          <a:ln>
-            <a:noFill/>
-          </a:ln>
-        </p:spPr>
-      </p:pic>
+        </p:txBody>
+      </p:sp>
     </p:spTree>
   </p:cSld>
   <mc:AlternateContent>
@@ -7762,8 +7963,8 @@
         </p:blipFill>
         <p:spPr>
           <a:xfrm>
-            <a:off x="1640160" y="91440"/>
-            <a:ext cx="6796440" cy="5486400"/>
+            <a:off x="1640160" y="91080"/>
+            <a:ext cx="6797160" cy="5486040"/>
           </a:xfrm>
           <a:prstGeom prst="rect">
             <a:avLst/>
@@ -7805,14 +8006,14 @@
       </p:grpSpPr>
       <p:sp>
         <p:nvSpPr>
-          <p:cNvPr id="180" name="CustomShape 1"/>
+          <p:cNvPr id="181" name="CustomShape 1"/>
           <p:cNvSpPr/>
           <p:nvPr/>
         </p:nvSpPr>
         <p:spPr>
           <a:xfrm>
-            <a:off x="244080" y="854640"/>
-            <a:ext cx="9536040" cy="1339920"/>
+            <a:off x="143280" y="60480"/>
+            <a:ext cx="9537120" cy="669600"/>
           </a:xfrm>
           <a:prstGeom prst="rect">
             <a:avLst/>
@@ -7840,14 +8041,49 @@
             </a:pPr>
             <a:r>
               <a:rPr b="0" lang="sk-SK" sz="4400" spc="-1" strike="noStrike">
+                <a:solidFill>
+                  <a:srgbClr val="000000"/>
+                </a:solidFill>
                 <a:latin typeface="Arial"/>
+                <a:ea typeface="DejaVu Sans"/>
               </a:rPr>
-              <a:t>Predpoklad 3:</a:t>
+              <a:t>Čo sme zistili?</a:t>
             </a:r>
             <a:endParaRPr b="0" lang="sk-SK" sz="4400" spc="-1" strike="noStrike">
               <a:latin typeface="Arial"/>
             </a:endParaRPr>
           </a:p>
+        </p:txBody>
+      </p:sp>
+      <p:sp>
+        <p:nvSpPr>
+          <p:cNvPr id="182" name="CustomShape 2"/>
+          <p:cNvSpPr/>
+          <p:nvPr/>
+        </p:nvSpPr>
+        <p:spPr>
+          <a:xfrm>
+            <a:off x="1096200" y="1827720"/>
+            <a:ext cx="3656160" cy="2558520"/>
+          </a:xfrm>
+          <a:prstGeom prst="rect">
+            <a:avLst/>
+          </a:prstGeom>
+          <a:noFill/>
+          <a:ln>
+            <a:noFill/>
+          </a:ln>
+        </p:spPr>
+        <p:style>
+          <a:lnRef idx="0"/>
+          <a:fillRef idx="0"/>
+          <a:effectRef idx="0"/>
+          <a:fontRef idx="minor"/>
+        </p:style>
+        <p:txBody>
+          <a:bodyPr lIns="90000" rIns="90000" tIns="45000" bIns="45000">
+            <a:spAutoFit/>
+          </a:bodyPr>
           <a:p>
             <a:pPr>
               <a:lnSpc>
@@ -7855,12 +8091,76 @@
               </a:lnSpc>
             </a:pPr>
             <a:r>
-              <a:rPr b="0" lang="sk-SK" sz="4400" spc="-1" strike="noStrike">
+              <a:rPr b="0" lang="sk-SK" sz="1800" spc="-1" strike="noStrike">
+                <a:solidFill>
+                  <a:srgbClr val="000000"/>
+                </a:solidFill>
                 <a:latin typeface="Arial"/>
+                <a:ea typeface="DejaVu Sans"/>
               </a:rPr>
-              <a:t>Chybny postup pri overovani krokov</a:t>
+              <a:t>Aj napriek tomu, ze je korelacia medzi datami, tak nemusi platit, ze to prejde</a:t>
             </a:r>
-            <a:endParaRPr b="0" lang="sk-SK" sz="4400" spc="-1" strike="noStrike">
+            <a:endParaRPr b="0" lang="sk-SK" sz="1800" spc="-1" strike="noStrike">
+              <a:latin typeface="Arial"/>
+            </a:endParaRPr>
+          </a:p>
+          <a:p>
+            <a:pPr>
+              <a:lnSpc>
+                <a:spcPct val="100000"/>
+              </a:lnSpc>
+            </a:pPr>
+            <a:endParaRPr b="0" lang="sk-SK" sz="1800" spc="-1" strike="noStrike">
+              <a:latin typeface="Arial"/>
+            </a:endParaRPr>
+          </a:p>
+          <a:p>
+            <a:pPr>
+              <a:lnSpc>
+                <a:spcPct val="100000"/>
+              </a:lnSpc>
+            </a:pPr>
+            <a:r>
+              <a:rPr b="0" lang="sk-SK" sz="1800" spc="-1" strike="noStrike">
+                <a:solidFill>
+                  <a:srgbClr val="000000"/>
+                </a:solidFill>
+                <a:latin typeface="Arial"/>
+                <a:ea typeface="DejaVu Sans"/>
+              </a:rPr>
+              <a:t>Ak máme zle predspracované dáta, nedosiahneme väčšiu presnosť ako 50%</a:t>
+            </a:r>
+            <a:endParaRPr b="0" lang="sk-SK" sz="1800" spc="-1" strike="noStrike">
+              <a:latin typeface="Arial"/>
+            </a:endParaRPr>
+          </a:p>
+          <a:p>
+            <a:pPr>
+              <a:lnSpc>
+                <a:spcPct val="100000"/>
+              </a:lnSpc>
+            </a:pPr>
+            <a:endParaRPr b="0" lang="sk-SK" sz="1800" spc="-1" strike="noStrike">
+              <a:latin typeface="Arial"/>
+            </a:endParaRPr>
+          </a:p>
+          <a:p>
+            <a:pPr>
+              <a:lnSpc>
+                <a:spcPct val="100000"/>
+              </a:lnSpc>
+            </a:pPr>
+            <a:r>
+              <a:rPr b="0" lang="sk-SK" sz="1800" spc="-1" strike="noStrike">
+                <a:solidFill>
+                  <a:srgbClr val="000000"/>
+                </a:solidFill>
+                <a:latin typeface="Arial"/>
+                <a:ea typeface="DejaVu Sans"/>
+              </a:rPr>
+              <a:t>SPARSE DATA</a:t>
+            </a:r>
+            <a:endParaRPr b="0" lang="sk-SK" sz="1800" spc="-1" strike="noStrike">
               <a:latin typeface="Arial"/>
             </a:endParaRPr>
           </a:p>
@@ -7898,14 +8198,14 @@
       </p:grpSpPr>
       <p:sp>
         <p:nvSpPr>
-          <p:cNvPr id="181" name="CustomShape 1"/>
+          <p:cNvPr id="183" name="CustomShape 1"/>
           <p:cNvSpPr/>
           <p:nvPr/>
         </p:nvSpPr>
         <p:spPr>
           <a:xfrm>
-            <a:off x="182880" y="426240"/>
-            <a:ext cx="9536040" cy="671040"/>
+            <a:off x="143280" y="0"/>
+            <a:ext cx="9537120" cy="1339920"/>
           </a:xfrm>
           <a:prstGeom prst="rect">
             <a:avLst/>
@@ -7933,100 +8233,63 @@
             </a:pPr>
             <a:r>
               <a:rPr b="0" lang="sk-SK" sz="4400" spc="-1" strike="noStrike">
+                <a:solidFill>
+                  <a:srgbClr val="000000"/>
+                </a:solidFill>
                 <a:latin typeface="Arial"/>
+                <a:ea typeface="DejaVu Sans"/>
               </a:rPr>
-              <a:t>Vyhodnotenia</a:t>
+              <a:t>Predpoklad 1:</a:t>
             </a:r>
             <a:endParaRPr b="0" lang="sk-SK" sz="4400" spc="-1" strike="noStrike">
               <a:latin typeface="Arial"/>
             </a:endParaRPr>
           </a:p>
-        </p:txBody>
-      </p:sp>
-      <p:sp>
-        <p:nvSpPr>
-          <p:cNvPr id="182" name="TextShape 2"/>
-          <p:cNvSpPr txBox="1"/>
+          <a:p>
+            <a:pPr>
+              <a:lnSpc>
+                <a:spcPct val="100000"/>
+              </a:lnSpc>
+            </a:pPr>
+            <a:r>
+              <a:rPr b="0" lang="sk-SK" sz="4400" spc="-1" strike="noStrike">
+                <a:solidFill>
+                  <a:srgbClr val="000000"/>
+                </a:solidFill>
+                <a:latin typeface="Arial"/>
+                <a:ea typeface="DejaVu Sans"/>
+              </a:rPr>
+              <a:t>Headache</a:t>
+            </a:r>
+            <a:endParaRPr b="0" lang="sk-SK" sz="4400" spc="-1" strike="noStrike">
+              <a:latin typeface="Arial"/>
+            </a:endParaRPr>
+          </a:p>
+        </p:txBody>
+      </p:sp>
+      <p:pic>
+        <p:nvPicPr>
+          <p:cNvPr id="184" name="" descr=""/>
+          <p:cNvPicPr/>
           <p:nvPr/>
-        </p:nvSpPr>
-        <p:spPr>
-          <a:xfrm>
-            <a:off x="1554480" y="1645920"/>
-            <a:ext cx="5577840" cy="3417840"/>
-          </a:xfrm>
-          <a:prstGeom prst="rect">
-            <a:avLst/>
-          </a:prstGeom>
-          <a:noFill/>
+        </p:nvPicPr>
+        <p:blipFill>
+          <a:blip r:embed="rId1"/>
+          <a:stretch/>
+        </p:blipFill>
+        <p:spPr>
+          <a:xfrm>
+            <a:off x="388080" y="1919520"/>
+            <a:ext cx="9118080" cy="1349640"/>
+          </a:xfrm>
+          <a:prstGeom prst="rect">
+            <a:avLst/>
+          </a:prstGeom>
           <a:ln>
             <a:noFill/>
           </a:ln>
         </p:spPr>
-        <p:txBody>
-          <a:bodyPr lIns="90000" rIns="90000" tIns="45000" bIns="45000">
-            <a:spAutoFit/>
-          </a:bodyPr>
-          <a:p>
-            <a:r>
-              <a:rPr b="0" lang="en-US" sz="1800" spc="-1" strike="noStrike">
-                <a:latin typeface="Arial"/>
-              </a:rPr>
-              <a:t>Pochopenie dát je kľučové</a:t>
-            </a:r>
-            <a:endParaRPr b="0" lang="en-US" sz="1800" spc="-1" strike="noStrike">
-              <a:latin typeface="Arial"/>
-            </a:endParaRPr>
-          </a:p>
-          <a:p>
-            <a:endParaRPr b="0" lang="en-US" sz="1800" spc="-1" strike="noStrike">
-              <a:latin typeface="Arial"/>
-            </a:endParaRPr>
-          </a:p>
-          <a:p>
-            <a:r>
-              <a:rPr b="0" lang="en-US" sz="1800" spc="-1" strike="noStrike">
-                <a:latin typeface="Arial"/>
-              </a:rPr>
-              <a:t>Každý problém má svoje osobitné riešenie</a:t>
-            </a:r>
-            <a:endParaRPr b="0" lang="en-US" sz="1800" spc="-1" strike="noStrike">
-              <a:latin typeface="Arial"/>
-            </a:endParaRPr>
-          </a:p>
-          <a:p>
-            <a:endParaRPr b="0" lang="en-US" sz="1800" spc="-1" strike="noStrike">
-              <a:latin typeface="Arial"/>
-            </a:endParaRPr>
-          </a:p>
-          <a:p>
-            <a:r>
-              <a:rPr b="0" lang="en-US" sz="1800" spc="-1" strike="noStrike">
-                <a:latin typeface="Arial"/>
-              </a:rPr>
-              <a:t>Niekedy viacero features nie je vhod</a:t>
-            </a:r>
-            <a:endParaRPr b="0" lang="en-US" sz="1800" spc="-1" strike="noStrike">
-              <a:latin typeface="Arial"/>
-            </a:endParaRPr>
-          </a:p>
-          <a:p>
-            <a:endParaRPr b="0" lang="en-US" sz="1800" spc="-1" strike="noStrike">
-              <a:latin typeface="Arial"/>
-            </a:endParaRPr>
-          </a:p>
-          <a:p>
-            <a:r>
-              <a:rPr b="0" lang="en-US" sz="1800" spc="-1" strike="noStrike">
-                <a:latin typeface="Arial"/>
-              </a:rPr>
-              <a:t>Väčšia znalosť tematiky a nástrojov je potrebná na navrhovanie špecifického riešenia, keď sa nepracuje v dummy dátami</a:t>
-            </a:r>
-            <a:endParaRPr b="0" lang="en-US" sz="1800" spc="-1" strike="noStrike">
-              <a:latin typeface="Arial"/>
-            </a:endParaRPr>
-          </a:p>
-        </p:txBody>
-      </p:sp>
+      </p:pic>
     </p:spTree>
   </p:cSld>
   <mc:AlternateContent>
@@ -8059,14 +8322,14 @@
       </p:grpSpPr>
       <p:sp>
         <p:nvSpPr>
-          <p:cNvPr id="183" name="CustomShape 1"/>
+          <p:cNvPr id="185" name="CustomShape 1"/>
           <p:cNvSpPr/>
           <p:nvPr/>
         </p:nvSpPr>
         <p:spPr>
           <a:xfrm>
-            <a:off x="2071800" y="2403000"/>
-            <a:ext cx="5970960" cy="945000"/>
+            <a:off x="182160" y="-59040"/>
+            <a:ext cx="9537120" cy="1339920"/>
           </a:xfrm>
           <a:prstGeom prst="rect">
             <a:avLst/>
@@ -8087,19 +8350,1081 @@
             <a:spAutoFit/>
           </a:bodyPr>
           <a:p>
-            <a:pPr algn="ctr">
+            <a:pPr>
               <a:lnSpc>
                 <a:spcPct val="100000"/>
               </a:lnSpc>
             </a:pPr>
             <a:r>
               <a:rPr b="0" lang="sk-SK" sz="4400" spc="-1" strike="noStrike">
+                <a:solidFill>
+                  <a:srgbClr val="000000"/>
+                </a:solidFill>
+                <a:latin typeface="Arial"/>
+                <a:ea typeface="DejaVu Sans"/>
+              </a:rPr>
+              <a:t>Predpoklad 1:</a:t>
+            </a:r>
+            <a:endParaRPr b="0" lang="sk-SK" sz="4400" spc="-1" strike="noStrike">
+              <a:latin typeface="Arial"/>
+            </a:endParaRPr>
+          </a:p>
+          <a:p>
+            <a:pPr>
+              <a:lnSpc>
+                <a:spcPct val="100000"/>
+              </a:lnSpc>
+            </a:pPr>
+            <a:r>
+              <a:rPr b="0" lang="sk-SK" sz="4400" spc="-1" strike="noStrike">
+                <a:solidFill>
+                  <a:srgbClr val="000000"/>
+                </a:solidFill>
+                <a:latin typeface="Arial"/>
+                <a:ea typeface="DejaVu Sans"/>
+              </a:rPr>
+              <a:t>Headache</a:t>
+            </a:r>
+            <a:endParaRPr b="0" lang="sk-SK" sz="4400" spc="-1" strike="noStrike">
+              <a:latin typeface="Arial"/>
+            </a:endParaRPr>
+          </a:p>
+        </p:txBody>
+      </p:sp>
+      <p:pic>
+        <p:nvPicPr>
+          <p:cNvPr id="186" name="" descr=""/>
+          <p:cNvPicPr/>
+          <p:nvPr/>
+        </p:nvPicPr>
+        <p:blipFill>
+          <a:blip r:embed="rId1"/>
+          <a:stretch/>
+        </p:blipFill>
+        <p:spPr>
+          <a:xfrm>
+            <a:off x="4630320" y="1462680"/>
+            <a:ext cx="3691440" cy="3165840"/>
+          </a:xfrm>
+          <a:prstGeom prst="rect">
+            <a:avLst/>
+          </a:prstGeom>
+          <a:ln>
+            <a:noFill/>
+          </a:ln>
+        </p:spPr>
+      </p:pic>
+      <p:sp>
+        <p:nvSpPr>
+          <p:cNvPr id="187" name="CustomShape 2"/>
+          <p:cNvSpPr/>
+          <p:nvPr/>
+        </p:nvSpPr>
+        <p:spPr>
+          <a:xfrm>
+            <a:off x="4206600" y="3565800"/>
+            <a:ext cx="3385080" cy="913680"/>
+          </a:xfrm>
+          <a:prstGeom prst="donut">
+            <a:avLst>
+              <a:gd name="adj" fmla="val 1013"/>
+            </a:avLst>
+          </a:prstGeom>
+          <a:solidFill>
+            <a:srgbClr val="729fcf"/>
+          </a:solidFill>
+          <a:ln>
+            <a:solidFill>
+              <a:srgbClr val="ff0000"/>
+            </a:solidFill>
+          </a:ln>
+        </p:spPr>
+        <p:style>
+          <a:lnRef idx="0"/>
+          <a:fillRef idx="0"/>
+          <a:effectRef idx="0"/>
+          <a:fontRef idx="minor"/>
+        </p:style>
+      </p:sp>
+    </p:spTree>
+  </p:cSld>
+  <mc:AlternateContent>
+    <mc:Choice Requires="p14">
+      <p:transition spd="slow" p14:dur="2000"/>
+    </mc:Choice>
+    <mc:Fallback>
+      <p:transition spd="slow"/>
+    </mc:Fallback>
+  </mc:AlternateContent>
+</p:sld>
+</file>
+
+<file path=ppt/slides/slide33.xml><?xml version="1.0" encoding="utf-8"?>
+<p:sld xmlns:a="http://schemas.openxmlformats.org/drawingml/2006/main" xmlns:p="http://schemas.openxmlformats.org/presentationml/2006/main" xmlns:r="http://schemas.openxmlformats.org/officeDocument/2006/relationships" xmlns:p14="http://schemas.microsoft.com/office/powerpoint/2010/main" xmlns:p15="http://schemas.microsoft.com/office/powerpoint/2012/main" xmlns:mc="http://schemas.openxmlformats.org/markup-compatibility/2006">
+  <p:cSld>
+    <p:spTree>
+      <p:nvGrpSpPr>
+        <p:cNvPr id="1" name=""/>
+        <p:cNvGrpSpPr/>
+        <p:nvPr/>
+      </p:nvGrpSpPr>
+      <p:grpSpPr>
+        <a:xfrm>
+          <a:off x="0" y="0"/>
+          <a:ext cx="0" cy="0"/>
+          <a:chOff x="0" y="0"/>
+          <a:chExt cx="0" cy="0"/>
+        </a:xfrm>
+      </p:grpSpPr>
+      <p:sp>
+        <p:nvSpPr>
+          <p:cNvPr id="188" name="CustomShape 1"/>
+          <p:cNvSpPr/>
+          <p:nvPr/>
+        </p:nvSpPr>
+        <p:spPr>
+          <a:xfrm>
+            <a:off x="243720" y="0"/>
+            <a:ext cx="9537120" cy="1339920"/>
+          </a:xfrm>
+          <a:prstGeom prst="rect">
+            <a:avLst/>
+          </a:prstGeom>
+          <a:noFill/>
+          <a:ln>
+            <a:noFill/>
+          </a:ln>
+        </p:spPr>
+        <p:style>
+          <a:lnRef idx="0"/>
+          <a:fillRef idx="0"/>
+          <a:effectRef idx="0"/>
+          <a:fontRef idx="minor"/>
+        </p:style>
+        <p:txBody>
+          <a:bodyPr lIns="0" rIns="0" tIns="0" bIns="0" anchor="ctr">
+            <a:spAutoFit/>
+          </a:bodyPr>
+          <a:p>
+            <a:pPr>
+              <a:lnSpc>
+                <a:spcPct val="100000"/>
+              </a:lnSpc>
+            </a:pPr>
+            <a:r>
+              <a:rPr b="0" lang="sk-SK" sz="4400" spc="-1" strike="noStrike">
+                <a:solidFill>
+                  <a:srgbClr val="000000"/>
+                </a:solidFill>
+                <a:latin typeface="Arial"/>
+                <a:ea typeface="DejaVu Sans"/>
+              </a:rPr>
+              <a:t>Predpoklad 2:</a:t>
+            </a:r>
+            <a:endParaRPr b="0" lang="sk-SK" sz="4400" spc="-1" strike="noStrike">
+              <a:latin typeface="Arial"/>
+            </a:endParaRPr>
+          </a:p>
+          <a:p>
+            <a:pPr>
+              <a:lnSpc>
+                <a:spcPct val="100000"/>
+              </a:lnSpc>
+            </a:pPr>
+            <a:r>
+              <a:rPr b="0" lang="sk-SK" sz="4400" spc="-1" strike="noStrike">
+                <a:solidFill>
+                  <a:srgbClr val="000000"/>
+                </a:solidFill>
+                <a:latin typeface="Arial"/>
+                <a:ea typeface="DejaVu Sans"/>
+              </a:rPr>
+              <a:t>nevhodne data?</a:t>
+            </a:r>
+            <a:endParaRPr b="0" lang="sk-SK" sz="4400" spc="-1" strike="noStrike">
+              <a:latin typeface="Arial"/>
+            </a:endParaRPr>
+          </a:p>
+        </p:txBody>
+      </p:sp>
+      <p:pic>
+        <p:nvPicPr>
+          <p:cNvPr id="189" name="" descr=""/>
+          <p:cNvPicPr/>
+          <p:nvPr/>
+        </p:nvPicPr>
+        <p:blipFill>
+          <a:blip r:embed="rId1"/>
+          <a:srcRect l="0" t="0" r="7673" b="0"/>
+          <a:stretch/>
+        </p:blipFill>
+        <p:spPr>
+          <a:xfrm>
+            <a:off x="5301720" y="1461960"/>
+            <a:ext cx="3015720" cy="3542040"/>
+          </a:xfrm>
+          <a:prstGeom prst="rect">
+            <a:avLst/>
+          </a:prstGeom>
+          <a:ln>
+            <a:noFill/>
+          </a:ln>
+        </p:spPr>
+      </p:pic>
+    </p:spTree>
+  </p:cSld>
+  <mc:AlternateContent>
+    <mc:Choice Requires="p14">
+      <p:transition spd="slow" p14:dur="2000"/>
+    </mc:Choice>
+    <mc:Fallback>
+      <p:transition spd="slow"/>
+    </mc:Fallback>
+  </mc:AlternateContent>
+</p:sld>
+</file>
+
+<file path=ppt/slides/slide34.xml><?xml version="1.0" encoding="utf-8"?>
+<p:sld xmlns:a="http://schemas.openxmlformats.org/drawingml/2006/main" xmlns:p="http://schemas.openxmlformats.org/presentationml/2006/main" xmlns:r="http://schemas.openxmlformats.org/officeDocument/2006/relationships" xmlns:p14="http://schemas.microsoft.com/office/powerpoint/2010/main" xmlns:p15="http://schemas.microsoft.com/office/powerpoint/2012/main" xmlns:mc="http://schemas.openxmlformats.org/markup-compatibility/2006">
+  <p:cSld>
+    <p:spTree>
+      <p:nvGrpSpPr>
+        <p:cNvPr id="1" name=""/>
+        <p:cNvGrpSpPr/>
+        <p:nvPr/>
+      </p:nvGrpSpPr>
+      <p:grpSpPr>
+        <a:xfrm>
+          <a:off x="0" y="0"/>
+          <a:ext cx="0" cy="0"/>
+          <a:chOff x="0" y="0"/>
+          <a:chExt cx="0" cy="0"/>
+        </a:xfrm>
+      </p:grpSpPr>
+      <p:sp>
+        <p:nvSpPr>
+          <p:cNvPr id="190" name="CustomShape 1"/>
+          <p:cNvSpPr/>
+          <p:nvPr/>
+        </p:nvSpPr>
+        <p:spPr>
+          <a:xfrm>
+            <a:off x="243720" y="854280"/>
+            <a:ext cx="9537120" cy="1339920"/>
+          </a:xfrm>
+          <a:prstGeom prst="rect">
+            <a:avLst/>
+          </a:prstGeom>
+          <a:noFill/>
+          <a:ln>
+            <a:noFill/>
+          </a:ln>
+        </p:spPr>
+        <p:style>
+          <a:lnRef idx="0"/>
+          <a:fillRef idx="0"/>
+          <a:effectRef idx="0"/>
+          <a:fontRef idx="minor"/>
+        </p:style>
+        <p:txBody>
+          <a:bodyPr lIns="0" rIns="0" tIns="0" bIns="0" anchor="ctr">
+            <a:spAutoFit/>
+          </a:bodyPr>
+          <a:p>
+            <a:pPr>
+              <a:lnSpc>
+                <a:spcPct val="100000"/>
+              </a:lnSpc>
+            </a:pPr>
+            <a:r>
+              <a:rPr b="0" lang="sk-SK" sz="4400" spc="-1" strike="noStrike">
+                <a:solidFill>
+                  <a:srgbClr val="000000"/>
+                </a:solidFill>
+                <a:latin typeface="Arial"/>
+                <a:ea typeface="DejaVu Sans"/>
+              </a:rPr>
+              <a:t>Predpoklad 3:</a:t>
+            </a:r>
+            <a:endParaRPr b="0" lang="sk-SK" sz="4400" spc="-1" strike="noStrike">
+              <a:latin typeface="Arial"/>
+            </a:endParaRPr>
+          </a:p>
+          <a:p>
+            <a:pPr>
+              <a:lnSpc>
+                <a:spcPct val="100000"/>
+              </a:lnSpc>
+            </a:pPr>
+            <a:r>
+              <a:rPr b="0" lang="sk-SK" sz="4400" spc="-1" strike="noStrike">
+                <a:solidFill>
+                  <a:srgbClr val="000000"/>
+                </a:solidFill>
+                <a:latin typeface="Arial"/>
+                <a:ea typeface="DejaVu Sans"/>
+              </a:rPr>
+              <a:t>Chybný postup pri overovaní krokov</a:t>
+            </a:r>
+            <a:endParaRPr b="0" lang="sk-SK" sz="4400" spc="-1" strike="noStrike">
+              <a:latin typeface="Arial"/>
+            </a:endParaRPr>
+          </a:p>
+        </p:txBody>
+      </p:sp>
+      <p:sp>
+        <p:nvSpPr>
+          <p:cNvPr id="191" name="TextShape 2"/>
+          <p:cNvSpPr txBox="1"/>
+          <p:nvPr/>
+        </p:nvSpPr>
+        <p:spPr>
+          <a:xfrm>
+            <a:off x="720000" y="2952000"/>
+            <a:ext cx="4608000" cy="858240"/>
+          </a:xfrm>
+          <a:prstGeom prst="rect">
+            <a:avLst/>
+          </a:prstGeom>
+          <a:noFill/>
+          <a:ln>
+            <a:noFill/>
+          </a:ln>
+        </p:spPr>
+        <p:txBody>
+          <a:bodyPr lIns="90000" rIns="90000" tIns="45000" bIns="45000">
+            <a:spAutoFit/>
+          </a:bodyPr>
+          <a:p>
+            <a:r>
+              <a:rPr b="0" lang="sk-SK" sz="1800" spc="-1" strike="noStrike">
                 <a:latin typeface="Arial"/>
               </a:rPr>
-              <a:t>Ďakujem za pozornosť.</a:t>
+              <a:t>Transformácia targetu na cathegorical</a:t>
             </a:r>
-            <a:br/>
+            <a:endParaRPr b="0" lang="sk-SK" sz="1800" spc="-1" strike="noStrike">
+              <a:latin typeface="Arial"/>
+            </a:endParaRPr>
+          </a:p>
+          <a:p>
+            <a:r>
+              <a:rPr b="0" lang="sk-SK" sz="1800" spc="-1" strike="noStrike">
+                <a:latin typeface="Arial"/>
+              </a:rPr>
+              <a:t>Normalizácia</a:t>
+            </a:r>
+            <a:endParaRPr b="0" lang="sk-SK" sz="1800" spc="-1" strike="noStrike">
+              <a:latin typeface="Arial"/>
+            </a:endParaRPr>
+          </a:p>
+          <a:p>
+            <a:r>
+              <a:rPr b="0" lang="sk-SK" sz="1800" spc="-1" strike="noStrike">
+                <a:latin typeface="Arial"/>
+              </a:rPr>
+              <a:t>Loss function</a:t>
+            </a:r>
+            <a:endParaRPr b="0" lang="sk-SK" sz="1800" spc="-1" strike="noStrike">
+              <a:latin typeface="Arial"/>
+            </a:endParaRPr>
+          </a:p>
+        </p:txBody>
+      </p:sp>
+    </p:spTree>
+  </p:cSld>
+  <mc:AlternateContent>
+    <mc:Choice Requires="p14">
+      <p:transition spd="slow" p14:dur="2000"/>
+    </mc:Choice>
+    <mc:Fallback>
+      <p:transition spd="slow"/>
+    </mc:Fallback>
+  </mc:AlternateContent>
+</p:sld>
+</file>
+
+<file path=ppt/slides/slide35.xml><?xml version="1.0" encoding="utf-8"?>
+<p:sld xmlns:a="http://schemas.openxmlformats.org/drawingml/2006/main" xmlns:p="http://schemas.openxmlformats.org/presentationml/2006/main" xmlns:r="http://schemas.openxmlformats.org/officeDocument/2006/relationships" xmlns:p14="http://schemas.microsoft.com/office/powerpoint/2010/main" xmlns:p15="http://schemas.microsoft.com/office/powerpoint/2012/main" xmlns:mc="http://schemas.openxmlformats.org/markup-compatibility/2006">
+  <p:cSld>
+    <p:spTree>
+      <p:nvGrpSpPr>
+        <p:cNvPr id="1" name=""/>
+        <p:cNvGrpSpPr/>
+        <p:nvPr/>
+      </p:nvGrpSpPr>
+      <p:grpSpPr>
+        <a:xfrm>
+          <a:off x="0" y="0"/>
+          <a:ext cx="0" cy="0"/>
+          <a:chOff x="0" y="0"/>
+          <a:chExt cx="0" cy="0"/>
+        </a:xfrm>
+      </p:grpSpPr>
+      <p:sp>
+        <p:nvSpPr>
+          <p:cNvPr id="192" name="CustomShape 1"/>
+          <p:cNvSpPr/>
+          <p:nvPr/>
+        </p:nvSpPr>
+        <p:spPr>
+          <a:xfrm>
+            <a:off x="182520" y="91080"/>
+            <a:ext cx="9537120" cy="1339920"/>
+          </a:xfrm>
+          <a:prstGeom prst="rect">
+            <a:avLst/>
+          </a:prstGeom>
+          <a:noFill/>
+          <a:ln>
+            <a:noFill/>
+          </a:ln>
+        </p:spPr>
+        <p:style>
+          <a:lnRef idx="0"/>
+          <a:fillRef idx="0"/>
+          <a:effectRef idx="0"/>
+          <a:fontRef idx="minor"/>
+        </p:style>
+        <p:txBody>
+          <a:bodyPr lIns="0" rIns="0" tIns="0" bIns="0" anchor="ctr">
+            <a:spAutoFit/>
+          </a:bodyPr>
+          <a:p>
+            <a:pPr>
+              <a:lnSpc>
+                <a:spcPct val="100000"/>
+              </a:lnSpc>
+            </a:pPr>
+            <a:r>
+              <a:rPr b="0" lang="sk-SK" sz="4400" spc="-1" strike="noStrike">
+                <a:solidFill>
+                  <a:srgbClr val="000000"/>
+                </a:solidFill>
+                <a:latin typeface="Arial"/>
+                <a:ea typeface="DejaVu Sans"/>
+              </a:rPr>
+              <a:t>Nepremenenie target na kategorickú premennú</a:t>
+            </a:r>
             <a:endParaRPr b="0" lang="sk-SK" sz="4400" spc="-1" strike="noStrike">
+              <a:latin typeface="Arial"/>
+            </a:endParaRPr>
+          </a:p>
+        </p:txBody>
+      </p:sp>
+      <p:pic>
+        <p:nvPicPr>
+          <p:cNvPr id="193" name="" descr=""/>
+          <p:cNvPicPr/>
+          <p:nvPr/>
+        </p:nvPicPr>
+        <p:blipFill>
+          <a:blip r:embed="rId1"/>
+          <a:stretch/>
+        </p:blipFill>
+        <p:spPr>
+          <a:xfrm>
+            <a:off x="1728000" y="2304000"/>
+            <a:ext cx="4686480" cy="647280"/>
+          </a:xfrm>
+          <a:prstGeom prst="rect">
+            <a:avLst/>
+          </a:prstGeom>
+          <a:ln>
+            <a:noFill/>
+          </a:ln>
+        </p:spPr>
+      </p:pic>
+      <p:sp>
+        <p:nvSpPr>
+          <p:cNvPr id="194" name="TextShape 2"/>
+          <p:cNvSpPr txBox="1"/>
+          <p:nvPr/>
+        </p:nvSpPr>
+        <p:spPr>
+          <a:xfrm>
+            <a:off x="8208000" y="5305680"/>
+            <a:ext cx="1656000" cy="238320"/>
+          </a:xfrm>
+          <a:prstGeom prst="rect">
+            <a:avLst/>
+          </a:prstGeom>
+          <a:noFill/>
+          <a:ln>
+            <a:noFill/>
+          </a:ln>
+        </p:spPr>
+        <p:txBody>
+          <a:bodyPr lIns="90000" rIns="90000" tIns="45000" bIns="45000">
+            <a:spAutoFit/>
+          </a:bodyPr>
+          <a:p>
+            <a:r>
+              <a:rPr b="0" lang="sk-SK" sz="1050" spc="-1" strike="noStrike">
+                <a:latin typeface="Arial"/>
+              </a:rPr>
+              <a:t>Doplnené po deadline</a:t>
+            </a:r>
+            <a:endParaRPr b="0" lang="sk-SK" sz="1050" spc="-1" strike="noStrike">
+              <a:latin typeface="Arial"/>
+            </a:endParaRPr>
+          </a:p>
+        </p:txBody>
+      </p:sp>
+    </p:spTree>
+  </p:cSld>
+  <mc:AlternateContent>
+    <mc:Choice Requires="p14">
+      <p:transition spd="slow" p14:dur="2000"/>
+    </mc:Choice>
+    <mc:Fallback>
+      <p:transition spd="slow"/>
+    </mc:Fallback>
+  </mc:AlternateContent>
+</p:sld>
+</file>
+
+<file path=ppt/slides/slide36.xml><?xml version="1.0" encoding="utf-8"?>
+<p:sld xmlns:a="http://schemas.openxmlformats.org/drawingml/2006/main" xmlns:p="http://schemas.openxmlformats.org/presentationml/2006/main" xmlns:r="http://schemas.openxmlformats.org/officeDocument/2006/relationships" xmlns:p14="http://schemas.microsoft.com/office/powerpoint/2010/main" xmlns:p15="http://schemas.microsoft.com/office/powerpoint/2012/main" xmlns:mc="http://schemas.openxmlformats.org/markup-compatibility/2006">
+  <p:cSld>
+    <p:spTree>
+      <p:nvGrpSpPr>
+        <p:cNvPr id="1" name=""/>
+        <p:cNvGrpSpPr/>
+        <p:nvPr/>
+      </p:nvGrpSpPr>
+      <p:grpSpPr>
+        <a:xfrm>
+          <a:off x="0" y="0"/>
+          <a:ext cx="0" cy="0"/>
+          <a:chOff x="0" y="0"/>
+          <a:chExt cx="0" cy="0"/>
+        </a:xfrm>
+      </p:grpSpPr>
+      <p:sp>
+        <p:nvSpPr>
+          <p:cNvPr id="195" name="CustomShape 1"/>
+          <p:cNvSpPr/>
+          <p:nvPr/>
+        </p:nvSpPr>
+        <p:spPr>
+          <a:xfrm>
+            <a:off x="182520" y="425880"/>
+            <a:ext cx="9537120" cy="670320"/>
+          </a:xfrm>
+          <a:prstGeom prst="rect">
+            <a:avLst/>
+          </a:prstGeom>
+          <a:noFill/>
+          <a:ln>
+            <a:noFill/>
+          </a:ln>
+        </p:spPr>
+        <p:style>
+          <a:lnRef idx="0"/>
+          <a:fillRef idx="0"/>
+          <a:effectRef idx="0"/>
+          <a:fontRef idx="minor"/>
+        </p:style>
+        <p:txBody>
+          <a:bodyPr lIns="0" rIns="0" tIns="0" bIns="0" anchor="ctr">
+            <a:spAutoFit/>
+          </a:bodyPr>
+          <a:p>
+            <a:pPr>
+              <a:lnSpc>
+                <a:spcPct val="100000"/>
+              </a:lnSpc>
+            </a:pPr>
+            <a:r>
+              <a:rPr b="0" lang="sk-SK" sz="4400" spc="-1" strike="noStrike">
+                <a:solidFill>
+                  <a:srgbClr val="000000"/>
+                </a:solidFill>
+                <a:latin typeface="Arial"/>
+                <a:ea typeface="DejaVu Sans"/>
+              </a:rPr>
+              <a:t>Normalizácia je škodlivá</a:t>
+            </a:r>
+            <a:endParaRPr b="0" lang="sk-SK" sz="4400" spc="-1" strike="noStrike">
+              <a:latin typeface="Arial"/>
+            </a:endParaRPr>
+          </a:p>
+        </p:txBody>
+      </p:sp>
+      <p:pic>
+        <p:nvPicPr>
+          <p:cNvPr id="196" name="" descr=""/>
+          <p:cNvPicPr/>
+          <p:nvPr/>
+        </p:nvPicPr>
+        <p:blipFill>
+          <a:blip r:embed="rId1"/>
+          <a:stretch/>
+        </p:blipFill>
+        <p:spPr>
+          <a:xfrm>
+            <a:off x="860040" y="1728000"/>
+            <a:ext cx="8715960" cy="3133800"/>
+          </a:xfrm>
+          <a:prstGeom prst="rect">
+            <a:avLst/>
+          </a:prstGeom>
+          <a:ln>
+            <a:noFill/>
+          </a:ln>
+        </p:spPr>
+      </p:pic>
+      <p:sp>
+        <p:nvSpPr>
+          <p:cNvPr id="197" name="TextShape 2"/>
+          <p:cNvSpPr txBox="1"/>
+          <p:nvPr/>
+        </p:nvSpPr>
+        <p:spPr>
+          <a:xfrm>
+            <a:off x="8208000" y="5305680"/>
+            <a:ext cx="1656000" cy="238320"/>
+          </a:xfrm>
+          <a:prstGeom prst="rect">
+            <a:avLst/>
+          </a:prstGeom>
+          <a:noFill/>
+          <a:ln>
+            <a:noFill/>
+          </a:ln>
+        </p:spPr>
+        <p:txBody>
+          <a:bodyPr lIns="90000" rIns="90000" tIns="45000" bIns="45000">
+            <a:spAutoFit/>
+          </a:bodyPr>
+          <a:p>
+            <a:r>
+              <a:rPr b="0" lang="sk-SK" sz="1050" spc="-1" strike="noStrike">
+                <a:latin typeface="Arial"/>
+              </a:rPr>
+              <a:t>Doplnené po deadline</a:t>
+            </a:r>
+            <a:endParaRPr b="0" lang="sk-SK" sz="1050" spc="-1" strike="noStrike">
+              <a:latin typeface="Arial"/>
+            </a:endParaRPr>
+          </a:p>
+        </p:txBody>
+      </p:sp>
+    </p:spTree>
+  </p:cSld>
+  <mc:AlternateContent>
+    <mc:Choice Requires="p14">
+      <p:transition spd="slow" p14:dur="2000"/>
+    </mc:Choice>
+    <mc:Fallback>
+      <p:transition spd="slow"/>
+    </mc:Fallback>
+  </mc:AlternateContent>
+</p:sld>
+</file>
+
+<file path=ppt/slides/slide37.xml><?xml version="1.0" encoding="utf-8"?>
+<p:sld xmlns:a="http://schemas.openxmlformats.org/drawingml/2006/main" xmlns:p="http://schemas.openxmlformats.org/presentationml/2006/main" xmlns:r="http://schemas.openxmlformats.org/officeDocument/2006/relationships" xmlns:p14="http://schemas.microsoft.com/office/powerpoint/2010/main" xmlns:p15="http://schemas.microsoft.com/office/powerpoint/2012/main" xmlns:mc="http://schemas.openxmlformats.org/markup-compatibility/2006">
+  <p:cSld>
+    <p:spTree>
+      <p:nvGrpSpPr>
+        <p:cNvPr id="1" name=""/>
+        <p:cNvGrpSpPr/>
+        <p:nvPr/>
+      </p:nvGrpSpPr>
+      <p:grpSpPr>
+        <a:xfrm>
+          <a:off x="0" y="0"/>
+          <a:ext cx="0" cy="0"/>
+          <a:chOff x="0" y="0"/>
+          <a:chExt cx="0" cy="0"/>
+        </a:xfrm>
+      </p:grpSpPr>
+      <p:sp>
+        <p:nvSpPr>
+          <p:cNvPr id="198" name="CustomShape 1"/>
+          <p:cNvSpPr/>
+          <p:nvPr/>
+        </p:nvSpPr>
+        <p:spPr>
+          <a:xfrm>
+            <a:off x="182520" y="425880"/>
+            <a:ext cx="9537120" cy="670320"/>
+          </a:xfrm>
+          <a:prstGeom prst="rect">
+            <a:avLst/>
+          </a:prstGeom>
+          <a:noFill/>
+          <a:ln>
+            <a:noFill/>
+          </a:ln>
+        </p:spPr>
+        <p:style>
+          <a:lnRef idx="0"/>
+          <a:fillRef idx="0"/>
+          <a:effectRef idx="0"/>
+          <a:fontRef idx="minor"/>
+        </p:style>
+        <p:txBody>
+          <a:bodyPr lIns="0" rIns="0" tIns="0" bIns="0" anchor="ctr">
+            <a:spAutoFit/>
+          </a:bodyPr>
+          <a:p>
+            <a:pPr>
+              <a:lnSpc>
+                <a:spcPct val="100000"/>
+              </a:lnSpc>
+            </a:pPr>
+            <a:r>
+              <a:rPr b="0" lang="sk-SK" sz="4400" spc="-1" strike="noStrike">
+                <a:solidFill>
+                  <a:srgbClr val="000000"/>
+                </a:solidFill>
+                <a:latin typeface="Arial"/>
+                <a:ea typeface="DejaVu Sans"/>
+              </a:rPr>
+              <a:t>Prevedenie na dense matrix</a:t>
+            </a:r>
+            <a:endParaRPr b="0" lang="sk-SK" sz="4400" spc="-1" strike="noStrike">
+              <a:latin typeface="Arial"/>
+            </a:endParaRPr>
+          </a:p>
+        </p:txBody>
+      </p:sp>
+      <p:pic>
+        <p:nvPicPr>
+          <p:cNvPr id="199" name="" descr=""/>
+          <p:cNvPicPr/>
+          <p:nvPr/>
+        </p:nvPicPr>
+        <p:blipFill>
+          <a:blip r:embed="rId1"/>
+          <a:stretch/>
+        </p:blipFill>
+        <p:spPr>
+          <a:xfrm>
+            <a:off x="1938240" y="1584000"/>
+            <a:ext cx="6629760" cy="3057480"/>
+          </a:xfrm>
+          <a:prstGeom prst="rect">
+            <a:avLst/>
+          </a:prstGeom>
+          <a:ln>
+            <a:noFill/>
+          </a:ln>
+        </p:spPr>
+      </p:pic>
+      <p:sp>
+        <p:nvSpPr>
+          <p:cNvPr id="200" name="TextShape 2"/>
+          <p:cNvSpPr txBox="1"/>
+          <p:nvPr/>
+        </p:nvSpPr>
+        <p:spPr>
+          <a:xfrm>
+            <a:off x="8208000" y="5305680"/>
+            <a:ext cx="1656000" cy="238320"/>
+          </a:xfrm>
+          <a:prstGeom prst="rect">
+            <a:avLst/>
+          </a:prstGeom>
+          <a:noFill/>
+          <a:ln>
+            <a:noFill/>
+          </a:ln>
+        </p:spPr>
+        <p:txBody>
+          <a:bodyPr lIns="90000" rIns="90000" tIns="45000" bIns="45000">
+            <a:spAutoFit/>
+          </a:bodyPr>
+          <a:p>
+            <a:r>
+              <a:rPr b="0" lang="sk-SK" sz="1050" spc="-1" strike="noStrike">
+                <a:latin typeface="Arial"/>
+              </a:rPr>
+              <a:t>Doplnené po deadline</a:t>
+            </a:r>
+            <a:endParaRPr b="0" lang="sk-SK" sz="1050" spc="-1" strike="noStrike">
+              <a:latin typeface="Arial"/>
+            </a:endParaRPr>
+          </a:p>
+        </p:txBody>
+      </p:sp>
+    </p:spTree>
+  </p:cSld>
+  <mc:AlternateContent>
+    <mc:Choice Requires="p14">
+      <p:transition spd="slow" p14:dur="2000"/>
+    </mc:Choice>
+    <mc:Fallback>
+      <p:transition spd="slow"/>
+    </mc:Fallback>
+  </mc:AlternateContent>
+</p:sld>
+</file>
+
+<file path=ppt/slides/slide38.xml><?xml version="1.0" encoding="utf-8"?>
+<p:sld xmlns:a="http://schemas.openxmlformats.org/drawingml/2006/main" xmlns:p="http://schemas.openxmlformats.org/presentationml/2006/main" xmlns:r="http://schemas.openxmlformats.org/officeDocument/2006/relationships" xmlns:p14="http://schemas.microsoft.com/office/powerpoint/2010/main" xmlns:p15="http://schemas.microsoft.com/office/powerpoint/2012/main" xmlns:mc="http://schemas.openxmlformats.org/markup-compatibility/2006">
+  <p:cSld>
+    <p:spTree>
+      <p:nvGrpSpPr>
+        <p:cNvPr id="1" name=""/>
+        <p:cNvGrpSpPr/>
+        <p:nvPr/>
+      </p:nvGrpSpPr>
+      <p:grpSpPr>
+        <a:xfrm>
+          <a:off x="0" y="0"/>
+          <a:ext cx="0" cy="0"/>
+          <a:chOff x="0" y="0"/>
+          <a:chExt cx="0" cy="0"/>
+        </a:xfrm>
+      </p:grpSpPr>
+      <p:sp>
+        <p:nvSpPr>
+          <p:cNvPr id="201" name="CustomShape 1"/>
+          <p:cNvSpPr/>
+          <p:nvPr/>
+        </p:nvSpPr>
+        <p:spPr>
+          <a:xfrm>
+            <a:off x="182520" y="425880"/>
+            <a:ext cx="9537120" cy="670320"/>
+          </a:xfrm>
+          <a:prstGeom prst="rect">
+            <a:avLst/>
+          </a:prstGeom>
+          <a:noFill/>
+          <a:ln>
+            <a:noFill/>
+          </a:ln>
+        </p:spPr>
+        <p:style>
+          <a:lnRef idx="0"/>
+          <a:fillRef idx="0"/>
+          <a:effectRef idx="0"/>
+          <a:fontRef idx="minor"/>
+        </p:style>
+        <p:txBody>
+          <a:bodyPr lIns="0" rIns="0" tIns="0" bIns="0" anchor="ctr">
+            <a:spAutoFit/>
+          </a:bodyPr>
+          <a:p>
+            <a:pPr>
+              <a:lnSpc>
+                <a:spcPct val="100000"/>
+              </a:lnSpc>
+            </a:pPr>
+            <a:r>
+              <a:rPr b="0" lang="sk-SK" sz="4400" spc="-1" strike="noStrike">
+                <a:solidFill>
+                  <a:srgbClr val="000000"/>
+                </a:solidFill>
+                <a:latin typeface="Arial"/>
+                <a:ea typeface="DejaVu Sans"/>
+              </a:rPr>
+              <a:t>Znovu trenovať</a:t>
+            </a:r>
+            <a:endParaRPr b="0" lang="sk-SK" sz="4400" spc="-1" strike="noStrike">
+              <a:latin typeface="Arial"/>
+            </a:endParaRPr>
+          </a:p>
+        </p:txBody>
+      </p:sp>
+      <p:pic>
+        <p:nvPicPr>
+          <p:cNvPr id="202" name="" descr=""/>
+          <p:cNvPicPr/>
+          <p:nvPr/>
+        </p:nvPicPr>
+        <p:blipFill>
+          <a:blip r:embed="rId1"/>
+          <a:stretch/>
+        </p:blipFill>
+        <p:spPr>
+          <a:xfrm>
+            <a:off x="710280" y="1584000"/>
+            <a:ext cx="8754120" cy="2685960"/>
+          </a:xfrm>
+          <a:prstGeom prst="rect">
+            <a:avLst/>
+          </a:prstGeom>
+          <a:ln>
+            <a:noFill/>
+          </a:ln>
+        </p:spPr>
+      </p:pic>
+      <p:sp>
+        <p:nvSpPr>
+          <p:cNvPr id="203" name="TextShape 2"/>
+          <p:cNvSpPr txBox="1"/>
+          <p:nvPr/>
+        </p:nvSpPr>
+        <p:spPr>
+          <a:xfrm>
+            <a:off x="8208000" y="5305680"/>
+            <a:ext cx="1656000" cy="238320"/>
+          </a:xfrm>
+          <a:prstGeom prst="rect">
+            <a:avLst/>
+          </a:prstGeom>
+          <a:noFill/>
+          <a:ln>
+            <a:noFill/>
+          </a:ln>
+        </p:spPr>
+        <p:txBody>
+          <a:bodyPr lIns="90000" rIns="90000" tIns="45000" bIns="45000">
+            <a:spAutoFit/>
+          </a:bodyPr>
+          <a:p>
+            <a:r>
+              <a:rPr b="0" lang="sk-SK" sz="1050" spc="-1" strike="noStrike">
+                <a:latin typeface="Arial"/>
+              </a:rPr>
+              <a:t>Doplnené po deadline</a:t>
+            </a:r>
+            <a:endParaRPr b="0" lang="sk-SK" sz="1050" spc="-1" strike="noStrike">
+              <a:latin typeface="Arial"/>
+            </a:endParaRPr>
+          </a:p>
+        </p:txBody>
+      </p:sp>
+    </p:spTree>
+  </p:cSld>
+  <mc:AlternateContent>
+    <mc:Choice Requires="p14">
+      <p:transition spd="slow" p14:dur="2000"/>
+    </mc:Choice>
+    <mc:Fallback>
+      <p:transition spd="slow"/>
+    </mc:Fallback>
+  </mc:AlternateContent>
+</p:sld>
+</file>
+
+<file path=ppt/slides/slide39.xml><?xml version="1.0" encoding="utf-8"?>
+<p:sld xmlns:a="http://schemas.openxmlformats.org/drawingml/2006/main" xmlns:p="http://schemas.openxmlformats.org/presentationml/2006/main" xmlns:r="http://schemas.openxmlformats.org/officeDocument/2006/relationships" xmlns:p14="http://schemas.microsoft.com/office/powerpoint/2010/main" xmlns:p15="http://schemas.microsoft.com/office/powerpoint/2012/main" xmlns:mc="http://schemas.openxmlformats.org/markup-compatibility/2006">
+  <p:cSld>
+    <p:spTree>
+      <p:nvGrpSpPr>
+        <p:cNvPr id="1" name=""/>
+        <p:cNvGrpSpPr/>
+        <p:nvPr/>
+      </p:nvGrpSpPr>
+      <p:grpSpPr>
+        <a:xfrm>
+          <a:off x="0" y="0"/>
+          <a:ext cx="0" cy="0"/>
+          <a:chOff x="0" y="0"/>
+          <a:chExt cx="0" cy="0"/>
+        </a:xfrm>
+      </p:grpSpPr>
+      <p:sp>
+        <p:nvSpPr>
+          <p:cNvPr id="204" name="CustomShape 1"/>
+          <p:cNvSpPr/>
+          <p:nvPr/>
+        </p:nvSpPr>
+        <p:spPr>
+          <a:xfrm>
+            <a:off x="143280" y="60480"/>
+            <a:ext cx="9537120" cy="669600"/>
+          </a:xfrm>
+          <a:prstGeom prst="rect">
+            <a:avLst/>
+          </a:prstGeom>
+          <a:noFill/>
+          <a:ln>
+            <a:noFill/>
+          </a:ln>
+        </p:spPr>
+        <p:style>
+          <a:lnRef idx="0"/>
+          <a:fillRef idx="0"/>
+          <a:effectRef idx="0"/>
+          <a:fontRef idx="minor"/>
+        </p:style>
+        <p:txBody>
+          <a:bodyPr lIns="0" rIns="0" tIns="0" bIns="0" anchor="ctr">
+            <a:spAutoFit/>
+          </a:bodyPr>
+          <a:p>
+            <a:pPr>
+              <a:lnSpc>
+                <a:spcPct val="100000"/>
+              </a:lnSpc>
+            </a:pPr>
+            <a:r>
+              <a:rPr b="0" lang="sk-SK" sz="4400" spc="-1" strike="noStrike">
+                <a:solidFill>
+                  <a:srgbClr val="000000"/>
+                </a:solidFill>
+                <a:latin typeface="Arial"/>
+                <a:ea typeface="DejaVu Sans"/>
+              </a:rPr>
+              <a:t>Presnosť modelu</a:t>
+            </a:r>
+            <a:endParaRPr b="0" lang="sk-SK" sz="4400" spc="-1" strike="noStrike">
+              <a:latin typeface="Arial"/>
+            </a:endParaRPr>
+          </a:p>
+        </p:txBody>
+      </p:sp>
+      <p:pic>
+        <p:nvPicPr>
+          <p:cNvPr id="205" name="" descr=""/>
+          <p:cNvPicPr/>
+          <p:nvPr/>
+        </p:nvPicPr>
+        <p:blipFill>
+          <a:blip r:embed="rId1"/>
+          <a:stretch/>
+        </p:blipFill>
+        <p:spPr>
+          <a:xfrm>
+            <a:off x="1944000" y="1080000"/>
+            <a:ext cx="5904000" cy="4166280"/>
+          </a:xfrm>
+          <a:prstGeom prst="rect">
+            <a:avLst/>
+          </a:prstGeom>
+          <a:ln>
+            <a:noFill/>
+          </a:ln>
+        </p:spPr>
+      </p:pic>
+      <p:sp>
+        <p:nvSpPr>
+          <p:cNvPr id="206" name="TextShape 2"/>
+          <p:cNvSpPr txBox="1"/>
+          <p:nvPr/>
+        </p:nvSpPr>
+        <p:spPr>
+          <a:xfrm>
+            <a:off x="8208000" y="5305680"/>
+            <a:ext cx="1656000" cy="238320"/>
+          </a:xfrm>
+          <a:prstGeom prst="rect">
+            <a:avLst/>
+          </a:prstGeom>
+          <a:noFill/>
+          <a:ln>
+            <a:noFill/>
+          </a:ln>
+        </p:spPr>
+        <p:txBody>
+          <a:bodyPr lIns="90000" rIns="90000" tIns="45000" bIns="45000">
+            <a:spAutoFit/>
+          </a:bodyPr>
+          <a:p>
+            <a:r>
+              <a:rPr b="0" lang="sk-SK" sz="1050" spc="-1" strike="noStrike">
+                <a:latin typeface="Arial"/>
+              </a:rPr>
+              <a:t>Doplnené po deadline</a:t>
+            </a:r>
+            <a:endParaRPr b="0" lang="sk-SK" sz="1050" spc="-1" strike="noStrike">
               <a:latin typeface="Arial"/>
             </a:endParaRPr>
           </a:p>
@@ -8143,8 +9468,8 @@
         </p:nvSpPr>
         <p:spPr>
           <a:xfrm>
-            <a:off x="143640" y="60840"/>
-            <a:ext cx="9536040" cy="669600"/>
+            <a:off x="143280" y="60480"/>
+            <a:ext cx="9537120" cy="669600"/>
           </a:xfrm>
           <a:prstGeom prst="rect">
             <a:avLst/>
@@ -8172,7 +9497,11 @@
             </a:pPr>
             <a:r>
               <a:rPr b="0" lang="sk-SK" sz="4400" spc="-1" strike="noStrike">
+                <a:solidFill>
+                  <a:srgbClr val="000000"/>
+                </a:solidFill>
                 <a:latin typeface="Arial"/>
+                <a:ea typeface="DejaVu Sans"/>
               </a:rPr>
               <a:t>Homicide Reports, 1980-2014</a:t>
             </a:r>
@@ -8194,8 +9523,8 @@
         </p:blipFill>
         <p:spPr>
           <a:xfrm>
-            <a:off x="1645920" y="822960"/>
-            <a:ext cx="6712200" cy="4754520"/>
+            <a:off x="1645920" y="822600"/>
+            <a:ext cx="6712920" cy="4754160"/>
           </a:xfrm>
           <a:prstGeom prst="rect">
             <a:avLst/>
@@ -8205,6 +9534,450 @@
           </a:ln>
         </p:spPr>
       </p:pic>
+    </p:spTree>
+  </p:cSld>
+  <mc:AlternateContent>
+    <mc:Choice Requires="p14">
+      <p:transition spd="slow" p14:dur="2000"/>
+    </mc:Choice>
+    <mc:Fallback>
+      <p:transition spd="slow"/>
+    </mc:Fallback>
+  </mc:AlternateContent>
+</p:sld>
+</file>
+
+<file path=ppt/slides/slide40.xml><?xml version="1.0" encoding="utf-8"?>
+<p:sld xmlns:a="http://schemas.openxmlformats.org/drawingml/2006/main" xmlns:p="http://schemas.openxmlformats.org/presentationml/2006/main" xmlns:r="http://schemas.openxmlformats.org/officeDocument/2006/relationships" xmlns:p14="http://schemas.microsoft.com/office/powerpoint/2010/main" xmlns:p15="http://schemas.microsoft.com/office/powerpoint/2012/main" xmlns:mc="http://schemas.openxmlformats.org/markup-compatibility/2006">
+  <p:cSld>
+    <p:spTree>
+      <p:nvGrpSpPr>
+        <p:cNvPr id="1" name=""/>
+        <p:cNvGrpSpPr/>
+        <p:nvPr/>
+      </p:nvGrpSpPr>
+      <p:grpSpPr>
+        <a:xfrm>
+          <a:off x="0" y="0"/>
+          <a:ext cx="0" cy="0"/>
+          <a:chOff x="0" y="0"/>
+          <a:chExt cx="0" cy="0"/>
+        </a:xfrm>
+      </p:grpSpPr>
+      <p:sp>
+        <p:nvSpPr>
+          <p:cNvPr id="207" name="CustomShape 1"/>
+          <p:cNvSpPr/>
+          <p:nvPr/>
+        </p:nvSpPr>
+        <p:spPr>
+          <a:xfrm>
+            <a:off x="143280" y="60480"/>
+            <a:ext cx="9537120" cy="669600"/>
+          </a:xfrm>
+          <a:prstGeom prst="rect">
+            <a:avLst/>
+          </a:prstGeom>
+          <a:noFill/>
+          <a:ln>
+            <a:noFill/>
+          </a:ln>
+        </p:spPr>
+        <p:style>
+          <a:lnRef idx="0"/>
+          <a:fillRef idx="0"/>
+          <a:effectRef idx="0"/>
+          <a:fontRef idx="minor"/>
+        </p:style>
+        <p:txBody>
+          <a:bodyPr lIns="0" rIns="0" tIns="0" bIns="0" anchor="ctr">
+            <a:spAutoFit/>
+          </a:bodyPr>
+          <a:p>
+            <a:pPr>
+              <a:lnSpc>
+                <a:spcPct val="100000"/>
+              </a:lnSpc>
+            </a:pPr>
+            <a:r>
+              <a:rPr b="0" lang="sk-SK" sz="4400" spc="-1" strike="noStrike">
+                <a:solidFill>
+                  <a:srgbClr val="000000"/>
+                </a:solidFill>
+                <a:latin typeface="Arial"/>
+                <a:ea typeface="DejaVu Sans"/>
+              </a:rPr>
+              <a:t>Chyba</a:t>
+            </a:r>
+            <a:endParaRPr b="0" lang="sk-SK" sz="4400" spc="-1" strike="noStrike">
+              <a:latin typeface="Arial"/>
+            </a:endParaRPr>
+          </a:p>
+        </p:txBody>
+      </p:sp>
+      <p:pic>
+        <p:nvPicPr>
+          <p:cNvPr id="208" name="" descr=""/>
+          <p:cNvPicPr/>
+          <p:nvPr/>
+        </p:nvPicPr>
+        <p:blipFill>
+          <a:blip r:embed="rId1"/>
+          <a:stretch/>
+        </p:blipFill>
+        <p:spPr>
+          <a:xfrm>
+            <a:off x="2232000" y="1069200"/>
+            <a:ext cx="5846760" cy="4186800"/>
+          </a:xfrm>
+          <a:prstGeom prst="rect">
+            <a:avLst/>
+          </a:prstGeom>
+          <a:ln>
+            <a:noFill/>
+          </a:ln>
+        </p:spPr>
+      </p:pic>
+      <p:sp>
+        <p:nvSpPr>
+          <p:cNvPr id="209" name="TextShape 2"/>
+          <p:cNvSpPr txBox="1"/>
+          <p:nvPr/>
+        </p:nvSpPr>
+        <p:spPr>
+          <a:xfrm>
+            <a:off x="8208000" y="5305680"/>
+            <a:ext cx="1656000" cy="238320"/>
+          </a:xfrm>
+          <a:prstGeom prst="rect">
+            <a:avLst/>
+          </a:prstGeom>
+          <a:noFill/>
+          <a:ln>
+            <a:noFill/>
+          </a:ln>
+        </p:spPr>
+        <p:txBody>
+          <a:bodyPr lIns="90000" rIns="90000" tIns="45000" bIns="45000">
+            <a:spAutoFit/>
+          </a:bodyPr>
+          <a:p>
+            <a:r>
+              <a:rPr b="0" lang="sk-SK" sz="1050" spc="-1" strike="noStrike">
+                <a:latin typeface="Arial"/>
+              </a:rPr>
+              <a:t>Doplnené po deadline</a:t>
+            </a:r>
+            <a:endParaRPr b="0" lang="sk-SK" sz="1050" spc="-1" strike="noStrike">
+              <a:latin typeface="Arial"/>
+            </a:endParaRPr>
+          </a:p>
+        </p:txBody>
+      </p:sp>
+    </p:spTree>
+  </p:cSld>
+  <mc:AlternateContent>
+    <mc:Choice Requires="p14">
+      <p:transition spd="slow" p14:dur="2000"/>
+    </mc:Choice>
+    <mc:Fallback>
+      <p:transition spd="slow"/>
+    </mc:Fallback>
+  </mc:AlternateContent>
+</p:sld>
+</file>
+
+<file path=ppt/slides/slide41.xml><?xml version="1.0" encoding="utf-8"?>
+<p:sld xmlns:a="http://schemas.openxmlformats.org/drawingml/2006/main" xmlns:p="http://schemas.openxmlformats.org/presentationml/2006/main" xmlns:r="http://schemas.openxmlformats.org/officeDocument/2006/relationships" xmlns:p14="http://schemas.microsoft.com/office/powerpoint/2010/main" xmlns:p15="http://schemas.microsoft.com/office/powerpoint/2012/main" xmlns:mc="http://schemas.openxmlformats.org/markup-compatibility/2006">
+  <p:cSld>
+    <p:spTree>
+      <p:nvGrpSpPr>
+        <p:cNvPr id="1" name=""/>
+        <p:cNvGrpSpPr/>
+        <p:nvPr/>
+      </p:nvGrpSpPr>
+      <p:grpSpPr>
+        <a:xfrm>
+          <a:off x="0" y="0"/>
+          <a:ext cx="0" cy="0"/>
+          <a:chOff x="0" y="0"/>
+          <a:chExt cx="0" cy="0"/>
+        </a:xfrm>
+      </p:grpSpPr>
+      <p:sp>
+        <p:nvSpPr>
+          <p:cNvPr id="210" name="CustomShape 1"/>
+          <p:cNvSpPr/>
+          <p:nvPr/>
+        </p:nvSpPr>
+        <p:spPr>
+          <a:xfrm>
+            <a:off x="182520" y="425880"/>
+            <a:ext cx="9537120" cy="670320"/>
+          </a:xfrm>
+          <a:prstGeom prst="rect">
+            <a:avLst/>
+          </a:prstGeom>
+          <a:noFill/>
+          <a:ln>
+            <a:noFill/>
+          </a:ln>
+        </p:spPr>
+        <p:style>
+          <a:lnRef idx="0"/>
+          <a:fillRef idx="0"/>
+          <a:effectRef idx="0"/>
+          <a:fontRef idx="minor"/>
+        </p:style>
+        <p:txBody>
+          <a:bodyPr lIns="0" rIns="0" tIns="0" bIns="0" anchor="ctr">
+            <a:spAutoFit/>
+          </a:bodyPr>
+          <a:p>
+            <a:pPr>
+              <a:lnSpc>
+                <a:spcPct val="100000"/>
+              </a:lnSpc>
+            </a:pPr>
+            <a:r>
+              <a:rPr b="0" lang="sk-SK" sz="4400" spc="-1" strike="noStrike">
+                <a:solidFill>
+                  <a:srgbClr val="000000"/>
+                </a:solidFill>
+                <a:latin typeface="Arial"/>
+                <a:ea typeface="DejaVu Sans"/>
+              </a:rPr>
+              <a:t>Vyhodnotenia</a:t>
+            </a:r>
+            <a:endParaRPr b="0" lang="sk-SK" sz="4400" spc="-1" strike="noStrike">
+              <a:latin typeface="Arial"/>
+            </a:endParaRPr>
+          </a:p>
+        </p:txBody>
+      </p:sp>
+      <p:sp>
+        <p:nvSpPr>
+          <p:cNvPr id="211" name="CustomShape 2"/>
+          <p:cNvSpPr/>
+          <p:nvPr/>
+        </p:nvSpPr>
+        <p:spPr>
+          <a:xfrm>
+            <a:off x="1554480" y="1645560"/>
+            <a:ext cx="5578200" cy="2558520"/>
+          </a:xfrm>
+          <a:prstGeom prst="rect">
+            <a:avLst/>
+          </a:prstGeom>
+          <a:noFill/>
+          <a:ln>
+            <a:noFill/>
+          </a:ln>
+        </p:spPr>
+        <p:style>
+          <a:lnRef idx="0"/>
+          <a:fillRef idx="0"/>
+          <a:effectRef idx="0"/>
+          <a:fontRef idx="minor"/>
+        </p:style>
+        <p:txBody>
+          <a:bodyPr lIns="90000" rIns="90000" tIns="45000" bIns="45000">
+            <a:spAutoFit/>
+          </a:bodyPr>
+          <a:p>
+            <a:pPr>
+              <a:lnSpc>
+                <a:spcPct val="100000"/>
+              </a:lnSpc>
+            </a:pPr>
+            <a:r>
+              <a:rPr b="0" lang="sk-SK" sz="1800" spc="-1" strike="noStrike">
+                <a:solidFill>
+                  <a:srgbClr val="000000"/>
+                </a:solidFill>
+                <a:latin typeface="Arial"/>
+                <a:ea typeface="DejaVu Sans"/>
+              </a:rPr>
+              <a:t>Pochopenie dát je kľučové</a:t>
+            </a:r>
+            <a:endParaRPr b="0" lang="sk-SK" sz="1800" spc="-1" strike="noStrike">
+              <a:latin typeface="Arial"/>
+            </a:endParaRPr>
+          </a:p>
+          <a:p>
+            <a:pPr>
+              <a:lnSpc>
+                <a:spcPct val="100000"/>
+              </a:lnSpc>
+            </a:pPr>
+            <a:endParaRPr b="0" lang="sk-SK" sz="1800" spc="-1" strike="noStrike">
+              <a:latin typeface="Arial"/>
+            </a:endParaRPr>
+          </a:p>
+          <a:p>
+            <a:pPr>
+              <a:lnSpc>
+                <a:spcPct val="100000"/>
+              </a:lnSpc>
+            </a:pPr>
+            <a:r>
+              <a:rPr b="0" lang="sk-SK" sz="1800" spc="-1" strike="noStrike">
+                <a:solidFill>
+                  <a:srgbClr val="000000"/>
+                </a:solidFill>
+                <a:latin typeface="Arial"/>
+                <a:ea typeface="DejaVu Sans"/>
+              </a:rPr>
+              <a:t>Každý problém má svoje osobitné riešenie</a:t>
+            </a:r>
+            <a:endParaRPr b="0" lang="sk-SK" sz="1800" spc="-1" strike="noStrike">
+              <a:latin typeface="Arial"/>
+            </a:endParaRPr>
+          </a:p>
+          <a:p>
+            <a:pPr>
+              <a:lnSpc>
+                <a:spcPct val="100000"/>
+              </a:lnSpc>
+            </a:pPr>
+            <a:endParaRPr b="0" lang="sk-SK" sz="1800" spc="-1" strike="noStrike">
+              <a:latin typeface="Arial"/>
+            </a:endParaRPr>
+          </a:p>
+          <a:p>
+            <a:pPr>
+              <a:lnSpc>
+                <a:spcPct val="100000"/>
+              </a:lnSpc>
+            </a:pPr>
+            <a:r>
+              <a:rPr b="0" lang="sk-SK" sz="1800" spc="-1" strike="noStrike">
+                <a:solidFill>
+                  <a:srgbClr val="000000"/>
+                </a:solidFill>
+                <a:latin typeface="Arial"/>
+                <a:ea typeface="DejaVu Sans"/>
+              </a:rPr>
+              <a:t>Niekedy viacero features nie je vhod</a:t>
+            </a:r>
+            <a:endParaRPr b="0" lang="sk-SK" sz="1800" spc="-1" strike="noStrike">
+              <a:latin typeface="Arial"/>
+            </a:endParaRPr>
+          </a:p>
+          <a:p>
+            <a:pPr>
+              <a:lnSpc>
+                <a:spcPct val="100000"/>
+              </a:lnSpc>
+            </a:pPr>
+            <a:endParaRPr b="0" lang="sk-SK" sz="1800" spc="-1" strike="noStrike">
+              <a:latin typeface="Arial"/>
+            </a:endParaRPr>
+          </a:p>
+          <a:p>
+            <a:pPr>
+              <a:lnSpc>
+                <a:spcPct val="100000"/>
+              </a:lnSpc>
+            </a:pPr>
+            <a:r>
+              <a:rPr b="0" lang="sk-SK" sz="1800" spc="-1" strike="noStrike">
+                <a:solidFill>
+                  <a:srgbClr val="000000"/>
+                </a:solidFill>
+                <a:latin typeface="Arial"/>
+                <a:ea typeface="DejaVu Sans"/>
+              </a:rPr>
+              <a:t>Väčšia znalosť tematiky a nástrojov je potrebná na navrhovanie špecifického riešenia, keď sa nepracuje v dummy dátami</a:t>
+            </a:r>
+            <a:endParaRPr b="0" lang="sk-SK" sz="1800" spc="-1" strike="noStrike">
+              <a:latin typeface="Arial"/>
+            </a:endParaRPr>
+          </a:p>
+        </p:txBody>
+      </p:sp>
+    </p:spTree>
+  </p:cSld>
+  <mc:AlternateContent>
+    <mc:Choice Requires="p14">
+      <p:transition spd="slow" p14:dur="2000"/>
+    </mc:Choice>
+    <mc:Fallback>
+      <p:transition spd="slow"/>
+    </mc:Fallback>
+  </mc:AlternateContent>
+</p:sld>
+</file>
+
+<file path=ppt/slides/slide42.xml><?xml version="1.0" encoding="utf-8"?>
+<p:sld xmlns:a="http://schemas.openxmlformats.org/drawingml/2006/main" xmlns:p="http://schemas.openxmlformats.org/presentationml/2006/main" xmlns:r="http://schemas.openxmlformats.org/officeDocument/2006/relationships" xmlns:p14="http://schemas.microsoft.com/office/powerpoint/2010/main" xmlns:p15="http://schemas.microsoft.com/office/powerpoint/2012/main" xmlns:mc="http://schemas.openxmlformats.org/markup-compatibility/2006">
+  <p:cSld>
+    <p:spTree>
+      <p:nvGrpSpPr>
+        <p:cNvPr id="1" name=""/>
+        <p:cNvGrpSpPr/>
+        <p:nvPr/>
+      </p:nvGrpSpPr>
+      <p:grpSpPr>
+        <a:xfrm>
+          <a:off x="0" y="0"/>
+          <a:ext cx="0" cy="0"/>
+          <a:chOff x="0" y="0"/>
+          <a:chExt cx="0" cy="0"/>
+        </a:xfrm>
+      </p:grpSpPr>
+      <p:sp>
+        <p:nvSpPr>
+          <p:cNvPr id="212" name="CustomShape 1"/>
+          <p:cNvSpPr/>
+          <p:nvPr/>
+        </p:nvSpPr>
+        <p:spPr>
+          <a:xfrm>
+            <a:off x="2071800" y="2205360"/>
+            <a:ext cx="5971320" cy="1339920"/>
+          </a:xfrm>
+          <a:prstGeom prst="rect">
+            <a:avLst/>
+          </a:prstGeom>
+          <a:noFill/>
+          <a:ln>
+            <a:noFill/>
+          </a:ln>
+        </p:spPr>
+        <p:style>
+          <a:lnRef idx="0"/>
+          <a:fillRef idx="0"/>
+          <a:effectRef idx="0"/>
+          <a:fontRef idx="minor"/>
+        </p:style>
+        <p:txBody>
+          <a:bodyPr lIns="0" rIns="0" tIns="0" bIns="0" anchor="ctr">
+            <a:spAutoFit/>
+          </a:bodyPr>
+          <a:p>
+            <a:pPr algn="ctr">
+              <a:lnSpc>
+                <a:spcPct val="100000"/>
+              </a:lnSpc>
+            </a:pPr>
+            <a:r>
+              <a:rPr b="0" lang="sk-SK" sz="4400" spc="-1" strike="noStrike">
+                <a:solidFill>
+                  <a:srgbClr val="000000"/>
+                </a:solidFill>
+                <a:latin typeface="Arial"/>
+                <a:ea typeface="DejaVu Sans"/>
+              </a:rPr>
+              <a:t>Ďakujem za pozornosť.</a:t>
+            </a:r>
+            <a:br/>
+            <a:endParaRPr b="0" lang="sk-SK" sz="4400" spc="-1" strike="noStrike">
+              <a:latin typeface="Arial"/>
+            </a:endParaRPr>
+          </a:p>
+        </p:txBody>
+      </p:sp>
     </p:spTree>
   </p:cSld>
   <mc:AlternateContent>
@@ -8243,8 +10016,8 @@
         </p:nvSpPr>
         <p:spPr>
           <a:xfrm>
-            <a:off x="143640" y="60840"/>
-            <a:ext cx="9536040" cy="669600"/>
+            <a:off x="143280" y="60480"/>
+            <a:ext cx="9537120" cy="669600"/>
           </a:xfrm>
           <a:prstGeom prst="rect">
             <a:avLst/>
@@ -8272,9 +10045,13 @@
             </a:pPr>
             <a:r>
               <a:rPr b="0" lang="sk-SK" sz="4400" spc="-1" strike="noStrike">
+                <a:solidFill>
+                  <a:srgbClr val="000000"/>
+                </a:solidFill>
                 <a:latin typeface="Arial"/>
+                <a:ea typeface="DejaVu Sans"/>
               </a:rPr>
-              <a:t>Homicide Reports, 1990-2014</a:t>
+              <a:t>Homicide Reports, 1980-2014</a:t>
             </a:r>
             <a:endParaRPr b="0" lang="sk-SK" sz="4400" spc="-1" strike="noStrike">
               <a:latin typeface="Arial"/>
@@ -8294,31 +10071,8 @@
         </p:blipFill>
         <p:spPr>
           <a:xfrm>
-            <a:off x="185040" y="790200"/>
-            <a:ext cx="4752720" cy="3272040"/>
-          </a:xfrm>
-          <a:prstGeom prst="rect">
-            <a:avLst/>
-          </a:prstGeom>
-          <a:ln>
-            <a:noFill/>
-          </a:ln>
-        </p:spPr>
-      </p:pic>
-      <p:pic>
-        <p:nvPicPr>
-          <p:cNvPr id="126" name="" descr=""/>
-          <p:cNvPicPr/>
-          <p:nvPr/>
-        </p:nvPicPr>
-        <p:blipFill>
-          <a:blip r:embed="rId2"/>
-          <a:stretch/>
-        </p:blipFill>
-        <p:spPr>
-          <a:xfrm>
-            <a:off x="4937760" y="2011680"/>
-            <a:ext cx="4930920" cy="3383280"/>
+            <a:off x="1368000" y="730080"/>
+            <a:ext cx="6923520" cy="4904280"/>
           </a:xfrm>
           <a:prstGeom prst="rect">
             <a:avLst/>
@@ -8360,14 +10114,14 @@
       </p:grpSpPr>
       <p:sp>
         <p:nvSpPr>
-          <p:cNvPr id="127" name="CustomShape 1"/>
+          <p:cNvPr id="126" name="CustomShape 1"/>
           <p:cNvSpPr/>
           <p:nvPr/>
         </p:nvSpPr>
         <p:spPr>
           <a:xfrm>
-            <a:off x="143640" y="60840"/>
-            <a:ext cx="9536040" cy="669600"/>
+            <a:off x="143280" y="60480"/>
+            <a:ext cx="9537120" cy="669600"/>
           </a:xfrm>
           <a:prstGeom prst="rect">
             <a:avLst/>
@@ -8395,9 +10149,13 @@
             </a:pPr>
             <a:r>
               <a:rPr b="0" lang="sk-SK" sz="4400" spc="-1" strike="noStrike">
+                <a:solidFill>
+                  <a:srgbClr val="000000"/>
+                </a:solidFill>
                 <a:latin typeface="Arial"/>
+                <a:ea typeface="DejaVu Sans"/>
               </a:rPr>
-              <a:t>Homicide Reports, 1990-2014</a:t>
+              <a:t>Homicide Reports, 1980-2014</a:t>
             </a:r>
             <a:endParaRPr b="0" lang="sk-SK" sz="4400" spc="-1" strike="noStrike">
               <a:latin typeface="Arial"/>
@@ -8405,6 +10163,29 @@
           </a:p>
         </p:txBody>
       </p:sp>
+      <p:pic>
+        <p:nvPicPr>
+          <p:cNvPr id="127" name="" descr=""/>
+          <p:cNvPicPr/>
+          <p:nvPr/>
+        </p:nvPicPr>
+        <p:blipFill>
+          <a:blip r:embed="rId1"/>
+          <a:stretch/>
+        </p:blipFill>
+        <p:spPr>
+          <a:xfrm>
+            <a:off x="184680" y="789840"/>
+            <a:ext cx="4752720" cy="3271680"/>
+          </a:xfrm>
+          <a:prstGeom prst="rect">
+            <a:avLst/>
+          </a:prstGeom>
+          <a:ln>
+            <a:noFill/>
+          </a:ln>
+        </p:spPr>
+      </p:pic>
       <p:pic>
         <p:nvPicPr>
           <p:cNvPr id="128" name="" descr=""/>
@@ -8412,13 +10193,13 @@
           <p:nvPr/>
         </p:nvPicPr>
         <p:blipFill>
-          <a:blip r:embed="rId1"/>
+          <a:blip r:embed="rId2"/>
           <a:stretch/>
         </p:blipFill>
         <p:spPr>
           <a:xfrm>
-            <a:off x="2066400" y="822960"/>
-            <a:ext cx="5943600" cy="4814640"/>
+            <a:off x="4938480" y="2011680"/>
+            <a:ext cx="4930920" cy="3382920"/>
           </a:xfrm>
           <a:prstGeom prst="rect">
             <a:avLst/>
@@ -8466,8 +10247,8 @@
         </p:nvSpPr>
         <p:spPr>
           <a:xfrm>
-            <a:off x="143640" y="60840"/>
-            <a:ext cx="9536040" cy="669600"/>
+            <a:off x="143280" y="60480"/>
+            <a:ext cx="9537120" cy="669600"/>
           </a:xfrm>
           <a:prstGeom prst="rect">
             <a:avLst/>
@@ -8495,7 +10276,11 @@
             </a:pPr>
             <a:r>
               <a:rPr b="0" lang="sk-SK" sz="4400" spc="-1" strike="noStrike">
+                <a:solidFill>
+                  <a:srgbClr val="000000"/>
+                </a:solidFill>
                 <a:latin typeface="Arial"/>
+                <a:ea typeface="DejaVu Sans"/>
               </a:rPr>
               <a:t>Homicide Reports, 1980-2014</a:t>
             </a:r>
@@ -8517,8 +10302,8 @@
         </p:blipFill>
         <p:spPr>
           <a:xfrm>
-            <a:off x="1736640" y="914040"/>
-            <a:ext cx="5978160" cy="4091400"/>
+            <a:off x="2066400" y="822600"/>
+            <a:ext cx="5943960" cy="4814280"/>
           </a:xfrm>
           <a:prstGeom prst="rect">
             <a:avLst/>
@@ -8566,8 +10351,8 @@
         </p:nvSpPr>
         <p:spPr>
           <a:xfrm>
-            <a:off x="143640" y="60840"/>
-            <a:ext cx="9536040" cy="669600"/>
+            <a:off x="143280" y="60480"/>
+            <a:ext cx="9537120" cy="669600"/>
           </a:xfrm>
           <a:prstGeom prst="rect">
             <a:avLst/>
@@ -8595,7 +10380,11 @@
             </a:pPr>
             <a:r>
               <a:rPr b="0" lang="sk-SK" sz="4400" spc="-1" strike="noStrike">
+                <a:solidFill>
+                  <a:srgbClr val="000000"/>
+                </a:solidFill>
                 <a:latin typeface="Arial"/>
+                <a:ea typeface="DejaVu Sans"/>
               </a:rPr>
               <a:t>Homicide Reports, 1980-2014</a:t>
             </a:r>
@@ -8617,8 +10406,8 @@
         </p:blipFill>
         <p:spPr>
           <a:xfrm>
-            <a:off x="1736640" y="898920"/>
-            <a:ext cx="6173640" cy="4220280"/>
+            <a:off x="1463040" y="730080"/>
+            <a:ext cx="6312960" cy="5112000"/>
           </a:xfrm>
           <a:prstGeom prst="rect">
             <a:avLst/>
@@ -8666,8 +10455,8 @@
         </p:nvSpPr>
         <p:spPr>
           <a:xfrm>
-            <a:off x="143640" y="60840"/>
-            <a:ext cx="9536040" cy="669600"/>
+            <a:off x="143280" y="60480"/>
+            <a:ext cx="9537120" cy="669600"/>
           </a:xfrm>
           <a:prstGeom prst="rect">
             <a:avLst/>
@@ -8695,7 +10484,11 @@
             </a:pPr>
             <a:r>
               <a:rPr b="0" lang="sk-SK" sz="4400" spc="-1" strike="noStrike">
+                <a:solidFill>
+                  <a:srgbClr val="000000"/>
+                </a:solidFill>
                 <a:latin typeface="Arial"/>
+                <a:ea typeface="DejaVu Sans"/>
               </a:rPr>
               <a:t>Homicide Reports, 1980-2014</a:t>
             </a:r>
@@ -8717,8 +10510,8 @@
         </p:blipFill>
         <p:spPr>
           <a:xfrm>
-            <a:off x="1783080" y="1055520"/>
-            <a:ext cx="5803560" cy="3972240"/>
+            <a:off x="1736640" y="913680"/>
+            <a:ext cx="5978520" cy="4091040"/>
           </a:xfrm>
           <a:prstGeom prst="rect">
             <a:avLst/>
